--- a/Low Quality News Identification.pptx
+++ b/Low Quality News Identification.pptx
@@ -11,8 +11,10 @@
     <p:sldId id="264" r:id="rId5"/>
     <p:sldId id="261" r:id="rId6"/>
     <p:sldId id="263" r:id="rId7"/>
-    <p:sldId id="262" r:id="rId8"/>
-    <p:sldId id="260" r:id="rId9"/>
+    <p:sldId id="267" r:id="rId8"/>
+    <p:sldId id="268" r:id="rId9"/>
+    <p:sldId id="262" r:id="rId10"/>
+    <p:sldId id="260" r:id="rId11"/>
   </p:sldIdLst>
   <p:sldSz cx="12192000" cy="6858000"/>
   <p:notesSz cx="6858000" cy="9144000"/>
@@ -115,6 +117,369 @@
 </file>
 
 <file path=ppt/charts/chart1.xml><?xml version="1.0" encoding="utf-8"?>
+<c:chartSpace xmlns:c="http://schemas.openxmlformats.org/drawingml/2006/chart" xmlns:a="http://schemas.openxmlformats.org/drawingml/2006/main" xmlns:r="http://schemas.openxmlformats.org/officeDocument/2006/relationships" xmlns:c16r2="http://schemas.microsoft.com/office/drawing/2015/06/chart">
+  <c:date1904 val="0"/>
+  <c:lang val="en-US"/>
+  <c:roundedCorners val="0"/>
+  <mc:AlternateContent xmlns:mc="http://schemas.openxmlformats.org/markup-compatibility/2006">
+    <mc:Choice xmlns:c14="http://schemas.microsoft.com/office/drawing/2007/8/2/chart" Requires="c14">
+      <c14:style val="102"/>
+    </mc:Choice>
+    <mc:Fallback>
+      <c:style val="2"/>
+    </mc:Fallback>
+  </mc:AlternateContent>
+  <c:chart>
+    <c:title>
+      <c:tx>
+        <c:rich>
+          <a:bodyPr rot="0" spcFirstLastPara="1" vertOverflow="ellipsis" vert="horz" wrap="square" anchor="ctr" anchorCtr="1"/>
+          <a:lstStyle/>
+          <a:p>
+            <a:pPr>
+              <a:defRPr sz="1400" b="0" i="0" u="none" strike="noStrike" kern="1200" spc="0" baseline="0">
+                <a:solidFill>
+                  <a:schemeClr val="tx1">
+                    <a:lumMod val="65000"/>
+                    <a:lumOff val="35000"/>
+                  </a:schemeClr>
+                </a:solidFill>
+                <a:latin typeface="+mn-lt"/>
+                <a:ea typeface="+mn-ea"/>
+                <a:cs typeface="+mn-cs"/>
+              </a:defRPr>
+            </a:pPr>
+            <a:r>
+              <a:rPr lang="en-US"/>
+              <a:t>Accuracy</a:t>
+            </a:r>
+            <a:r>
+              <a:rPr lang="en-US" baseline="0"/>
+              <a:t> on training data</a:t>
+            </a:r>
+            <a:endParaRPr lang="en-US"/>
+          </a:p>
+        </c:rich>
+      </c:tx>
+      <c:overlay val="0"/>
+      <c:spPr>
+        <a:noFill/>
+        <a:ln>
+          <a:noFill/>
+        </a:ln>
+        <a:effectLst/>
+      </c:spPr>
+      <c:txPr>
+        <a:bodyPr rot="0" spcFirstLastPara="1" vertOverflow="ellipsis" vert="horz" wrap="square" anchor="ctr" anchorCtr="1"/>
+        <a:lstStyle/>
+        <a:p>
+          <a:pPr>
+            <a:defRPr sz="1400" b="0" i="0" u="none" strike="noStrike" kern="1200" spc="0" baseline="0">
+              <a:solidFill>
+                <a:schemeClr val="tx1">
+                  <a:lumMod val="65000"/>
+                  <a:lumOff val="35000"/>
+                </a:schemeClr>
+              </a:solidFill>
+              <a:latin typeface="+mn-lt"/>
+              <a:ea typeface="+mn-ea"/>
+              <a:cs typeface="+mn-cs"/>
+            </a:defRPr>
+          </a:pPr>
+          <a:endParaRPr lang="en-US"/>
+        </a:p>
+      </c:txPr>
+    </c:title>
+    <c:autoTitleDeleted val="0"/>
+    <c:plotArea>
+      <c:layout/>
+      <c:lineChart>
+        <c:grouping val="standard"/>
+        <c:varyColors val="0"/>
+        <c:ser>
+          <c:idx val="0"/>
+          <c:order val="0"/>
+          <c:spPr>
+            <a:ln w="28575" cap="rnd">
+              <a:solidFill>
+                <a:schemeClr val="accent1"/>
+              </a:solidFill>
+              <a:round/>
+            </a:ln>
+            <a:effectLst/>
+          </c:spPr>
+          <c:marker>
+            <c:symbol val="none"/>
+          </c:marker>
+          <c:cat>
+            <c:strRef>
+              <c:f>[Book1]Sheet1!$A$1:$A$15</c:f>
+              <c:strCache>
+                <c:ptCount val="15"/>
+                <c:pt idx="0">
+                  <c:v>Fluency</c:v>
+                </c:pt>
+                <c:pt idx="1">
+                  <c:v>Conciseness</c:v>
+                </c:pt>
+                <c:pt idx="2">
+                  <c:v>Descriptiveness</c:v>
+                </c:pt>
+                <c:pt idx="3">
+                  <c:v>Novelty</c:v>
+                </c:pt>
+                <c:pt idx="4">
+                  <c:v>Completeness</c:v>
+                </c:pt>
+                <c:pt idx="5">
+                  <c:v>Referencing</c:v>
+                </c:pt>
+                <c:pt idx="6">
+                  <c:v>Formality</c:v>
+                </c:pt>
+                <c:pt idx="7">
+                  <c:v>Richness</c:v>
+                </c:pt>
+                <c:pt idx="8">
+                  <c:v>Attractiveness</c:v>
+                </c:pt>
+                <c:pt idx="9">
+                  <c:v>Technicality</c:v>
+                </c:pt>
+                <c:pt idx="10">
+                  <c:v>Popularity</c:v>
+                </c:pt>
+                <c:pt idx="11">
+                  <c:v>Subjectivity</c:v>
+                </c:pt>
+                <c:pt idx="12">
+                  <c:v>Positive Emotion</c:v>
+                </c:pt>
+                <c:pt idx="13">
+                  <c:v>Negative Emotion</c:v>
+                </c:pt>
+                <c:pt idx="14">
+                  <c:v>Quality</c:v>
+                </c:pt>
+              </c:strCache>
+            </c:strRef>
+          </c:cat>
+          <c:val>
+            <c:numRef>
+              <c:f>[Book1]Sheet1!$B$1:$B$15</c:f>
+              <c:numCache>
+                <c:formatCode>General</c:formatCode>
+                <c:ptCount val="15"/>
+                <c:pt idx="0">
+                  <c:v>0.85321100000000005</c:v>
+                </c:pt>
+                <c:pt idx="1">
+                  <c:v>0.92660600000000004</c:v>
+                </c:pt>
+                <c:pt idx="2">
+                  <c:v>0.88990800000000003</c:v>
+                </c:pt>
+                <c:pt idx="3">
+                  <c:v>0.788991</c:v>
+                </c:pt>
+                <c:pt idx="4">
+                  <c:v>0.90825699999999998</c:v>
+                </c:pt>
+                <c:pt idx="5">
+                  <c:v>0.77064200000000005</c:v>
+                </c:pt>
+                <c:pt idx="6">
+                  <c:v>0.90825699999999998</c:v>
+                </c:pt>
+                <c:pt idx="7">
+                  <c:v>0.99082599999999998</c:v>
+                </c:pt>
+                <c:pt idx="8">
+                  <c:v>0.99082599999999998</c:v>
+                </c:pt>
+                <c:pt idx="9">
+                  <c:v>0.90825699999999998</c:v>
+                </c:pt>
+                <c:pt idx="10">
+                  <c:v>0.87156</c:v>
+                </c:pt>
+                <c:pt idx="11">
+                  <c:v>0.97247700000000004</c:v>
+                </c:pt>
+                <c:pt idx="12">
+                  <c:v>1</c:v>
+                </c:pt>
+                <c:pt idx="13">
+                  <c:v>0.953704</c:v>
+                </c:pt>
+                <c:pt idx="14">
+                  <c:v>0.90740699999999996</c:v>
+                </c:pt>
+              </c:numCache>
+            </c:numRef>
+          </c:val>
+          <c:smooth val="0"/>
+          <c:extLst>
+            <c:ext xmlns:c16="http://schemas.microsoft.com/office/drawing/2014/chart" uri="{C3380CC4-5D6E-409C-BE32-E72D297353CC}">
+              <c16:uniqueId val="{00000000-363F-4829-A51E-5FFD9B1952CD}"/>
+            </c:ext>
+          </c:extLst>
+        </c:ser>
+        <c:dLbls>
+          <c:showLegendKey val="0"/>
+          <c:showVal val="0"/>
+          <c:showCatName val="0"/>
+          <c:showSerName val="0"/>
+          <c:showPercent val="0"/>
+          <c:showBubbleSize val="0"/>
+        </c:dLbls>
+        <c:smooth val="0"/>
+        <c:axId val="413850552"/>
+        <c:axId val="413850880"/>
+      </c:lineChart>
+      <c:catAx>
+        <c:axId val="413850552"/>
+        <c:scaling>
+          <c:orientation val="minMax"/>
+        </c:scaling>
+        <c:delete val="0"/>
+        <c:axPos val="b"/>
+        <c:numFmt formatCode="General" sourceLinked="1"/>
+        <c:majorTickMark val="none"/>
+        <c:minorTickMark val="none"/>
+        <c:tickLblPos val="nextTo"/>
+        <c:spPr>
+          <a:noFill/>
+          <a:ln w="9525" cap="flat" cmpd="sng" algn="ctr">
+            <a:solidFill>
+              <a:schemeClr val="tx1">
+                <a:lumMod val="15000"/>
+                <a:lumOff val="85000"/>
+              </a:schemeClr>
+            </a:solidFill>
+            <a:round/>
+          </a:ln>
+          <a:effectLst/>
+        </c:spPr>
+        <c:txPr>
+          <a:bodyPr rot="-60000000" spcFirstLastPara="1" vertOverflow="ellipsis" vert="horz" wrap="square" anchor="ctr" anchorCtr="1"/>
+          <a:lstStyle/>
+          <a:p>
+            <a:pPr>
+              <a:defRPr sz="900" b="0" i="0" u="none" strike="noStrike" kern="1200" baseline="0">
+                <a:solidFill>
+                  <a:schemeClr val="tx1">
+                    <a:lumMod val="65000"/>
+                    <a:lumOff val="35000"/>
+                  </a:schemeClr>
+                </a:solidFill>
+                <a:latin typeface="+mn-lt"/>
+                <a:ea typeface="+mn-ea"/>
+                <a:cs typeface="+mn-cs"/>
+              </a:defRPr>
+            </a:pPr>
+            <a:endParaRPr lang="en-US"/>
+          </a:p>
+        </c:txPr>
+        <c:crossAx val="413850880"/>
+        <c:crosses val="autoZero"/>
+        <c:auto val="1"/>
+        <c:lblAlgn val="ctr"/>
+        <c:lblOffset val="100"/>
+        <c:noMultiLvlLbl val="0"/>
+      </c:catAx>
+      <c:valAx>
+        <c:axId val="413850880"/>
+        <c:scaling>
+          <c:orientation val="minMax"/>
+        </c:scaling>
+        <c:delete val="0"/>
+        <c:axPos val="l"/>
+        <c:majorGridlines>
+          <c:spPr>
+            <a:ln w="9525" cap="flat" cmpd="sng" algn="ctr">
+              <a:solidFill>
+                <a:schemeClr val="tx1">
+                  <a:lumMod val="15000"/>
+                  <a:lumOff val="85000"/>
+                </a:schemeClr>
+              </a:solidFill>
+              <a:round/>
+            </a:ln>
+            <a:effectLst/>
+          </c:spPr>
+        </c:majorGridlines>
+        <c:numFmt formatCode="General" sourceLinked="1"/>
+        <c:majorTickMark val="none"/>
+        <c:minorTickMark val="none"/>
+        <c:tickLblPos val="nextTo"/>
+        <c:spPr>
+          <a:noFill/>
+          <a:ln>
+            <a:noFill/>
+          </a:ln>
+          <a:effectLst/>
+        </c:spPr>
+        <c:txPr>
+          <a:bodyPr rot="-60000000" spcFirstLastPara="1" vertOverflow="ellipsis" vert="horz" wrap="square" anchor="ctr" anchorCtr="1"/>
+          <a:lstStyle/>
+          <a:p>
+            <a:pPr>
+              <a:defRPr sz="900" b="0" i="0" u="none" strike="noStrike" kern="1200" baseline="0">
+                <a:solidFill>
+                  <a:schemeClr val="tx1">
+                    <a:lumMod val="65000"/>
+                    <a:lumOff val="35000"/>
+                  </a:schemeClr>
+                </a:solidFill>
+                <a:latin typeface="+mn-lt"/>
+                <a:ea typeface="+mn-ea"/>
+                <a:cs typeface="+mn-cs"/>
+              </a:defRPr>
+            </a:pPr>
+            <a:endParaRPr lang="en-US"/>
+          </a:p>
+        </c:txPr>
+        <c:crossAx val="413850552"/>
+        <c:crosses val="autoZero"/>
+        <c:crossBetween val="between"/>
+      </c:valAx>
+      <c:spPr>
+        <a:noFill/>
+        <a:ln>
+          <a:noFill/>
+        </a:ln>
+        <a:effectLst/>
+      </c:spPr>
+    </c:plotArea>
+    <c:plotVisOnly val="1"/>
+    <c:dispBlanksAs val="gap"/>
+    <c:showDLblsOverMax val="0"/>
+  </c:chart>
+  <c:spPr>
+    <a:noFill/>
+    <a:ln>
+      <a:noFill/>
+    </a:ln>
+    <a:effectLst/>
+  </c:spPr>
+  <c:txPr>
+    <a:bodyPr/>
+    <a:lstStyle/>
+    <a:p>
+      <a:pPr>
+        <a:defRPr/>
+      </a:pPr>
+      <a:endParaRPr lang="en-US"/>
+    </a:p>
+  </c:txPr>
+  <c:externalData r:id="rId3">
+    <c:autoUpdate val="0"/>
+  </c:externalData>
+</c:chartSpace>
+</file>
+
+<file path=ppt/charts/chart2.xml><?xml version="1.0" encoding="utf-8"?>
 <c:chartSpace xmlns:c="http://schemas.openxmlformats.org/drawingml/2006/chart" xmlns:a="http://schemas.openxmlformats.org/drawingml/2006/main" xmlns:r="http://schemas.openxmlformats.org/officeDocument/2006/relationships" xmlns:c16r2="http://schemas.microsoft.com/office/drawing/2015/06/chart">
   <c:date1904 val="0"/>
   <c:lang val="en-US"/>
@@ -477,7 +842,7 @@
 </c:chartSpace>
 </file>
 
-<file path=ppt/charts/chart2.xml><?xml version="1.0" encoding="utf-8"?>
+<file path=ppt/charts/chart3.xml><?xml version="1.0" encoding="utf-8"?>
 <c:chartSpace xmlns:c="http://schemas.openxmlformats.org/drawingml/2006/chart" xmlns:a="http://schemas.openxmlformats.org/drawingml/2006/main" xmlns:r="http://schemas.openxmlformats.org/officeDocument/2006/relationships" xmlns:c16r2="http://schemas.microsoft.com/office/drawing/2015/06/chart">
   <c:date1904 val="0"/>
   <c:lang val="en-US"/>
@@ -881,6 +1246,46 @@
 </file>
 
 <file path=ppt/charts/colors2.xml><?xml version="1.0" encoding="utf-8"?>
+<cs:colorStyle xmlns:cs="http://schemas.microsoft.com/office/drawing/2012/chartStyle" xmlns:a="http://schemas.openxmlformats.org/drawingml/2006/main" meth="cycle" id="10">
+  <a:schemeClr val="accent1"/>
+  <a:schemeClr val="accent2"/>
+  <a:schemeClr val="accent3"/>
+  <a:schemeClr val="accent4"/>
+  <a:schemeClr val="accent5"/>
+  <a:schemeClr val="accent6"/>
+  <cs:variation/>
+  <cs:variation>
+    <a:lumMod val="60000"/>
+  </cs:variation>
+  <cs:variation>
+    <a:lumMod val="80000"/>
+    <a:lumOff val="20000"/>
+  </cs:variation>
+  <cs:variation>
+    <a:lumMod val="80000"/>
+  </cs:variation>
+  <cs:variation>
+    <a:lumMod val="60000"/>
+    <a:lumOff val="40000"/>
+  </cs:variation>
+  <cs:variation>
+    <a:lumMod val="50000"/>
+  </cs:variation>
+  <cs:variation>
+    <a:lumMod val="70000"/>
+    <a:lumOff val="30000"/>
+  </cs:variation>
+  <cs:variation>
+    <a:lumMod val="70000"/>
+  </cs:variation>
+  <cs:variation>
+    <a:lumMod val="50000"/>
+    <a:lumOff val="50000"/>
+  </cs:variation>
+</cs:colorStyle>
+</file>
+
+<file path=ppt/charts/colors3.xml><?xml version="1.0" encoding="utf-8"?>
 <cs:colorStyle xmlns:cs="http://schemas.microsoft.com/office/drawing/2012/chartStyle" xmlns:a="http://schemas.openxmlformats.org/drawingml/2006/main" meth="cycle" id="10">
   <a:schemeClr val="accent1"/>
   <a:schemeClr val="accent2"/>
@@ -1952,6 +2357,3506 @@
 </cs:chartStyle>
 </file>
 
+<file path=ppt/charts/style3.xml><?xml version="1.0" encoding="utf-8"?>
+<cs:chartStyle xmlns:cs="http://schemas.microsoft.com/office/drawing/2012/chartStyle" xmlns:a="http://schemas.openxmlformats.org/drawingml/2006/main" id="227">
+  <cs:axisTitle>
+    <cs:lnRef idx="0"/>
+    <cs:fillRef idx="0"/>
+    <cs:effectRef idx="0"/>
+    <cs:fontRef idx="minor">
+      <a:schemeClr val="tx1">
+        <a:lumMod val="65000"/>
+        <a:lumOff val="35000"/>
+      </a:schemeClr>
+    </cs:fontRef>
+    <cs:defRPr sz="1000" kern="1200"/>
+  </cs:axisTitle>
+  <cs:categoryAxis>
+    <cs:lnRef idx="0"/>
+    <cs:fillRef idx="0"/>
+    <cs:effectRef idx="0"/>
+    <cs:fontRef idx="minor">
+      <a:schemeClr val="tx1">
+        <a:lumMod val="65000"/>
+        <a:lumOff val="35000"/>
+      </a:schemeClr>
+    </cs:fontRef>
+    <cs:spPr>
+      <a:ln w="9525" cap="flat" cmpd="sng" algn="ctr">
+        <a:solidFill>
+          <a:schemeClr val="tx1">
+            <a:lumMod val="15000"/>
+            <a:lumOff val="85000"/>
+          </a:schemeClr>
+        </a:solidFill>
+        <a:round/>
+      </a:ln>
+    </cs:spPr>
+    <cs:defRPr sz="900" kern="1200"/>
+  </cs:categoryAxis>
+  <cs:chartArea mods="allowNoFillOverride allowNoLineOverride">
+    <cs:lnRef idx="0"/>
+    <cs:fillRef idx="0"/>
+    <cs:effectRef idx="0"/>
+    <cs:fontRef idx="minor">
+      <a:schemeClr val="tx1"/>
+    </cs:fontRef>
+    <cs:spPr>
+      <a:solidFill>
+        <a:schemeClr val="bg1"/>
+      </a:solidFill>
+      <a:ln w="9525" cap="flat" cmpd="sng" algn="ctr">
+        <a:solidFill>
+          <a:schemeClr val="tx1">
+            <a:lumMod val="15000"/>
+            <a:lumOff val="85000"/>
+          </a:schemeClr>
+        </a:solidFill>
+        <a:round/>
+      </a:ln>
+    </cs:spPr>
+    <cs:defRPr sz="1000" kern="1200"/>
+  </cs:chartArea>
+  <cs:dataLabel>
+    <cs:lnRef idx="0"/>
+    <cs:fillRef idx="0"/>
+    <cs:effectRef idx="0"/>
+    <cs:fontRef idx="minor">
+      <a:schemeClr val="tx1">
+        <a:lumMod val="75000"/>
+        <a:lumOff val="25000"/>
+      </a:schemeClr>
+    </cs:fontRef>
+    <cs:defRPr sz="900" kern="1200"/>
+  </cs:dataLabel>
+  <cs:dataLabelCallout>
+    <cs:lnRef idx="0"/>
+    <cs:fillRef idx="0"/>
+    <cs:effectRef idx="0"/>
+    <cs:fontRef idx="minor">
+      <a:schemeClr val="dk1">
+        <a:lumMod val="65000"/>
+        <a:lumOff val="35000"/>
+      </a:schemeClr>
+    </cs:fontRef>
+    <cs:spPr>
+      <a:solidFill>
+        <a:schemeClr val="lt1"/>
+      </a:solidFill>
+      <a:ln>
+        <a:solidFill>
+          <a:schemeClr val="dk1">
+            <a:lumMod val="25000"/>
+            <a:lumOff val="75000"/>
+          </a:schemeClr>
+        </a:solidFill>
+      </a:ln>
+    </cs:spPr>
+    <cs:defRPr sz="900" kern="1200"/>
+    <cs:bodyPr rot="0" spcFirstLastPara="1" vertOverflow="clip" horzOverflow="clip" vert="horz" wrap="square" lIns="36576" tIns="18288" rIns="36576" bIns="18288" anchor="ctr" anchorCtr="1">
+      <a:spAutoFit/>
+    </cs:bodyPr>
+  </cs:dataLabelCallout>
+  <cs:dataPoint>
+    <cs:lnRef idx="0"/>
+    <cs:fillRef idx="1">
+      <cs:styleClr val="auto"/>
+    </cs:fillRef>
+    <cs:effectRef idx="0"/>
+    <cs:fontRef idx="minor">
+      <a:schemeClr val="tx1"/>
+    </cs:fontRef>
+    <cs:spPr>
+      <a:solidFill>
+        <a:schemeClr val="phClr"/>
+      </a:solidFill>
+    </cs:spPr>
+  </cs:dataPoint>
+  <cs:dataPoint3D>
+    <cs:lnRef idx="0"/>
+    <cs:fillRef idx="1">
+      <cs:styleClr val="auto"/>
+    </cs:fillRef>
+    <cs:effectRef idx="0"/>
+    <cs:fontRef idx="minor">
+      <a:schemeClr val="tx1"/>
+    </cs:fontRef>
+    <cs:spPr>
+      <a:solidFill>
+        <a:schemeClr val="phClr"/>
+      </a:solidFill>
+    </cs:spPr>
+  </cs:dataPoint3D>
+  <cs:dataPointLine>
+    <cs:lnRef idx="0">
+      <cs:styleClr val="auto"/>
+    </cs:lnRef>
+    <cs:fillRef idx="1"/>
+    <cs:effectRef idx="0"/>
+    <cs:fontRef idx="minor">
+      <a:schemeClr val="tx1"/>
+    </cs:fontRef>
+    <cs:spPr>
+      <a:ln w="28575" cap="rnd">
+        <a:solidFill>
+          <a:schemeClr val="phClr"/>
+        </a:solidFill>
+        <a:round/>
+      </a:ln>
+    </cs:spPr>
+  </cs:dataPointLine>
+  <cs:dataPointMarker>
+    <cs:lnRef idx="0">
+      <cs:styleClr val="auto"/>
+    </cs:lnRef>
+    <cs:fillRef idx="1">
+      <cs:styleClr val="auto"/>
+    </cs:fillRef>
+    <cs:effectRef idx="0"/>
+    <cs:fontRef idx="minor">
+      <a:schemeClr val="tx1"/>
+    </cs:fontRef>
+    <cs:spPr>
+      <a:solidFill>
+        <a:schemeClr val="phClr"/>
+      </a:solidFill>
+      <a:ln w="9525">
+        <a:solidFill>
+          <a:schemeClr val="phClr"/>
+        </a:solidFill>
+      </a:ln>
+    </cs:spPr>
+  </cs:dataPointMarker>
+  <cs:dataPointMarkerLayout symbol="circle" size="5"/>
+  <cs:dataPointWireframe>
+    <cs:lnRef idx="0">
+      <cs:styleClr val="auto"/>
+    </cs:lnRef>
+    <cs:fillRef idx="1"/>
+    <cs:effectRef idx="0"/>
+    <cs:fontRef idx="minor">
+      <a:schemeClr val="tx1"/>
+    </cs:fontRef>
+    <cs:spPr>
+      <a:ln w="9525" cap="rnd">
+        <a:solidFill>
+          <a:schemeClr val="phClr"/>
+        </a:solidFill>
+        <a:round/>
+      </a:ln>
+    </cs:spPr>
+  </cs:dataPointWireframe>
+  <cs:dataTable>
+    <cs:lnRef idx="0"/>
+    <cs:fillRef idx="0"/>
+    <cs:effectRef idx="0"/>
+    <cs:fontRef idx="minor">
+      <a:schemeClr val="tx1">
+        <a:lumMod val="65000"/>
+        <a:lumOff val="35000"/>
+      </a:schemeClr>
+    </cs:fontRef>
+    <cs:spPr>
+      <a:noFill/>
+      <a:ln w="9525" cap="flat" cmpd="sng" algn="ctr">
+        <a:solidFill>
+          <a:schemeClr val="tx1">
+            <a:lumMod val="15000"/>
+            <a:lumOff val="85000"/>
+          </a:schemeClr>
+        </a:solidFill>
+        <a:round/>
+      </a:ln>
+    </cs:spPr>
+    <cs:defRPr sz="900" kern="1200"/>
+  </cs:dataTable>
+  <cs:downBar>
+    <cs:lnRef idx="0"/>
+    <cs:fillRef idx="0"/>
+    <cs:effectRef idx="0"/>
+    <cs:fontRef idx="minor">
+      <a:schemeClr val="dk1"/>
+    </cs:fontRef>
+    <cs:spPr>
+      <a:solidFill>
+        <a:schemeClr val="dk1">
+          <a:lumMod val="65000"/>
+          <a:lumOff val="35000"/>
+        </a:schemeClr>
+      </a:solidFill>
+      <a:ln w="9525">
+        <a:solidFill>
+          <a:schemeClr val="tx1">
+            <a:lumMod val="65000"/>
+            <a:lumOff val="35000"/>
+          </a:schemeClr>
+        </a:solidFill>
+      </a:ln>
+    </cs:spPr>
+  </cs:downBar>
+  <cs:dropLine>
+    <cs:lnRef idx="0"/>
+    <cs:fillRef idx="0"/>
+    <cs:effectRef idx="0"/>
+    <cs:fontRef idx="minor">
+      <a:schemeClr val="tx1"/>
+    </cs:fontRef>
+    <cs:spPr>
+      <a:ln w="9525" cap="flat" cmpd="sng" algn="ctr">
+        <a:solidFill>
+          <a:schemeClr val="tx1">
+            <a:lumMod val="35000"/>
+            <a:lumOff val="65000"/>
+          </a:schemeClr>
+        </a:solidFill>
+        <a:round/>
+      </a:ln>
+    </cs:spPr>
+  </cs:dropLine>
+  <cs:errorBar>
+    <cs:lnRef idx="0"/>
+    <cs:fillRef idx="0"/>
+    <cs:effectRef idx="0"/>
+    <cs:fontRef idx="minor">
+      <a:schemeClr val="tx1"/>
+    </cs:fontRef>
+    <cs:spPr>
+      <a:ln w="9525" cap="flat" cmpd="sng" algn="ctr">
+        <a:solidFill>
+          <a:schemeClr val="tx1">
+            <a:lumMod val="65000"/>
+            <a:lumOff val="35000"/>
+          </a:schemeClr>
+        </a:solidFill>
+        <a:round/>
+      </a:ln>
+    </cs:spPr>
+  </cs:errorBar>
+  <cs:floor>
+    <cs:lnRef idx="0"/>
+    <cs:fillRef idx="0"/>
+    <cs:effectRef idx="0"/>
+    <cs:fontRef idx="minor">
+      <a:schemeClr val="tx1"/>
+    </cs:fontRef>
+    <cs:spPr>
+      <a:noFill/>
+      <a:ln>
+        <a:noFill/>
+      </a:ln>
+    </cs:spPr>
+  </cs:floor>
+  <cs:gridlineMajor>
+    <cs:lnRef idx="0"/>
+    <cs:fillRef idx="0"/>
+    <cs:effectRef idx="0"/>
+    <cs:fontRef idx="minor">
+      <a:schemeClr val="tx1"/>
+    </cs:fontRef>
+    <cs:spPr>
+      <a:ln w="9525" cap="flat" cmpd="sng" algn="ctr">
+        <a:solidFill>
+          <a:schemeClr val="tx1">
+            <a:lumMod val="15000"/>
+            <a:lumOff val="85000"/>
+          </a:schemeClr>
+        </a:solidFill>
+        <a:round/>
+      </a:ln>
+    </cs:spPr>
+  </cs:gridlineMajor>
+  <cs:gridlineMinor>
+    <cs:lnRef idx="0"/>
+    <cs:fillRef idx="0"/>
+    <cs:effectRef idx="0"/>
+    <cs:fontRef idx="minor">
+      <a:schemeClr val="tx1"/>
+    </cs:fontRef>
+    <cs:spPr>
+      <a:ln w="9525" cap="flat" cmpd="sng" algn="ctr">
+        <a:solidFill>
+          <a:schemeClr val="tx1">
+            <a:lumMod val="5000"/>
+            <a:lumOff val="95000"/>
+          </a:schemeClr>
+        </a:solidFill>
+        <a:round/>
+      </a:ln>
+    </cs:spPr>
+  </cs:gridlineMinor>
+  <cs:hiLoLine>
+    <cs:lnRef idx="0"/>
+    <cs:fillRef idx="0"/>
+    <cs:effectRef idx="0"/>
+    <cs:fontRef idx="minor">
+      <a:schemeClr val="tx1"/>
+    </cs:fontRef>
+    <cs:spPr>
+      <a:ln w="9525" cap="flat" cmpd="sng" algn="ctr">
+        <a:solidFill>
+          <a:schemeClr val="tx1">
+            <a:lumMod val="75000"/>
+            <a:lumOff val="25000"/>
+          </a:schemeClr>
+        </a:solidFill>
+        <a:round/>
+      </a:ln>
+    </cs:spPr>
+  </cs:hiLoLine>
+  <cs:leaderLine>
+    <cs:lnRef idx="0"/>
+    <cs:fillRef idx="0"/>
+    <cs:effectRef idx="0"/>
+    <cs:fontRef idx="minor">
+      <a:schemeClr val="tx1"/>
+    </cs:fontRef>
+    <cs:spPr>
+      <a:ln w="9525" cap="flat" cmpd="sng" algn="ctr">
+        <a:solidFill>
+          <a:schemeClr val="tx1">
+            <a:lumMod val="35000"/>
+            <a:lumOff val="65000"/>
+          </a:schemeClr>
+        </a:solidFill>
+        <a:round/>
+      </a:ln>
+    </cs:spPr>
+  </cs:leaderLine>
+  <cs:legend>
+    <cs:lnRef idx="0"/>
+    <cs:fillRef idx="0"/>
+    <cs:effectRef idx="0"/>
+    <cs:fontRef idx="minor">
+      <a:schemeClr val="tx1">
+        <a:lumMod val="65000"/>
+        <a:lumOff val="35000"/>
+      </a:schemeClr>
+    </cs:fontRef>
+    <cs:defRPr sz="900" kern="1200"/>
+  </cs:legend>
+  <cs:plotArea mods="allowNoFillOverride allowNoLineOverride">
+    <cs:lnRef idx="0"/>
+    <cs:fillRef idx="0"/>
+    <cs:effectRef idx="0"/>
+    <cs:fontRef idx="minor">
+      <a:schemeClr val="tx1"/>
+    </cs:fontRef>
+  </cs:plotArea>
+  <cs:plotArea3D mods="allowNoFillOverride allowNoLineOverride">
+    <cs:lnRef idx="0"/>
+    <cs:fillRef idx="0"/>
+    <cs:effectRef idx="0"/>
+    <cs:fontRef idx="minor">
+      <a:schemeClr val="tx1"/>
+    </cs:fontRef>
+  </cs:plotArea3D>
+  <cs:seriesAxis>
+    <cs:lnRef idx="0"/>
+    <cs:fillRef idx="0"/>
+    <cs:effectRef idx="0"/>
+    <cs:fontRef idx="minor">
+      <a:schemeClr val="tx1">
+        <a:lumMod val="65000"/>
+        <a:lumOff val="35000"/>
+      </a:schemeClr>
+    </cs:fontRef>
+    <cs:defRPr sz="900" kern="1200"/>
+  </cs:seriesAxis>
+  <cs:seriesLine>
+    <cs:lnRef idx="0"/>
+    <cs:fillRef idx="0"/>
+    <cs:effectRef idx="0"/>
+    <cs:fontRef idx="minor">
+      <a:schemeClr val="tx1"/>
+    </cs:fontRef>
+    <cs:spPr>
+      <a:ln w="9525" cap="flat" cmpd="sng" algn="ctr">
+        <a:solidFill>
+          <a:schemeClr val="tx1">
+            <a:lumMod val="35000"/>
+            <a:lumOff val="65000"/>
+          </a:schemeClr>
+        </a:solidFill>
+        <a:round/>
+      </a:ln>
+    </cs:spPr>
+  </cs:seriesLine>
+  <cs:title>
+    <cs:lnRef idx="0"/>
+    <cs:fillRef idx="0"/>
+    <cs:effectRef idx="0"/>
+    <cs:fontRef idx="minor">
+      <a:schemeClr val="tx1">
+        <a:lumMod val="65000"/>
+        <a:lumOff val="35000"/>
+      </a:schemeClr>
+    </cs:fontRef>
+    <cs:defRPr sz="1400" b="0" kern="1200" spc="0" baseline="0"/>
+  </cs:title>
+  <cs:trendline>
+    <cs:lnRef idx="0">
+      <cs:styleClr val="auto"/>
+    </cs:lnRef>
+    <cs:fillRef idx="0"/>
+    <cs:effectRef idx="0"/>
+    <cs:fontRef idx="minor">
+      <a:schemeClr val="tx1"/>
+    </cs:fontRef>
+    <cs:spPr>
+      <a:ln w="19050" cap="rnd">
+        <a:solidFill>
+          <a:schemeClr val="phClr"/>
+        </a:solidFill>
+        <a:prstDash val="sysDot"/>
+      </a:ln>
+    </cs:spPr>
+  </cs:trendline>
+  <cs:trendlineLabel>
+    <cs:lnRef idx="0"/>
+    <cs:fillRef idx="0"/>
+    <cs:effectRef idx="0"/>
+    <cs:fontRef idx="minor">
+      <a:schemeClr val="tx1">
+        <a:lumMod val="65000"/>
+        <a:lumOff val="35000"/>
+      </a:schemeClr>
+    </cs:fontRef>
+    <cs:defRPr sz="900" kern="1200"/>
+  </cs:trendlineLabel>
+  <cs:upBar>
+    <cs:lnRef idx="0"/>
+    <cs:fillRef idx="0"/>
+    <cs:effectRef idx="0"/>
+    <cs:fontRef idx="minor">
+      <a:schemeClr val="dk1"/>
+    </cs:fontRef>
+    <cs:spPr>
+      <a:solidFill>
+        <a:schemeClr val="lt1"/>
+      </a:solidFill>
+      <a:ln w="9525">
+        <a:solidFill>
+          <a:schemeClr val="tx1">
+            <a:lumMod val="15000"/>
+            <a:lumOff val="85000"/>
+          </a:schemeClr>
+        </a:solidFill>
+      </a:ln>
+    </cs:spPr>
+  </cs:upBar>
+  <cs:valueAxis>
+    <cs:lnRef idx="0"/>
+    <cs:fillRef idx="0"/>
+    <cs:effectRef idx="0"/>
+    <cs:fontRef idx="minor">
+      <a:schemeClr val="tx1">
+        <a:lumMod val="65000"/>
+        <a:lumOff val="35000"/>
+      </a:schemeClr>
+    </cs:fontRef>
+    <cs:defRPr sz="900" kern="1200"/>
+  </cs:valueAxis>
+  <cs:wall>
+    <cs:lnRef idx="0"/>
+    <cs:fillRef idx="0"/>
+    <cs:effectRef idx="0"/>
+    <cs:fontRef idx="minor">
+      <a:schemeClr val="tx1"/>
+    </cs:fontRef>
+    <cs:spPr>
+      <a:noFill/>
+      <a:ln>
+        <a:noFill/>
+      </a:ln>
+    </cs:spPr>
+  </cs:wall>
+</cs:chartStyle>
+</file>
+
+<file path=ppt/diagrams/colors1.xml><?xml version="1.0" encoding="utf-8"?>
+<dgm:colorsDef xmlns:dgm="http://schemas.openxmlformats.org/drawingml/2006/diagram" xmlns:a="http://schemas.openxmlformats.org/drawingml/2006/main" uniqueId="urn:microsoft.com/office/officeart/2005/8/colors/accent1_2">
+  <dgm:title val=""/>
+  <dgm:desc val=""/>
+  <dgm:catLst>
+    <dgm:cat type="accent1" pri="11200"/>
+  </dgm:catLst>
+  <dgm:styleLbl name="node0">
+    <dgm:fillClrLst meth="repeat">
+      <a:schemeClr val="accent1"/>
+    </dgm:fillClrLst>
+    <dgm:linClrLst meth="repeat">
+      <a:schemeClr val="lt1"/>
+    </dgm:linClrLst>
+    <dgm:effectClrLst/>
+    <dgm:txLinClrLst/>
+    <dgm:txFillClrLst/>
+    <dgm:txEffectClrLst/>
+  </dgm:styleLbl>
+  <dgm:styleLbl name="alignNode1">
+    <dgm:fillClrLst meth="repeat">
+      <a:schemeClr val="accent1"/>
+    </dgm:fillClrLst>
+    <dgm:linClrLst meth="repeat">
+      <a:schemeClr val="accent1"/>
+    </dgm:linClrLst>
+    <dgm:effectClrLst/>
+    <dgm:txLinClrLst/>
+    <dgm:txFillClrLst/>
+    <dgm:txEffectClrLst/>
+  </dgm:styleLbl>
+  <dgm:styleLbl name="node1">
+    <dgm:fillClrLst meth="repeat">
+      <a:schemeClr val="accent1"/>
+    </dgm:fillClrLst>
+    <dgm:linClrLst meth="repeat">
+      <a:schemeClr val="lt1"/>
+    </dgm:linClrLst>
+    <dgm:effectClrLst/>
+    <dgm:txLinClrLst/>
+    <dgm:txFillClrLst/>
+    <dgm:txEffectClrLst/>
+  </dgm:styleLbl>
+  <dgm:styleLbl name="lnNode1">
+    <dgm:fillClrLst meth="repeat">
+      <a:schemeClr val="accent1"/>
+    </dgm:fillClrLst>
+    <dgm:linClrLst meth="repeat">
+      <a:schemeClr val="lt1"/>
+    </dgm:linClrLst>
+    <dgm:effectClrLst/>
+    <dgm:txLinClrLst/>
+    <dgm:txFillClrLst/>
+    <dgm:txEffectClrLst/>
+  </dgm:styleLbl>
+  <dgm:styleLbl name="vennNode1">
+    <dgm:fillClrLst meth="repeat">
+      <a:schemeClr val="accent1">
+        <a:alpha val="50000"/>
+      </a:schemeClr>
+    </dgm:fillClrLst>
+    <dgm:linClrLst meth="repeat">
+      <a:schemeClr val="lt1"/>
+    </dgm:linClrLst>
+    <dgm:effectClrLst/>
+    <dgm:txLinClrLst/>
+    <dgm:txFillClrLst/>
+    <dgm:txEffectClrLst/>
+  </dgm:styleLbl>
+  <dgm:styleLbl name="node2">
+    <dgm:fillClrLst meth="repeat">
+      <a:schemeClr val="accent1"/>
+    </dgm:fillClrLst>
+    <dgm:linClrLst meth="repeat">
+      <a:schemeClr val="lt1"/>
+    </dgm:linClrLst>
+    <dgm:effectClrLst/>
+    <dgm:txLinClrLst/>
+    <dgm:txFillClrLst/>
+    <dgm:txEffectClrLst/>
+  </dgm:styleLbl>
+  <dgm:styleLbl name="node3">
+    <dgm:fillClrLst meth="repeat">
+      <a:schemeClr val="accent1"/>
+    </dgm:fillClrLst>
+    <dgm:linClrLst meth="repeat">
+      <a:schemeClr val="lt1"/>
+    </dgm:linClrLst>
+    <dgm:effectClrLst/>
+    <dgm:txLinClrLst/>
+    <dgm:txFillClrLst/>
+    <dgm:txEffectClrLst/>
+  </dgm:styleLbl>
+  <dgm:styleLbl name="node4">
+    <dgm:fillClrLst meth="repeat">
+      <a:schemeClr val="accent1"/>
+    </dgm:fillClrLst>
+    <dgm:linClrLst meth="repeat">
+      <a:schemeClr val="lt1"/>
+    </dgm:linClrLst>
+    <dgm:effectClrLst/>
+    <dgm:txLinClrLst/>
+    <dgm:txFillClrLst/>
+    <dgm:txEffectClrLst/>
+  </dgm:styleLbl>
+  <dgm:styleLbl name="fgImgPlace1">
+    <dgm:fillClrLst meth="repeat">
+      <a:schemeClr val="accent1">
+        <a:tint val="50000"/>
+      </a:schemeClr>
+    </dgm:fillClrLst>
+    <dgm:linClrLst meth="repeat">
+      <a:schemeClr val="lt1"/>
+    </dgm:linClrLst>
+    <dgm:effectClrLst/>
+    <dgm:txLinClrLst/>
+    <dgm:txFillClrLst meth="repeat">
+      <a:schemeClr val="lt1"/>
+    </dgm:txFillClrLst>
+    <dgm:txEffectClrLst/>
+  </dgm:styleLbl>
+  <dgm:styleLbl name="alignImgPlace1">
+    <dgm:fillClrLst meth="repeat">
+      <a:schemeClr val="accent1">
+        <a:tint val="50000"/>
+      </a:schemeClr>
+    </dgm:fillClrLst>
+    <dgm:linClrLst meth="repeat">
+      <a:schemeClr val="lt1"/>
+    </dgm:linClrLst>
+    <dgm:effectClrLst/>
+    <dgm:txLinClrLst/>
+    <dgm:txFillClrLst meth="repeat">
+      <a:schemeClr val="lt1"/>
+    </dgm:txFillClrLst>
+    <dgm:txEffectClrLst/>
+  </dgm:styleLbl>
+  <dgm:styleLbl name="bgImgPlace1">
+    <dgm:fillClrLst meth="repeat">
+      <a:schemeClr val="accent1">
+        <a:tint val="50000"/>
+      </a:schemeClr>
+    </dgm:fillClrLst>
+    <dgm:linClrLst meth="repeat">
+      <a:schemeClr val="lt1"/>
+    </dgm:linClrLst>
+    <dgm:effectClrLst/>
+    <dgm:txLinClrLst/>
+    <dgm:txFillClrLst meth="repeat">
+      <a:schemeClr val="lt1"/>
+    </dgm:txFillClrLst>
+    <dgm:txEffectClrLst/>
+  </dgm:styleLbl>
+  <dgm:styleLbl name="sibTrans2D1">
+    <dgm:fillClrLst meth="repeat">
+      <a:schemeClr val="accent1">
+        <a:tint val="60000"/>
+      </a:schemeClr>
+    </dgm:fillClrLst>
+    <dgm:linClrLst meth="repeat">
+      <a:schemeClr val="accent1">
+        <a:tint val="60000"/>
+      </a:schemeClr>
+    </dgm:linClrLst>
+    <dgm:effectClrLst/>
+    <dgm:txLinClrLst/>
+    <dgm:txFillClrLst/>
+    <dgm:txEffectClrLst/>
+  </dgm:styleLbl>
+  <dgm:styleLbl name="fgSibTrans2D1">
+    <dgm:fillClrLst meth="repeat">
+      <a:schemeClr val="accent1">
+        <a:tint val="60000"/>
+      </a:schemeClr>
+    </dgm:fillClrLst>
+    <dgm:linClrLst meth="repeat">
+      <a:schemeClr val="accent1">
+        <a:tint val="60000"/>
+      </a:schemeClr>
+    </dgm:linClrLst>
+    <dgm:effectClrLst/>
+    <dgm:txLinClrLst/>
+    <dgm:txFillClrLst/>
+    <dgm:txEffectClrLst/>
+  </dgm:styleLbl>
+  <dgm:styleLbl name="bgSibTrans2D1">
+    <dgm:fillClrLst meth="repeat">
+      <a:schemeClr val="accent1">
+        <a:tint val="60000"/>
+      </a:schemeClr>
+    </dgm:fillClrLst>
+    <dgm:linClrLst meth="repeat">
+      <a:schemeClr val="accent1">
+        <a:tint val="60000"/>
+      </a:schemeClr>
+    </dgm:linClrLst>
+    <dgm:effectClrLst/>
+    <dgm:txLinClrLst/>
+    <dgm:txFillClrLst/>
+    <dgm:txEffectClrLst/>
+  </dgm:styleLbl>
+  <dgm:styleLbl name="sibTrans1D1">
+    <dgm:fillClrLst meth="repeat">
+      <a:schemeClr val="accent1"/>
+    </dgm:fillClrLst>
+    <dgm:linClrLst meth="repeat">
+      <a:schemeClr val="accent1"/>
+    </dgm:linClrLst>
+    <dgm:effectClrLst/>
+    <dgm:txLinClrLst/>
+    <dgm:txFillClrLst meth="repeat">
+      <a:schemeClr val="tx1"/>
+    </dgm:txFillClrLst>
+    <dgm:txEffectClrLst/>
+  </dgm:styleLbl>
+  <dgm:styleLbl name="callout">
+    <dgm:fillClrLst meth="repeat">
+      <a:schemeClr val="accent1"/>
+    </dgm:fillClrLst>
+    <dgm:linClrLst meth="repeat">
+      <a:schemeClr val="accent1">
+        <a:tint val="50000"/>
+      </a:schemeClr>
+    </dgm:linClrLst>
+    <dgm:effectClrLst/>
+    <dgm:txLinClrLst/>
+    <dgm:txFillClrLst meth="repeat">
+      <a:schemeClr val="tx1"/>
+    </dgm:txFillClrLst>
+    <dgm:txEffectClrLst/>
+  </dgm:styleLbl>
+  <dgm:styleLbl name="asst0">
+    <dgm:fillClrLst meth="repeat">
+      <a:schemeClr val="accent1"/>
+    </dgm:fillClrLst>
+    <dgm:linClrLst meth="repeat">
+      <a:schemeClr val="lt1"/>
+    </dgm:linClrLst>
+    <dgm:effectClrLst/>
+    <dgm:txLinClrLst/>
+    <dgm:txFillClrLst/>
+    <dgm:txEffectClrLst/>
+  </dgm:styleLbl>
+  <dgm:styleLbl name="asst1">
+    <dgm:fillClrLst meth="repeat">
+      <a:schemeClr val="accent1"/>
+    </dgm:fillClrLst>
+    <dgm:linClrLst meth="repeat">
+      <a:schemeClr val="lt1"/>
+    </dgm:linClrLst>
+    <dgm:effectClrLst/>
+    <dgm:txLinClrLst/>
+    <dgm:txFillClrLst/>
+    <dgm:txEffectClrLst/>
+  </dgm:styleLbl>
+  <dgm:styleLbl name="asst2">
+    <dgm:fillClrLst meth="repeat">
+      <a:schemeClr val="accent1"/>
+    </dgm:fillClrLst>
+    <dgm:linClrLst meth="repeat">
+      <a:schemeClr val="lt1"/>
+    </dgm:linClrLst>
+    <dgm:effectClrLst/>
+    <dgm:txLinClrLst/>
+    <dgm:txFillClrLst/>
+    <dgm:txEffectClrLst/>
+  </dgm:styleLbl>
+  <dgm:styleLbl name="asst3">
+    <dgm:fillClrLst meth="repeat">
+      <a:schemeClr val="accent1"/>
+    </dgm:fillClrLst>
+    <dgm:linClrLst meth="repeat">
+      <a:schemeClr val="lt1"/>
+    </dgm:linClrLst>
+    <dgm:effectClrLst/>
+    <dgm:txLinClrLst/>
+    <dgm:txFillClrLst/>
+    <dgm:txEffectClrLst/>
+  </dgm:styleLbl>
+  <dgm:styleLbl name="asst4">
+    <dgm:fillClrLst meth="repeat">
+      <a:schemeClr val="accent1"/>
+    </dgm:fillClrLst>
+    <dgm:linClrLst meth="repeat">
+      <a:schemeClr val="lt1"/>
+    </dgm:linClrLst>
+    <dgm:effectClrLst/>
+    <dgm:txLinClrLst/>
+    <dgm:txFillClrLst/>
+    <dgm:txEffectClrLst/>
+  </dgm:styleLbl>
+  <dgm:styleLbl name="parChTrans2D1">
+    <dgm:fillClrLst meth="repeat">
+      <a:schemeClr val="accent1">
+        <a:tint val="60000"/>
+      </a:schemeClr>
+    </dgm:fillClrLst>
+    <dgm:linClrLst meth="repeat">
+      <a:schemeClr val="accent1">
+        <a:tint val="60000"/>
+      </a:schemeClr>
+    </dgm:linClrLst>
+    <dgm:effectClrLst/>
+    <dgm:txLinClrLst/>
+    <dgm:txFillClrLst meth="repeat">
+      <a:schemeClr val="lt1"/>
+    </dgm:txFillClrLst>
+    <dgm:txEffectClrLst/>
+  </dgm:styleLbl>
+  <dgm:styleLbl name="parChTrans2D2">
+    <dgm:fillClrLst meth="repeat">
+      <a:schemeClr val="accent1"/>
+    </dgm:fillClrLst>
+    <dgm:linClrLst meth="repeat">
+      <a:schemeClr val="accent1"/>
+    </dgm:linClrLst>
+    <dgm:effectClrLst/>
+    <dgm:txLinClrLst/>
+    <dgm:txFillClrLst meth="repeat">
+      <a:schemeClr val="lt1"/>
+    </dgm:txFillClrLst>
+    <dgm:txEffectClrLst/>
+  </dgm:styleLbl>
+  <dgm:styleLbl name="parChTrans2D3">
+    <dgm:fillClrLst meth="repeat">
+      <a:schemeClr val="accent1"/>
+    </dgm:fillClrLst>
+    <dgm:linClrLst meth="repeat">
+      <a:schemeClr val="accent1"/>
+    </dgm:linClrLst>
+    <dgm:effectClrLst/>
+    <dgm:txLinClrLst/>
+    <dgm:txFillClrLst meth="repeat">
+      <a:schemeClr val="lt1"/>
+    </dgm:txFillClrLst>
+    <dgm:txEffectClrLst/>
+  </dgm:styleLbl>
+  <dgm:styleLbl name="parChTrans2D4">
+    <dgm:fillClrLst meth="repeat">
+      <a:schemeClr val="accent1"/>
+    </dgm:fillClrLst>
+    <dgm:linClrLst meth="repeat">
+      <a:schemeClr val="accent1"/>
+    </dgm:linClrLst>
+    <dgm:effectClrLst/>
+    <dgm:txLinClrLst/>
+    <dgm:txFillClrLst meth="repeat">
+      <a:schemeClr val="lt1"/>
+    </dgm:txFillClrLst>
+    <dgm:txEffectClrLst/>
+  </dgm:styleLbl>
+  <dgm:styleLbl name="parChTrans1D1">
+    <dgm:fillClrLst meth="repeat">
+      <a:schemeClr val="accent1"/>
+    </dgm:fillClrLst>
+    <dgm:linClrLst meth="repeat">
+      <a:schemeClr val="accent1">
+        <a:shade val="60000"/>
+      </a:schemeClr>
+    </dgm:linClrLst>
+    <dgm:effectClrLst/>
+    <dgm:txLinClrLst/>
+    <dgm:txFillClrLst meth="repeat">
+      <a:schemeClr val="tx1"/>
+    </dgm:txFillClrLst>
+    <dgm:txEffectClrLst/>
+  </dgm:styleLbl>
+  <dgm:styleLbl name="parChTrans1D2">
+    <dgm:fillClrLst meth="repeat">
+      <a:schemeClr val="accent1"/>
+    </dgm:fillClrLst>
+    <dgm:linClrLst meth="repeat">
+      <a:schemeClr val="accent1">
+        <a:shade val="60000"/>
+      </a:schemeClr>
+    </dgm:linClrLst>
+    <dgm:effectClrLst/>
+    <dgm:txLinClrLst/>
+    <dgm:txFillClrLst meth="repeat">
+      <a:schemeClr val="tx1"/>
+    </dgm:txFillClrLst>
+    <dgm:txEffectClrLst/>
+  </dgm:styleLbl>
+  <dgm:styleLbl name="parChTrans1D3">
+    <dgm:fillClrLst meth="repeat">
+      <a:schemeClr val="accent1"/>
+    </dgm:fillClrLst>
+    <dgm:linClrLst meth="repeat">
+      <a:schemeClr val="accent1">
+        <a:shade val="80000"/>
+      </a:schemeClr>
+    </dgm:linClrLst>
+    <dgm:effectClrLst/>
+    <dgm:txLinClrLst/>
+    <dgm:txFillClrLst meth="repeat">
+      <a:schemeClr val="tx1"/>
+    </dgm:txFillClrLst>
+    <dgm:txEffectClrLst/>
+  </dgm:styleLbl>
+  <dgm:styleLbl name="parChTrans1D4">
+    <dgm:fillClrLst meth="repeat">
+      <a:schemeClr val="accent1"/>
+    </dgm:fillClrLst>
+    <dgm:linClrLst meth="repeat">
+      <a:schemeClr val="accent1">
+        <a:shade val="80000"/>
+      </a:schemeClr>
+    </dgm:linClrLst>
+    <dgm:effectClrLst/>
+    <dgm:txLinClrLst/>
+    <dgm:txFillClrLst meth="repeat">
+      <a:schemeClr val="tx1"/>
+    </dgm:txFillClrLst>
+    <dgm:txEffectClrLst/>
+  </dgm:styleLbl>
+  <dgm:styleLbl name="fgAcc1">
+    <dgm:fillClrLst meth="repeat">
+      <a:schemeClr val="lt1">
+        <a:alpha val="90000"/>
+      </a:schemeClr>
+    </dgm:fillClrLst>
+    <dgm:linClrLst meth="repeat">
+      <a:schemeClr val="accent1"/>
+    </dgm:linClrLst>
+    <dgm:effectClrLst/>
+    <dgm:txLinClrLst/>
+    <dgm:txFillClrLst meth="repeat">
+      <a:schemeClr val="dk1"/>
+    </dgm:txFillClrLst>
+    <dgm:txEffectClrLst/>
+  </dgm:styleLbl>
+  <dgm:styleLbl name="conFgAcc1">
+    <dgm:fillClrLst meth="repeat">
+      <a:schemeClr val="lt1">
+        <a:alpha val="90000"/>
+      </a:schemeClr>
+    </dgm:fillClrLst>
+    <dgm:linClrLst meth="repeat">
+      <a:schemeClr val="accent1"/>
+    </dgm:linClrLst>
+    <dgm:effectClrLst/>
+    <dgm:txLinClrLst/>
+    <dgm:txFillClrLst meth="repeat">
+      <a:schemeClr val="dk1"/>
+    </dgm:txFillClrLst>
+    <dgm:txEffectClrLst/>
+  </dgm:styleLbl>
+  <dgm:styleLbl name="alignAcc1">
+    <dgm:fillClrLst meth="repeat">
+      <a:schemeClr val="lt1">
+        <a:alpha val="90000"/>
+      </a:schemeClr>
+    </dgm:fillClrLst>
+    <dgm:linClrLst meth="repeat">
+      <a:schemeClr val="accent1"/>
+    </dgm:linClrLst>
+    <dgm:effectClrLst/>
+    <dgm:txLinClrLst/>
+    <dgm:txFillClrLst meth="repeat">
+      <a:schemeClr val="dk1"/>
+    </dgm:txFillClrLst>
+    <dgm:txEffectClrLst/>
+  </dgm:styleLbl>
+  <dgm:styleLbl name="trAlignAcc1">
+    <dgm:fillClrLst meth="repeat">
+      <a:schemeClr val="lt1">
+        <a:alpha val="40000"/>
+      </a:schemeClr>
+    </dgm:fillClrLst>
+    <dgm:linClrLst meth="repeat">
+      <a:schemeClr val="accent1"/>
+    </dgm:linClrLst>
+    <dgm:effectClrLst/>
+    <dgm:txLinClrLst/>
+    <dgm:txFillClrLst meth="repeat">
+      <a:schemeClr val="dk1"/>
+    </dgm:txFillClrLst>
+    <dgm:txEffectClrLst/>
+  </dgm:styleLbl>
+  <dgm:styleLbl name="bgAcc1">
+    <dgm:fillClrLst meth="repeat">
+      <a:schemeClr val="lt1">
+        <a:alpha val="90000"/>
+      </a:schemeClr>
+    </dgm:fillClrLst>
+    <dgm:linClrLst meth="repeat">
+      <a:schemeClr val="accent1"/>
+    </dgm:linClrLst>
+    <dgm:effectClrLst/>
+    <dgm:txLinClrLst/>
+    <dgm:txFillClrLst meth="repeat">
+      <a:schemeClr val="dk1"/>
+    </dgm:txFillClrLst>
+    <dgm:txEffectClrLst/>
+  </dgm:styleLbl>
+  <dgm:styleLbl name="solidFgAcc1">
+    <dgm:fillClrLst meth="repeat">
+      <a:schemeClr val="lt1"/>
+    </dgm:fillClrLst>
+    <dgm:linClrLst meth="repeat">
+      <a:schemeClr val="accent1"/>
+    </dgm:linClrLst>
+    <dgm:effectClrLst/>
+    <dgm:txLinClrLst/>
+    <dgm:txFillClrLst meth="repeat">
+      <a:schemeClr val="dk1"/>
+    </dgm:txFillClrLst>
+    <dgm:txEffectClrLst/>
+  </dgm:styleLbl>
+  <dgm:styleLbl name="solidAlignAcc1">
+    <dgm:fillClrLst meth="repeat">
+      <a:schemeClr val="lt1"/>
+    </dgm:fillClrLst>
+    <dgm:linClrLst meth="repeat">
+      <a:schemeClr val="accent1"/>
+    </dgm:linClrLst>
+    <dgm:effectClrLst/>
+    <dgm:txLinClrLst/>
+    <dgm:txFillClrLst meth="repeat">
+      <a:schemeClr val="dk1"/>
+    </dgm:txFillClrLst>
+    <dgm:txEffectClrLst/>
+  </dgm:styleLbl>
+  <dgm:styleLbl name="solidBgAcc1">
+    <dgm:fillClrLst meth="repeat">
+      <a:schemeClr val="lt1"/>
+    </dgm:fillClrLst>
+    <dgm:linClrLst meth="repeat">
+      <a:schemeClr val="accent1"/>
+    </dgm:linClrLst>
+    <dgm:effectClrLst/>
+    <dgm:txLinClrLst/>
+    <dgm:txFillClrLst meth="repeat">
+      <a:schemeClr val="dk1"/>
+    </dgm:txFillClrLst>
+    <dgm:txEffectClrLst/>
+  </dgm:styleLbl>
+  <dgm:styleLbl name="fgAccFollowNode1">
+    <dgm:fillClrLst meth="repeat">
+      <a:schemeClr val="accent1">
+        <a:alpha val="90000"/>
+        <a:tint val="40000"/>
+      </a:schemeClr>
+    </dgm:fillClrLst>
+    <dgm:linClrLst meth="repeat">
+      <a:schemeClr val="accent1">
+        <a:alpha val="90000"/>
+        <a:tint val="40000"/>
+      </a:schemeClr>
+    </dgm:linClrLst>
+    <dgm:effectClrLst/>
+    <dgm:txLinClrLst/>
+    <dgm:txFillClrLst meth="repeat">
+      <a:schemeClr val="dk1"/>
+    </dgm:txFillClrLst>
+    <dgm:txEffectClrLst/>
+  </dgm:styleLbl>
+  <dgm:styleLbl name="alignAccFollowNode1">
+    <dgm:fillClrLst meth="repeat">
+      <a:schemeClr val="accent1">
+        <a:alpha val="90000"/>
+        <a:tint val="40000"/>
+      </a:schemeClr>
+    </dgm:fillClrLst>
+    <dgm:linClrLst meth="repeat">
+      <a:schemeClr val="accent1">
+        <a:alpha val="90000"/>
+        <a:tint val="40000"/>
+      </a:schemeClr>
+    </dgm:linClrLst>
+    <dgm:effectClrLst/>
+    <dgm:txLinClrLst/>
+    <dgm:txFillClrLst meth="repeat">
+      <a:schemeClr val="dk1"/>
+    </dgm:txFillClrLst>
+    <dgm:txEffectClrLst/>
+  </dgm:styleLbl>
+  <dgm:styleLbl name="bgAccFollowNode1">
+    <dgm:fillClrLst meth="repeat">
+      <a:schemeClr val="accent1">
+        <a:alpha val="90000"/>
+        <a:tint val="40000"/>
+      </a:schemeClr>
+    </dgm:fillClrLst>
+    <dgm:linClrLst meth="repeat">
+      <a:schemeClr val="accent1">
+        <a:alpha val="90000"/>
+        <a:tint val="40000"/>
+      </a:schemeClr>
+    </dgm:linClrLst>
+    <dgm:effectClrLst/>
+    <dgm:txLinClrLst/>
+    <dgm:txFillClrLst meth="repeat">
+      <a:schemeClr val="dk1"/>
+    </dgm:txFillClrLst>
+    <dgm:txEffectClrLst/>
+  </dgm:styleLbl>
+  <dgm:styleLbl name="fgAcc0">
+    <dgm:fillClrLst meth="repeat">
+      <a:schemeClr val="lt1">
+        <a:alpha val="90000"/>
+      </a:schemeClr>
+    </dgm:fillClrLst>
+    <dgm:linClrLst meth="repeat">
+      <a:schemeClr val="accent1"/>
+    </dgm:linClrLst>
+    <dgm:effectClrLst/>
+    <dgm:txLinClrLst/>
+    <dgm:txFillClrLst meth="repeat">
+      <a:schemeClr val="dk1"/>
+    </dgm:txFillClrLst>
+    <dgm:txEffectClrLst/>
+  </dgm:styleLbl>
+  <dgm:styleLbl name="fgAcc2">
+    <dgm:fillClrLst meth="repeat">
+      <a:schemeClr val="lt1">
+        <a:alpha val="90000"/>
+      </a:schemeClr>
+    </dgm:fillClrLst>
+    <dgm:linClrLst meth="repeat">
+      <a:schemeClr val="accent1"/>
+    </dgm:linClrLst>
+    <dgm:effectClrLst/>
+    <dgm:txLinClrLst/>
+    <dgm:txFillClrLst meth="repeat">
+      <a:schemeClr val="dk1"/>
+    </dgm:txFillClrLst>
+    <dgm:txEffectClrLst/>
+  </dgm:styleLbl>
+  <dgm:styleLbl name="fgAcc3">
+    <dgm:fillClrLst meth="repeat">
+      <a:schemeClr val="lt1">
+        <a:alpha val="90000"/>
+      </a:schemeClr>
+    </dgm:fillClrLst>
+    <dgm:linClrLst meth="repeat">
+      <a:schemeClr val="accent1"/>
+    </dgm:linClrLst>
+    <dgm:effectClrLst/>
+    <dgm:txLinClrLst/>
+    <dgm:txFillClrLst meth="repeat">
+      <a:schemeClr val="dk1"/>
+    </dgm:txFillClrLst>
+    <dgm:txEffectClrLst/>
+  </dgm:styleLbl>
+  <dgm:styleLbl name="fgAcc4">
+    <dgm:fillClrLst meth="repeat">
+      <a:schemeClr val="lt1">
+        <a:alpha val="90000"/>
+      </a:schemeClr>
+    </dgm:fillClrLst>
+    <dgm:linClrLst meth="repeat">
+      <a:schemeClr val="accent1"/>
+    </dgm:linClrLst>
+    <dgm:effectClrLst/>
+    <dgm:txLinClrLst/>
+    <dgm:txFillClrLst meth="repeat">
+      <a:schemeClr val="dk1"/>
+    </dgm:txFillClrLst>
+    <dgm:txEffectClrLst/>
+  </dgm:styleLbl>
+  <dgm:styleLbl name="bgShp">
+    <dgm:fillClrLst meth="repeat">
+      <a:schemeClr val="accent1">
+        <a:tint val="40000"/>
+      </a:schemeClr>
+    </dgm:fillClrLst>
+    <dgm:linClrLst meth="repeat">
+      <a:schemeClr val="accent1"/>
+    </dgm:linClrLst>
+    <dgm:effectClrLst/>
+    <dgm:txLinClrLst/>
+    <dgm:txFillClrLst meth="repeat">
+      <a:schemeClr val="dk1"/>
+    </dgm:txFillClrLst>
+    <dgm:txEffectClrLst/>
+  </dgm:styleLbl>
+  <dgm:styleLbl name="dkBgShp">
+    <dgm:fillClrLst meth="repeat">
+      <a:schemeClr val="accent1">
+        <a:shade val="80000"/>
+      </a:schemeClr>
+    </dgm:fillClrLst>
+    <dgm:linClrLst meth="repeat">
+      <a:schemeClr val="accent1"/>
+    </dgm:linClrLst>
+    <dgm:effectClrLst/>
+    <dgm:txLinClrLst/>
+    <dgm:txFillClrLst meth="repeat">
+      <a:schemeClr val="lt1"/>
+    </dgm:txFillClrLst>
+    <dgm:txEffectClrLst/>
+  </dgm:styleLbl>
+  <dgm:styleLbl name="trBgShp">
+    <dgm:fillClrLst meth="repeat">
+      <a:schemeClr val="accent1">
+        <a:tint val="50000"/>
+        <a:alpha val="40000"/>
+      </a:schemeClr>
+    </dgm:fillClrLst>
+    <dgm:linClrLst meth="repeat">
+      <a:schemeClr val="accent1"/>
+    </dgm:linClrLst>
+    <dgm:effectClrLst/>
+    <dgm:txLinClrLst/>
+    <dgm:txFillClrLst meth="repeat">
+      <a:schemeClr val="lt1"/>
+    </dgm:txFillClrLst>
+    <dgm:txEffectClrLst/>
+  </dgm:styleLbl>
+  <dgm:styleLbl name="fgShp">
+    <dgm:fillClrLst meth="repeat">
+      <a:schemeClr val="accent1">
+        <a:tint val="60000"/>
+      </a:schemeClr>
+    </dgm:fillClrLst>
+    <dgm:linClrLst meth="repeat">
+      <a:schemeClr val="lt1"/>
+    </dgm:linClrLst>
+    <dgm:effectClrLst/>
+    <dgm:txLinClrLst/>
+    <dgm:txFillClrLst meth="repeat">
+      <a:schemeClr val="dk1"/>
+    </dgm:txFillClrLst>
+    <dgm:txEffectClrLst/>
+  </dgm:styleLbl>
+  <dgm:styleLbl name="revTx">
+    <dgm:fillClrLst meth="repeat">
+      <a:schemeClr val="lt1">
+        <a:alpha val="0"/>
+      </a:schemeClr>
+    </dgm:fillClrLst>
+    <dgm:linClrLst meth="repeat">
+      <a:schemeClr val="dk1">
+        <a:alpha val="0"/>
+      </a:schemeClr>
+    </dgm:linClrLst>
+    <dgm:effectClrLst/>
+    <dgm:txLinClrLst/>
+    <dgm:txFillClrLst meth="repeat">
+      <a:schemeClr val="tx1"/>
+    </dgm:txFillClrLst>
+    <dgm:txEffectClrLst/>
+  </dgm:styleLbl>
+</dgm:colorsDef>
+</file>
+
+<file path=ppt/diagrams/data1.xml><?xml version="1.0" encoding="utf-8"?>
+<dgm:dataModel xmlns:dgm="http://schemas.openxmlformats.org/drawingml/2006/diagram" xmlns:a="http://schemas.openxmlformats.org/drawingml/2006/main">
+  <dgm:ptLst>
+    <dgm:pt modelId="{5A26674F-8012-40D2-B7AB-032466E7ACA7}" type="doc">
+      <dgm:prSet loTypeId="urn:microsoft.com/office/officeart/2005/8/layout/chevron2" loCatId="list" qsTypeId="urn:microsoft.com/office/officeart/2005/8/quickstyle/simple1" qsCatId="simple" csTypeId="urn:microsoft.com/office/officeart/2005/8/colors/accent1_2" csCatId="accent1" phldr="1"/>
+      <dgm:spPr/>
+      <dgm:t>
+        <a:bodyPr/>
+        <a:lstStyle/>
+        <a:p>
+          <a:endParaRPr lang="en-US"/>
+        </a:p>
+      </dgm:t>
+    </dgm:pt>
+    <dgm:pt modelId="{D3243D9F-1FA5-49EA-AA71-13AEA7191D76}">
+      <dgm:prSet phldrT="[Text]"/>
+      <dgm:spPr/>
+      <dgm:t>
+        <a:bodyPr/>
+        <a:lstStyle/>
+        <a:p>
+          <a:r>
+            <a:rPr lang="en-US" dirty="0"/>
+            <a:t>First layer</a:t>
+          </a:r>
+        </a:p>
+      </dgm:t>
+    </dgm:pt>
+    <dgm:pt modelId="{2E22F32E-64BB-41F3-A553-2AAFD138C111}" type="parTrans" cxnId="{972BD19C-9368-42E8-8D98-D9E5303D8C0A}">
+      <dgm:prSet/>
+      <dgm:spPr/>
+      <dgm:t>
+        <a:bodyPr/>
+        <a:lstStyle/>
+        <a:p>
+          <a:endParaRPr lang="en-US"/>
+        </a:p>
+      </dgm:t>
+    </dgm:pt>
+    <dgm:pt modelId="{ADF717B0-B7E3-4200-8992-33990F7222BC}" type="sibTrans" cxnId="{972BD19C-9368-42E8-8D98-D9E5303D8C0A}">
+      <dgm:prSet/>
+      <dgm:spPr/>
+      <dgm:t>
+        <a:bodyPr/>
+        <a:lstStyle/>
+        <a:p>
+          <a:endParaRPr lang="en-US"/>
+        </a:p>
+      </dgm:t>
+    </dgm:pt>
+    <dgm:pt modelId="{431AE13A-3D1F-44CF-A920-4244CD568921}">
+      <dgm:prSet phldrT="[Text]"/>
+      <dgm:spPr/>
+      <dgm:t>
+        <a:bodyPr/>
+        <a:lstStyle/>
+        <a:p>
+          <a:r>
+            <a:rPr lang="en-US" dirty="0"/>
+            <a:t>embeds words in article content into low-dimensional vectors. </a:t>
+          </a:r>
+        </a:p>
+      </dgm:t>
+    </dgm:pt>
+    <dgm:pt modelId="{CCAE2FF7-5338-40EE-A3F3-A429AFA7BD5E}" type="parTrans" cxnId="{15C5FC3B-23E3-4E08-A418-306A8664ACAB}">
+      <dgm:prSet/>
+      <dgm:spPr/>
+      <dgm:t>
+        <a:bodyPr/>
+        <a:lstStyle/>
+        <a:p>
+          <a:endParaRPr lang="en-US"/>
+        </a:p>
+      </dgm:t>
+    </dgm:pt>
+    <dgm:pt modelId="{EE93BDEF-B4FD-451C-8BC4-BBB28AD19B14}" type="sibTrans" cxnId="{15C5FC3B-23E3-4E08-A418-306A8664ACAB}">
+      <dgm:prSet/>
+      <dgm:spPr/>
+      <dgm:t>
+        <a:bodyPr/>
+        <a:lstStyle/>
+        <a:p>
+          <a:endParaRPr lang="en-US"/>
+        </a:p>
+      </dgm:t>
+    </dgm:pt>
+    <dgm:pt modelId="{263A97AD-A107-468F-844A-F8F43E969C1C}">
+      <dgm:prSet phldrT="[Text]"/>
+      <dgm:spPr/>
+      <dgm:t>
+        <a:bodyPr/>
+        <a:lstStyle/>
+        <a:p>
+          <a:r>
+            <a:rPr lang="en-US" dirty="0"/>
+            <a:t>Second layer</a:t>
+          </a:r>
+        </a:p>
+      </dgm:t>
+    </dgm:pt>
+    <dgm:pt modelId="{3C6C7DD4-A7DC-430E-934E-3538B26CA224}" type="parTrans" cxnId="{62E880F8-DED9-4BA1-95E8-8EE928A52882}">
+      <dgm:prSet/>
+      <dgm:spPr/>
+      <dgm:t>
+        <a:bodyPr/>
+        <a:lstStyle/>
+        <a:p>
+          <a:endParaRPr lang="en-US"/>
+        </a:p>
+      </dgm:t>
+    </dgm:pt>
+    <dgm:pt modelId="{44672AD4-AEF4-4F40-BA90-2C60BA80D035}" type="sibTrans" cxnId="{62E880F8-DED9-4BA1-95E8-8EE928A52882}">
+      <dgm:prSet/>
+      <dgm:spPr/>
+      <dgm:t>
+        <a:bodyPr/>
+        <a:lstStyle/>
+        <a:p>
+          <a:endParaRPr lang="en-US"/>
+        </a:p>
+      </dgm:t>
+    </dgm:pt>
+    <dgm:pt modelId="{FED664BD-BA04-443F-B198-5AF2176370E3}">
+      <dgm:prSet phldrT="[Text]"/>
+      <dgm:spPr/>
+      <dgm:t>
+        <a:bodyPr/>
+        <a:lstStyle/>
+        <a:p>
+          <a:r>
+            <a:rPr lang="en-US" dirty="0"/>
+            <a:t>performs convolutions over the embedded word vectors using multiple filter sizes. </a:t>
+          </a:r>
+        </a:p>
+      </dgm:t>
+    </dgm:pt>
+    <dgm:pt modelId="{4CDED194-2E53-45AB-B222-32178C5DE35E}" type="parTrans" cxnId="{73C1D4EE-ECAB-4E26-A1D2-D3F93B76896E}">
+      <dgm:prSet/>
+      <dgm:spPr/>
+      <dgm:t>
+        <a:bodyPr/>
+        <a:lstStyle/>
+        <a:p>
+          <a:endParaRPr lang="en-US"/>
+        </a:p>
+      </dgm:t>
+    </dgm:pt>
+    <dgm:pt modelId="{6F5D5E88-A7B0-4C3C-BCCF-DE8A758DFF04}" type="sibTrans" cxnId="{73C1D4EE-ECAB-4E26-A1D2-D3F93B76896E}">
+      <dgm:prSet/>
+      <dgm:spPr/>
+      <dgm:t>
+        <a:bodyPr/>
+        <a:lstStyle/>
+        <a:p>
+          <a:endParaRPr lang="en-US"/>
+        </a:p>
+      </dgm:t>
+    </dgm:pt>
+    <dgm:pt modelId="{AA7342F4-3735-4F53-B1C3-6ABA810EE9AA}">
+      <dgm:prSet phldrT="[Text]"/>
+      <dgm:spPr/>
+      <dgm:t>
+        <a:bodyPr/>
+        <a:lstStyle/>
+        <a:p>
+          <a:r>
+            <a:rPr lang="en-US" dirty="0"/>
+            <a:t>Last</a:t>
+          </a:r>
+        </a:p>
+      </dgm:t>
+    </dgm:pt>
+    <dgm:pt modelId="{FBD2C619-D97E-45B9-A080-16663FC4EFB6}" type="parTrans" cxnId="{E041F453-785C-4ACB-BD22-093A54F17DB5}">
+      <dgm:prSet/>
+      <dgm:spPr/>
+      <dgm:t>
+        <a:bodyPr/>
+        <a:lstStyle/>
+        <a:p>
+          <a:endParaRPr lang="en-US"/>
+        </a:p>
+      </dgm:t>
+    </dgm:pt>
+    <dgm:pt modelId="{BCBC1B7D-8F18-4571-96C1-ED866F190184}" type="sibTrans" cxnId="{E041F453-785C-4ACB-BD22-093A54F17DB5}">
+      <dgm:prSet/>
+      <dgm:spPr/>
+      <dgm:t>
+        <a:bodyPr/>
+        <a:lstStyle/>
+        <a:p>
+          <a:endParaRPr lang="en-US"/>
+        </a:p>
+      </dgm:t>
+    </dgm:pt>
+    <dgm:pt modelId="{640763E4-B7F8-4EA1-8FCB-9B0938E7E99B}">
+      <dgm:prSet phldrT="[Text]"/>
+      <dgm:spPr/>
+      <dgm:t>
+        <a:bodyPr/>
+        <a:lstStyle/>
+        <a:p>
+          <a:r>
+            <a:rPr lang="en-US" dirty="0"/>
+            <a:t>max-pool the result of the convolutional layer into a long feature vector</a:t>
+          </a:r>
+        </a:p>
+      </dgm:t>
+    </dgm:pt>
+    <dgm:pt modelId="{9A2EEC1E-BA55-4D98-8F0A-348D131ADA14}" type="parTrans" cxnId="{6A055BC9-F86F-4C2E-AC7F-EDC5EA9FE577}">
+      <dgm:prSet/>
+      <dgm:spPr/>
+      <dgm:t>
+        <a:bodyPr/>
+        <a:lstStyle/>
+        <a:p>
+          <a:endParaRPr lang="en-US"/>
+        </a:p>
+      </dgm:t>
+    </dgm:pt>
+    <dgm:pt modelId="{851F8112-B2C8-4296-9A49-4470EC998A9B}" type="sibTrans" cxnId="{6A055BC9-F86F-4C2E-AC7F-EDC5EA9FE577}">
+      <dgm:prSet/>
+      <dgm:spPr/>
+      <dgm:t>
+        <a:bodyPr/>
+        <a:lstStyle/>
+        <a:p>
+          <a:endParaRPr lang="en-US"/>
+        </a:p>
+      </dgm:t>
+    </dgm:pt>
+    <dgm:pt modelId="{F4D93DAA-8850-4185-9FAE-4F9ADB5C1593}">
+      <dgm:prSet phldrT="[Text]"/>
+      <dgm:spPr/>
+      <dgm:t>
+        <a:bodyPr/>
+        <a:lstStyle/>
+        <a:p>
+          <a:r>
+            <a:rPr lang="en-US" dirty="0"/>
+            <a:t>added dropout regularization and classify the result using a </a:t>
+          </a:r>
+          <a:r>
+            <a:rPr lang="en-US" dirty="0" err="1"/>
+            <a:t>softmax</a:t>
+          </a:r>
+          <a:r>
+            <a:rPr lang="en-US" dirty="0"/>
+            <a:t> layer</a:t>
+          </a:r>
+        </a:p>
+      </dgm:t>
+    </dgm:pt>
+    <dgm:pt modelId="{87BAABE1-EC44-475B-8EAD-343D42E74C1A}" type="parTrans" cxnId="{6EBDF1CF-B55D-4AC6-AD08-1A2C52ABA8DF}">
+      <dgm:prSet/>
+      <dgm:spPr/>
+      <dgm:t>
+        <a:bodyPr/>
+        <a:lstStyle/>
+        <a:p>
+          <a:endParaRPr lang="en-US"/>
+        </a:p>
+      </dgm:t>
+    </dgm:pt>
+    <dgm:pt modelId="{D070299C-6C6D-4B89-ADEE-60B9B8DA1486}" type="sibTrans" cxnId="{6EBDF1CF-B55D-4AC6-AD08-1A2C52ABA8DF}">
+      <dgm:prSet/>
+      <dgm:spPr/>
+      <dgm:t>
+        <a:bodyPr/>
+        <a:lstStyle/>
+        <a:p>
+          <a:endParaRPr lang="en-US"/>
+        </a:p>
+      </dgm:t>
+    </dgm:pt>
+    <dgm:pt modelId="{42D01744-75D1-42C9-874F-8956FB3E9B4D}">
+      <dgm:prSet phldrT="[Text]"/>
+      <dgm:spPr/>
+      <dgm:t>
+        <a:bodyPr/>
+        <a:lstStyle/>
+        <a:p>
+          <a:r>
+            <a:rPr lang="en-US" dirty="0"/>
+            <a:t> </a:t>
+          </a:r>
+        </a:p>
+      </dgm:t>
+    </dgm:pt>
+    <dgm:pt modelId="{32478CB7-0AB1-453A-A000-AC62950B9236}" type="sibTrans" cxnId="{E9DEE4B0-8DEF-4519-BBE2-5203FC649E1B}">
+      <dgm:prSet/>
+      <dgm:spPr/>
+      <dgm:t>
+        <a:bodyPr/>
+        <a:lstStyle/>
+        <a:p>
+          <a:endParaRPr lang="en-US"/>
+        </a:p>
+      </dgm:t>
+    </dgm:pt>
+    <dgm:pt modelId="{60DFD84B-4723-43DC-9869-80B93ABC0544}" type="parTrans" cxnId="{E9DEE4B0-8DEF-4519-BBE2-5203FC649E1B}">
+      <dgm:prSet/>
+      <dgm:spPr/>
+      <dgm:t>
+        <a:bodyPr/>
+        <a:lstStyle/>
+        <a:p>
+          <a:endParaRPr lang="en-US"/>
+        </a:p>
+      </dgm:t>
+    </dgm:pt>
+    <dgm:pt modelId="{463B24EA-6884-4BFC-94DF-CEBCB61BA228}" type="pres">
+      <dgm:prSet presAssocID="{5A26674F-8012-40D2-B7AB-032466E7ACA7}" presName="linearFlow" presStyleCnt="0">
+        <dgm:presLayoutVars>
+          <dgm:dir/>
+          <dgm:animLvl val="lvl"/>
+          <dgm:resizeHandles val="exact"/>
+        </dgm:presLayoutVars>
+      </dgm:prSet>
+      <dgm:spPr/>
+    </dgm:pt>
+    <dgm:pt modelId="{E6578681-60DA-41AC-90A0-BD81628B54E0}" type="pres">
+      <dgm:prSet presAssocID="{D3243D9F-1FA5-49EA-AA71-13AEA7191D76}" presName="composite" presStyleCnt="0"/>
+      <dgm:spPr/>
+    </dgm:pt>
+    <dgm:pt modelId="{80C34E77-4568-47A1-A8E7-CFDE10A6EC7A}" type="pres">
+      <dgm:prSet presAssocID="{D3243D9F-1FA5-49EA-AA71-13AEA7191D76}" presName="parentText" presStyleLbl="alignNode1" presStyleIdx="0" presStyleCnt="3">
+        <dgm:presLayoutVars>
+          <dgm:chMax val="1"/>
+          <dgm:bulletEnabled val="1"/>
+        </dgm:presLayoutVars>
+      </dgm:prSet>
+      <dgm:spPr/>
+    </dgm:pt>
+    <dgm:pt modelId="{C76D5F11-FC44-433A-836A-6CCC9489FF82}" type="pres">
+      <dgm:prSet presAssocID="{D3243D9F-1FA5-49EA-AA71-13AEA7191D76}" presName="descendantText" presStyleLbl="alignAcc1" presStyleIdx="0" presStyleCnt="3">
+        <dgm:presLayoutVars>
+          <dgm:bulletEnabled val="1"/>
+        </dgm:presLayoutVars>
+      </dgm:prSet>
+      <dgm:spPr/>
+    </dgm:pt>
+    <dgm:pt modelId="{B042DABD-C7B2-4256-B133-FA2882BF5580}" type="pres">
+      <dgm:prSet presAssocID="{ADF717B0-B7E3-4200-8992-33990F7222BC}" presName="sp" presStyleCnt="0"/>
+      <dgm:spPr/>
+    </dgm:pt>
+    <dgm:pt modelId="{620822B0-6CED-4AA3-885A-93F70DF524B7}" type="pres">
+      <dgm:prSet presAssocID="{263A97AD-A107-468F-844A-F8F43E969C1C}" presName="composite" presStyleCnt="0"/>
+      <dgm:spPr/>
+    </dgm:pt>
+    <dgm:pt modelId="{5BF03E1C-6F17-45D9-B48D-CDA24049B91D}" type="pres">
+      <dgm:prSet presAssocID="{263A97AD-A107-468F-844A-F8F43E969C1C}" presName="parentText" presStyleLbl="alignNode1" presStyleIdx="1" presStyleCnt="3">
+        <dgm:presLayoutVars>
+          <dgm:chMax val="1"/>
+          <dgm:bulletEnabled val="1"/>
+        </dgm:presLayoutVars>
+      </dgm:prSet>
+      <dgm:spPr/>
+    </dgm:pt>
+    <dgm:pt modelId="{1A3C6FB3-2601-4BE1-842F-5CCB14C1FCA3}" type="pres">
+      <dgm:prSet presAssocID="{263A97AD-A107-468F-844A-F8F43E969C1C}" presName="descendantText" presStyleLbl="alignAcc1" presStyleIdx="1" presStyleCnt="3">
+        <dgm:presLayoutVars>
+          <dgm:bulletEnabled val="1"/>
+        </dgm:presLayoutVars>
+      </dgm:prSet>
+      <dgm:spPr/>
+    </dgm:pt>
+    <dgm:pt modelId="{6C44E525-2D4D-4DC2-9E05-E67111D7B280}" type="pres">
+      <dgm:prSet presAssocID="{44672AD4-AEF4-4F40-BA90-2C60BA80D035}" presName="sp" presStyleCnt="0"/>
+      <dgm:spPr/>
+    </dgm:pt>
+    <dgm:pt modelId="{643D55F3-65A6-4236-B46B-326CF8425AD4}" type="pres">
+      <dgm:prSet presAssocID="{AA7342F4-3735-4F53-B1C3-6ABA810EE9AA}" presName="composite" presStyleCnt="0"/>
+      <dgm:spPr/>
+    </dgm:pt>
+    <dgm:pt modelId="{48A05574-02B7-4D82-B203-C05510D6EFB2}" type="pres">
+      <dgm:prSet presAssocID="{AA7342F4-3735-4F53-B1C3-6ABA810EE9AA}" presName="parentText" presStyleLbl="alignNode1" presStyleIdx="2" presStyleCnt="3">
+        <dgm:presLayoutVars>
+          <dgm:chMax val="1"/>
+          <dgm:bulletEnabled val="1"/>
+        </dgm:presLayoutVars>
+      </dgm:prSet>
+      <dgm:spPr/>
+    </dgm:pt>
+    <dgm:pt modelId="{852E1753-EBF0-4983-8216-6AF343EA4151}" type="pres">
+      <dgm:prSet presAssocID="{AA7342F4-3735-4F53-B1C3-6ABA810EE9AA}" presName="descendantText" presStyleLbl="alignAcc1" presStyleIdx="2" presStyleCnt="3">
+        <dgm:presLayoutVars>
+          <dgm:bulletEnabled val="1"/>
+        </dgm:presLayoutVars>
+      </dgm:prSet>
+      <dgm:spPr/>
+    </dgm:pt>
+  </dgm:ptLst>
+  <dgm:cxnLst>
+    <dgm:cxn modelId="{F10C7217-F986-4A1F-8E35-268E923FAFFC}" type="presOf" srcId="{431AE13A-3D1F-44CF-A920-4244CD568921}" destId="{C76D5F11-FC44-433A-836A-6CCC9489FF82}" srcOrd="0" destOrd="0" presId="urn:microsoft.com/office/officeart/2005/8/layout/chevron2"/>
+    <dgm:cxn modelId="{15C5FC3B-23E3-4E08-A418-306A8664ACAB}" srcId="{D3243D9F-1FA5-49EA-AA71-13AEA7191D76}" destId="{431AE13A-3D1F-44CF-A920-4244CD568921}" srcOrd="0" destOrd="0" parTransId="{CCAE2FF7-5338-40EE-A3F3-A429AFA7BD5E}" sibTransId="{EE93BDEF-B4FD-451C-8BC4-BBB28AD19B14}"/>
+    <dgm:cxn modelId="{A38EC75C-B904-41DD-A4CB-8E0ACF62602F}" type="presOf" srcId="{F4D93DAA-8850-4185-9FAE-4F9ADB5C1593}" destId="{852E1753-EBF0-4983-8216-6AF343EA4151}" srcOrd="0" destOrd="1" presId="urn:microsoft.com/office/officeart/2005/8/layout/chevron2"/>
+    <dgm:cxn modelId="{E041F453-785C-4ACB-BD22-093A54F17DB5}" srcId="{5A26674F-8012-40D2-B7AB-032466E7ACA7}" destId="{AA7342F4-3735-4F53-B1C3-6ABA810EE9AA}" srcOrd="2" destOrd="0" parTransId="{FBD2C619-D97E-45B9-A080-16663FC4EFB6}" sibTransId="{BCBC1B7D-8F18-4571-96C1-ED866F190184}"/>
+    <dgm:cxn modelId="{FB897E7D-5BA6-4DC9-A1EE-E28A9F179DB0}" type="presOf" srcId="{D3243D9F-1FA5-49EA-AA71-13AEA7191D76}" destId="{80C34E77-4568-47A1-A8E7-CFDE10A6EC7A}" srcOrd="0" destOrd="0" presId="urn:microsoft.com/office/officeart/2005/8/layout/chevron2"/>
+    <dgm:cxn modelId="{3D88657E-5DB5-4C68-A1B5-509670741C71}" type="presOf" srcId="{640763E4-B7F8-4EA1-8FCB-9B0938E7E99B}" destId="{852E1753-EBF0-4983-8216-6AF343EA4151}" srcOrd="0" destOrd="0" presId="urn:microsoft.com/office/officeart/2005/8/layout/chevron2"/>
+    <dgm:cxn modelId="{E0BB5C96-0A09-42DF-AF36-1D2743E341E1}" type="presOf" srcId="{263A97AD-A107-468F-844A-F8F43E969C1C}" destId="{5BF03E1C-6F17-45D9-B48D-CDA24049B91D}" srcOrd="0" destOrd="0" presId="urn:microsoft.com/office/officeart/2005/8/layout/chevron2"/>
+    <dgm:cxn modelId="{972BD19C-9368-42E8-8D98-D9E5303D8C0A}" srcId="{5A26674F-8012-40D2-B7AB-032466E7ACA7}" destId="{D3243D9F-1FA5-49EA-AA71-13AEA7191D76}" srcOrd="0" destOrd="0" parTransId="{2E22F32E-64BB-41F3-A553-2AAFD138C111}" sibTransId="{ADF717B0-B7E3-4200-8992-33990F7222BC}"/>
+    <dgm:cxn modelId="{E9DEE4B0-8DEF-4519-BBE2-5203FC649E1B}" srcId="{AA7342F4-3735-4F53-B1C3-6ABA810EE9AA}" destId="{42D01744-75D1-42C9-874F-8956FB3E9B4D}" srcOrd="2" destOrd="0" parTransId="{60DFD84B-4723-43DC-9869-80B93ABC0544}" sibTransId="{32478CB7-0AB1-453A-A000-AC62950B9236}"/>
+    <dgm:cxn modelId="{DB0B84B9-FD47-47F5-BF1E-91CCC2A84AE3}" type="presOf" srcId="{FED664BD-BA04-443F-B198-5AF2176370E3}" destId="{1A3C6FB3-2601-4BE1-842F-5CCB14C1FCA3}" srcOrd="0" destOrd="0" presId="urn:microsoft.com/office/officeart/2005/8/layout/chevron2"/>
+    <dgm:cxn modelId="{268543BC-8E24-4381-A36F-96024A15DC2B}" type="presOf" srcId="{AA7342F4-3735-4F53-B1C3-6ABA810EE9AA}" destId="{48A05574-02B7-4D82-B203-C05510D6EFB2}" srcOrd="0" destOrd="0" presId="urn:microsoft.com/office/officeart/2005/8/layout/chevron2"/>
+    <dgm:cxn modelId="{6A055BC9-F86F-4C2E-AC7F-EDC5EA9FE577}" srcId="{AA7342F4-3735-4F53-B1C3-6ABA810EE9AA}" destId="{640763E4-B7F8-4EA1-8FCB-9B0938E7E99B}" srcOrd="0" destOrd="0" parTransId="{9A2EEC1E-BA55-4D98-8F0A-348D131ADA14}" sibTransId="{851F8112-B2C8-4296-9A49-4470EC998A9B}"/>
+    <dgm:cxn modelId="{6EBDF1CF-B55D-4AC6-AD08-1A2C52ABA8DF}" srcId="{AA7342F4-3735-4F53-B1C3-6ABA810EE9AA}" destId="{F4D93DAA-8850-4185-9FAE-4F9ADB5C1593}" srcOrd="1" destOrd="0" parTransId="{87BAABE1-EC44-475B-8EAD-343D42E74C1A}" sibTransId="{D070299C-6C6D-4B89-ADEE-60B9B8DA1486}"/>
+    <dgm:cxn modelId="{E0C7CBD4-F0E2-4DB5-8F61-D6EC8D38F367}" type="presOf" srcId="{42D01744-75D1-42C9-874F-8956FB3E9B4D}" destId="{852E1753-EBF0-4983-8216-6AF343EA4151}" srcOrd="0" destOrd="2" presId="urn:microsoft.com/office/officeart/2005/8/layout/chevron2"/>
+    <dgm:cxn modelId="{8CC9A7D5-6A56-470D-95AA-B1595B195490}" type="presOf" srcId="{5A26674F-8012-40D2-B7AB-032466E7ACA7}" destId="{463B24EA-6884-4BFC-94DF-CEBCB61BA228}" srcOrd="0" destOrd="0" presId="urn:microsoft.com/office/officeart/2005/8/layout/chevron2"/>
+    <dgm:cxn modelId="{73C1D4EE-ECAB-4E26-A1D2-D3F93B76896E}" srcId="{263A97AD-A107-468F-844A-F8F43E969C1C}" destId="{FED664BD-BA04-443F-B198-5AF2176370E3}" srcOrd="0" destOrd="0" parTransId="{4CDED194-2E53-45AB-B222-32178C5DE35E}" sibTransId="{6F5D5E88-A7B0-4C3C-BCCF-DE8A758DFF04}"/>
+    <dgm:cxn modelId="{62E880F8-DED9-4BA1-95E8-8EE928A52882}" srcId="{5A26674F-8012-40D2-B7AB-032466E7ACA7}" destId="{263A97AD-A107-468F-844A-F8F43E969C1C}" srcOrd="1" destOrd="0" parTransId="{3C6C7DD4-A7DC-430E-934E-3538B26CA224}" sibTransId="{44672AD4-AEF4-4F40-BA90-2C60BA80D035}"/>
+    <dgm:cxn modelId="{964AFDFF-9D07-4CCC-A140-7D9FD7BFE57F}" type="presParOf" srcId="{463B24EA-6884-4BFC-94DF-CEBCB61BA228}" destId="{E6578681-60DA-41AC-90A0-BD81628B54E0}" srcOrd="0" destOrd="0" presId="urn:microsoft.com/office/officeart/2005/8/layout/chevron2"/>
+    <dgm:cxn modelId="{E2756922-AC54-4271-ABA2-8628F50216AC}" type="presParOf" srcId="{E6578681-60DA-41AC-90A0-BD81628B54E0}" destId="{80C34E77-4568-47A1-A8E7-CFDE10A6EC7A}" srcOrd="0" destOrd="0" presId="urn:microsoft.com/office/officeart/2005/8/layout/chevron2"/>
+    <dgm:cxn modelId="{D3AD03CF-7594-447C-9253-3F40F5FFA3B2}" type="presParOf" srcId="{E6578681-60DA-41AC-90A0-BD81628B54E0}" destId="{C76D5F11-FC44-433A-836A-6CCC9489FF82}" srcOrd="1" destOrd="0" presId="urn:microsoft.com/office/officeart/2005/8/layout/chevron2"/>
+    <dgm:cxn modelId="{62C11347-F27A-4ABA-AE10-4DD01AADCC22}" type="presParOf" srcId="{463B24EA-6884-4BFC-94DF-CEBCB61BA228}" destId="{B042DABD-C7B2-4256-B133-FA2882BF5580}" srcOrd="1" destOrd="0" presId="urn:microsoft.com/office/officeart/2005/8/layout/chevron2"/>
+    <dgm:cxn modelId="{811A2E27-9CFD-447D-BAD0-D83AF093AE90}" type="presParOf" srcId="{463B24EA-6884-4BFC-94DF-CEBCB61BA228}" destId="{620822B0-6CED-4AA3-885A-93F70DF524B7}" srcOrd="2" destOrd="0" presId="urn:microsoft.com/office/officeart/2005/8/layout/chevron2"/>
+    <dgm:cxn modelId="{B49A8048-9588-44DC-85FB-1078BCA59BBA}" type="presParOf" srcId="{620822B0-6CED-4AA3-885A-93F70DF524B7}" destId="{5BF03E1C-6F17-45D9-B48D-CDA24049B91D}" srcOrd="0" destOrd="0" presId="urn:microsoft.com/office/officeart/2005/8/layout/chevron2"/>
+    <dgm:cxn modelId="{BD6BEECA-D465-4D36-BB20-087CD2BE137C}" type="presParOf" srcId="{620822B0-6CED-4AA3-885A-93F70DF524B7}" destId="{1A3C6FB3-2601-4BE1-842F-5CCB14C1FCA3}" srcOrd="1" destOrd="0" presId="urn:microsoft.com/office/officeart/2005/8/layout/chevron2"/>
+    <dgm:cxn modelId="{A8617300-FAC3-47F5-B3DA-5D311430E3EA}" type="presParOf" srcId="{463B24EA-6884-4BFC-94DF-CEBCB61BA228}" destId="{6C44E525-2D4D-4DC2-9E05-E67111D7B280}" srcOrd="3" destOrd="0" presId="urn:microsoft.com/office/officeart/2005/8/layout/chevron2"/>
+    <dgm:cxn modelId="{95ED983F-5F47-4961-A0B6-83A10FBCE620}" type="presParOf" srcId="{463B24EA-6884-4BFC-94DF-CEBCB61BA228}" destId="{643D55F3-65A6-4236-B46B-326CF8425AD4}" srcOrd="4" destOrd="0" presId="urn:microsoft.com/office/officeart/2005/8/layout/chevron2"/>
+    <dgm:cxn modelId="{A73AD49D-55CF-4250-9A6A-CAB80E961E32}" type="presParOf" srcId="{643D55F3-65A6-4236-B46B-326CF8425AD4}" destId="{48A05574-02B7-4D82-B203-C05510D6EFB2}" srcOrd="0" destOrd="0" presId="urn:microsoft.com/office/officeart/2005/8/layout/chevron2"/>
+    <dgm:cxn modelId="{70E69007-B60A-44F6-8EE8-F41780CF5A87}" type="presParOf" srcId="{643D55F3-65A6-4236-B46B-326CF8425AD4}" destId="{852E1753-EBF0-4983-8216-6AF343EA4151}" srcOrd="1" destOrd="0" presId="urn:microsoft.com/office/officeart/2005/8/layout/chevron2"/>
+  </dgm:cxnLst>
+  <dgm:bg/>
+  <dgm:whole/>
+  <dgm:extLst>
+    <a:ext uri="http://schemas.microsoft.com/office/drawing/2008/diagram">
+      <dsp:dataModelExt xmlns:dsp="http://schemas.microsoft.com/office/drawing/2008/diagram" relId="rId6" minVer="http://schemas.openxmlformats.org/drawingml/2006/diagram"/>
+    </a:ext>
+  </dgm:extLst>
+</dgm:dataModel>
+</file>
+
+<file path=ppt/diagrams/drawing1.xml><?xml version="1.0" encoding="utf-8"?>
+<dsp:drawing xmlns:dgm="http://schemas.openxmlformats.org/drawingml/2006/diagram" xmlns:dsp="http://schemas.microsoft.com/office/drawing/2008/diagram" xmlns:a="http://schemas.openxmlformats.org/drawingml/2006/main">
+  <dsp:spTree>
+    <dsp:nvGrpSpPr>
+      <dsp:cNvPr id="0" name=""/>
+      <dsp:cNvGrpSpPr/>
+    </dsp:nvGrpSpPr>
+    <dsp:grpSpPr/>
+    <dsp:sp modelId="{80C34E77-4568-47A1-A8E7-CFDE10A6EC7A}">
+      <dsp:nvSpPr>
+        <dsp:cNvPr id="0" name=""/>
+        <dsp:cNvSpPr/>
+      </dsp:nvSpPr>
+      <dsp:spPr>
+        <a:xfrm rot="5400000">
+          <a:off x="-242049" y="242576"/>
+          <a:ext cx="1613664" cy="1129565"/>
+        </a:xfrm>
+        <a:prstGeom prst="chevron">
+          <a:avLst/>
+        </a:prstGeom>
+        <a:solidFill>
+          <a:schemeClr val="accent1">
+            <a:hueOff val="0"/>
+            <a:satOff val="0"/>
+            <a:lumOff val="0"/>
+            <a:alphaOff val="0"/>
+          </a:schemeClr>
+        </a:solidFill>
+        <a:ln w="15875" cap="flat" cmpd="sng" algn="ctr">
+          <a:solidFill>
+            <a:schemeClr val="accent1">
+              <a:hueOff val="0"/>
+              <a:satOff val="0"/>
+              <a:lumOff val="0"/>
+              <a:alphaOff val="0"/>
+            </a:schemeClr>
+          </a:solidFill>
+          <a:prstDash val="solid"/>
+        </a:ln>
+        <a:effectLst/>
+      </dsp:spPr>
+      <dsp:style>
+        <a:lnRef idx="2">
+          <a:scrgbClr r="0" g="0" b="0"/>
+        </a:lnRef>
+        <a:fillRef idx="1">
+          <a:scrgbClr r="0" g="0" b="0"/>
+        </a:fillRef>
+        <a:effectRef idx="0">
+          <a:scrgbClr r="0" g="0" b="0"/>
+        </a:effectRef>
+        <a:fontRef idx="minor">
+          <a:schemeClr val="lt1"/>
+        </a:fontRef>
+      </dsp:style>
+      <dsp:txBody>
+        <a:bodyPr spcFirstLastPara="0" vert="horz" wrap="square" lIns="10160" tIns="10160" rIns="10160" bIns="10160" numCol="1" spcCol="1270" anchor="ctr" anchorCtr="0">
+          <a:noAutofit/>
+        </a:bodyPr>
+        <a:lstStyle/>
+        <a:p>
+          <a:pPr marL="0" lvl="0" indent="0" algn="ctr" defTabSz="711200">
+            <a:lnSpc>
+              <a:spcPct val="90000"/>
+            </a:lnSpc>
+            <a:spcBef>
+              <a:spcPct val="0"/>
+            </a:spcBef>
+            <a:spcAft>
+              <a:spcPct val="35000"/>
+            </a:spcAft>
+            <a:buNone/>
+          </a:pPr>
+          <a:r>
+            <a:rPr lang="en-US" sz="1600" kern="1200" dirty="0"/>
+            <a:t>First layer</a:t>
+          </a:r>
+        </a:p>
+      </dsp:txBody>
+      <dsp:txXfrm rot="-5400000">
+        <a:off x="1" y="565310"/>
+        <a:ext cx="1129565" cy="484099"/>
+      </dsp:txXfrm>
+    </dsp:sp>
+    <dsp:sp modelId="{C76D5F11-FC44-433A-836A-6CCC9489FF82}">
+      <dsp:nvSpPr>
+        <dsp:cNvPr id="0" name=""/>
+        <dsp:cNvSpPr/>
+      </dsp:nvSpPr>
+      <dsp:spPr>
+        <a:xfrm rot="5400000">
+          <a:off x="4104341" y="-2974249"/>
+          <a:ext cx="1048882" cy="6998434"/>
+        </a:xfrm>
+        <a:prstGeom prst="round2SameRect">
+          <a:avLst/>
+        </a:prstGeom>
+        <a:solidFill>
+          <a:schemeClr val="lt1">
+            <a:alpha val="90000"/>
+            <a:hueOff val="0"/>
+            <a:satOff val="0"/>
+            <a:lumOff val="0"/>
+            <a:alphaOff val="0"/>
+          </a:schemeClr>
+        </a:solidFill>
+        <a:ln w="15875" cap="flat" cmpd="sng" algn="ctr">
+          <a:solidFill>
+            <a:schemeClr val="accent1">
+              <a:hueOff val="0"/>
+              <a:satOff val="0"/>
+              <a:lumOff val="0"/>
+              <a:alphaOff val="0"/>
+            </a:schemeClr>
+          </a:solidFill>
+          <a:prstDash val="solid"/>
+        </a:ln>
+        <a:effectLst/>
+      </dsp:spPr>
+      <dsp:style>
+        <a:lnRef idx="2">
+          <a:scrgbClr r="0" g="0" b="0"/>
+        </a:lnRef>
+        <a:fillRef idx="1">
+          <a:scrgbClr r="0" g="0" b="0"/>
+        </a:fillRef>
+        <a:effectRef idx="0">
+          <a:scrgbClr r="0" g="0" b="0"/>
+        </a:effectRef>
+        <a:fontRef idx="minor"/>
+      </dsp:style>
+      <dsp:txBody>
+        <a:bodyPr spcFirstLastPara="0" vert="horz" wrap="square" lIns="120904" tIns="10795" rIns="10795" bIns="10795" numCol="1" spcCol="1270" anchor="ctr" anchorCtr="0">
+          <a:noAutofit/>
+        </a:bodyPr>
+        <a:lstStyle/>
+        <a:p>
+          <a:pPr marL="171450" lvl="1" indent="-171450" algn="l" defTabSz="755650">
+            <a:lnSpc>
+              <a:spcPct val="90000"/>
+            </a:lnSpc>
+            <a:spcBef>
+              <a:spcPct val="0"/>
+            </a:spcBef>
+            <a:spcAft>
+              <a:spcPct val="15000"/>
+            </a:spcAft>
+            <a:buChar char="•"/>
+          </a:pPr>
+          <a:r>
+            <a:rPr lang="en-US" sz="1700" kern="1200" dirty="0"/>
+            <a:t>embeds words in article content into low-dimensional vectors. </a:t>
+          </a:r>
+        </a:p>
+      </dsp:txBody>
+      <dsp:txXfrm rot="-5400000">
+        <a:off x="1129565" y="51729"/>
+        <a:ext cx="6947232" cy="946478"/>
+      </dsp:txXfrm>
+    </dsp:sp>
+    <dsp:sp modelId="{5BF03E1C-6F17-45D9-B48D-CDA24049B91D}">
+      <dsp:nvSpPr>
+        <dsp:cNvPr id="0" name=""/>
+        <dsp:cNvSpPr/>
+      </dsp:nvSpPr>
+      <dsp:spPr>
+        <a:xfrm rot="5400000">
+          <a:off x="-242049" y="1662161"/>
+          <a:ext cx="1613664" cy="1129565"/>
+        </a:xfrm>
+        <a:prstGeom prst="chevron">
+          <a:avLst/>
+        </a:prstGeom>
+        <a:solidFill>
+          <a:schemeClr val="accent1">
+            <a:hueOff val="0"/>
+            <a:satOff val="0"/>
+            <a:lumOff val="0"/>
+            <a:alphaOff val="0"/>
+          </a:schemeClr>
+        </a:solidFill>
+        <a:ln w="15875" cap="flat" cmpd="sng" algn="ctr">
+          <a:solidFill>
+            <a:schemeClr val="accent1">
+              <a:hueOff val="0"/>
+              <a:satOff val="0"/>
+              <a:lumOff val="0"/>
+              <a:alphaOff val="0"/>
+            </a:schemeClr>
+          </a:solidFill>
+          <a:prstDash val="solid"/>
+        </a:ln>
+        <a:effectLst/>
+      </dsp:spPr>
+      <dsp:style>
+        <a:lnRef idx="2">
+          <a:scrgbClr r="0" g="0" b="0"/>
+        </a:lnRef>
+        <a:fillRef idx="1">
+          <a:scrgbClr r="0" g="0" b="0"/>
+        </a:fillRef>
+        <a:effectRef idx="0">
+          <a:scrgbClr r="0" g="0" b="0"/>
+        </a:effectRef>
+        <a:fontRef idx="minor">
+          <a:schemeClr val="lt1"/>
+        </a:fontRef>
+      </dsp:style>
+      <dsp:txBody>
+        <a:bodyPr spcFirstLastPara="0" vert="horz" wrap="square" lIns="10160" tIns="10160" rIns="10160" bIns="10160" numCol="1" spcCol="1270" anchor="ctr" anchorCtr="0">
+          <a:noAutofit/>
+        </a:bodyPr>
+        <a:lstStyle/>
+        <a:p>
+          <a:pPr marL="0" lvl="0" indent="0" algn="ctr" defTabSz="711200">
+            <a:lnSpc>
+              <a:spcPct val="90000"/>
+            </a:lnSpc>
+            <a:spcBef>
+              <a:spcPct val="0"/>
+            </a:spcBef>
+            <a:spcAft>
+              <a:spcPct val="35000"/>
+            </a:spcAft>
+            <a:buNone/>
+          </a:pPr>
+          <a:r>
+            <a:rPr lang="en-US" sz="1600" kern="1200" dirty="0"/>
+            <a:t>Second layer</a:t>
+          </a:r>
+        </a:p>
+      </dsp:txBody>
+      <dsp:txXfrm rot="-5400000">
+        <a:off x="1" y="1984895"/>
+        <a:ext cx="1129565" cy="484099"/>
+      </dsp:txXfrm>
+    </dsp:sp>
+    <dsp:sp modelId="{1A3C6FB3-2601-4BE1-842F-5CCB14C1FCA3}">
+      <dsp:nvSpPr>
+        <dsp:cNvPr id="0" name=""/>
+        <dsp:cNvSpPr/>
+      </dsp:nvSpPr>
+      <dsp:spPr>
+        <a:xfrm rot="5400000">
+          <a:off x="4104341" y="-1554664"/>
+          <a:ext cx="1048882" cy="6998434"/>
+        </a:xfrm>
+        <a:prstGeom prst="round2SameRect">
+          <a:avLst/>
+        </a:prstGeom>
+        <a:solidFill>
+          <a:schemeClr val="lt1">
+            <a:alpha val="90000"/>
+            <a:hueOff val="0"/>
+            <a:satOff val="0"/>
+            <a:lumOff val="0"/>
+            <a:alphaOff val="0"/>
+          </a:schemeClr>
+        </a:solidFill>
+        <a:ln w="15875" cap="flat" cmpd="sng" algn="ctr">
+          <a:solidFill>
+            <a:schemeClr val="accent1">
+              <a:hueOff val="0"/>
+              <a:satOff val="0"/>
+              <a:lumOff val="0"/>
+              <a:alphaOff val="0"/>
+            </a:schemeClr>
+          </a:solidFill>
+          <a:prstDash val="solid"/>
+        </a:ln>
+        <a:effectLst/>
+      </dsp:spPr>
+      <dsp:style>
+        <a:lnRef idx="2">
+          <a:scrgbClr r="0" g="0" b="0"/>
+        </a:lnRef>
+        <a:fillRef idx="1">
+          <a:scrgbClr r="0" g="0" b="0"/>
+        </a:fillRef>
+        <a:effectRef idx="0">
+          <a:scrgbClr r="0" g="0" b="0"/>
+        </a:effectRef>
+        <a:fontRef idx="minor"/>
+      </dsp:style>
+      <dsp:txBody>
+        <a:bodyPr spcFirstLastPara="0" vert="horz" wrap="square" lIns="120904" tIns="10795" rIns="10795" bIns="10795" numCol="1" spcCol="1270" anchor="ctr" anchorCtr="0">
+          <a:noAutofit/>
+        </a:bodyPr>
+        <a:lstStyle/>
+        <a:p>
+          <a:pPr marL="171450" lvl="1" indent="-171450" algn="l" defTabSz="755650">
+            <a:lnSpc>
+              <a:spcPct val="90000"/>
+            </a:lnSpc>
+            <a:spcBef>
+              <a:spcPct val="0"/>
+            </a:spcBef>
+            <a:spcAft>
+              <a:spcPct val="15000"/>
+            </a:spcAft>
+            <a:buChar char="•"/>
+          </a:pPr>
+          <a:r>
+            <a:rPr lang="en-US" sz="1700" kern="1200" dirty="0"/>
+            <a:t>performs convolutions over the embedded word vectors using multiple filter sizes. </a:t>
+          </a:r>
+        </a:p>
+      </dsp:txBody>
+      <dsp:txXfrm rot="-5400000">
+        <a:off x="1129565" y="1471314"/>
+        <a:ext cx="6947232" cy="946478"/>
+      </dsp:txXfrm>
+    </dsp:sp>
+    <dsp:sp modelId="{48A05574-02B7-4D82-B203-C05510D6EFB2}">
+      <dsp:nvSpPr>
+        <dsp:cNvPr id="0" name=""/>
+        <dsp:cNvSpPr/>
+      </dsp:nvSpPr>
+      <dsp:spPr>
+        <a:xfrm rot="5400000">
+          <a:off x="-242049" y="3081747"/>
+          <a:ext cx="1613664" cy="1129565"/>
+        </a:xfrm>
+        <a:prstGeom prst="chevron">
+          <a:avLst/>
+        </a:prstGeom>
+        <a:solidFill>
+          <a:schemeClr val="accent1">
+            <a:hueOff val="0"/>
+            <a:satOff val="0"/>
+            <a:lumOff val="0"/>
+            <a:alphaOff val="0"/>
+          </a:schemeClr>
+        </a:solidFill>
+        <a:ln w="15875" cap="flat" cmpd="sng" algn="ctr">
+          <a:solidFill>
+            <a:schemeClr val="accent1">
+              <a:hueOff val="0"/>
+              <a:satOff val="0"/>
+              <a:lumOff val="0"/>
+              <a:alphaOff val="0"/>
+            </a:schemeClr>
+          </a:solidFill>
+          <a:prstDash val="solid"/>
+        </a:ln>
+        <a:effectLst/>
+      </dsp:spPr>
+      <dsp:style>
+        <a:lnRef idx="2">
+          <a:scrgbClr r="0" g="0" b="0"/>
+        </a:lnRef>
+        <a:fillRef idx="1">
+          <a:scrgbClr r="0" g="0" b="0"/>
+        </a:fillRef>
+        <a:effectRef idx="0">
+          <a:scrgbClr r="0" g="0" b="0"/>
+        </a:effectRef>
+        <a:fontRef idx="minor">
+          <a:schemeClr val="lt1"/>
+        </a:fontRef>
+      </dsp:style>
+      <dsp:txBody>
+        <a:bodyPr spcFirstLastPara="0" vert="horz" wrap="square" lIns="10160" tIns="10160" rIns="10160" bIns="10160" numCol="1" spcCol="1270" anchor="ctr" anchorCtr="0">
+          <a:noAutofit/>
+        </a:bodyPr>
+        <a:lstStyle/>
+        <a:p>
+          <a:pPr marL="0" lvl="0" indent="0" algn="ctr" defTabSz="711200">
+            <a:lnSpc>
+              <a:spcPct val="90000"/>
+            </a:lnSpc>
+            <a:spcBef>
+              <a:spcPct val="0"/>
+            </a:spcBef>
+            <a:spcAft>
+              <a:spcPct val="35000"/>
+            </a:spcAft>
+            <a:buNone/>
+          </a:pPr>
+          <a:r>
+            <a:rPr lang="en-US" sz="1600" kern="1200" dirty="0"/>
+            <a:t>Last</a:t>
+          </a:r>
+        </a:p>
+      </dsp:txBody>
+      <dsp:txXfrm rot="-5400000">
+        <a:off x="1" y="3404481"/>
+        <a:ext cx="1129565" cy="484099"/>
+      </dsp:txXfrm>
+    </dsp:sp>
+    <dsp:sp modelId="{852E1753-EBF0-4983-8216-6AF343EA4151}">
+      <dsp:nvSpPr>
+        <dsp:cNvPr id="0" name=""/>
+        <dsp:cNvSpPr/>
+      </dsp:nvSpPr>
+      <dsp:spPr>
+        <a:xfrm rot="5400000">
+          <a:off x="4104341" y="-135078"/>
+          <a:ext cx="1048882" cy="6998434"/>
+        </a:xfrm>
+        <a:prstGeom prst="round2SameRect">
+          <a:avLst/>
+        </a:prstGeom>
+        <a:solidFill>
+          <a:schemeClr val="lt1">
+            <a:alpha val="90000"/>
+            <a:hueOff val="0"/>
+            <a:satOff val="0"/>
+            <a:lumOff val="0"/>
+            <a:alphaOff val="0"/>
+          </a:schemeClr>
+        </a:solidFill>
+        <a:ln w="15875" cap="flat" cmpd="sng" algn="ctr">
+          <a:solidFill>
+            <a:schemeClr val="accent1">
+              <a:hueOff val="0"/>
+              <a:satOff val="0"/>
+              <a:lumOff val="0"/>
+              <a:alphaOff val="0"/>
+            </a:schemeClr>
+          </a:solidFill>
+          <a:prstDash val="solid"/>
+        </a:ln>
+        <a:effectLst/>
+      </dsp:spPr>
+      <dsp:style>
+        <a:lnRef idx="2">
+          <a:scrgbClr r="0" g="0" b="0"/>
+        </a:lnRef>
+        <a:fillRef idx="1">
+          <a:scrgbClr r="0" g="0" b="0"/>
+        </a:fillRef>
+        <a:effectRef idx="0">
+          <a:scrgbClr r="0" g="0" b="0"/>
+        </a:effectRef>
+        <a:fontRef idx="minor"/>
+      </dsp:style>
+      <dsp:txBody>
+        <a:bodyPr spcFirstLastPara="0" vert="horz" wrap="square" lIns="120904" tIns="10795" rIns="10795" bIns="10795" numCol="1" spcCol="1270" anchor="ctr" anchorCtr="0">
+          <a:noAutofit/>
+        </a:bodyPr>
+        <a:lstStyle/>
+        <a:p>
+          <a:pPr marL="171450" lvl="1" indent="-171450" algn="l" defTabSz="755650">
+            <a:lnSpc>
+              <a:spcPct val="90000"/>
+            </a:lnSpc>
+            <a:spcBef>
+              <a:spcPct val="0"/>
+            </a:spcBef>
+            <a:spcAft>
+              <a:spcPct val="15000"/>
+            </a:spcAft>
+            <a:buChar char="•"/>
+          </a:pPr>
+          <a:r>
+            <a:rPr lang="en-US" sz="1700" kern="1200" dirty="0"/>
+            <a:t>max-pool the result of the convolutional layer into a long feature vector</a:t>
+          </a:r>
+        </a:p>
+        <a:p>
+          <a:pPr marL="171450" lvl="1" indent="-171450" algn="l" defTabSz="755650">
+            <a:lnSpc>
+              <a:spcPct val="90000"/>
+            </a:lnSpc>
+            <a:spcBef>
+              <a:spcPct val="0"/>
+            </a:spcBef>
+            <a:spcAft>
+              <a:spcPct val="15000"/>
+            </a:spcAft>
+            <a:buChar char="•"/>
+          </a:pPr>
+          <a:r>
+            <a:rPr lang="en-US" sz="1700" kern="1200" dirty="0"/>
+            <a:t>added dropout regularization and classify the result using a </a:t>
+          </a:r>
+          <a:r>
+            <a:rPr lang="en-US" sz="1700" kern="1200" dirty="0" err="1"/>
+            <a:t>softmax</a:t>
+          </a:r>
+          <a:r>
+            <a:rPr lang="en-US" sz="1700" kern="1200" dirty="0"/>
+            <a:t> layer</a:t>
+          </a:r>
+        </a:p>
+        <a:p>
+          <a:pPr marL="171450" lvl="1" indent="-171450" algn="l" defTabSz="755650">
+            <a:lnSpc>
+              <a:spcPct val="90000"/>
+            </a:lnSpc>
+            <a:spcBef>
+              <a:spcPct val="0"/>
+            </a:spcBef>
+            <a:spcAft>
+              <a:spcPct val="15000"/>
+            </a:spcAft>
+            <a:buChar char="•"/>
+          </a:pPr>
+          <a:r>
+            <a:rPr lang="en-US" sz="1700" kern="1200" dirty="0"/>
+            <a:t> </a:t>
+          </a:r>
+        </a:p>
+      </dsp:txBody>
+      <dsp:txXfrm rot="-5400000">
+        <a:off x="1129565" y="2890900"/>
+        <a:ext cx="6947232" cy="946478"/>
+      </dsp:txXfrm>
+    </dsp:sp>
+  </dsp:spTree>
+</dsp:drawing>
+</file>
+
+<file path=ppt/diagrams/layout1.xml><?xml version="1.0" encoding="utf-8"?>
+<dgm:layoutDef xmlns:dgm="http://schemas.openxmlformats.org/drawingml/2006/diagram" xmlns:a="http://schemas.openxmlformats.org/drawingml/2006/main" uniqueId="urn:microsoft.com/office/officeart/2005/8/layout/chevron2">
+  <dgm:title val=""/>
+  <dgm:desc val=""/>
+  <dgm:catLst>
+    <dgm:cat type="process" pri="12000"/>
+    <dgm:cat type="list" pri="16000"/>
+    <dgm:cat type="convert" pri="11000"/>
+  </dgm:catLst>
+  <dgm:sampData>
+    <dgm:dataModel>
+      <dgm:ptLst>
+        <dgm:pt modelId="0" type="doc"/>
+        <dgm:pt modelId="1">
+          <dgm:prSet phldr="1"/>
+        </dgm:pt>
+        <dgm:pt modelId="11">
+          <dgm:prSet phldr="1"/>
+        </dgm:pt>
+        <dgm:pt modelId="12">
+          <dgm:prSet phldr="1"/>
+        </dgm:pt>
+        <dgm:pt modelId="2">
+          <dgm:prSet phldr="1"/>
+        </dgm:pt>
+        <dgm:pt modelId="21">
+          <dgm:prSet phldr="1"/>
+        </dgm:pt>
+        <dgm:pt modelId="22">
+          <dgm:prSet phldr="1"/>
+        </dgm:pt>
+        <dgm:pt modelId="3">
+          <dgm:prSet phldr="1"/>
+        </dgm:pt>
+        <dgm:pt modelId="31">
+          <dgm:prSet phldr="1"/>
+        </dgm:pt>
+        <dgm:pt modelId="32">
+          <dgm:prSet phldr="1"/>
+        </dgm:pt>
+      </dgm:ptLst>
+      <dgm:cxnLst>
+        <dgm:cxn modelId="4" srcId="0" destId="1" srcOrd="0" destOrd="0"/>
+        <dgm:cxn modelId="5" srcId="0" destId="2" srcOrd="1" destOrd="0"/>
+        <dgm:cxn modelId="6" srcId="0" destId="3" srcOrd="2" destOrd="0"/>
+        <dgm:cxn modelId="13" srcId="1" destId="11" srcOrd="0" destOrd="0"/>
+        <dgm:cxn modelId="14" srcId="1" destId="12" srcOrd="1" destOrd="0"/>
+        <dgm:cxn modelId="23" srcId="2" destId="21" srcOrd="0" destOrd="0"/>
+        <dgm:cxn modelId="24" srcId="2" destId="22" srcOrd="1" destOrd="0"/>
+        <dgm:cxn modelId="33" srcId="3" destId="31" srcOrd="0" destOrd="0"/>
+        <dgm:cxn modelId="34" srcId="3" destId="32" srcOrd="1" destOrd="0"/>
+      </dgm:cxnLst>
+      <dgm:bg/>
+      <dgm:whole/>
+    </dgm:dataModel>
+  </dgm:sampData>
+  <dgm:styleData>
+    <dgm:dataModel>
+      <dgm:ptLst>
+        <dgm:pt modelId="0" type="doc"/>
+        <dgm:pt modelId="1"/>
+      </dgm:ptLst>
+      <dgm:cxnLst>
+        <dgm:cxn modelId="4" srcId="0" destId="1" srcOrd="0" destOrd="0"/>
+      </dgm:cxnLst>
+      <dgm:bg/>
+      <dgm:whole/>
+    </dgm:dataModel>
+  </dgm:styleData>
+  <dgm:clrData>
+    <dgm:dataModel>
+      <dgm:ptLst>
+        <dgm:pt modelId="0" type="doc"/>
+        <dgm:pt modelId="1"/>
+        <dgm:pt modelId="11"/>
+        <dgm:pt modelId="2"/>
+        <dgm:pt modelId="21"/>
+        <dgm:pt modelId="3"/>
+        <dgm:pt modelId="31"/>
+        <dgm:pt modelId="4"/>
+        <dgm:pt modelId="41"/>
+      </dgm:ptLst>
+      <dgm:cxnLst>
+        <dgm:cxn modelId="5" srcId="0" destId="1" srcOrd="0" destOrd="0"/>
+        <dgm:cxn modelId="6" srcId="0" destId="2" srcOrd="1" destOrd="0"/>
+        <dgm:cxn modelId="7" srcId="0" destId="3" srcOrd="2" destOrd="0"/>
+        <dgm:cxn modelId="8" srcId="0" destId="4" srcOrd="3" destOrd="0"/>
+        <dgm:cxn modelId="13" srcId="1" destId="11" srcOrd="0" destOrd="0"/>
+        <dgm:cxn modelId="23" srcId="2" destId="21" srcOrd="0" destOrd="0"/>
+        <dgm:cxn modelId="33" srcId="3" destId="31" srcOrd="0" destOrd="0"/>
+        <dgm:cxn modelId="43" srcId="4" destId="41" srcOrd="0" destOrd="0"/>
+      </dgm:cxnLst>
+      <dgm:bg/>
+      <dgm:whole/>
+    </dgm:dataModel>
+  </dgm:clrData>
+  <dgm:layoutNode name="linearFlow">
+    <dgm:varLst>
+      <dgm:dir/>
+      <dgm:animLvl val="lvl"/>
+      <dgm:resizeHandles val="exact"/>
+    </dgm:varLst>
+    <dgm:alg type="lin">
+      <dgm:param type="linDir" val="fromT"/>
+      <dgm:param type="nodeHorzAlign" val="l"/>
+    </dgm:alg>
+    <dgm:shape xmlns:r="http://schemas.openxmlformats.org/officeDocument/2006/relationships" r:blip="">
+      <dgm:adjLst/>
+    </dgm:shape>
+    <dgm:presOf/>
+    <dgm:constrLst>
+      <dgm:constr type="h" for="ch" forName="composite" refType="h"/>
+      <dgm:constr type="w" for="ch" forName="composite" refType="w"/>
+      <dgm:constr type="h" for="des" forName="parentText" op="equ"/>
+      <dgm:constr type="h" for="ch" forName="sp" val="-14.88"/>
+      <dgm:constr type="h" for="ch" forName="sp" refType="w" refFor="des" refForName="parentText" op="gte" fact="-0.3"/>
+      <dgm:constr type="primFontSz" for="des" forName="parentText" op="equ" val="65"/>
+      <dgm:constr type="primFontSz" for="des" forName="descendantText" op="equ" val="65"/>
+    </dgm:constrLst>
+    <dgm:ruleLst/>
+    <dgm:forEach name="Name0" axis="ch" ptType="node">
+      <dgm:layoutNode name="composite">
+        <dgm:alg type="composite"/>
+        <dgm:shape xmlns:r="http://schemas.openxmlformats.org/officeDocument/2006/relationships" r:blip="">
+          <dgm:adjLst/>
+        </dgm:shape>
+        <dgm:presOf/>
+        <dgm:choose name="Name1">
+          <dgm:if name="Name2" func="var" arg="dir" op="equ" val="norm">
+            <dgm:constrLst>
+              <dgm:constr type="t" for="ch" forName="parentText"/>
+              <dgm:constr type="l" for="ch" forName="parentText"/>
+              <dgm:constr type="w" for="ch" forName="parentText" refType="w" fact="0.4"/>
+              <dgm:constr type="h" for="ch" forName="parentText" refType="h"/>
+              <dgm:constr type="w" for="ch" forName="parentText" refType="w" op="lte" fact="0.5"/>
+              <dgm:constr type="w" for="ch" forName="parentText" refType="h" refFor="ch" refForName="parentText" op="lte" fact="0.7"/>
+              <dgm:constr type="h" for="ch" forName="parentText" refType="w" refFor="ch" refForName="parentText" op="lte" fact="3"/>
+              <dgm:constr type="l" for="ch" forName="descendantText" refType="w" refFor="ch" refForName="parentText"/>
+              <dgm:constr type="w" for="ch" forName="descendantText" refType="w"/>
+              <dgm:constr type="wOff" for="ch" forName="descendantText" refType="w" refFor="ch" refForName="parentText" fact="-1"/>
+              <dgm:constr type="t" for="ch" forName="descendantText"/>
+              <dgm:constr type="b" for="ch" forName="descendantText" refType="h" refFor="ch" refForName="parentText"/>
+              <dgm:constr type="bOff" for="ch" forName="descendantText" refType="w" refFor="ch" refForName="parentText" fact="-0.5"/>
+            </dgm:constrLst>
+          </dgm:if>
+          <dgm:else name="Name3">
+            <dgm:constrLst>
+              <dgm:constr type="t" for="ch" forName="parentText"/>
+              <dgm:constr type="r" for="ch" forName="parentText" refType="w"/>
+              <dgm:constr type="w" for="ch" forName="parentText" refType="w" fact="0.4"/>
+              <dgm:constr type="h" for="ch" forName="parentText" refType="h"/>
+              <dgm:constr type="w" for="ch" forName="parentText" refType="w" op="lte" fact="0.5"/>
+              <dgm:constr type="w" for="ch" forName="parentText" refType="h" refFor="ch" refForName="parentText" op="lte" fact="0.7"/>
+              <dgm:constr type="h" for="ch" forName="parentText" refType="w" refFor="ch" refForName="parentText" op="lte" fact="3"/>
+              <dgm:constr type="l" for="ch" forName="descendantText"/>
+              <dgm:constr type="w" for="ch" forName="descendantText" refType="w"/>
+              <dgm:constr type="wOff" for="ch" forName="descendantText" refType="w" refFor="ch" refForName="parentText" fact="-1"/>
+              <dgm:constr type="t" for="ch" forName="descendantText"/>
+              <dgm:constr type="b" for="ch" forName="descendantText" refType="h" refFor="ch" refForName="parentText"/>
+              <dgm:constr type="bOff" for="ch" forName="descendantText" refType="w" refFor="ch" refForName="parentText" fact="-0.5"/>
+            </dgm:constrLst>
+          </dgm:else>
+        </dgm:choose>
+        <dgm:ruleLst/>
+        <dgm:layoutNode name="parentText" styleLbl="alignNode1">
+          <dgm:varLst>
+            <dgm:chMax val="1"/>
+            <dgm:bulletEnabled val="1"/>
+          </dgm:varLst>
+          <dgm:alg type="tx"/>
+          <dgm:shape xmlns:r="http://schemas.openxmlformats.org/officeDocument/2006/relationships" rot="90" type="chevron" r:blip="">
+            <dgm:adjLst/>
+          </dgm:shape>
+          <dgm:presOf axis="self" ptType="node"/>
+          <dgm:constrLst>
+            <dgm:constr type="lMarg" refType="primFontSz" fact="0.05"/>
+            <dgm:constr type="rMarg" refType="primFontSz" fact="0.05"/>
+            <dgm:constr type="tMarg" refType="primFontSz" fact="0.05"/>
+            <dgm:constr type="bMarg" refType="primFontSz" fact="0.05"/>
+          </dgm:constrLst>
+          <dgm:ruleLst>
+            <dgm:rule type="h" val="100" fact="NaN" max="NaN"/>
+            <dgm:rule type="primFontSz" val="24" fact="NaN" max="NaN"/>
+            <dgm:rule type="h" val="110" fact="NaN" max="NaN"/>
+            <dgm:rule type="primFontSz" val="18" fact="NaN" max="NaN"/>
+            <dgm:rule type="h" val="INF" fact="NaN" max="NaN"/>
+            <dgm:rule type="primFontSz" val="5" fact="NaN" max="NaN"/>
+          </dgm:ruleLst>
+        </dgm:layoutNode>
+        <dgm:layoutNode name="descendantText" styleLbl="alignAcc1">
+          <dgm:varLst>
+            <dgm:bulletEnabled val="1"/>
+          </dgm:varLst>
+          <dgm:choose name="Name4">
+            <dgm:if name="Name5" func="var" arg="dir" op="equ" val="norm">
+              <dgm:alg type="tx">
+                <dgm:param type="stBulletLvl" val="1"/>
+                <dgm:param type="txAnchorVertCh" val="mid"/>
+              </dgm:alg>
+              <dgm:shape xmlns:r="http://schemas.openxmlformats.org/officeDocument/2006/relationships" rot="90" type="round2SameRect" r:blip="">
+                <dgm:adjLst/>
+              </dgm:shape>
+            </dgm:if>
+            <dgm:else name="Name6">
+              <dgm:alg type="tx">
+                <dgm:param type="stBulletLvl" val="1"/>
+                <dgm:param type="txAnchorVertCh" val="mid"/>
+              </dgm:alg>
+              <dgm:shape xmlns:r="http://schemas.openxmlformats.org/officeDocument/2006/relationships" rot="-90" type="round2SameRect" r:blip="">
+                <dgm:adjLst/>
+              </dgm:shape>
+            </dgm:else>
+          </dgm:choose>
+          <dgm:presOf axis="des" ptType="node"/>
+          <dgm:choose name="Name7">
+            <dgm:if name="Name8" func="var" arg="dir" op="equ" val="norm">
+              <dgm:constrLst>
+                <dgm:constr type="secFontSz" refType="primFontSz"/>
+                <dgm:constr type="tMarg" refType="primFontSz" fact="0.05"/>
+                <dgm:constr type="bMarg" refType="primFontSz" fact="0.05"/>
+                <dgm:constr type="rMarg" refType="primFontSz" fact="0.05"/>
+              </dgm:constrLst>
+            </dgm:if>
+            <dgm:else name="Name9">
+              <dgm:constrLst>
+                <dgm:constr type="secFontSz" refType="primFontSz"/>
+                <dgm:constr type="tMarg" refType="primFontSz" fact="0.05"/>
+                <dgm:constr type="bMarg" refType="primFontSz" fact="0.05"/>
+                <dgm:constr type="lMarg" refType="primFontSz" fact="0.05"/>
+              </dgm:constrLst>
+            </dgm:else>
+          </dgm:choose>
+          <dgm:ruleLst>
+            <dgm:rule type="primFontSz" val="5" fact="NaN" max="NaN"/>
+          </dgm:ruleLst>
+        </dgm:layoutNode>
+      </dgm:layoutNode>
+      <dgm:forEach name="Name10" axis="followSib" ptType="sibTrans" cnt="1">
+        <dgm:layoutNode name="sp">
+          <dgm:alg type="sp"/>
+          <dgm:shape xmlns:r="http://schemas.openxmlformats.org/officeDocument/2006/relationships" r:blip="">
+            <dgm:adjLst/>
+          </dgm:shape>
+          <dgm:presOf axis="self"/>
+          <dgm:constrLst>
+            <dgm:constr type="w" val="1"/>
+            <dgm:constr type="h" val="37.5"/>
+          </dgm:constrLst>
+          <dgm:ruleLst/>
+        </dgm:layoutNode>
+      </dgm:forEach>
+    </dgm:forEach>
+  </dgm:layoutNode>
+</dgm:layoutDef>
+</file>
+
+<file path=ppt/diagrams/quickStyle1.xml><?xml version="1.0" encoding="utf-8"?>
+<dgm:styleDef xmlns:dgm="http://schemas.openxmlformats.org/drawingml/2006/diagram" xmlns:a="http://schemas.openxmlformats.org/drawingml/2006/main" uniqueId="urn:microsoft.com/office/officeart/2005/8/quickstyle/simple1">
+  <dgm:title val=""/>
+  <dgm:desc val=""/>
+  <dgm:catLst>
+    <dgm:cat type="simple" pri="10100"/>
+  </dgm:catLst>
+  <dgm:scene3d>
+    <a:camera prst="orthographicFront"/>
+    <a:lightRig rig="threePt" dir="t"/>
+  </dgm:scene3d>
+  <dgm:styleLbl name="node0">
+    <dgm:scene3d>
+      <a:camera prst="orthographicFront"/>
+      <a:lightRig rig="threePt" dir="t"/>
+    </dgm:scene3d>
+    <dgm:sp3d/>
+    <dgm:txPr/>
+    <dgm:style>
+      <a:lnRef idx="2">
+        <a:scrgbClr r="0" g="0" b="0"/>
+      </a:lnRef>
+      <a:fillRef idx="1">
+        <a:scrgbClr r="0" g="0" b="0"/>
+      </a:fillRef>
+      <a:effectRef idx="0">
+        <a:scrgbClr r="0" g="0" b="0"/>
+      </a:effectRef>
+      <a:fontRef idx="minor">
+        <a:schemeClr val="lt1"/>
+      </a:fontRef>
+    </dgm:style>
+  </dgm:styleLbl>
+  <dgm:styleLbl name="lnNode1">
+    <dgm:scene3d>
+      <a:camera prst="orthographicFront"/>
+      <a:lightRig rig="threePt" dir="t"/>
+    </dgm:scene3d>
+    <dgm:sp3d/>
+    <dgm:txPr/>
+    <dgm:style>
+      <a:lnRef idx="2">
+        <a:scrgbClr r="0" g="0" b="0"/>
+      </a:lnRef>
+      <a:fillRef idx="1">
+        <a:scrgbClr r="0" g="0" b="0"/>
+      </a:fillRef>
+      <a:effectRef idx="0">
+        <a:scrgbClr r="0" g="0" b="0"/>
+      </a:effectRef>
+      <a:fontRef idx="minor">
+        <a:schemeClr val="lt1"/>
+      </a:fontRef>
+    </dgm:style>
+  </dgm:styleLbl>
+  <dgm:styleLbl name="vennNode1">
+    <dgm:scene3d>
+      <a:camera prst="orthographicFront"/>
+      <a:lightRig rig="threePt" dir="t"/>
+    </dgm:scene3d>
+    <dgm:sp3d/>
+    <dgm:txPr/>
+    <dgm:style>
+      <a:lnRef idx="2">
+        <a:scrgbClr r="0" g="0" b="0"/>
+      </a:lnRef>
+      <a:fillRef idx="1">
+        <a:scrgbClr r="0" g="0" b="0"/>
+      </a:fillRef>
+      <a:effectRef idx="0">
+        <a:scrgbClr r="0" g="0" b="0"/>
+      </a:effectRef>
+      <a:fontRef idx="minor">
+        <a:schemeClr val="tx1"/>
+      </a:fontRef>
+    </dgm:style>
+  </dgm:styleLbl>
+  <dgm:styleLbl name="alignNode1">
+    <dgm:scene3d>
+      <a:camera prst="orthographicFront"/>
+      <a:lightRig rig="threePt" dir="t"/>
+    </dgm:scene3d>
+    <dgm:sp3d/>
+    <dgm:txPr/>
+    <dgm:style>
+      <a:lnRef idx="2">
+        <a:scrgbClr r="0" g="0" b="0"/>
+      </a:lnRef>
+      <a:fillRef idx="1">
+        <a:scrgbClr r="0" g="0" b="0"/>
+      </a:fillRef>
+      <a:effectRef idx="0">
+        <a:scrgbClr r="0" g="0" b="0"/>
+      </a:effectRef>
+      <a:fontRef idx="minor">
+        <a:schemeClr val="lt1"/>
+      </a:fontRef>
+    </dgm:style>
+  </dgm:styleLbl>
+  <dgm:styleLbl name="node1">
+    <dgm:scene3d>
+      <a:camera prst="orthographicFront"/>
+      <a:lightRig rig="threePt" dir="t"/>
+    </dgm:scene3d>
+    <dgm:sp3d/>
+    <dgm:txPr/>
+    <dgm:style>
+      <a:lnRef idx="2">
+        <a:scrgbClr r="0" g="0" b="0"/>
+      </a:lnRef>
+      <a:fillRef idx="1">
+        <a:scrgbClr r="0" g="0" b="0"/>
+      </a:fillRef>
+      <a:effectRef idx="0">
+        <a:scrgbClr r="0" g="0" b="0"/>
+      </a:effectRef>
+      <a:fontRef idx="minor">
+        <a:schemeClr val="lt1"/>
+      </a:fontRef>
+    </dgm:style>
+  </dgm:styleLbl>
+  <dgm:styleLbl name="node2">
+    <dgm:scene3d>
+      <a:camera prst="orthographicFront"/>
+      <a:lightRig rig="threePt" dir="t"/>
+    </dgm:scene3d>
+    <dgm:sp3d/>
+    <dgm:txPr/>
+    <dgm:style>
+      <a:lnRef idx="2">
+        <a:scrgbClr r="0" g="0" b="0"/>
+      </a:lnRef>
+      <a:fillRef idx="1">
+        <a:scrgbClr r="0" g="0" b="0"/>
+      </a:fillRef>
+      <a:effectRef idx="0">
+        <a:scrgbClr r="0" g="0" b="0"/>
+      </a:effectRef>
+      <a:fontRef idx="minor">
+        <a:schemeClr val="lt1"/>
+      </a:fontRef>
+    </dgm:style>
+  </dgm:styleLbl>
+  <dgm:styleLbl name="node3">
+    <dgm:scene3d>
+      <a:camera prst="orthographicFront"/>
+      <a:lightRig rig="threePt" dir="t"/>
+    </dgm:scene3d>
+    <dgm:sp3d/>
+    <dgm:txPr/>
+    <dgm:style>
+      <a:lnRef idx="2">
+        <a:scrgbClr r="0" g="0" b="0"/>
+      </a:lnRef>
+      <a:fillRef idx="1">
+        <a:scrgbClr r="0" g="0" b="0"/>
+      </a:fillRef>
+      <a:effectRef idx="0">
+        <a:scrgbClr r="0" g="0" b="0"/>
+      </a:effectRef>
+      <a:fontRef idx="minor">
+        <a:schemeClr val="lt1"/>
+      </a:fontRef>
+    </dgm:style>
+  </dgm:styleLbl>
+  <dgm:styleLbl name="node4">
+    <dgm:scene3d>
+      <a:camera prst="orthographicFront"/>
+      <a:lightRig rig="threePt" dir="t"/>
+    </dgm:scene3d>
+    <dgm:sp3d/>
+    <dgm:txPr/>
+    <dgm:style>
+      <a:lnRef idx="2">
+        <a:scrgbClr r="0" g="0" b="0"/>
+      </a:lnRef>
+      <a:fillRef idx="1">
+        <a:scrgbClr r="0" g="0" b="0"/>
+      </a:fillRef>
+      <a:effectRef idx="0">
+        <a:scrgbClr r="0" g="0" b="0"/>
+      </a:effectRef>
+      <a:fontRef idx="minor">
+        <a:schemeClr val="lt1"/>
+      </a:fontRef>
+    </dgm:style>
+  </dgm:styleLbl>
+  <dgm:styleLbl name="fgImgPlace1">
+    <dgm:scene3d>
+      <a:camera prst="orthographicFront"/>
+      <a:lightRig rig="threePt" dir="t"/>
+    </dgm:scene3d>
+    <dgm:sp3d/>
+    <dgm:txPr/>
+    <dgm:style>
+      <a:lnRef idx="2">
+        <a:scrgbClr r="0" g="0" b="0"/>
+      </a:lnRef>
+      <a:fillRef idx="1">
+        <a:scrgbClr r="0" g="0" b="0"/>
+      </a:fillRef>
+      <a:effectRef idx="0">
+        <a:scrgbClr r="0" g="0" b="0"/>
+      </a:effectRef>
+      <a:fontRef idx="minor"/>
+    </dgm:style>
+  </dgm:styleLbl>
+  <dgm:styleLbl name="alignImgPlace1">
+    <dgm:scene3d>
+      <a:camera prst="orthographicFront"/>
+      <a:lightRig rig="threePt" dir="t"/>
+    </dgm:scene3d>
+    <dgm:sp3d/>
+    <dgm:txPr/>
+    <dgm:style>
+      <a:lnRef idx="2">
+        <a:scrgbClr r="0" g="0" b="0"/>
+      </a:lnRef>
+      <a:fillRef idx="1">
+        <a:scrgbClr r="0" g="0" b="0"/>
+      </a:fillRef>
+      <a:effectRef idx="0">
+        <a:scrgbClr r="0" g="0" b="0"/>
+      </a:effectRef>
+      <a:fontRef idx="minor"/>
+    </dgm:style>
+  </dgm:styleLbl>
+  <dgm:styleLbl name="bgImgPlace1">
+    <dgm:scene3d>
+      <a:camera prst="orthographicFront"/>
+      <a:lightRig rig="threePt" dir="t"/>
+    </dgm:scene3d>
+    <dgm:sp3d/>
+    <dgm:txPr/>
+    <dgm:style>
+      <a:lnRef idx="2">
+        <a:scrgbClr r="0" g="0" b="0"/>
+      </a:lnRef>
+      <a:fillRef idx="1">
+        <a:scrgbClr r="0" g="0" b="0"/>
+      </a:fillRef>
+      <a:effectRef idx="0">
+        <a:scrgbClr r="0" g="0" b="0"/>
+      </a:effectRef>
+      <a:fontRef idx="minor"/>
+    </dgm:style>
+  </dgm:styleLbl>
+  <dgm:styleLbl name="sibTrans2D1">
+    <dgm:scene3d>
+      <a:camera prst="orthographicFront"/>
+      <a:lightRig rig="threePt" dir="t"/>
+    </dgm:scene3d>
+    <dgm:sp3d/>
+    <dgm:txPr/>
+    <dgm:style>
+      <a:lnRef idx="0">
+        <a:scrgbClr r="0" g="0" b="0"/>
+      </a:lnRef>
+      <a:fillRef idx="1">
+        <a:scrgbClr r="0" g="0" b="0"/>
+      </a:fillRef>
+      <a:effectRef idx="0">
+        <a:scrgbClr r="0" g="0" b="0"/>
+      </a:effectRef>
+      <a:fontRef idx="minor">
+        <a:schemeClr val="lt1"/>
+      </a:fontRef>
+    </dgm:style>
+  </dgm:styleLbl>
+  <dgm:styleLbl name="fgSibTrans2D1">
+    <dgm:scene3d>
+      <a:camera prst="orthographicFront"/>
+      <a:lightRig rig="threePt" dir="t"/>
+    </dgm:scene3d>
+    <dgm:sp3d/>
+    <dgm:txPr/>
+    <dgm:style>
+      <a:lnRef idx="0">
+        <a:scrgbClr r="0" g="0" b="0"/>
+      </a:lnRef>
+      <a:fillRef idx="1">
+        <a:scrgbClr r="0" g="0" b="0"/>
+      </a:fillRef>
+      <a:effectRef idx="0">
+        <a:scrgbClr r="0" g="0" b="0"/>
+      </a:effectRef>
+      <a:fontRef idx="minor">
+        <a:schemeClr val="lt1"/>
+      </a:fontRef>
+    </dgm:style>
+  </dgm:styleLbl>
+  <dgm:styleLbl name="bgSibTrans2D1">
+    <dgm:scene3d>
+      <a:camera prst="orthographicFront"/>
+      <a:lightRig rig="threePt" dir="t"/>
+    </dgm:scene3d>
+    <dgm:sp3d/>
+    <dgm:txPr/>
+    <dgm:style>
+      <a:lnRef idx="0">
+        <a:scrgbClr r="0" g="0" b="0"/>
+      </a:lnRef>
+      <a:fillRef idx="1">
+        <a:scrgbClr r="0" g="0" b="0"/>
+      </a:fillRef>
+      <a:effectRef idx="0">
+        <a:scrgbClr r="0" g="0" b="0"/>
+      </a:effectRef>
+      <a:fontRef idx="minor">
+        <a:schemeClr val="lt1"/>
+      </a:fontRef>
+    </dgm:style>
+  </dgm:styleLbl>
+  <dgm:styleLbl name="sibTrans1D1">
+    <dgm:scene3d>
+      <a:camera prst="orthographicFront"/>
+      <a:lightRig rig="threePt" dir="t"/>
+    </dgm:scene3d>
+    <dgm:sp3d/>
+    <dgm:txPr/>
+    <dgm:style>
+      <a:lnRef idx="1">
+        <a:scrgbClr r="0" g="0" b="0"/>
+      </a:lnRef>
+      <a:fillRef idx="0">
+        <a:scrgbClr r="0" g="0" b="0"/>
+      </a:fillRef>
+      <a:effectRef idx="0">
+        <a:scrgbClr r="0" g="0" b="0"/>
+      </a:effectRef>
+      <a:fontRef idx="minor"/>
+    </dgm:style>
+  </dgm:styleLbl>
+  <dgm:styleLbl name="callout">
+    <dgm:scene3d>
+      <a:camera prst="orthographicFront"/>
+      <a:lightRig rig="threePt" dir="t"/>
+    </dgm:scene3d>
+    <dgm:sp3d/>
+    <dgm:txPr/>
+    <dgm:style>
+      <a:lnRef idx="2">
+        <a:scrgbClr r="0" g="0" b="0"/>
+      </a:lnRef>
+      <a:fillRef idx="1">
+        <a:scrgbClr r="0" g="0" b="0"/>
+      </a:fillRef>
+      <a:effectRef idx="0">
+        <a:scrgbClr r="0" g="0" b="0"/>
+      </a:effectRef>
+      <a:fontRef idx="minor"/>
+    </dgm:style>
+  </dgm:styleLbl>
+  <dgm:styleLbl name="asst0">
+    <dgm:scene3d>
+      <a:camera prst="orthographicFront"/>
+      <a:lightRig rig="threePt" dir="t"/>
+    </dgm:scene3d>
+    <dgm:sp3d/>
+    <dgm:txPr/>
+    <dgm:style>
+      <a:lnRef idx="2">
+        <a:scrgbClr r="0" g="0" b="0"/>
+      </a:lnRef>
+      <a:fillRef idx="1">
+        <a:scrgbClr r="0" g="0" b="0"/>
+      </a:fillRef>
+      <a:effectRef idx="0">
+        <a:scrgbClr r="0" g="0" b="0"/>
+      </a:effectRef>
+      <a:fontRef idx="minor">
+        <a:schemeClr val="lt1"/>
+      </a:fontRef>
+    </dgm:style>
+  </dgm:styleLbl>
+  <dgm:styleLbl name="asst1">
+    <dgm:scene3d>
+      <a:camera prst="orthographicFront"/>
+      <a:lightRig rig="threePt" dir="t"/>
+    </dgm:scene3d>
+    <dgm:sp3d/>
+    <dgm:txPr/>
+    <dgm:style>
+      <a:lnRef idx="2">
+        <a:scrgbClr r="0" g="0" b="0"/>
+      </a:lnRef>
+      <a:fillRef idx="1">
+        <a:scrgbClr r="0" g="0" b="0"/>
+      </a:fillRef>
+      <a:effectRef idx="0">
+        <a:scrgbClr r="0" g="0" b="0"/>
+      </a:effectRef>
+      <a:fontRef idx="minor">
+        <a:schemeClr val="lt1"/>
+      </a:fontRef>
+    </dgm:style>
+  </dgm:styleLbl>
+  <dgm:styleLbl name="asst2">
+    <dgm:scene3d>
+      <a:camera prst="orthographicFront"/>
+      <a:lightRig rig="threePt" dir="t"/>
+    </dgm:scene3d>
+    <dgm:sp3d/>
+    <dgm:txPr/>
+    <dgm:style>
+      <a:lnRef idx="2">
+        <a:scrgbClr r="0" g="0" b="0"/>
+      </a:lnRef>
+      <a:fillRef idx="1">
+        <a:scrgbClr r="0" g="0" b="0"/>
+      </a:fillRef>
+      <a:effectRef idx="0">
+        <a:scrgbClr r="0" g="0" b="0"/>
+      </a:effectRef>
+      <a:fontRef idx="minor">
+        <a:schemeClr val="lt1"/>
+      </a:fontRef>
+    </dgm:style>
+  </dgm:styleLbl>
+  <dgm:styleLbl name="asst3">
+    <dgm:scene3d>
+      <a:camera prst="orthographicFront"/>
+      <a:lightRig rig="threePt" dir="t"/>
+    </dgm:scene3d>
+    <dgm:sp3d/>
+    <dgm:txPr/>
+    <dgm:style>
+      <a:lnRef idx="2">
+        <a:scrgbClr r="0" g="0" b="0"/>
+      </a:lnRef>
+      <a:fillRef idx="1">
+        <a:scrgbClr r="0" g="0" b="0"/>
+      </a:fillRef>
+      <a:effectRef idx="0">
+        <a:scrgbClr r="0" g="0" b="0"/>
+      </a:effectRef>
+      <a:fontRef idx="minor">
+        <a:schemeClr val="lt1"/>
+      </a:fontRef>
+    </dgm:style>
+  </dgm:styleLbl>
+  <dgm:styleLbl name="asst4">
+    <dgm:scene3d>
+      <a:camera prst="orthographicFront"/>
+      <a:lightRig rig="threePt" dir="t"/>
+    </dgm:scene3d>
+    <dgm:sp3d/>
+    <dgm:txPr/>
+    <dgm:style>
+      <a:lnRef idx="2">
+        <a:scrgbClr r="0" g="0" b="0"/>
+      </a:lnRef>
+      <a:fillRef idx="1">
+        <a:scrgbClr r="0" g="0" b="0"/>
+      </a:fillRef>
+      <a:effectRef idx="0">
+        <a:scrgbClr r="0" g="0" b="0"/>
+      </a:effectRef>
+      <a:fontRef idx="minor">
+        <a:schemeClr val="lt1"/>
+      </a:fontRef>
+    </dgm:style>
+  </dgm:styleLbl>
+  <dgm:styleLbl name="parChTrans2D1">
+    <dgm:scene3d>
+      <a:camera prst="orthographicFront"/>
+      <a:lightRig rig="threePt" dir="t"/>
+    </dgm:scene3d>
+    <dgm:sp3d/>
+    <dgm:txPr/>
+    <dgm:style>
+      <a:lnRef idx="2">
+        <a:scrgbClr r="0" g="0" b="0"/>
+      </a:lnRef>
+      <a:fillRef idx="1">
+        <a:scrgbClr r="0" g="0" b="0"/>
+      </a:fillRef>
+      <a:effectRef idx="0">
+        <a:scrgbClr r="0" g="0" b="0"/>
+      </a:effectRef>
+      <a:fontRef idx="minor">
+        <a:schemeClr val="lt1"/>
+      </a:fontRef>
+    </dgm:style>
+  </dgm:styleLbl>
+  <dgm:styleLbl name="parChTrans2D2">
+    <dgm:scene3d>
+      <a:camera prst="orthographicFront"/>
+      <a:lightRig rig="threePt" dir="t"/>
+    </dgm:scene3d>
+    <dgm:sp3d/>
+    <dgm:txPr/>
+    <dgm:style>
+      <a:lnRef idx="2">
+        <a:scrgbClr r="0" g="0" b="0"/>
+      </a:lnRef>
+      <a:fillRef idx="1">
+        <a:scrgbClr r="0" g="0" b="0"/>
+      </a:fillRef>
+      <a:effectRef idx="0">
+        <a:scrgbClr r="0" g="0" b="0"/>
+      </a:effectRef>
+      <a:fontRef idx="minor">
+        <a:schemeClr val="lt1"/>
+      </a:fontRef>
+    </dgm:style>
+  </dgm:styleLbl>
+  <dgm:styleLbl name="parChTrans2D3">
+    <dgm:scene3d>
+      <a:camera prst="orthographicFront"/>
+      <a:lightRig rig="threePt" dir="t"/>
+    </dgm:scene3d>
+    <dgm:sp3d/>
+    <dgm:txPr/>
+    <dgm:style>
+      <a:lnRef idx="2">
+        <a:scrgbClr r="0" g="0" b="0"/>
+      </a:lnRef>
+      <a:fillRef idx="1">
+        <a:scrgbClr r="0" g="0" b="0"/>
+      </a:fillRef>
+      <a:effectRef idx="0">
+        <a:scrgbClr r="0" g="0" b="0"/>
+      </a:effectRef>
+      <a:fontRef idx="minor">
+        <a:schemeClr val="lt1"/>
+      </a:fontRef>
+    </dgm:style>
+  </dgm:styleLbl>
+  <dgm:styleLbl name="parChTrans2D4">
+    <dgm:scene3d>
+      <a:camera prst="orthographicFront"/>
+      <a:lightRig rig="threePt" dir="t"/>
+    </dgm:scene3d>
+    <dgm:sp3d/>
+    <dgm:txPr/>
+    <dgm:style>
+      <a:lnRef idx="2">
+        <a:scrgbClr r="0" g="0" b="0"/>
+      </a:lnRef>
+      <a:fillRef idx="1">
+        <a:scrgbClr r="0" g="0" b="0"/>
+      </a:fillRef>
+      <a:effectRef idx="0">
+        <a:scrgbClr r="0" g="0" b="0"/>
+      </a:effectRef>
+      <a:fontRef idx="minor">
+        <a:schemeClr val="lt1"/>
+      </a:fontRef>
+    </dgm:style>
+  </dgm:styleLbl>
+  <dgm:styleLbl name="parChTrans1D1">
+    <dgm:scene3d>
+      <a:camera prst="orthographicFront"/>
+      <a:lightRig rig="threePt" dir="t"/>
+    </dgm:scene3d>
+    <dgm:sp3d/>
+    <dgm:txPr/>
+    <dgm:style>
+      <a:lnRef idx="2">
+        <a:scrgbClr r="0" g="0" b="0"/>
+      </a:lnRef>
+      <a:fillRef idx="0">
+        <a:scrgbClr r="0" g="0" b="0"/>
+      </a:fillRef>
+      <a:effectRef idx="0">
+        <a:scrgbClr r="0" g="0" b="0"/>
+      </a:effectRef>
+      <a:fontRef idx="minor"/>
+    </dgm:style>
+  </dgm:styleLbl>
+  <dgm:styleLbl name="parChTrans1D2">
+    <dgm:scene3d>
+      <a:camera prst="orthographicFront"/>
+      <a:lightRig rig="threePt" dir="t"/>
+    </dgm:scene3d>
+    <dgm:sp3d/>
+    <dgm:txPr/>
+    <dgm:style>
+      <a:lnRef idx="2">
+        <a:scrgbClr r="0" g="0" b="0"/>
+      </a:lnRef>
+      <a:fillRef idx="0">
+        <a:scrgbClr r="0" g="0" b="0"/>
+      </a:fillRef>
+      <a:effectRef idx="0">
+        <a:scrgbClr r="0" g="0" b="0"/>
+      </a:effectRef>
+      <a:fontRef idx="minor"/>
+    </dgm:style>
+  </dgm:styleLbl>
+  <dgm:styleLbl name="parChTrans1D3">
+    <dgm:scene3d>
+      <a:camera prst="orthographicFront"/>
+      <a:lightRig rig="threePt" dir="t"/>
+    </dgm:scene3d>
+    <dgm:sp3d/>
+    <dgm:txPr/>
+    <dgm:style>
+      <a:lnRef idx="2">
+        <a:scrgbClr r="0" g="0" b="0"/>
+      </a:lnRef>
+      <a:fillRef idx="0">
+        <a:scrgbClr r="0" g="0" b="0"/>
+      </a:fillRef>
+      <a:effectRef idx="0">
+        <a:scrgbClr r="0" g="0" b="0"/>
+      </a:effectRef>
+      <a:fontRef idx="minor"/>
+    </dgm:style>
+  </dgm:styleLbl>
+  <dgm:styleLbl name="parChTrans1D4">
+    <dgm:scene3d>
+      <a:camera prst="orthographicFront"/>
+      <a:lightRig rig="threePt" dir="t"/>
+    </dgm:scene3d>
+    <dgm:sp3d/>
+    <dgm:txPr/>
+    <dgm:style>
+      <a:lnRef idx="2">
+        <a:scrgbClr r="0" g="0" b="0"/>
+      </a:lnRef>
+      <a:fillRef idx="0">
+        <a:scrgbClr r="0" g="0" b="0"/>
+      </a:fillRef>
+      <a:effectRef idx="0">
+        <a:scrgbClr r="0" g="0" b="0"/>
+      </a:effectRef>
+      <a:fontRef idx="minor"/>
+    </dgm:style>
+  </dgm:styleLbl>
+  <dgm:styleLbl name="fgAcc1">
+    <dgm:scene3d>
+      <a:camera prst="orthographicFront"/>
+      <a:lightRig rig="threePt" dir="t"/>
+    </dgm:scene3d>
+    <dgm:sp3d/>
+    <dgm:txPr/>
+    <dgm:style>
+      <a:lnRef idx="2">
+        <a:scrgbClr r="0" g="0" b="0"/>
+      </a:lnRef>
+      <a:fillRef idx="1">
+        <a:scrgbClr r="0" g="0" b="0"/>
+      </a:fillRef>
+      <a:effectRef idx="0">
+        <a:scrgbClr r="0" g="0" b="0"/>
+      </a:effectRef>
+      <a:fontRef idx="minor"/>
+    </dgm:style>
+  </dgm:styleLbl>
+  <dgm:styleLbl name="conFgAcc1">
+    <dgm:scene3d>
+      <a:camera prst="orthographicFront"/>
+      <a:lightRig rig="threePt" dir="t"/>
+    </dgm:scene3d>
+    <dgm:sp3d/>
+    <dgm:txPr/>
+    <dgm:style>
+      <a:lnRef idx="2">
+        <a:scrgbClr r="0" g="0" b="0"/>
+      </a:lnRef>
+      <a:fillRef idx="1">
+        <a:scrgbClr r="0" g="0" b="0"/>
+      </a:fillRef>
+      <a:effectRef idx="0">
+        <a:scrgbClr r="0" g="0" b="0"/>
+      </a:effectRef>
+      <a:fontRef idx="minor"/>
+    </dgm:style>
+  </dgm:styleLbl>
+  <dgm:styleLbl name="alignAcc1">
+    <dgm:scene3d>
+      <a:camera prst="orthographicFront"/>
+      <a:lightRig rig="threePt" dir="t"/>
+    </dgm:scene3d>
+    <dgm:sp3d/>
+    <dgm:txPr/>
+    <dgm:style>
+      <a:lnRef idx="2">
+        <a:scrgbClr r="0" g="0" b="0"/>
+      </a:lnRef>
+      <a:fillRef idx="1">
+        <a:scrgbClr r="0" g="0" b="0"/>
+      </a:fillRef>
+      <a:effectRef idx="0">
+        <a:scrgbClr r="0" g="0" b="0"/>
+      </a:effectRef>
+      <a:fontRef idx="minor"/>
+    </dgm:style>
+  </dgm:styleLbl>
+  <dgm:styleLbl name="trAlignAcc1">
+    <dgm:scene3d>
+      <a:camera prst="orthographicFront"/>
+      <a:lightRig rig="threePt" dir="t"/>
+    </dgm:scene3d>
+    <dgm:sp3d/>
+    <dgm:txPr/>
+    <dgm:style>
+      <a:lnRef idx="1">
+        <a:scrgbClr r="0" g="0" b="0"/>
+      </a:lnRef>
+      <a:fillRef idx="1">
+        <a:scrgbClr r="0" g="0" b="0"/>
+      </a:fillRef>
+      <a:effectRef idx="0">
+        <a:scrgbClr r="0" g="0" b="0"/>
+      </a:effectRef>
+      <a:fontRef idx="minor"/>
+    </dgm:style>
+  </dgm:styleLbl>
+  <dgm:styleLbl name="bgAcc1">
+    <dgm:scene3d>
+      <a:camera prst="orthographicFront"/>
+      <a:lightRig rig="threePt" dir="t"/>
+    </dgm:scene3d>
+    <dgm:sp3d/>
+    <dgm:txPr/>
+    <dgm:style>
+      <a:lnRef idx="2">
+        <a:scrgbClr r="0" g="0" b="0"/>
+      </a:lnRef>
+      <a:fillRef idx="1">
+        <a:scrgbClr r="0" g="0" b="0"/>
+      </a:fillRef>
+      <a:effectRef idx="0">
+        <a:scrgbClr r="0" g="0" b="0"/>
+      </a:effectRef>
+      <a:fontRef idx="minor"/>
+    </dgm:style>
+  </dgm:styleLbl>
+  <dgm:styleLbl name="solidFgAcc1">
+    <dgm:scene3d>
+      <a:camera prst="orthographicFront"/>
+      <a:lightRig rig="threePt" dir="t"/>
+    </dgm:scene3d>
+    <dgm:sp3d/>
+    <dgm:txPr/>
+    <dgm:style>
+      <a:lnRef idx="2">
+        <a:scrgbClr r="0" g="0" b="0"/>
+      </a:lnRef>
+      <a:fillRef idx="1">
+        <a:scrgbClr r="0" g="0" b="0"/>
+      </a:fillRef>
+      <a:effectRef idx="0">
+        <a:scrgbClr r="0" g="0" b="0"/>
+      </a:effectRef>
+      <a:fontRef idx="minor"/>
+    </dgm:style>
+  </dgm:styleLbl>
+  <dgm:styleLbl name="solidAlignAcc1">
+    <dgm:scene3d>
+      <a:camera prst="orthographicFront"/>
+      <a:lightRig rig="threePt" dir="t"/>
+    </dgm:scene3d>
+    <dgm:sp3d/>
+    <dgm:txPr/>
+    <dgm:style>
+      <a:lnRef idx="2">
+        <a:scrgbClr r="0" g="0" b="0"/>
+      </a:lnRef>
+      <a:fillRef idx="1">
+        <a:scrgbClr r="0" g="0" b="0"/>
+      </a:fillRef>
+      <a:effectRef idx="0">
+        <a:scrgbClr r="0" g="0" b="0"/>
+      </a:effectRef>
+      <a:fontRef idx="minor"/>
+    </dgm:style>
+  </dgm:styleLbl>
+  <dgm:styleLbl name="solidBgAcc1">
+    <dgm:scene3d>
+      <a:camera prst="orthographicFront"/>
+      <a:lightRig rig="threePt" dir="t"/>
+    </dgm:scene3d>
+    <dgm:sp3d/>
+    <dgm:txPr/>
+    <dgm:style>
+      <a:lnRef idx="2">
+        <a:scrgbClr r="0" g="0" b="0"/>
+      </a:lnRef>
+      <a:fillRef idx="1">
+        <a:scrgbClr r="0" g="0" b="0"/>
+      </a:fillRef>
+      <a:effectRef idx="0">
+        <a:scrgbClr r="0" g="0" b="0"/>
+      </a:effectRef>
+      <a:fontRef idx="minor"/>
+    </dgm:style>
+  </dgm:styleLbl>
+  <dgm:styleLbl name="fgAccFollowNode1">
+    <dgm:scene3d>
+      <a:camera prst="orthographicFront"/>
+      <a:lightRig rig="threePt" dir="t"/>
+    </dgm:scene3d>
+    <dgm:sp3d/>
+    <dgm:txPr/>
+    <dgm:style>
+      <a:lnRef idx="2">
+        <a:scrgbClr r="0" g="0" b="0"/>
+      </a:lnRef>
+      <a:fillRef idx="1">
+        <a:scrgbClr r="0" g="0" b="0"/>
+      </a:fillRef>
+      <a:effectRef idx="0">
+        <a:scrgbClr r="0" g="0" b="0"/>
+      </a:effectRef>
+      <a:fontRef idx="minor"/>
+    </dgm:style>
+  </dgm:styleLbl>
+  <dgm:styleLbl name="alignAccFollowNode1">
+    <dgm:scene3d>
+      <a:camera prst="orthographicFront"/>
+      <a:lightRig rig="threePt" dir="t"/>
+    </dgm:scene3d>
+    <dgm:sp3d/>
+    <dgm:txPr/>
+    <dgm:style>
+      <a:lnRef idx="2">
+        <a:scrgbClr r="0" g="0" b="0"/>
+      </a:lnRef>
+      <a:fillRef idx="1">
+        <a:scrgbClr r="0" g="0" b="0"/>
+      </a:fillRef>
+      <a:effectRef idx="0">
+        <a:scrgbClr r="0" g="0" b="0"/>
+      </a:effectRef>
+      <a:fontRef idx="minor"/>
+    </dgm:style>
+  </dgm:styleLbl>
+  <dgm:styleLbl name="bgAccFollowNode1">
+    <dgm:scene3d>
+      <a:camera prst="orthographicFront"/>
+      <a:lightRig rig="threePt" dir="t"/>
+    </dgm:scene3d>
+    <dgm:sp3d/>
+    <dgm:txPr/>
+    <dgm:style>
+      <a:lnRef idx="2">
+        <a:scrgbClr r="0" g="0" b="0"/>
+      </a:lnRef>
+      <a:fillRef idx="1">
+        <a:scrgbClr r="0" g="0" b="0"/>
+      </a:fillRef>
+      <a:effectRef idx="0">
+        <a:scrgbClr r="0" g="0" b="0"/>
+      </a:effectRef>
+      <a:fontRef idx="minor"/>
+    </dgm:style>
+  </dgm:styleLbl>
+  <dgm:styleLbl name="fgAcc0">
+    <dgm:scene3d>
+      <a:camera prst="orthographicFront"/>
+      <a:lightRig rig="threePt" dir="t"/>
+    </dgm:scene3d>
+    <dgm:sp3d/>
+    <dgm:txPr/>
+    <dgm:style>
+      <a:lnRef idx="2">
+        <a:scrgbClr r="0" g="0" b="0"/>
+      </a:lnRef>
+      <a:fillRef idx="1">
+        <a:scrgbClr r="0" g="0" b="0"/>
+      </a:fillRef>
+      <a:effectRef idx="0">
+        <a:scrgbClr r="0" g="0" b="0"/>
+      </a:effectRef>
+      <a:fontRef idx="minor"/>
+    </dgm:style>
+  </dgm:styleLbl>
+  <dgm:styleLbl name="fgAcc2">
+    <dgm:scene3d>
+      <a:camera prst="orthographicFront"/>
+      <a:lightRig rig="threePt" dir="t"/>
+    </dgm:scene3d>
+    <dgm:sp3d/>
+    <dgm:txPr/>
+    <dgm:style>
+      <a:lnRef idx="2">
+        <a:scrgbClr r="0" g="0" b="0"/>
+      </a:lnRef>
+      <a:fillRef idx="1">
+        <a:scrgbClr r="0" g="0" b="0"/>
+      </a:fillRef>
+      <a:effectRef idx="0">
+        <a:scrgbClr r="0" g="0" b="0"/>
+      </a:effectRef>
+      <a:fontRef idx="minor"/>
+    </dgm:style>
+  </dgm:styleLbl>
+  <dgm:styleLbl name="fgAcc3">
+    <dgm:scene3d>
+      <a:camera prst="orthographicFront"/>
+      <a:lightRig rig="threePt" dir="t"/>
+    </dgm:scene3d>
+    <dgm:sp3d/>
+    <dgm:txPr/>
+    <dgm:style>
+      <a:lnRef idx="2">
+        <a:scrgbClr r="0" g="0" b="0"/>
+      </a:lnRef>
+      <a:fillRef idx="1">
+        <a:scrgbClr r="0" g="0" b="0"/>
+      </a:fillRef>
+      <a:effectRef idx="0">
+        <a:scrgbClr r="0" g="0" b="0"/>
+      </a:effectRef>
+      <a:fontRef idx="minor"/>
+    </dgm:style>
+  </dgm:styleLbl>
+  <dgm:styleLbl name="fgAcc4">
+    <dgm:scene3d>
+      <a:camera prst="orthographicFront"/>
+      <a:lightRig rig="threePt" dir="t"/>
+    </dgm:scene3d>
+    <dgm:sp3d/>
+    <dgm:txPr/>
+    <dgm:style>
+      <a:lnRef idx="2">
+        <a:scrgbClr r="0" g="0" b="0"/>
+      </a:lnRef>
+      <a:fillRef idx="1">
+        <a:scrgbClr r="0" g="0" b="0"/>
+      </a:fillRef>
+      <a:effectRef idx="0">
+        <a:scrgbClr r="0" g="0" b="0"/>
+      </a:effectRef>
+      <a:fontRef idx="minor"/>
+    </dgm:style>
+  </dgm:styleLbl>
+  <dgm:styleLbl name="bgShp">
+    <dgm:scene3d>
+      <a:camera prst="orthographicFront"/>
+      <a:lightRig rig="threePt" dir="t"/>
+    </dgm:scene3d>
+    <dgm:sp3d/>
+    <dgm:txPr/>
+    <dgm:style>
+      <a:lnRef idx="0">
+        <a:scrgbClr r="0" g="0" b="0"/>
+      </a:lnRef>
+      <a:fillRef idx="1">
+        <a:scrgbClr r="0" g="0" b="0"/>
+      </a:fillRef>
+      <a:effectRef idx="0">
+        <a:scrgbClr r="0" g="0" b="0"/>
+      </a:effectRef>
+      <a:fontRef idx="minor"/>
+    </dgm:style>
+  </dgm:styleLbl>
+  <dgm:styleLbl name="dkBgShp">
+    <dgm:scene3d>
+      <a:camera prst="orthographicFront"/>
+      <a:lightRig rig="threePt" dir="t"/>
+    </dgm:scene3d>
+    <dgm:sp3d/>
+    <dgm:txPr/>
+    <dgm:style>
+      <a:lnRef idx="0">
+        <a:scrgbClr r="0" g="0" b="0"/>
+      </a:lnRef>
+      <a:fillRef idx="1">
+        <a:scrgbClr r="0" g="0" b="0"/>
+      </a:fillRef>
+      <a:effectRef idx="0">
+        <a:scrgbClr r="0" g="0" b="0"/>
+      </a:effectRef>
+      <a:fontRef idx="minor"/>
+    </dgm:style>
+  </dgm:styleLbl>
+  <dgm:styleLbl name="trBgShp">
+    <dgm:scene3d>
+      <a:camera prst="orthographicFront"/>
+      <a:lightRig rig="threePt" dir="t"/>
+    </dgm:scene3d>
+    <dgm:sp3d/>
+    <dgm:txPr/>
+    <dgm:style>
+      <a:lnRef idx="0">
+        <a:scrgbClr r="0" g="0" b="0"/>
+      </a:lnRef>
+      <a:fillRef idx="1">
+        <a:scrgbClr r="0" g="0" b="0"/>
+      </a:fillRef>
+      <a:effectRef idx="0">
+        <a:scrgbClr r="0" g="0" b="0"/>
+      </a:effectRef>
+      <a:fontRef idx="minor"/>
+    </dgm:style>
+  </dgm:styleLbl>
+  <dgm:styleLbl name="fgShp">
+    <dgm:scene3d>
+      <a:camera prst="orthographicFront"/>
+      <a:lightRig rig="threePt" dir="t"/>
+    </dgm:scene3d>
+    <dgm:sp3d/>
+    <dgm:txPr/>
+    <dgm:style>
+      <a:lnRef idx="2">
+        <a:scrgbClr r="0" g="0" b="0"/>
+      </a:lnRef>
+      <a:fillRef idx="1">
+        <a:scrgbClr r="0" g="0" b="0"/>
+      </a:fillRef>
+      <a:effectRef idx="0">
+        <a:scrgbClr r="0" g="0" b="0"/>
+      </a:effectRef>
+      <a:fontRef idx="minor"/>
+    </dgm:style>
+  </dgm:styleLbl>
+  <dgm:styleLbl name="revTx">
+    <dgm:scene3d>
+      <a:camera prst="orthographicFront"/>
+      <a:lightRig rig="threePt" dir="t"/>
+    </dgm:scene3d>
+    <dgm:sp3d/>
+    <dgm:txPr/>
+    <dgm:style>
+      <a:lnRef idx="0">
+        <a:scrgbClr r="0" g="0" b="0"/>
+      </a:lnRef>
+      <a:fillRef idx="0">
+        <a:scrgbClr r="0" g="0" b="0"/>
+      </a:fillRef>
+      <a:effectRef idx="0">
+        <a:scrgbClr r="0" g="0" b="0"/>
+      </a:effectRef>
+      <a:fontRef idx="minor"/>
+    </dgm:style>
+  </dgm:styleLbl>
+</dgm:styleDef>
+</file>
+
 <file path=ppt/slideLayouts/slideLayout1.xml><?xml version="1.0" encoding="utf-8"?>
 <p:sldLayout xmlns:a="http://schemas.openxmlformats.org/drawingml/2006/main" xmlns:r="http://schemas.openxmlformats.org/officeDocument/2006/relationships" xmlns:p="http://schemas.openxmlformats.org/presentationml/2006/main" showMasterSp="0" type="title" preserve="1">
   <p:cSld name="Title Slide">
@@ -5710,12 +9615,22 @@
         </p:nvSpPr>
         <p:spPr/>
         <p:txBody>
-          <a:bodyPr/>
+          <a:bodyPr>
+            <a:normAutofit/>
+          </a:bodyPr>
           <a:lstStyle/>
           <a:p>
+            <a:pPr algn="r"/>
             <a:r>
               <a:rPr lang="en-US" dirty="0"/>
-              <a:t>								ROCARDO, Lin </a:t>
+              <a:t>Ricardo Frank Barrera, Linfang Yang </a:t>
+            </a:r>
+          </a:p>
+          <a:p>
+            <a:pPr algn="r"/>
+            <a:r>
+              <a:rPr lang="en-US" dirty="0"/>
+              <a:t>W266 – NLP Project</a:t>
             </a:r>
           </a:p>
         </p:txBody>
@@ -5724,6 +9639,124 @@
     <p:extLst>
       <p:ext uri="{BB962C8B-B14F-4D97-AF65-F5344CB8AC3E}">
         <p14:creationId xmlns:p14="http://schemas.microsoft.com/office/powerpoint/2010/main" val="1896561290"/>
+      </p:ext>
+    </p:extLst>
+  </p:cSld>
+  <p:clrMapOvr>
+    <a:masterClrMapping/>
+  </p:clrMapOvr>
+</p:sld>
+</file>
+
+<file path=ppt/slides/slide10.xml><?xml version="1.0" encoding="utf-8"?>
+<p:sld xmlns:a="http://schemas.openxmlformats.org/drawingml/2006/main" xmlns:r="http://schemas.openxmlformats.org/officeDocument/2006/relationships" xmlns:p="http://schemas.openxmlformats.org/presentationml/2006/main">
+  <p:cSld>
+    <p:spTree>
+      <p:nvGrpSpPr>
+        <p:cNvPr id="1" name=""/>
+        <p:cNvGrpSpPr/>
+        <p:nvPr/>
+      </p:nvGrpSpPr>
+      <p:grpSpPr>
+        <a:xfrm>
+          <a:off x="0" y="0"/>
+          <a:ext cx="0" cy="0"/>
+          <a:chOff x="0" y="0"/>
+          <a:chExt cx="0" cy="0"/>
+        </a:xfrm>
+      </p:grpSpPr>
+      <p:sp>
+        <p:nvSpPr>
+          <p:cNvPr id="2" name="Title 1">
+            <a:extLst>
+              <a:ext uri="{FF2B5EF4-FFF2-40B4-BE49-F238E27FC236}">
+                <a16:creationId xmlns:a16="http://schemas.microsoft.com/office/drawing/2014/main" id="{E6305D94-99A4-4B82-BED2-5637EFC7DA81}"/>
+              </a:ext>
+            </a:extLst>
+          </p:cNvPr>
+          <p:cNvSpPr>
+            <a:spLocks noGrp="1"/>
+          </p:cNvSpPr>
+          <p:nvPr>
+            <p:ph type="title"/>
+          </p:nvPr>
+        </p:nvSpPr>
+        <p:spPr/>
+        <p:txBody>
+          <a:bodyPr/>
+          <a:lstStyle/>
+          <a:p>
+            <a:r>
+              <a:rPr lang="en-US" dirty="0"/>
+              <a:t>Model training and evaluation</a:t>
+            </a:r>
+          </a:p>
+        </p:txBody>
+      </p:sp>
+      <p:graphicFrame>
+        <p:nvGraphicFramePr>
+          <p:cNvPr id="4" name="Chart 3">
+            <a:extLst>
+              <a:ext uri="{FF2B5EF4-FFF2-40B4-BE49-F238E27FC236}">
+                <a16:creationId xmlns:a16="http://schemas.microsoft.com/office/drawing/2014/main" id="{B0738F00-4C96-459A-99AE-06ED13DFE4E0}"/>
+              </a:ext>
+            </a:extLst>
+          </p:cNvPr>
+          <p:cNvGraphicFramePr>
+            <a:graphicFrameLocks/>
+          </p:cNvGraphicFramePr>
+          <p:nvPr>
+            <p:extLst>
+              <p:ext uri="{D42A27DB-BD31-4B8C-83A1-F6EECF244321}">
+                <p14:modId xmlns:p14="http://schemas.microsoft.com/office/powerpoint/2010/main" val="1635087816"/>
+              </p:ext>
+            </p:extLst>
+          </p:nvPr>
+        </p:nvGraphicFramePr>
+        <p:xfrm>
+          <a:off x="1181100" y="2377440"/>
+          <a:ext cx="4572000" cy="2743200"/>
+        </p:xfrm>
+        <a:graphic>
+          <a:graphicData uri="http://schemas.openxmlformats.org/drawingml/2006/chart">
+            <c:chart xmlns:c="http://schemas.openxmlformats.org/drawingml/2006/chart" xmlns:r="http://schemas.openxmlformats.org/officeDocument/2006/relationships" r:id="rId2"/>
+          </a:graphicData>
+        </a:graphic>
+      </p:graphicFrame>
+      <p:graphicFrame>
+        <p:nvGraphicFramePr>
+          <p:cNvPr id="6" name="Chart 5">
+            <a:extLst>
+              <a:ext uri="{FF2B5EF4-FFF2-40B4-BE49-F238E27FC236}">
+                <a16:creationId xmlns:a16="http://schemas.microsoft.com/office/drawing/2014/main" id="{2363C169-BEDA-42D2-B014-CE8174619311}"/>
+              </a:ext>
+            </a:extLst>
+          </p:cNvPr>
+          <p:cNvGraphicFramePr>
+            <a:graphicFrameLocks/>
+          </p:cNvGraphicFramePr>
+          <p:nvPr>
+            <p:extLst>
+              <p:ext uri="{D42A27DB-BD31-4B8C-83A1-F6EECF244321}">
+                <p14:modId xmlns:p14="http://schemas.microsoft.com/office/powerpoint/2010/main" val="4285980209"/>
+              </p:ext>
+            </p:extLst>
+          </p:nvPr>
+        </p:nvGraphicFramePr>
+        <p:xfrm>
+          <a:off x="6773228" y="2377440"/>
+          <a:ext cx="4572000" cy="2743200"/>
+        </p:xfrm>
+        <a:graphic>
+          <a:graphicData uri="http://schemas.openxmlformats.org/drawingml/2006/chart">
+            <c:chart xmlns:c="http://schemas.openxmlformats.org/drawingml/2006/chart" xmlns:r="http://schemas.openxmlformats.org/officeDocument/2006/relationships" r:id="rId3"/>
+          </a:graphicData>
+        </a:graphic>
+      </p:graphicFrame>
+    </p:spTree>
+    <p:extLst>
+      <p:ext uri="{BB962C8B-B14F-4D97-AF65-F5344CB8AC3E}">
+        <p14:creationId xmlns:p14="http://schemas.microsoft.com/office/powerpoint/2010/main" val="1161312323"/>
       </p:ext>
     </p:extLst>
   </p:cSld>
@@ -5799,19 +9832,44 @@
           <a:bodyPr/>
           <a:lstStyle/>
           <a:p>
+            <a:pPr>
+              <a:buFont typeface="Wingdings" panose="05000000000000000000" pitchFamily="2" charset="2"/>
+              <a:buChar char="§"/>
+            </a:pPr>
             <a:r>
               <a:rPr lang="en-US" dirty="0"/>
               <a:t>658 news articles and manual labels from professional linguist or editor.</a:t>
             </a:r>
           </a:p>
           <a:p>
-            <a:endParaRPr lang="en-US" dirty="0"/>
-          </a:p>
-          <a:p>
+            <a:pPr>
+              <a:buFont typeface="Wingdings" panose="05000000000000000000" pitchFamily="2" charset="2"/>
+              <a:buChar char="§"/>
+            </a:pPr>
             <a:r>
               <a:rPr lang="en-US" dirty="0"/>
-              <a:t>14 aspects of news quality. Including 'Fluency', 'Conciseness', 'Descriptiveness', 'Novelty', 'Completeness', 'Referencing', 'Formality', 'Richness', 'Attractiveness', 'Technicality', 'Popularity', 'Subjectivity', 'Positive Emotion', 'Negative Emotion', 'Quality'. </a:t>
+              <a:t>14 aspects of news quality. Including 'Fluency', 'Conciseness', 'Descriptiveness', 'Novelty', 'Completeness', 'Referencing', 'Formality', 'Richness', 'Attractiveness', 'Technicality', 'Popularity', 'Subjectivity', 'Positive Emotion', 'Negative Emotion', 'Quality’. </a:t>
             </a:r>
+          </a:p>
+          <a:p>
+            <a:pPr>
+              <a:buFont typeface="Wingdings" panose="05000000000000000000" pitchFamily="2" charset="2"/>
+              <a:buChar char="§"/>
+            </a:pPr>
+            <a:r>
+              <a:rPr lang="en-US" dirty="0"/>
+              <a:t>Label is 1-5 score, labeled by professionals manually </a:t>
+            </a:r>
+          </a:p>
+          <a:p>
+            <a:pPr>
+              <a:buFont typeface="Wingdings" panose="05000000000000000000" pitchFamily="2" charset="2"/>
+              <a:buChar char="§"/>
+            </a:pPr>
+            <a:endParaRPr lang="en-US" dirty="0"/>
+          </a:p>
+          <a:p>
+            <a:endParaRPr lang="en-US" dirty="0"/>
           </a:p>
         </p:txBody>
       </p:sp>
@@ -6049,59 +10107,39 @@
           <a:p>
             <a:r>
               <a:rPr lang="en-US" dirty="0"/>
-              <a:t>CNN model details</a:t>
+              <a:t>Convolutional Neural Network model</a:t>
             </a:r>
           </a:p>
         </p:txBody>
       </p:sp>
-      <p:sp>
-        <p:nvSpPr>
-          <p:cNvPr id="3" name="Content Placeholder 2">
+      <p:graphicFrame>
+        <p:nvGraphicFramePr>
+          <p:cNvPr id="5" name="Diagram 4">
             <a:extLst>
               <a:ext uri="{FF2B5EF4-FFF2-40B4-BE49-F238E27FC236}">
-                <a16:creationId xmlns:a16="http://schemas.microsoft.com/office/drawing/2014/main" id="{9EF4CB8F-DA4F-45E3-BDF0-AB1AC70A9CBE}"/>
+                <a16:creationId xmlns:a16="http://schemas.microsoft.com/office/drawing/2014/main" id="{F13103D8-D759-491A-8EB3-C9F07CFC6153}"/>
               </a:ext>
             </a:extLst>
           </p:cNvPr>
-          <p:cNvSpPr>
-            <a:spLocks noGrp="1"/>
-          </p:cNvSpPr>
+          <p:cNvGraphicFramePr/>
           <p:nvPr>
-            <p:ph idx="1"/>
+            <p:extLst>
+              <p:ext uri="{D42A27DB-BD31-4B8C-83A1-F6EECF244321}">
+                <p14:modId xmlns:p14="http://schemas.microsoft.com/office/powerpoint/2010/main" val="713900762"/>
+              </p:ext>
+            </p:extLst>
           </p:nvPr>
-        </p:nvSpPr>
-        <p:spPr/>
-        <p:txBody>
-          <a:bodyPr/>
-          <a:lstStyle/>
-          <a:p>
-            <a:r>
-              <a:rPr lang="en-US" dirty="0"/>
-              <a:t>First layer, embeds words in article content into low-dimensional vectors. </a:t>
-            </a:r>
-          </a:p>
-          <a:p>
-            <a:r>
-              <a:rPr lang="en-US" dirty="0"/>
-              <a:t>The second layer, performs convolutions over the embedded word vectors using multiple filter sizes. </a:t>
-            </a:r>
-          </a:p>
-          <a:p>
-            <a:r>
-              <a:rPr lang="en-US" dirty="0"/>
-              <a:t>At the end, max-pool the result of the convolutional layer into a long feature vector, added dropout regularization and classify the result using a </a:t>
-            </a:r>
-            <a:r>
-              <a:rPr lang="en-US" dirty="0" err="1"/>
-              <a:t>softmax</a:t>
-            </a:r>
-            <a:r>
-              <a:rPr lang="en-US" dirty="0"/>
-              <a:t> layer. </a:t>
-            </a:r>
-          </a:p>
-        </p:txBody>
-      </p:sp>
+        </p:nvGraphicFramePr>
+        <p:xfrm>
+          <a:off x="1497330" y="1737361"/>
+          <a:ext cx="8128000" cy="4453889"/>
+        </p:xfrm>
+        <a:graphic>
+          <a:graphicData uri="http://schemas.openxmlformats.org/drawingml/2006/diagram">
+            <dgm:relIds xmlns:dgm="http://schemas.openxmlformats.org/drawingml/2006/diagram" xmlns:r="http://schemas.openxmlformats.org/officeDocument/2006/relationships" r:dm="rId2" r:lo="rId3" r:qs="rId4" r:cs="rId5"/>
+          </a:graphicData>
+        </a:graphic>
+      </p:graphicFrame>
     </p:spTree>
     <p:extLst>
       <p:ext uri="{BB962C8B-B14F-4D97-AF65-F5344CB8AC3E}">
@@ -6134,10 +10172,10 @@
       </p:grpSpPr>
       <p:pic>
         <p:nvPicPr>
-          <p:cNvPr id="4" name="Picture 3">
+          <p:cNvPr id="5" name="Picture 4">
             <a:extLst>
               <a:ext uri="{FF2B5EF4-FFF2-40B4-BE49-F238E27FC236}">
-                <a16:creationId xmlns:a16="http://schemas.microsoft.com/office/drawing/2014/main" id="{72DEC528-7DDB-4CA8-BD92-6302AA577E21}"/>
+                <a16:creationId xmlns:a16="http://schemas.microsoft.com/office/drawing/2014/main" id="{7DA5DE00-F568-466A-BCF0-FEE5A63E949E}"/>
               </a:ext>
             </a:extLst>
           </p:cNvPr>
@@ -6154,8 +10192,8 @@
         </p:blipFill>
         <p:spPr>
           <a:xfrm>
-            <a:off x="2589193" y="-33604"/>
-            <a:ext cx="6883053" cy="6891604"/>
+            <a:off x="2688404" y="0"/>
+            <a:ext cx="6815191" cy="6858000"/>
           </a:xfrm>
           <a:prstGeom prst="rect">
             <a:avLst/>
@@ -6197,7 +10235,7 @@
           <p:cNvPr id="2" name="Title 1">
             <a:extLst>
               <a:ext uri="{FF2B5EF4-FFF2-40B4-BE49-F238E27FC236}">
-                <a16:creationId xmlns:a16="http://schemas.microsoft.com/office/drawing/2014/main" id="{097B0030-D16B-4513-9143-8991BF90C02F}"/>
+                <a16:creationId xmlns:a16="http://schemas.microsoft.com/office/drawing/2014/main" id="{AB772110-228C-4282-9127-3EAA5E42D465}"/>
               </a:ext>
             </a:extLst>
           </p:cNvPr>
@@ -6215,73 +10253,45 @@
           <a:p>
             <a:r>
               <a:rPr lang="en-US" dirty="0"/>
-              <a:t>Model validation</a:t>
+              <a:t>Training result phase 1</a:t>
             </a:r>
           </a:p>
         </p:txBody>
       </p:sp>
-      <p:sp>
-        <p:nvSpPr>
-          <p:cNvPr id="3" name="Content Placeholder 2">
+      <p:pic>
+        <p:nvPicPr>
+          <p:cNvPr id="4" name="Picture 3">
             <a:extLst>
               <a:ext uri="{FF2B5EF4-FFF2-40B4-BE49-F238E27FC236}">
-                <a16:creationId xmlns:a16="http://schemas.microsoft.com/office/drawing/2014/main" id="{F8C5BA6D-765A-462D-AAB6-6E457DA3A506}"/>
+                <a16:creationId xmlns:a16="http://schemas.microsoft.com/office/drawing/2014/main" id="{3208098E-9F98-4948-9B54-4E661400FB05}"/>
               </a:ext>
             </a:extLst>
           </p:cNvPr>
-          <p:cNvSpPr>
-            <a:spLocks noGrp="1"/>
-          </p:cNvSpPr>
-          <p:nvPr>
-            <p:ph idx="1"/>
-          </p:nvPr>
-        </p:nvSpPr>
-        <p:spPr/>
-        <p:txBody>
-          <a:bodyPr/>
-          <a:lstStyle/>
-          <a:p>
-            <a:pPr>
-              <a:buFont typeface="Wingdings" panose="05000000000000000000" pitchFamily="2" charset="2"/>
-              <a:buChar char="§"/>
-            </a:pPr>
-            <a:r>
-              <a:rPr lang="en-US" dirty="0"/>
-              <a:t>6 fold cross validation on training data</a:t>
-            </a:r>
-          </a:p>
-          <a:p>
-            <a:pPr>
-              <a:buFont typeface="Wingdings" panose="05000000000000000000" pitchFamily="2" charset="2"/>
-              <a:buChar char="§"/>
-            </a:pPr>
-            <a:r>
-              <a:rPr lang="en-US" dirty="0"/>
-              <a:t>Making sure model works on training data</a:t>
-            </a:r>
-          </a:p>
-          <a:p>
-            <a:pPr>
-              <a:buFont typeface="Wingdings" panose="05000000000000000000" pitchFamily="2" charset="2"/>
-              <a:buChar char="§"/>
-            </a:pPr>
-            <a:r>
-              <a:rPr lang="en-US" dirty="0"/>
-              <a:t>Moving on to 159 Facebook articles that are labeled</a:t>
-            </a:r>
-          </a:p>
-          <a:p>
-            <a:endParaRPr lang="en-US" dirty="0"/>
-          </a:p>
-          <a:p>
-            <a:endParaRPr lang="en-US" dirty="0"/>
-          </a:p>
-        </p:txBody>
-      </p:sp>
+          <p:cNvPicPr>
+            <a:picLocks noChangeAspect="1"/>
+          </p:cNvPicPr>
+          <p:nvPr/>
+        </p:nvPicPr>
+        <p:blipFill>
+          <a:blip r:embed="rId2"/>
+          <a:stretch>
+            <a:fillRect/>
+          </a:stretch>
+        </p:blipFill>
+        <p:spPr>
+          <a:xfrm>
+            <a:off x="4181475" y="2414587"/>
+            <a:ext cx="3467100" cy="3114675"/>
+          </a:xfrm>
+          <a:prstGeom prst="rect">
+            <a:avLst/>
+          </a:prstGeom>
+        </p:spPr>
+      </p:pic>
     </p:spTree>
     <p:extLst>
       <p:ext uri="{BB962C8B-B14F-4D97-AF65-F5344CB8AC3E}">
-        <p14:creationId xmlns:p14="http://schemas.microsoft.com/office/powerpoint/2010/main" val="3709942091"/>
+        <p14:creationId xmlns:p14="http://schemas.microsoft.com/office/powerpoint/2010/main" val="1606304391"/>
       </p:ext>
     </p:extLst>
   </p:cSld>
@@ -6313,7 +10323,7 @@
           <p:cNvPr id="2" name="Title 1">
             <a:extLst>
               <a:ext uri="{FF2B5EF4-FFF2-40B4-BE49-F238E27FC236}">
-                <a16:creationId xmlns:a16="http://schemas.microsoft.com/office/drawing/2014/main" id="{E6305D94-99A4-4B82-BED2-5637EFC7DA81}"/>
+                <a16:creationId xmlns:a16="http://schemas.microsoft.com/office/drawing/2014/main" id="{3852FC06-C9C0-43E1-8E47-B19C6818D26B}"/>
               </a:ext>
             </a:extLst>
           </p:cNvPr>
@@ -6331,7 +10341,7 @@
           <a:p>
             <a:r>
               <a:rPr lang="en-US" dirty="0"/>
-              <a:t>Model training and evaluation</a:t>
+              <a:t>Training result phase 2</a:t>
             </a:r>
           </a:p>
         </p:txBody>
@@ -6341,7 +10351,7 @@
           <p:cNvPr id="4" name="Chart 3">
             <a:extLst>
               <a:ext uri="{FF2B5EF4-FFF2-40B4-BE49-F238E27FC236}">
-                <a16:creationId xmlns:a16="http://schemas.microsoft.com/office/drawing/2014/main" id="{B0738F00-4C96-459A-99AE-06ED13DFE4E0}"/>
+                <a16:creationId xmlns:a16="http://schemas.microsoft.com/office/drawing/2014/main" id="{7D702D15-8A74-4579-841E-3D2E92541C7E}"/>
               </a:ext>
             </a:extLst>
           </p:cNvPr>
@@ -6351,13 +10361,13 @@
           <p:nvPr>
             <p:extLst>
               <p:ext uri="{D42A27DB-BD31-4B8C-83A1-F6EECF244321}">
-                <p14:modId xmlns:p14="http://schemas.microsoft.com/office/powerpoint/2010/main" val="1635087816"/>
+                <p14:modId xmlns:p14="http://schemas.microsoft.com/office/powerpoint/2010/main" val="2937966460"/>
               </p:ext>
             </p:extLst>
           </p:nvPr>
         </p:nvGraphicFramePr>
         <p:xfrm>
-          <a:off x="1181100" y="2377440"/>
+          <a:off x="4029075" y="2586990"/>
           <a:ext cx="4572000" cy="2743200"/>
         </p:xfrm>
         <a:graphic>
@@ -6366,40 +10376,153 @@
           </a:graphicData>
         </a:graphic>
       </p:graphicFrame>
-      <p:graphicFrame>
-        <p:nvGraphicFramePr>
-          <p:cNvPr id="6" name="Chart 5">
+    </p:spTree>
+    <p:extLst>
+      <p:ext uri="{BB962C8B-B14F-4D97-AF65-F5344CB8AC3E}">
+        <p14:creationId xmlns:p14="http://schemas.microsoft.com/office/powerpoint/2010/main" val="1200569547"/>
+      </p:ext>
+    </p:extLst>
+  </p:cSld>
+  <p:clrMapOvr>
+    <a:masterClrMapping/>
+  </p:clrMapOvr>
+</p:sld>
+</file>
+
+<file path=ppt/slides/slide9.xml><?xml version="1.0" encoding="utf-8"?>
+<p:sld xmlns:a="http://schemas.openxmlformats.org/drawingml/2006/main" xmlns:r="http://schemas.openxmlformats.org/officeDocument/2006/relationships" xmlns:p="http://schemas.openxmlformats.org/presentationml/2006/main">
+  <p:cSld>
+    <p:spTree>
+      <p:nvGrpSpPr>
+        <p:cNvPr id="1" name=""/>
+        <p:cNvGrpSpPr/>
+        <p:nvPr/>
+      </p:nvGrpSpPr>
+      <p:grpSpPr>
+        <a:xfrm>
+          <a:off x="0" y="0"/>
+          <a:ext cx="0" cy="0"/>
+          <a:chOff x="0" y="0"/>
+          <a:chExt cx="0" cy="0"/>
+        </a:xfrm>
+      </p:grpSpPr>
+      <p:sp>
+        <p:nvSpPr>
+          <p:cNvPr id="2" name="Title 1">
             <a:extLst>
               <a:ext uri="{FF2B5EF4-FFF2-40B4-BE49-F238E27FC236}">
-                <a16:creationId xmlns:a16="http://schemas.microsoft.com/office/drawing/2014/main" id="{2363C169-BEDA-42D2-B014-CE8174619311}"/>
+                <a16:creationId xmlns:a16="http://schemas.microsoft.com/office/drawing/2014/main" id="{097B0030-D16B-4513-9143-8991BF90C02F}"/>
               </a:ext>
             </a:extLst>
           </p:cNvPr>
-          <p:cNvGraphicFramePr>
-            <a:graphicFrameLocks/>
-          </p:cNvGraphicFramePr>
+          <p:cNvSpPr>
+            <a:spLocks noGrp="1"/>
+          </p:cNvSpPr>
           <p:nvPr>
-            <p:extLst>
-              <p:ext uri="{D42A27DB-BD31-4B8C-83A1-F6EECF244321}">
-                <p14:modId xmlns:p14="http://schemas.microsoft.com/office/powerpoint/2010/main" val="4285980209"/>
-              </p:ext>
-            </p:extLst>
+            <p:ph type="title"/>
           </p:nvPr>
-        </p:nvGraphicFramePr>
-        <p:xfrm>
-          <a:off x="6773228" y="2377440"/>
-          <a:ext cx="4572000" cy="2743200"/>
-        </p:xfrm>
-        <a:graphic>
-          <a:graphicData uri="http://schemas.openxmlformats.org/drawingml/2006/chart">
-            <c:chart xmlns:c="http://schemas.openxmlformats.org/drawingml/2006/chart" xmlns:r="http://schemas.openxmlformats.org/officeDocument/2006/relationships" r:id="rId3"/>
-          </a:graphicData>
-        </a:graphic>
-      </p:graphicFrame>
+        </p:nvSpPr>
+        <p:spPr/>
+        <p:txBody>
+          <a:bodyPr/>
+          <a:lstStyle/>
+          <a:p>
+            <a:r>
+              <a:rPr lang="en-US" dirty="0"/>
+              <a:t>Model Evaluation</a:t>
+            </a:r>
+          </a:p>
+        </p:txBody>
+      </p:sp>
+      <p:sp>
+        <p:nvSpPr>
+          <p:cNvPr id="3" name="Content Placeholder 2">
+            <a:extLst>
+              <a:ext uri="{FF2B5EF4-FFF2-40B4-BE49-F238E27FC236}">
+                <a16:creationId xmlns:a16="http://schemas.microsoft.com/office/drawing/2014/main" id="{F8C5BA6D-765A-462D-AAB6-6E457DA3A506}"/>
+              </a:ext>
+            </a:extLst>
+          </p:cNvPr>
+          <p:cNvSpPr>
+            <a:spLocks noGrp="1"/>
+          </p:cNvSpPr>
+          <p:nvPr>
+            <p:ph idx="1"/>
+          </p:nvPr>
+        </p:nvSpPr>
+        <p:spPr/>
+        <p:txBody>
+          <a:bodyPr>
+            <a:normAutofit/>
+          </a:bodyPr>
+          <a:lstStyle/>
+          <a:p>
+            <a:pPr>
+              <a:buFont typeface="Wingdings" panose="05000000000000000000" pitchFamily="2" charset="2"/>
+              <a:buChar char="§"/>
+            </a:pPr>
+            <a:r>
+              <a:rPr lang="en-US" dirty="0"/>
+              <a:t>6 fold cross validation on training data</a:t>
+            </a:r>
+          </a:p>
+          <a:p>
+            <a:pPr>
+              <a:buFont typeface="Wingdings" panose="05000000000000000000" pitchFamily="2" charset="2"/>
+              <a:buChar char="§"/>
+            </a:pPr>
+            <a:r>
+              <a:rPr lang="en-US" dirty="0"/>
+              <a:t>Making sure model works on training data</a:t>
+            </a:r>
+          </a:p>
+          <a:p>
+            <a:pPr>
+              <a:buFont typeface="Wingdings" panose="05000000000000000000" pitchFamily="2" charset="2"/>
+              <a:buChar char="§"/>
+            </a:pPr>
+            <a:r>
+              <a:rPr lang="en-US" dirty="0"/>
+              <a:t>Moving on to 159 Facebook articles that are labeled as</a:t>
+            </a:r>
+          </a:p>
+          <a:p>
+            <a:pPr lvl="1"/>
+            <a:r>
+              <a:rPr lang="en-US" dirty="0"/>
+              <a:t> mostly true (5)</a:t>
+            </a:r>
+          </a:p>
+          <a:p>
+            <a:pPr lvl="1"/>
+            <a:r>
+              <a:rPr lang="en-US" dirty="0"/>
+              <a:t> mixture of true and false (3)</a:t>
+            </a:r>
+          </a:p>
+          <a:p>
+            <a:pPr lvl="1"/>
+            <a:r>
+              <a:rPr lang="en-US" dirty="0"/>
+              <a:t> no factual content (2)</a:t>
+            </a:r>
+          </a:p>
+          <a:p>
+            <a:pPr lvl="1"/>
+            <a:r>
+              <a:rPr lang="en-US" dirty="0"/>
+              <a:t> mostly false (1)</a:t>
+            </a:r>
+          </a:p>
+          <a:p>
+            <a:endParaRPr lang="en-US" dirty="0"/>
+          </a:p>
+        </p:txBody>
+      </p:sp>
     </p:spTree>
     <p:extLst>
       <p:ext uri="{BB962C8B-B14F-4D97-AF65-F5344CB8AC3E}">
-        <p14:creationId xmlns:p14="http://schemas.microsoft.com/office/powerpoint/2010/main" val="1161312323"/>
+        <p14:creationId xmlns:p14="http://schemas.microsoft.com/office/powerpoint/2010/main" val="3709942091"/>
       </p:ext>
     </p:extLst>
   </p:cSld>

--- a/Low Quality News Identification.pptx
+++ b/Low Quality News Identification.pptx
@@ -2,19 +2,20 @@
 <file path=ppt/presentation.xml><?xml version="1.0" encoding="utf-8"?>
 <p:presentation xmlns:a="http://schemas.openxmlformats.org/drawingml/2006/main" xmlns:r="http://schemas.openxmlformats.org/officeDocument/2006/relationships" xmlns:p="http://schemas.openxmlformats.org/presentationml/2006/main" autoCompressPictures="0">
   <p:sldMasterIdLst>
-    <p:sldMasterId id="2147483696" r:id="rId1"/>
+    <p:sldMasterId id="2147483708" r:id="rId1"/>
   </p:sldMasterIdLst>
   <p:sldIdLst>
     <p:sldId id="256" r:id="rId2"/>
-    <p:sldId id="257" r:id="rId3"/>
-    <p:sldId id="265" r:id="rId4"/>
-    <p:sldId id="264" r:id="rId5"/>
-    <p:sldId id="261" r:id="rId6"/>
-    <p:sldId id="263" r:id="rId7"/>
-    <p:sldId id="267" r:id="rId8"/>
-    <p:sldId id="268" r:id="rId9"/>
-    <p:sldId id="262" r:id="rId10"/>
-    <p:sldId id="260" r:id="rId11"/>
+    <p:sldId id="269" r:id="rId3"/>
+    <p:sldId id="257" r:id="rId4"/>
+    <p:sldId id="265" r:id="rId5"/>
+    <p:sldId id="264" r:id="rId6"/>
+    <p:sldId id="261" r:id="rId7"/>
+    <p:sldId id="263" r:id="rId8"/>
+    <p:sldId id="267" r:id="rId9"/>
+    <p:sldId id="268" r:id="rId10"/>
+    <p:sldId id="262" r:id="rId11"/>
+    <p:sldId id="260" r:id="rId12"/>
   </p:sldIdLst>
   <p:sldSz cx="12192000" cy="6858000"/>
   <p:notesSz cx="6858000" cy="9144000"/>
@@ -3787,7 +3788,7 @@
         <a:p>
           <a:r>
             <a:rPr lang="en-US" dirty="0"/>
-            <a:t>Last</a:t>
+            <a:t>Last layer</a:t>
           </a:r>
         </a:p>
       </dgm:t>
@@ -4081,7 +4082,7 @@
             <a:alphaOff val="0"/>
           </a:schemeClr>
         </a:solidFill>
-        <a:ln w="15875" cap="flat" cmpd="sng" algn="ctr">
+        <a:ln w="19050" cap="rnd" cmpd="sng" algn="ctr">
           <a:solidFill>
             <a:schemeClr val="accent1">
               <a:hueOff val="0"/>
@@ -4159,7 +4160,7 @@
             <a:alphaOff val="0"/>
           </a:schemeClr>
         </a:solidFill>
-        <a:ln w="15875" cap="flat" cmpd="sng" algn="ctr">
+        <a:ln w="19050" cap="rnd" cmpd="sng" algn="ctr">
           <a:solidFill>
             <a:schemeClr val="accent1">
               <a:hueOff val="0"/>
@@ -4185,12 +4186,12 @@
         <a:fontRef idx="minor"/>
       </dsp:style>
       <dsp:txBody>
-        <a:bodyPr spcFirstLastPara="0" vert="horz" wrap="square" lIns="120904" tIns="10795" rIns="10795" bIns="10795" numCol="1" spcCol="1270" anchor="ctr" anchorCtr="0">
+        <a:bodyPr spcFirstLastPara="0" vert="horz" wrap="square" lIns="106680" tIns="9525" rIns="9525" bIns="9525" numCol="1" spcCol="1270" anchor="ctr" anchorCtr="0">
           <a:noAutofit/>
         </a:bodyPr>
         <a:lstStyle/>
         <a:p>
-          <a:pPr marL="171450" lvl="1" indent="-171450" algn="l" defTabSz="755650">
+          <a:pPr marL="114300" lvl="1" indent="-114300" algn="l" defTabSz="666750">
             <a:lnSpc>
               <a:spcPct val="90000"/>
             </a:lnSpc>
@@ -4203,7 +4204,7 @@
             <a:buChar char="•"/>
           </a:pPr>
           <a:r>
-            <a:rPr lang="en-US" sz="1700" kern="1200" dirty="0"/>
+            <a:rPr lang="en-US" sz="1500" kern="1200" dirty="0"/>
             <a:t>embeds words in article content into low-dimensional vectors. </a:t>
           </a:r>
         </a:p>
@@ -4234,7 +4235,7 @@
             <a:alphaOff val="0"/>
           </a:schemeClr>
         </a:solidFill>
-        <a:ln w="15875" cap="flat" cmpd="sng" algn="ctr">
+        <a:ln w="19050" cap="rnd" cmpd="sng" algn="ctr">
           <a:solidFill>
             <a:schemeClr val="accent1">
               <a:hueOff val="0"/>
@@ -4312,7 +4313,7 @@
             <a:alphaOff val="0"/>
           </a:schemeClr>
         </a:solidFill>
-        <a:ln w="15875" cap="flat" cmpd="sng" algn="ctr">
+        <a:ln w="19050" cap="rnd" cmpd="sng" algn="ctr">
           <a:solidFill>
             <a:schemeClr val="accent1">
               <a:hueOff val="0"/>
@@ -4338,12 +4339,12 @@
         <a:fontRef idx="minor"/>
       </dsp:style>
       <dsp:txBody>
-        <a:bodyPr spcFirstLastPara="0" vert="horz" wrap="square" lIns="120904" tIns="10795" rIns="10795" bIns="10795" numCol="1" spcCol="1270" anchor="ctr" anchorCtr="0">
+        <a:bodyPr spcFirstLastPara="0" vert="horz" wrap="square" lIns="106680" tIns="9525" rIns="9525" bIns="9525" numCol="1" spcCol="1270" anchor="ctr" anchorCtr="0">
           <a:noAutofit/>
         </a:bodyPr>
         <a:lstStyle/>
         <a:p>
-          <a:pPr marL="171450" lvl="1" indent="-171450" algn="l" defTabSz="755650">
+          <a:pPr marL="114300" lvl="1" indent="-114300" algn="l" defTabSz="666750">
             <a:lnSpc>
               <a:spcPct val="90000"/>
             </a:lnSpc>
@@ -4356,7 +4357,7 @@
             <a:buChar char="•"/>
           </a:pPr>
           <a:r>
-            <a:rPr lang="en-US" sz="1700" kern="1200" dirty="0"/>
+            <a:rPr lang="en-US" sz="1500" kern="1200" dirty="0"/>
             <a:t>performs convolutions over the embedded word vectors using multiple filter sizes. </a:t>
           </a:r>
         </a:p>
@@ -4387,7 +4388,7 @@
             <a:alphaOff val="0"/>
           </a:schemeClr>
         </a:solidFill>
-        <a:ln w="15875" cap="flat" cmpd="sng" algn="ctr">
+        <a:ln w="19050" cap="rnd" cmpd="sng" algn="ctr">
           <a:solidFill>
             <a:schemeClr val="accent1">
               <a:hueOff val="0"/>
@@ -4434,7 +4435,7 @@
           </a:pPr>
           <a:r>
             <a:rPr lang="en-US" sz="1600" kern="1200" dirty="0"/>
-            <a:t>Last</a:t>
+            <a:t>Last layer</a:t>
           </a:r>
         </a:p>
       </dsp:txBody>
@@ -4465,7 +4466,7 @@
             <a:alphaOff val="0"/>
           </a:schemeClr>
         </a:solidFill>
-        <a:ln w="15875" cap="flat" cmpd="sng" algn="ctr">
+        <a:ln w="19050" cap="rnd" cmpd="sng" algn="ctr">
           <a:solidFill>
             <a:schemeClr val="accent1">
               <a:hueOff val="0"/>
@@ -4491,12 +4492,12 @@
         <a:fontRef idx="minor"/>
       </dsp:style>
       <dsp:txBody>
-        <a:bodyPr spcFirstLastPara="0" vert="horz" wrap="square" lIns="120904" tIns="10795" rIns="10795" bIns="10795" numCol="1" spcCol="1270" anchor="ctr" anchorCtr="0">
+        <a:bodyPr spcFirstLastPara="0" vert="horz" wrap="square" lIns="106680" tIns="9525" rIns="9525" bIns="9525" numCol="1" spcCol="1270" anchor="ctr" anchorCtr="0">
           <a:noAutofit/>
         </a:bodyPr>
         <a:lstStyle/>
         <a:p>
-          <a:pPr marL="171450" lvl="1" indent="-171450" algn="l" defTabSz="755650">
+          <a:pPr marL="114300" lvl="1" indent="-114300" algn="l" defTabSz="666750">
             <a:lnSpc>
               <a:spcPct val="90000"/>
             </a:lnSpc>
@@ -4509,12 +4510,12 @@
             <a:buChar char="•"/>
           </a:pPr>
           <a:r>
-            <a:rPr lang="en-US" sz="1700" kern="1200" dirty="0"/>
+            <a:rPr lang="en-US" sz="1500" kern="1200" dirty="0"/>
             <a:t>max-pool the result of the convolutional layer into a long feature vector</a:t>
           </a:r>
         </a:p>
         <a:p>
-          <a:pPr marL="171450" lvl="1" indent="-171450" algn="l" defTabSz="755650">
+          <a:pPr marL="114300" lvl="1" indent="-114300" algn="l" defTabSz="666750">
             <a:lnSpc>
               <a:spcPct val="90000"/>
             </a:lnSpc>
@@ -4527,20 +4528,20 @@
             <a:buChar char="•"/>
           </a:pPr>
           <a:r>
-            <a:rPr lang="en-US" sz="1700" kern="1200" dirty="0"/>
+            <a:rPr lang="en-US" sz="1500" kern="1200" dirty="0"/>
             <a:t>added dropout regularization and classify the result using a </a:t>
           </a:r>
           <a:r>
-            <a:rPr lang="en-US" sz="1700" kern="1200" dirty="0" err="1"/>
+            <a:rPr lang="en-US" sz="1500" kern="1200" dirty="0" err="1"/>
             <a:t>softmax</a:t>
           </a:r>
           <a:r>
-            <a:rPr lang="en-US" sz="1700" kern="1200" dirty="0"/>
+            <a:rPr lang="en-US" sz="1500" kern="1200" dirty="0"/>
             <a:t> layer</a:t>
           </a:r>
         </a:p>
         <a:p>
-          <a:pPr marL="171450" lvl="1" indent="-171450" algn="l" defTabSz="755650">
+          <a:pPr marL="114300" lvl="1" indent="-114300" algn="l" defTabSz="666750">
             <a:lnSpc>
               <a:spcPct val="90000"/>
             </a:lnSpc>
@@ -4553,7 +4554,7 @@
             <a:buChar char="•"/>
           </a:pPr>
           <a:r>
-            <a:rPr lang="en-US" sz="1700" kern="1200" dirty="0"/>
+            <a:rPr lang="en-US" sz="1500" kern="1200" dirty="0"/>
             <a:t> </a:t>
           </a:r>
         </a:p>
@@ -5858,7 +5859,7 @@
 </file>
 
 <file path=ppt/slideLayouts/slideLayout1.xml><?xml version="1.0" encoding="utf-8"?>
-<p:sldLayout xmlns:a="http://schemas.openxmlformats.org/drawingml/2006/main" xmlns:r="http://schemas.openxmlformats.org/officeDocument/2006/relationships" xmlns:p="http://schemas.openxmlformats.org/presentationml/2006/main" showMasterSp="0" type="title" preserve="1">
+<p:sldLayout xmlns:a="http://schemas.openxmlformats.org/drawingml/2006/main" xmlns:r="http://schemas.openxmlformats.org/officeDocument/2006/relationships" xmlns:p="http://schemas.openxmlformats.org/presentationml/2006/main" type="title" preserve="1">
   <p:cSld name="Title Slide">
     <p:spTree>
       <p:nvGrpSpPr>
@@ -5876,82 +5877,6 @@
       </p:grpSpPr>
       <p:sp>
         <p:nvSpPr>
-          <p:cNvPr id="7" name="Rectangle 6"/>
-          <p:cNvSpPr/>
-          <p:nvPr/>
-        </p:nvSpPr>
-        <p:spPr>
-          <a:xfrm>
-            <a:off x="3175" y="6400800"/>
-            <a:ext cx="12188825" cy="457200"/>
-          </a:xfrm>
-          <a:prstGeom prst="rect">
-            <a:avLst/>
-          </a:prstGeom>
-          <a:solidFill>
-            <a:schemeClr val="accent2"/>
-          </a:solidFill>
-          <a:ln>
-            <a:noFill/>
-          </a:ln>
-        </p:spPr>
-        <p:style>
-          <a:lnRef idx="2">
-            <a:schemeClr val="accent1">
-              <a:shade val="50000"/>
-            </a:schemeClr>
-          </a:lnRef>
-          <a:fillRef idx="1">
-            <a:schemeClr val="accent1"/>
-          </a:fillRef>
-          <a:effectRef idx="0">
-            <a:schemeClr val="accent1"/>
-          </a:effectRef>
-          <a:fontRef idx="minor">
-            <a:schemeClr val="lt1"/>
-          </a:fontRef>
-        </p:style>
-      </p:sp>
-      <p:sp>
-        <p:nvSpPr>
-          <p:cNvPr id="8" name="Rectangle 7"/>
-          <p:cNvSpPr/>
-          <p:nvPr/>
-        </p:nvSpPr>
-        <p:spPr>
-          <a:xfrm>
-            <a:off x="15" y="6334316"/>
-            <a:ext cx="12188825" cy="64008"/>
-          </a:xfrm>
-          <a:prstGeom prst="rect">
-            <a:avLst/>
-          </a:prstGeom>
-          <a:solidFill>
-            <a:schemeClr val="accent1"/>
-          </a:solidFill>
-          <a:ln>
-            <a:noFill/>
-          </a:ln>
-        </p:spPr>
-        <p:style>
-          <a:lnRef idx="2">
-            <a:schemeClr val="accent1">
-              <a:shade val="50000"/>
-            </a:schemeClr>
-          </a:lnRef>
-          <a:fillRef idx="1">
-            <a:schemeClr val="accent1"/>
-          </a:fillRef>
-          <a:effectRef idx="0">
-            <a:schemeClr val="accent1"/>
-          </a:effectRef>
-          <a:fontRef idx="minor">
-            <a:schemeClr val="lt1"/>
-          </a:fontRef>
-        </p:style>
-      </p:sp>
-      <p:sp>
-        <p:nvSpPr>
           <p:cNvPr id="2" name="Title 1"/>
           <p:cNvSpPr>
             <a:spLocks noGrp="1"/>
@@ -5962,27 +5887,15 @@
         </p:nvSpPr>
         <p:spPr>
           <a:xfrm>
-            <a:off x="1097280" y="758952"/>
-            <a:ext cx="10058400" cy="3566160"/>
+            <a:off x="1154955" y="1447800"/>
+            <a:ext cx="8825658" cy="3329581"/>
           </a:xfrm>
         </p:spPr>
         <p:txBody>
-          <a:bodyPr anchor="b">
-            <a:normAutofit/>
-          </a:bodyPr>
+          <a:bodyPr anchor="b"/>
           <a:lstStyle>
-            <a:lvl1pPr algn="l">
-              <a:lnSpc>
-                <a:spcPct val="85000"/>
-              </a:lnSpc>
-              <a:defRPr sz="8000" spc="-50" baseline="0">
-                <a:solidFill>
-                  <a:schemeClr val="tx1">
-                    <a:lumMod val="85000"/>
-                    <a:lumOff val="15000"/>
-                  </a:schemeClr>
-                </a:solidFill>
-              </a:defRPr>
+            <a:lvl1pPr>
+              <a:defRPr sz="7200"/>
             </a:lvl1pPr>
           </a:lstStyle>
           <a:p>
@@ -6006,55 +5919,103 @@
         </p:nvSpPr>
         <p:spPr>
           <a:xfrm>
-            <a:off x="1100051" y="4455620"/>
-            <a:ext cx="10058400" cy="1143000"/>
+            <a:off x="1154955" y="4777380"/>
+            <a:ext cx="8825658" cy="861420"/>
           </a:xfrm>
         </p:spPr>
         <p:txBody>
-          <a:bodyPr lIns="91440" rIns="91440">
-            <a:normAutofit/>
-          </a:bodyPr>
+          <a:bodyPr anchor="t"/>
           <a:lstStyle>
             <a:lvl1pPr marL="0" indent="0" algn="l">
               <a:buNone/>
-              <a:defRPr sz="2400" cap="all" spc="200" baseline="0">
+              <a:defRPr cap="all">
                 <a:solidFill>
-                  <a:schemeClr val="tx2"/>
+                  <a:schemeClr val="bg2">
+                    <a:lumMod val="40000"/>
+                    <a:lumOff val="60000"/>
+                  </a:schemeClr>
                 </a:solidFill>
-                <a:latin typeface="+mj-lt"/>
               </a:defRPr>
             </a:lvl1pPr>
             <a:lvl2pPr marL="457200" indent="0" algn="ctr">
               <a:buNone/>
-              <a:defRPr sz="2400"/>
+              <a:defRPr>
+                <a:solidFill>
+                  <a:schemeClr val="tx1">
+                    <a:tint val="75000"/>
+                  </a:schemeClr>
+                </a:solidFill>
+              </a:defRPr>
             </a:lvl2pPr>
             <a:lvl3pPr marL="914400" indent="0" algn="ctr">
               <a:buNone/>
-              <a:defRPr sz="2400"/>
+              <a:defRPr>
+                <a:solidFill>
+                  <a:schemeClr val="tx1">
+                    <a:tint val="75000"/>
+                  </a:schemeClr>
+                </a:solidFill>
+              </a:defRPr>
             </a:lvl3pPr>
             <a:lvl4pPr marL="1371600" indent="0" algn="ctr">
               <a:buNone/>
-              <a:defRPr sz="2000"/>
+              <a:defRPr>
+                <a:solidFill>
+                  <a:schemeClr val="tx1">
+                    <a:tint val="75000"/>
+                  </a:schemeClr>
+                </a:solidFill>
+              </a:defRPr>
             </a:lvl4pPr>
             <a:lvl5pPr marL="1828800" indent="0" algn="ctr">
               <a:buNone/>
-              <a:defRPr sz="2000"/>
+              <a:defRPr>
+                <a:solidFill>
+                  <a:schemeClr val="tx1">
+                    <a:tint val="75000"/>
+                  </a:schemeClr>
+                </a:solidFill>
+              </a:defRPr>
             </a:lvl5pPr>
             <a:lvl6pPr marL="2286000" indent="0" algn="ctr">
               <a:buNone/>
-              <a:defRPr sz="2000"/>
+              <a:defRPr>
+                <a:solidFill>
+                  <a:schemeClr val="tx1">
+                    <a:tint val="75000"/>
+                  </a:schemeClr>
+                </a:solidFill>
+              </a:defRPr>
             </a:lvl6pPr>
             <a:lvl7pPr marL="2743200" indent="0" algn="ctr">
               <a:buNone/>
-              <a:defRPr sz="2000"/>
+              <a:defRPr>
+                <a:solidFill>
+                  <a:schemeClr val="tx1">
+                    <a:tint val="75000"/>
+                  </a:schemeClr>
+                </a:solidFill>
+              </a:defRPr>
             </a:lvl7pPr>
             <a:lvl8pPr marL="3200400" indent="0" algn="ctr">
               <a:buNone/>
-              <a:defRPr sz="2000"/>
+              <a:defRPr>
+                <a:solidFill>
+                  <a:schemeClr val="tx1">
+                    <a:tint val="75000"/>
+                  </a:schemeClr>
+                </a:solidFill>
+              </a:defRPr>
             </a:lvl8pPr>
             <a:lvl9pPr marL="3657600" indent="0" algn="ctr">
               <a:buNone/>
-              <a:defRPr sz="2000"/>
+              <a:defRPr>
+                <a:solidFill>
+                  <a:schemeClr val="tx1">
+                    <a:tint val="75000"/>
+                  </a:schemeClr>
+                </a:solidFill>
+              </a:defRPr>
             </a:lvl9pPr>
           </a:lstStyle>
           <a:p>
@@ -6133,48 +6094,10 @@
           </a:p>
         </p:txBody>
       </p:sp>
-      <p:cxnSp>
-        <p:nvCxnSpPr>
-          <p:cNvPr id="9" name="Straight Connector 8"/>
-          <p:cNvCxnSpPr/>
-          <p:nvPr/>
-        </p:nvCxnSpPr>
-        <p:spPr>
-          <a:xfrm>
-            <a:off x="1207658" y="4343400"/>
-            <a:ext cx="9875520" cy="0"/>
-          </a:xfrm>
-          <a:prstGeom prst="line">
-            <a:avLst/>
-          </a:prstGeom>
-          <a:ln w="6350">
-            <a:solidFill>
-              <a:schemeClr val="tx1">
-                <a:lumMod val="50000"/>
-                <a:lumOff val="50000"/>
-              </a:schemeClr>
-            </a:solidFill>
-          </a:ln>
-        </p:spPr>
-        <p:style>
-          <a:lnRef idx="1">
-            <a:schemeClr val="accent1"/>
-          </a:lnRef>
-          <a:fillRef idx="0">
-            <a:schemeClr val="accent1"/>
-          </a:fillRef>
-          <a:effectRef idx="0">
-            <a:schemeClr val="accent1"/>
-          </a:effectRef>
-          <a:fontRef idx="minor">
-            <a:schemeClr val="tx1"/>
-          </a:fontRef>
-        </p:style>
-      </p:cxnSp>
     </p:spTree>
     <p:extLst>
       <p:ext uri="{BB962C8B-B14F-4D97-AF65-F5344CB8AC3E}">
-        <p14:creationId xmlns:p14="http://schemas.microsoft.com/office/powerpoint/2010/main" val="3359755435"/>
+        <p14:creationId xmlns:p14="http://schemas.microsoft.com/office/powerpoint/2010/main" val="3987714109"/>
       </p:ext>
     </p:extLst>
   </p:cSld>
@@ -6185,6 +6108,2584 @@
 </file>
 
 <file path=ppt/slideLayouts/slideLayout10.xml><?xml version="1.0" encoding="utf-8"?>
+<p:sldLayout xmlns:a="http://schemas.openxmlformats.org/drawingml/2006/main" xmlns:r="http://schemas.openxmlformats.org/officeDocument/2006/relationships" xmlns:p="http://schemas.openxmlformats.org/presentationml/2006/main" preserve="1">
+  <p:cSld name="Panoramic Picture with Caption">
+    <p:spTree>
+      <p:nvGrpSpPr>
+        <p:cNvPr id="1" name=""/>
+        <p:cNvGrpSpPr/>
+        <p:nvPr/>
+      </p:nvGrpSpPr>
+      <p:grpSpPr>
+        <a:xfrm>
+          <a:off x="0" y="0"/>
+          <a:ext cx="0" cy="0"/>
+          <a:chOff x="0" y="0"/>
+          <a:chExt cx="0" cy="0"/>
+        </a:xfrm>
+      </p:grpSpPr>
+      <p:sp>
+        <p:nvSpPr>
+          <p:cNvPr id="2" name="Title 1"/>
+          <p:cNvSpPr>
+            <a:spLocks noGrp="1"/>
+          </p:cNvSpPr>
+          <p:nvPr>
+            <p:ph type="title"/>
+          </p:nvPr>
+        </p:nvSpPr>
+        <p:spPr>
+          <a:xfrm>
+            <a:off x="1154956" y="4800587"/>
+            <a:ext cx="8825657" cy="566738"/>
+          </a:xfrm>
+        </p:spPr>
+        <p:txBody>
+          <a:bodyPr anchor="b">
+            <a:normAutofit/>
+          </a:bodyPr>
+          <a:lstStyle>
+            <a:lvl1pPr algn="l">
+              <a:defRPr sz="2400" b="0"/>
+            </a:lvl1pPr>
+          </a:lstStyle>
+          <a:p>
+            <a:r>
+              <a:rPr lang="en-US"/>
+              <a:t>Click to edit Master title style</a:t>
+            </a:r>
+            <a:endParaRPr lang="en-US" dirty="0"/>
+          </a:p>
+        </p:txBody>
+      </p:sp>
+      <p:sp>
+        <p:nvSpPr>
+          <p:cNvPr id="3" name="Picture Placeholder 2"/>
+          <p:cNvSpPr>
+            <a:spLocks noGrp="1" noChangeAspect="1"/>
+          </p:cNvSpPr>
+          <p:nvPr>
+            <p:ph type="pic" idx="1"/>
+          </p:nvPr>
+        </p:nvSpPr>
+        <p:spPr>
+          <a:xfrm>
+            <a:off x="1154955" y="685800"/>
+            <a:ext cx="8825658" cy="3640666"/>
+          </a:xfrm>
+          <a:prstGeom prst="roundRect">
+            <a:avLst>
+              <a:gd name="adj" fmla="val 1858"/>
+            </a:avLst>
+          </a:prstGeom>
+          <a:effectLst>
+            <a:outerShdw blurRad="50800" dist="50800" dir="5400000" algn="tl" rotWithShape="0">
+              <a:srgbClr val="000000">
+                <a:alpha val="43000"/>
+              </a:srgbClr>
+            </a:outerShdw>
+          </a:effectLst>
+        </p:spPr>
+        <p:txBody>
+          <a:bodyPr anchor="t">
+            <a:normAutofit/>
+          </a:bodyPr>
+          <a:lstStyle>
+            <a:lvl1pPr marL="0" indent="0" algn="ctr">
+              <a:buNone/>
+              <a:defRPr sz="1600"/>
+            </a:lvl1pPr>
+            <a:lvl2pPr marL="457200" indent="0">
+              <a:buNone/>
+              <a:defRPr sz="1600"/>
+            </a:lvl2pPr>
+            <a:lvl3pPr marL="914400" indent="0">
+              <a:buNone/>
+              <a:defRPr sz="1600"/>
+            </a:lvl3pPr>
+            <a:lvl4pPr marL="1371600" indent="0">
+              <a:buNone/>
+              <a:defRPr sz="1600"/>
+            </a:lvl4pPr>
+            <a:lvl5pPr marL="1828800" indent="0">
+              <a:buNone/>
+              <a:defRPr sz="1600"/>
+            </a:lvl5pPr>
+            <a:lvl6pPr marL="2286000" indent="0">
+              <a:buNone/>
+              <a:defRPr sz="1600"/>
+            </a:lvl6pPr>
+            <a:lvl7pPr marL="2743200" indent="0">
+              <a:buNone/>
+              <a:defRPr sz="1600"/>
+            </a:lvl7pPr>
+            <a:lvl8pPr marL="3200400" indent="0">
+              <a:buNone/>
+              <a:defRPr sz="1600"/>
+            </a:lvl8pPr>
+            <a:lvl9pPr marL="3657600" indent="0">
+              <a:buNone/>
+              <a:defRPr sz="1600"/>
+            </a:lvl9pPr>
+          </a:lstStyle>
+          <a:p>
+            <a:r>
+              <a:rPr lang="en-US"/>
+              <a:t>Click icon to add picture</a:t>
+            </a:r>
+            <a:endParaRPr lang="en-US" dirty="0"/>
+          </a:p>
+        </p:txBody>
+      </p:sp>
+      <p:sp>
+        <p:nvSpPr>
+          <p:cNvPr id="4" name="Text Placeholder 3"/>
+          <p:cNvSpPr>
+            <a:spLocks noGrp="1"/>
+          </p:cNvSpPr>
+          <p:nvPr>
+            <p:ph type="body" sz="half" idx="2"/>
+          </p:nvPr>
+        </p:nvSpPr>
+        <p:spPr>
+          <a:xfrm>
+            <a:off x="1154956" y="5367325"/>
+            <a:ext cx="8825656" cy="493712"/>
+          </a:xfrm>
+        </p:spPr>
+        <p:txBody>
+          <a:bodyPr>
+            <a:normAutofit/>
+          </a:bodyPr>
+          <a:lstStyle>
+            <a:lvl1pPr marL="0" indent="0">
+              <a:buNone/>
+              <a:defRPr sz="1200"/>
+            </a:lvl1pPr>
+            <a:lvl2pPr marL="457200" indent="0">
+              <a:buNone/>
+              <a:defRPr sz="1200"/>
+            </a:lvl2pPr>
+            <a:lvl3pPr marL="914400" indent="0">
+              <a:buNone/>
+              <a:defRPr sz="1000"/>
+            </a:lvl3pPr>
+            <a:lvl4pPr marL="1371600" indent="0">
+              <a:buNone/>
+              <a:defRPr sz="900"/>
+            </a:lvl4pPr>
+            <a:lvl5pPr marL="1828800" indent="0">
+              <a:buNone/>
+              <a:defRPr sz="900"/>
+            </a:lvl5pPr>
+            <a:lvl6pPr marL="2286000" indent="0">
+              <a:buNone/>
+              <a:defRPr sz="900"/>
+            </a:lvl6pPr>
+            <a:lvl7pPr marL="2743200" indent="0">
+              <a:buNone/>
+              <a:defRPr sz="900"/>
+            </a:lvl7pPr>
+            <a:lvl8pPr marL="3200400" indent="0">
+              <a:buNone/>
+              <a:defRPr sz="900"/>
+            </a:lvl8pPr>
+            <a:lvl9pPr marL="3657600" indent="0">
+              <a:buNone/>
+              <a:defRPr sz="900"/>
+            </a:lvl9pPr>
+          </a:lstStyle>
+          <a:p>
+            <a:pPr lvl="0"/>
+            <a:r>
+              <a:rPr lang="en-US"/>
+              <a:t>Edit Master text styles</a:t>
+            </a:r>
+          </a:p>
+        </p:txBody>
+      </p:sp>
+      <p:sp>
+        <p:nvSpPr>
+          <p:cNvPr id="5" name="Date Placeholder 4"/>
+          <p:cNvSpPr>
+            <a:spLocks noGrp="1"/>
+          </p:cNvSpPr>
+          <p:nvPr>
+            <p:ph type="dt" sz="half" idx="10"/>
+          </p:nvPr>
+        </p:nvSpPr>
+        <p:spPr/>
+        <p:txBody>
+          <a:bodyPr/>
+          <a:lstStyle/>
+          <a:p>
+            <a:fld id="{87DE6118-2437-4B30-8E3C-4D2BE6020583}" type="datetimeFigureOut">
+              <a:rPr lang="en-US" smtClean="0"/>
+              <a:pPr/>
+              <a:t>4/24/2017</a:t>
+            </a:fld>
+            <a:endParaRPr lang="en-US" dirty="0"/>
+          </a:p>
+        </p:txBody>
+      </p:sp>
+      <p:sp>
+        <p:nvSpPr>
+          <p:cNvPr id="6" name="Footer Placeholder 5"/>
+          <p:cNvSpPr>
+            <a:spLocks noGrp="1"/>
+          </p:cNvSpPr>
+          <p:nvPr>
+            <p:ph type="ftr" sz="quarter" idx="11"/>
+          </p:nvPr>
+        </p:nvSpPr>
+        <p:spPr/>
+        <p:txBody>
+          <a:bodyPr/>
+          <a:lstStyle/>
+          <a:p>
+            <a:endParaRPr lang="en-US" dirty="0"/>
+          </a:p>
+        </p:txBody>
+      </p:sp>
+      <p:sp>
+        <p:nvSpPr>
+          <p:cNvPr id="7" name="Slide Number Placeholder 6"/>
+          <p:cNvSpPr>
+            <a:spLocks noGrp="1"/>
+          </p:cNvSpPr>
+          <p:nvPr>
+            <p:ph type="sldNum" sz="quarter" idx="12"/>
+          </p:nvPr>
+        </p:nvSpPr>
+        <p:spPr/>
+        <p:txBody>
+          <a:bodyPr/>
+          <a:lstStyle/>
+          <a:p>
+            <a:fld id="{69E57DC2-970A-4B3E-BB1C-7A09969E49DF}" type="slidenum">
+              <a:rPr lang="en-US" smtClean="0"/>
+              <a:pPr/>
+              <a:t>‹#›</a:t>
+            </a:fld>
+            <a:endParaRPr lang="en-US" dirty="0"/>
+          </a:p>
+        </p:txBody>
+      </p:sp>
+    </p:spTree>
+    <p:extLst>
+      <p:ext uri="{BB962C8B-B14F-4D97-AF65-F5344CB8AC3E}">
+        <p14:creationId xmlns:p14="http://schemas.microsoft.com/office/powerpoint/2010/main" val="1399024617"/>
+      </p:ext>
+    </p:extLst>
+  </p:cSld>
+  <p:clrMapOvr>
+    <a:masterClrMapping/>
+  </p:clrMapOvr>
+</p:sldLayout>
+</file>
+
+<file path=ppt/slideLayouts/slideLayout11.xml><?xml version="1.0" encoding="utf-8"?>
+<p:sldLayout xmlns:a="http://schemas.openxmlformats.org/drawingml/2006/main" xmlns:r="http://schemas.openxmlformats.org/officeDocument/2006/relationships" xmlns:p="http://schemas.openxmlformats.org/presentationml/2006/main" preserve="1">
+  <p:cSld name="Title and Caption">
+    <p:spTree>
+      <p:nvGrpSpPr>
+        <p:cNvPr id="1" name=""/>
+        <p:cNvGrpSpPr/>
+        <p:nvPr/>
+      </p:nvGrpSpPr>
+      <p:grpSpPr>
+        <a:xfrm>
+          <a:off x="0" y="0"/>
+          <a:ext cx="0" cy="0"/>
+          <a:chOff x="0" y="0"/>
+          <a:chExt cx="0" cy="0"/>
+        </a:xfrm>
+      </p:grpSpPr>
+      <p:sp>
+        <p:nvSpPr>
+          <p:cNvPr id="2" name="Title 1"/>
+          <p:cNvSpPr>
+            <a:spLocks noGrp="1"/>
+          </p:cNvSpPr>
+          <p:nvPr>
+            <p:ph type="title"/>
+          </p:nvPr>
+        </p:nvSpPr>
+        <p:spPr>
+          <a:xfrm>
+            <a:off x="1154954" y="1447800"/>
+            <a:ext cx="8825659" cy="1981200"/>
+          </a:xfrm>
+        </p:spPr>
+        <p:txBody>
+          <a:bodyPr/>
+          <a:lstStyle>
+            <a:lvl1pPr>
+              <a:defRPr sz="4800"/>
+            </a:lvl1pPr>
+          </a:lstStyle>
+          <a:p>
+            <a:r>
+              <a:rPr lang="en-US"/>
+              <a:t>Click to edit Master title style</a:t>
+            </a:r>
+            <a:endParaRPr lang="en-US" dirty="0"/>
+          </a:p>
+        </p:txBody>
+      </p:sp>
+      <p:sp>
+        <p:nvSpPr>
+          <p:cNvPr id="8" name="Text Placeholder 3"/>
+          <p:cNvSpPr>
+            <a:spLocks noGrp="1"/>
+          </p:cNvSpPr>
+          <p:nvPr>
+            <p:ph type="body" sz="half" idx="2"/>
+          </p:nvPr>
+        </p:nvSpPr>
+        <p:spPr>
+          <a:xfrm>
+            <a:off x="1154954" y="3657600"/>
+            <a:ext cx="8825659" cy="2362200"/>
+          </a:xfrm>
+        </p:spPr>
+        <p:txBody>
+          <a:bodyPr anchor="ctr">
+            <a:normAutofit/>
+          </a:bodyPr>
+          <a:lstStyle>
+            <a:lvl1pPr marL="0" indent="0">
+              <a:buNone/>
+              <a:defRPr sz="1800"/>
+            </a:lvl1pPr>
+            <a:lvl2pPr marL="457200" indent="0">
+              <a:buNone/>
+              <a:defRPr sz="1200"/>
+            </a:lvl2pPr>
+            <a:lvl3pPr marL="914400" indent="0">
+              <a:buNone/>
+              <a:defRPr sz="1000"/>
+            </a:lvl3pPr>
+            <a:lvl4pPr marL="1371600" indent="0">
+              <a:buNone/>
+              <a:defRPr sz="900"/>
+            </a:lvl4pPr>
+            <a:lvl5pPr marL="1828800" indent="0">
+              <a:buNone/>
+              <a:defRPr sz="900"/>
+            </a:lvl5pPr>
+            <a:lvl6pPr marL="2286000" indent="0">
+              <a:buNone/>
+              <a:defRPr sz="900"/>
+            </a:lvl6pPr>
+            <a:lvl7pPr marL="2743200" indent="0">
+              <a:buNone/>
+              <a:defRPr sz="900"/>
+            </a:lvl7pPr>
+            <a:lvl8pPr marL="3200400" indent="0">
+              <a:buNone/>
+              <a:defRPr sz="900"/>
+            </a:lvl8pPr>
+            <a:lvl9pPr marL="3657600" indent="0">
+              <a:buNone/>
+              <a:defRPr sz="900"/>
+            </a:lvl9pPr>
+          </a:lstStyle>
+          <a:p>
+            <a:pPr lvl="0"/>
+            <a:r>
+              <a:rPr lang="en-US"/>
+              <a:t>Edit Master text styles</a:t>
+            </a:r>
+          </a:p>
+        </p:txBody>
+      </p:sp>
+      <p:sp>
+        <p:nvSpPr>
+          <p:cNvPr id="4" name="Date Placeholder 3"/>
+          <p:cNvSpPr>
+            <a:spLocks noGrp="1"/>
+          </p:cNvSpPr>
+          <p:nvPr>
+            <p:ph type="dt" sz="half" idx="10"/>
+          </p:nvPr>
+        </p:nvSpPr>
+        <p:spPr/>
+        <p:txBody>
+          <a:bodyPr/>
+          <a:lstStyle/>
+          <a:p>
+            <a:fld id="{87DE6118-2437-4B30-8E3C-4D2BE6020583}" type="datetimeFigureOut">
+              <a:rPr lang="en-US" smtClean="0"/>
+              <a:pPr/>
+              <a:t>4/24/2017</a:t>
+            </a:fld>
+            <a:endParaRPr lang="en-US" dirty="0"/>
+          </a:p>
+        </p:txBody>
+      </p:sp>
+      <p:sp>
+        <p:nvSpPr>
+          <p:cNvPr id="5" name="Footer Placeholder 4"/>
+          <p:cNvSpPr>
+            <a:spLocks noGrp="1"/>
+          </p:cNvSpPr>
+          <p:nvPr>
+            <p:ph type="ftr" sz="quarter" idx="11"/>
+          </p:nvPr>
+        </p:nvSpPr>
+        <p:spPr/>
+        <p:txBody>
+          <a:bodyPr/>
+          <a:lstStyle/>
+          <a:p>
+            <a:endParaRPr lang="en-US" dirty="0"/>
+          </a:p>
+        </p:txBody>
+      </p:sp>
+      <p:sp>
+        <p:nvSpPr>
+          <p:cNvPr id="6" name="Slide Number Placeholder 5"/>
+          <p:cNvSpPr>
+            <a:spLocks noGrp="1"/>
+          </p:cNvSpPr>
+          <p:nvPr>
+            <p:ph type="sldNum" sz="quarter" idx="12"/>
+          </p:nvPr>
+        </p:nvSpPr>
+        <p:spPr/>
+        <p:txBody>
+          <a:bodyPr/>
+          <a:lstStyle/>
+          <a:p>
+            <a:fld id="{69E57DC2-970A-4B3E-BB1C-7A09969E49DF}" type="slidenum">
+              <a:rPr lang="en-US" smtClean="0"/>
+              <a:pPr/>
+              <a:t>‹#›</a:t>
+            </a:fld>
+            <a:endParaRPr lang="en-US" dirty="0"/>
+          </a:p>
+        </p:txBody>
+      </p:sp>
+    </p:spTree>
+    <p:extLst>
+      <p:ext uri="{BB962C8B-B14F-4D97-AF65-F5344CB8AC3E}">
+        <p14:creationId xmlns:p14="http://schemas.microsoft.com/office/powerpoint/2010/main" val="1484724859"/>
+      </p:ext>
+    </p:extLst>
+  </p:cSld>
+  <p:clrMapOvr>
+    <a:masterClrMapping/>
+  </p:clrMapOvr>
+</p:sldLayout>
+</file>
+
+<file path=ppt/slideLayouts/slideLayout12.xml><?xml version="1.0" encoding="utf-8"?>
+<p:sldLayout xmlns:a="http://schemas.openxmlformats.org/drawingml/2006/main" xmlns:r="http://schemas.openxmlformats.org/officeDocument/2006/relationships" xmlns:p="http://schemas.openxmlformats.org/presentationml/2006/main" preserve="1">
+  <p:cSld name="Quote with Caption">
+    <p:spTree>
+      <p:nvGrpSpPr>
+        <p:cNvPr id="1" name=""/>
+        <p:cNvGrpSpPr/>
+        <p:nvPr/>
+      </p:nvGrpSpPr>
+      <p:grpSpPr>
+        <a:xfrm>
+          <a:off x="0" y="0"/>
+          <a:ext cx="0" cy="0"/>
+          <a:chOff x="0" y="0"/>
+          <a:chExt cx="0" cy="0"/>
+        </a:xfrm>
+      </p:grpSpPr>
+      <p:sp>
+        <p:nvSpPr>
+          <p:cNvPr id="2" name="Title 1"/>
+          <p:cNvSpPr>
+            <a:spLocks noGrp="1"/>
+          </p:cNvSpPr>
+          <p:nvPr>
+            <p:ph type="title"/>
+          </p:nvPr>
+        </p:nvSpPr>
+        <p:spPr>
+          <a:xfrm>
+            <a:off x="1574801" y="1447800"/>
+            <a:ext cx="7999315" cy="2323374"/>
+          </a:xfrm>
+        </p:spPr>
+        <p:txBody>
+          <a:bodyPr/>
+          <a:lstStyle>
+            <a:lvl1pPr>
+              <a:defRPr sz="4800"/>
+            </a:lvl1pPr>
+          </a:lstStyle>
+          <a:p>
+            <a:r>
+              <a:rPr lang="en-US"/>
+              <a:t>Click to edit Master title style</a:t>
+            </a:r>
+            <a:endParaRPr lang="en-US" dirty="0"/>
+          </a:p>
+        </p:txBody>
+      </p:sp>
+      <p:sp>
+        <p:nvSpPr>
+          <p:cNvPr id="11" name="Text Placeholder 3"/>
+          <p:cNvSpPr>
+            <a:spLocks noGrp="1"/>
+          </p:cNvSpPr>
+          <p:nvPr>
+            <p:ph type="body" sz="half" idx="14"/>
+          </p:nvPr>
+        </p:nvSpPr>
+        <p:spPr>
+          <a:xfrm>
+            <a:off x="1930400" y="3771174"/>
+            <a:ext cx="7279649" cy="342174"/>
+          </a:xfrm>
+        </p:spPr>
+        <p:txBody>
+          <a:bodyPr vert="horz" lIns="91440" tIns="45720" rIns="91440" bIns="45720" rtlCol="0" anchor="t">
+            <a:normAutofit/>
+          </a:bodyPr>
+          <a:lstStyle>
+            <a:lvl1pPr marL="0" indent="0">
+              <a:buNone/>
+              <a:defRPr lang="en-US" sz="1400" b="0" i="0" kern="1200" cap="small" dirty="0">
+                <a:solidFill>
+                  <a:schemeClr val="bg2">
+                    <a:lumMod val="40000"/>
+                    <a:lumOff val="60000"/>
+                  </a:schemeClr>
+                </a:solidFill>
+                <a:latin typeface="+mj-lt"/>
+                <a:ea typeface="+mj-ea"/>
+                <a:cs typeface="+mj-cs"/>
+              </a:defRPr>
+            </a:lvl1pPr>
+            <a:lvl2pPr marL="457200" indent="0">
+              <a:buNone/>
+              <a:defRPr sz="1200"/>
+            </a:lvl2pPr>
+            <a:lvl3pPr marL="914400" indent="0">
+              <a:buNone/>
+              <a:defRPr sz="1000"/>
+            </a:lvl3pPr>
+            <a:lvl4pPr marL="1371600" indent="0">
+              <a:buNone/>
+              <a:defRPr sz="900"/>
+            </a:lvl4pPr>
+            <a:lvl5pPr marL="1828800" indent="0">
+              <a:buNone/>
+              <a:defRPr sz="900"/>
+            </a:lvl5pPr>
+            <a:lvl6pPr marL="2286000" indent="0">
+              <a:buNone/>
+              <a:defRPr sz="900"/>
+            </a:lvl6pPr>
+            <a:lvl7pPr marL="2743200" indent="0">
+              <a:buNone/>
+              <a:defRPr sz="900"/>
+            </a:lvl7pPr>
+            <a:lvl8pPr marL="3200400" indent="0">
+              <a:buNone/>
+              <a:defRPr sz="900"/>
+            </a:lvl8pPr>
+            <a:lvl9pPr marL="3657600" indent="0">
+              <a:buNone/>
+              <a:defRPr sz="900"/>
+            </a:lvl9pPr>
+          </a:lstStyle>
+          <a:p>
+            <a:pPr marL="0" lvl="0" indent="0">
+              <a:buNone/>
+            </a:pPr>
+            <a:r>
+              <a:rPr lang="en-US"/>
+              <a:t>Edit Master text styles</a:t>
+            </a:r>
+          </a:p>
+        </p:txBody>
+      </p:sp>
+      <p:sp>
+        <p:nvSpPr>
+          <p:cNvPr id="10" name="Text Placeholder 3"/>
+          <p:cNvSpPr>
+            <a:spLocks noGrp="1"/>
+          </p:cNvSpPr>
+          <p:nvPr>
+            <p:ph type="body" sz="half" idx="2"/>
+          </p:nvPr>
+        </p:nvSpPr>
+        <p:spPr>
+          <a:xfrm>
+            <a:off x="1154954" y="4350657"/>
+            <a:ext cx="8825659" cy="1676400"/>
+          </a:xfrm>
+        </p:spPr>
+        <p:txBody>
+          <a:bodyPr anchor="ctr">
+            <a:normAutofit/>
+          </a:bodyPr>
+          <a:lstStyle>
+            <a:lvl1pPr marL="0" indent="0">
+              <a:buNone/>
+              <a:defRPr sz="1800"/>
+            </a:lvl1pPr>
+            <a:lvl2pPr marL="457200" indent="0">
+              <a:buNone/>
+              <a:defRPr sz="1200"/>
+            </a:lvl2pPr>
+            <a:lvl3pPr marL="914400" indent="0">
+              <a:buNone/>
+              <a:defRPr sz="1000"/>
+            </a:lvl3pPr>
+            <a:lvl4pPr marL="1371600" indent="0">
+              <a:buNone/>
+              <a:defRPr sz="900"/>
+            </a:lvl4pPr>
+            <a:lvl5pPr marL="1828800" indent="0">
+              <a:buNone/>
+              <a:defRPr sz="900"/>
+            </a:lvl5pPr>
+            <a:lvl6pPr marL="2286000" indent="0">
+              <a:buNone/>
+              <a:defRPr sz="900"/>
+            </a:lvl6pPr>
+            <a:lvl7pPr marL="2743200" indent="0">
+              <a:buNone/>
+              <a:defRPr sz="900"/>
+            </a:lvl7pPr>
+            <a:lvl8pPr marL="3200400" indent="0">
+              <a:buNone/>
+              <a:defRPr sz="900"/>
+            </a:lvl8pPr>
+            <a:lvl9pPr marL="3657600" indent="0">
+              <a:buNone/>
+              <a:defRPr sz="900"/>
+            </a:lvl9pPr>
+          </a:lstStyle>
+          <a:p>
+            <a:pPr lvl="0"/>
+            <a:r>
+              <a:rPr lang="en-US"/>
+              <a:t>Edit Master text styles</a:t>
+            </a:r>
+          </a:p>
+        </p:txBody>
+      </p:sp>
+      <p:sp>
+        <p:nvSpPr>
+          <p:cNvPr id="4" name="Date Placeholder 3"/>
+          <p:cNvSpPr>
+            <a:spLocks noGrp="1"/>
+          </p:cNvSpPr>
+          <p:nvPr>
+            <p:ph type="dt" sz="half" idx="10"/>
+          </p:nvPr>
+        </p:nvSpPr>
+        <p:spPr/>
+        <p:txBody>
+          <a:bodyPr/>
+          <a:lstStyle/>
+          <a:p>
+            <a:fld id="{87DE6118-2437-4B30-8E3C-4D2BE6020583}" type="datetimeFigureOut">
+              <a:rPr lang="en-US" smtClean="0"/>
+              <a:pPr/>
+              <a:t>4/24/2017</a:t>
+            </a:fld>
+            <a:endParaRPr lang="en-US" dirty="0"/>
+          </a:p>
+        </p:txBody>
+      </p:sp>
+      <p:sp>
+        <p:nvSpPr>
+          <p:cNvPr id="5" name="Footer Placeholder 4"/>
+          <p:cNvSpPr>
+            <a:spLocks noGrp="1"/>
+          </p:cNvSpPr>
+          <p:nvPr>
+            <p:ph type="ftr" sz="quarter" idx="11"/>
+          </p:nvPr>
+        </p:nvSpPr>
+        <p:spPr/>
+        <p:txBody>
+          <a:bodyPr/>
+          <a:lstStyle/>
+          <a:p>
+            <a:endParaRPr lang="en-US" dirty="0"/>
+          </a:p>
+        </p:txBody>
+      </p:sp>
+      <p:sp>
+        <p:nvSpPr>
+          <p:cNvPr id="6" name="Slide Number Placeholder 5"/>
+          <p:cNvSpPr>
+            <a:spLocks noGrp="1"/>
+          </p:cNvSpPr>
+          <p:nvPr>
+            <p:ph type="sldNum" sz="quarter" idx="12"/>
+          </p:nvPr>
+        </p:nvSpPr>
+        <p:spPr/>
+        <p:txBody>
+          <a:bodyPr/>
+          <a:lstStyle/>
+          <a:p>
+            <a:fld id="{69E57DC2-970A-4B3E-BB1C-7A09969E49DF}" type="slidenum">
+              <a:rPr lang="en-US" smtClean="0"/>
+              <a:pPr/>
+              <a:t>‹#›</a:t>
+            </a:fld>
+            <a:endParaRPr lang="en-US" dirty="0"/>
+          </a:p>
+        </p:txBody>
+      </p:sp>
+      <p:sp>
+        <p:nvSpPr>
+          <p:cNvPr id="12" name="TextBox 11"/>
+          <p:cNvSpPr txBox="1"/>
+          <p:nvPr/>
+        </p:nvSpPr>
+        <p:spPr>
+          <a:xfrm>
+            <a:off x="898295" y="971253"/>
+            <a:ext cx="801912" cy="1969770"/>
+          </a:xfrm>
+          <a:prstGeom prst="rect">
+            <a:avLst/>
+          </a:prstGeom>
+          <a:noFill/>
+        </p:spPr>
+        <p:txBody>
+          <a:bodyPr wrap="square" rtlCol="0">
+            <a:spAutoFit/>
+          </a:bodyPr>
+          <a:lstStyle>
+            <a:defPPr>
+              <a:defRPr lang="en-US"/>
+            </a:defPPr>
+            <a:lvl1pPr algn="r">
+              <a:defRPr sz="12200" b="0" i="0">
+                <a:solidFill>
+                  <a:schemeClr val="bg2">
+                    <a:lumMod val="40000"/>
+                    <a:lumOff val="60000"/>
+                  </a:schemeClr>
+                </a:solidFill>
+                <a:latin typeface="Arial"/>
+                <a:ea typeface="+mj-ea"/>
+                <a:cs typeface="+mj-cs"/>
+              </a:defRPr>
+            </a:lvl1pPr>
+          </a:lstStyle>
+          <a:p>
+            <a:pPr lvl="0"/>
+            <a:r>
+              <a:rPr lang="en-US" dirty="0"/>
+              <a:t>“</a:t>
+            </a:r>
+          </a:p>
+        </p:txBody>
+      </p:sp>
+      <p:sp>
+        <p:nvSpPr>
+          <p:cNvPr id="15" name="TextBox 14"/>
+          <p:cNvSpPr txBox="1"/>
+          <p:nvPr/>
+        </p:nvSpPr>
+        <p:spPr>
+          <a:xfrm>
+            <a:off x="9330490" y="2613787"/>
+            <a:ext cx="801912" cy="1969770"/>
+          </a:xfrm>
+          <a:prstGeom prst="rect">
+            <a:avLst/>
+          </a:prstGeom>
+          <a:noFill/>
+        </p:spPr>
+        <p:txBody>
+          <a:bodyPr wrap="square" rtlCol="0">
+            <a:spAutoFit/>
+          </a:bodyPr>
+          <a:lstStyle>
+            <a:defPPr>
+              <a:defRPr lang="en-US"/>
+            </a:defPPr>
+            <a:lvl1pPr algn="r">
+              <a:defRPr sz="12200" b="0" i="0">
+                <a:solidFill>
+                  <a:schemeClr val="bg2">
+                    <a:lumMod val="40000"/>
+                    <a:lumOff val="60000"/>
+                  </a:schemeClr>
+                </a:solidFill>
+                <a:latin typeface="Arial"/>
+                <a:ea typeface="+mj-ea"/>
+                <a:cs typeface="+mj-cs"/>
+              </a:defRPr>
+            </a:lvl1pPr>
+          </a:lstStyle>
+          <a:p>
+            <a:pPr lvl="0"/>
+            <a:r>
+              <a:rPr lang="en-US" dirty="0"/>
+              <a:t>”</a:t>
+            </a:r>
+          </a:p>
+        </p:txBody>
+      </p:sp>
+    </p:spTree>
+    <p:extLst>
+      <p:ext uri="{BB962C8B-B14F-4D97-AF65-F5344CB8AC3E}">
+        <p14:creationId xmlns:p14="http://schemas.microsoft.com/office/powerpoint/2010/main" val="703198158"/>
+      </p:ext>
+    </p:extLst>
+  </p:cSld>
+  <p:clrMapOvr>
+    <a:masterClrMapping/>
+  </p:clrMapOvr>
+</p:sldLayout>
+</file>
+
+<file path=ppt/slideLayouts/slideLayout13.xml><?xml version="1.0" encoding="utf-8"?>
+<p:sldLayout xmlns:a="http://schemas.openxmlformats.org/drawingml/2006/main" xmlns:r="http://schemas.openxmlformats.org/officeDocument/2006/relationships" xmlns:p="http://schemas.openxmlformats.org/presentationml/2006/main" preserve="1">
+  <p:cSld name="Name Card">
+    <p:spTree>
+      <p:nvGrpSpPr>
+        <p:cNvPr id="1" name=""/>
+        <p:cNvGrpSpPr/>
+        <p:nvPr/>
+      </p:nvGrpSpPr>
+      <p:grpSpPr>
+        <a:xfrm>
+          <a:off x="0" y="0"/>
+          <a:ext cx="0" cy="0"/>
+          <a:chOff x="0" y="0"/>
+          <a:chExt cx="0" cy="0"/>
+        </a:xfrm>
+      </p:grpSpPr>
+      <p:sp>
+        <p:nvSpPr>
+          <p:cNvPr id="2" name="Title 1"/>
+          <p:cNvSpPr>
+            <a:spLocks noGrp="1"/>
+          </p:cNvSpPr>
+          <p:nvPr>
+            <p:ph type="title"/>
+          </p:nvPr>
+        </p:nvSpPr>
+        <p:spPr>
+          <a:xfrm>
+            <a:off x="1154954" y="3124201"/>
+            <a:ext cx="8825660" cy="1653180"/>
+          </a:xfrm>
+        </p:spPr>
+        <p:txBody>
+          <a:bodyPr anchor="b"/>
+          <a:lstStyle>
+            <a:lvl1pPr algn="l">
+              <a:defRPr sz="4000" b="0" cap="none"/>
+            </a:lvl1pPr>
+          </a:lstStyle>
+          <a:p>
+            <a:r>
+              <a:rPr lang="en-US"/>
+              <a:t>Click to edit Master title style</a:t>
+            </a:r>
+            <a:endParaRPr lang="en-US" dirty="0"/>
+          </a:p>
+        </p:txBody>
+      </p:sp>
+      <p:sp>
+        <p:nvSpPr>
+          <p:cNvPr id="3" name="Text Placeholder 2"/>
+          <p:cNvSpPr>
+            <a:spLocks noGrp="1"/>
+          </p:cNvSpPr>
+          <p:nvPr>
+            <p:ph type="body" idx="1"/>
+          </p:nvPr>
+        </p:nvSpPr>
+        <p:spPr>
+          <a:xfrm>
+            <a:off x="1154954" y="4777381"/>
+            <a:ext cx="8825659" cy="860400"/>
+          </a:xfrm>
+        </p:spPr>
+        <p:txBody>
+          <a:bodyPr anchor="t"/>
+          <a:lstStyle>
+            <a:lvl1pPr marL="0" indent="0" algn="l">
+              <a:buNone/>
+              <a:defRPr sz="2000" cap="none">
+                <a:solidFill>
+                  <a:schemeClr val="bg2">
+                    <a:lumMod val="40000"/>
+                    <a:lumOff val="60000"/>
+                  </a:schemeClr>
+                </a:solidFill>
+              </a:defRPr>
+            </a:lvl1pPr>
+            <a:lvl2pPr marL="457200" indent="0">
+              <a:buNone/>
+              <a:defRPr sz="1800">
+                <a:solidFill>
+                  <a:schemeClr val="tx1">
+                    <a:tint val="75000"/>
+                  </a:schemeClr>
+                </a:solidFill>
+              </a:defRPr>
+            </a:lvl2pPr>
+            <a:lvl3pPr marL="914400" indent="0">
+              <a:buNone/>
+              <a:defRPr sz="1600">
+                <a:solidFill>
+                  <a:schemeClr val="tx1">
+                    <a:tint val="75000"/>
+                  </a:schemeClr>
+                </a:solidFill>
+              </a:defRPr>
+            </a:lvl3pPr>
+            <a:lvl4pPr marL="1371600" indent="0">
+              <a:buNone/>
+              <a:defRPr sz="1400">
+                <a:solidFill>
+                  <a:schemeClr val="tx1">
+                    <a:tint val="75000"/>
+                  </a:schemeClr>
+                </a:solidFill>
+              </a:defRPr>
+            </a:lvl4pPr>
+            <a:lvl5pPr marL="1828800" indent="0">
+              <a:buNone/>
+              <a:defRPr sz="1400">
+                <a:solidFill>
+                  <a:schemeClr val="tx1">
+                    <a:tint val="75000"/>
+                  </a:schemeClr>
+                </a:solidFill>
+              </a:defRPr>
+            </a:lvl5pPr>
+            <a:lvl6pPr marL="2286000" indent="0">
+              <a:buNone/>
+              <a:defRPr sz="1400">
+                <a:solidFill>
+                  <a:schemeClr val="tx1">
+                    <a:tint val="75000"/>
+                  </a:schemeClr>
+                </a:solidFill>
+              </a:defRPr>
+            </a:lvl6pPr>
+            <a:lvl7pPr marL="2743200" indent="0">
+              <a:buNone/>
+              <a:defRPr sz="1400">
+                <a:solidFill>
+                  <a:schemeClr val="tx1">
+                    <a:tint val="75000"/>
+                  </a:schemeClr>
+                </a:solidFill>
+              </a:defRPr>
+            </a:lvl7pPr>
+            <a:lvl8pPr marL="3200400" indent="0">
+              <a:buNone/>
+              <a:defRPr sz="1400">
+                <a:solidFill>
+                  <a:schemeClr val="tx1">
+                    <a:tint val="75000"/>
+                  </a:schemeClr>
+                </a:solidFill>
+              </a:defRPr>
+            </a:lvl8pPr>
+            <a:lvl9pPr marL="3657600" indent="0">
+              <a:buNone/>
+              <a:defRPr sz="1400">
+                <a:solidFill>
+                  <a:schemeClr val="tx1">
+                    <a:tint val="75000"/>
+                  </a:schemeClr>
+                </a:solidFill>
+              </a:defRPr>
+            </a:lvl9pPr>
+          </a:lstStyle>
+          <a:p>
+            <a:pPr lvl="0"/>
+            <a:r>
+              <a:rPr lang="en-US"/>
+              <a:t>Edit Master text styles</a:t>
+            </a:r>
+          </a:p>
+        </p:txBody>
+      </p:sp>
+      <p:sp>
+        <p:nvSpPr>
+          <p:cNvPr id="4" name="Date Placeholder 3"/>
+          <p:cNvSpPr>
+            <a:spLocks noGrp="1"/>
+          </p:cNvSpPr>
+          <p:nvPr>
+            <p:ph type="dt" sz="half" idx="10"/>
+          </p:nvPr>
+        </p:nvSpPr>
+        <p:spPr/>
+        <p:txBody>
+          <a:bodyPr/>
+          <a:lstStyle/>
+          <a:p>
+            <a:fld id="{87DE6118-2437-4B30-8E3C-4D2BE6020583}" type="datetimeFigureOut">
+              <a:rPr lang="en-US" smtClean="0"/>
+              <a:pPr/>
+              <a:t>4/24/2017</a:t>
+            </a:fld>
+            <a:endParaRPr lang="en-US" dirty="0"/>
+          </a:p>
+        </p:txBody>
+      </p:sp>
+      <p:sp>
+        <p:nvSpPr>
+          <p:cNvPr id="5" name="Footer Placeholder 4"/>
+          <p:cNvSpPr>
+            <a:spLocks noGrp="1"/>
+          </p:cNvSpPr>
+          <p:nvPr>
+            <p:ph type="ftr" sz="quarter" idx="11"/>
+          </p:nvPr>
+        </p:nvSpPr>
+        <p:spPr/>
+        <p:txBody>
+          <a:bodyPr/>
+          <a:lstStyle/>
+          <a:p>
+            <a:endParaRPr lang="en-US" dirty="0"/>
+          </a:p>
+        </p:txBody>
+      </p:sp>
+      <p:sp>
+        <p:nvSpPr>
+          <p:cNvPr id="6" name="Slide Number Placeholder 5"/>
+          <p:cNvSpPr>
+            <a:spLocks noGrp="1"/>
+          </p:cNvSpPr>
+          <p:nvPr>
+            <p:ph type="sldNum" sz="quarter" idx="12"/>
+          </p:nvPr>
+        </p:nvSpPr>
+        <p:spPr/>
+        <p:txBody>
+          <a:bodyPr/>
+          <a:lstStyle/>
+          <a:p>
+            <a:fld id="{69E57DC2-970A-4B3E-BB1C-7A09969E49DF}" type="slidenum">
+              <a:rPr lang="en-US" smtClean="0"/>
+              <a:pPr/>
+              <a:t>‹#›</a:t>
+            </a:fld>
+            <a:endParaRPr lang="en-US" dirty="0"/>
+          </a:p>
+        </p:txBody>
+      </p:sp>
+    </p:spTree>
+    <p:extLst>
+      <p:ext uri="{BB962C8B-B14F-4D97-AF65-F5344CB8AC3E}">
+        <p14:creationId xmlns:p14="http://schemas.microsoft.com/office/powerpoint/2010/main" val="3778570922"/>
+      </p:ext>
+    </p:extLst>
+  </p:cSld>
+  <p:clrMapOvr>
+    <a:masterClrMapping/>
+  </p:clrMapOvr>
+</p:sldLayout>
+</file>
+
+<file path=ppt/slideLayouts/slideLayout14.xml><?xml version="1.0" encoding="utf-8"?>
+<p:sldLayout xmlns:a="http://schemas.openxmlformats.org/drawingml/2006/main" xmlns:r="http://schemas.openxmlformats.org/officeDocument/2006/relationships" xmlns:p="http://schemas.openxmlformats.org/presentationml/2006/main" preserve="1">
+  <p:cSld name="3 Column">
+    <p:spTree>
+      <p:nvGrpSpPr>
+        <p:cNvPr id="1" name=""/>
+        <p:cNvGrpSpPr/>
+        <p:nvPr/>
+      </p:nvGrpSpPr>
+      <p:grpSpPr>
+        <a:xfrm>
+          <a:off x="0" y="0"/>
+          <a:ext cx="0" cy="0"/>
+          <a:chOff x="0" y="0"/>
+          <a:chExt cx="0" cy="0"/>
+        </a:xfrm>
+      </p:grpSpPr>
+      <p:sp>
+        <p:nvSpPr>
+          <p:cNvPr id="2" name="Title 1"/>
+          <p:cNvSpPr>
+            <a:spLocks noGrp="1"/>
+          </p:cNvSpPr>
+          <p:nvPr>
+            <p:ph type="title"/>
+          </p:nvPr>
+        </p:nvSpPr>
+        <p:spPr/>
+        <p:txBody>
+          <a:bodyPr/>
+          <a:lstStyle>
+            <a:lvl1pPr>
+              <a:defRPr sz="4200"/>
+            </a:lvl1pPr>
+          </a:lstStyle>
+          <a:p>
+            <a:r>
+              <a:rPr lang="en-US"/>
+              <a:t>Click to edit Master title style</a:t>
+            </a:r>
+            <a:endParaRPr lang="en-US" dirty="0"/>
+          </a:p>
+        </p:txBody>
+      </p:sp>
+      <p:sp>
+        <p:nvSpPr>
+          <p:cNvPr id="3" name="Text Placeholder 2"/>
+          <p:cNvSpPr>
+            <a:spLocks noGrp="1"/>
+          </p:cNvSpPr>
+          <p:nvPr>
+            <p:ph type="body" idx="1"/>
+          </p:nvPr>
+        </p:nvSpPr>
+        <p:spPr>
+          <a:xfrm>
+            <a:off x="632947" y="1981200"/>
+            <a:ext cx="2946866" cy="576262"/>
+          </a:xfrm>
+        </p:spPr>
+        <p:txBody>
+          <a:bodyPr anchor="b">
+            <a:noAutofit/>
+          </a:bodyPr>
+          <a:lstStyle>
+            <a:lvl1pPr marL="0" indent="0">
+              <a:buNone/>
+              <a:defRPr sz="2400" b="0">
+                <a:solidFill>
+                  <a:schemeClr val="bg2">
+                    <a:lumMod val="40000"/>
+                    <a:lumOff val="60000"/>
+                  </a:schemeClr>
+                </a:solidFill>
+              </a:defRPr>
+            </a:lvl1pPr>
+            <a:lvl2pPr marL="457200" indent="0">
+              <a:buNone/>
+              <a:defRPr sz="2000" b="1"/>
+            </a:lvl2pPr>
+            <a:lvl3pPr marL="914400" indent="0">
+              <a:buNone/>
+              <a:defRPr sz="1800" b="1"/>
+            </a:lvl3pPr>
+            <a:lvl4pPr marL="1371600" indent="0">
+              <a:buNone/>
+              <a:defRPr sz="1600" b="1"/>
+            </a:lvl4pPr>
+            <a:lvl5pPr marL="1828800" indent="0">
+              <a:buNone/>
+              <a:defRPr sz="1600" b="1"/>
+            </a:lvl5pPr>
+            <a:lvl6pPr marL="2286000" indent="0">
+              <a:buNone/>
+              <a:defRPr sz="1600" b="1"/>
+            </a:lvl6pPr>
+            <a:lvl7pPr marL="2743200" indent="0">
+              <a:buNone/>
+              <a:defRPr sz="1600" b="1"/>
+            </a:lvl7pPr>
+            <a:lvl8pPr marL="3200400" indent="0">
+              <a:buNone/>
+              <a:defRPr sz="1600" b="1"/>
+            </a:lvl8pPr>
+            <a:lvl9pPr marL="3657600" indent="0">
+              <a:buNone/>
+              <a:defRPr sz="1600" b="1"/>
+            </a:lvl9pPr>
+          </a:lstStyle>
+          <a:p>
+            <a:pPr lvl="0"/>
+            <a:r>
+              <a:rPr lang="en-US"/>
+              <a:t>Edit Master text styles</a:t>
+            </a:r>
+          </a:p>
+        </p:txBody>
+      </p:sp>
+      <p:sp>
+        <p:nvSpPr>
+          <p:cNvPr id="16" name="Text Placeholder 3"/>
+          <p:cNvSpPr>
+            <a:spLocks noGrp="1"/>
+          </p:cNvSpPr>
+          <p:nvPr>
+            <p:ph type="body" sz="half" idx="15"/>
+          </p:nvPr>
+        </p:nvSpPr>
+        <p:spPr>
+          <a:xfrm>
+            <a:off x="652463" y="2667000"/>
+            <a:ext cx="2927350" cy="3589338"/>
+          </a:xfrm>
+        </p:spPr>
+        <p:txBody>
+          <a:bodyPr anchor="t">
+            <a:normAutofit/>
+          </a:bodyPr>
+          <a:lstStyle>
+            <a:lvl1pPr marL="0" indent="0">
+              <a:buNone/>
+              <a:defRPr sz="1400"/>
+            </a:lvl1pPr>
+            <a:lvl2pPr marL="457200" indent="0">
+              <a:buNone/>
+              <a:defRPr sz="1200"/>
+            </a:lvl2pPr>
+            <a:lvl3pPr marL="914400" indent="0">
+              <a:buNone/>
+              <a:defRPr sz="1000"/>
+            </a:lvl3pPr>
+            <a:lvl4pPr marL="1371600" indent="0">
+              <a:buNone/>
+              <a:defRPr sz="900"/>
+            </a:lvl4pPr>
+            <a:lvl5pPr marL="1828800" indent="0">
+              <a:buNone/>
+              <a:defRPr sz="900"/>
+            </a:lvl5pPr>
+            <a:lvl6pPr marL="2286000" indent="0">
+              <a:buNone/>
+              <a:defRPr sz="900"/>
+            </a:lvl6pPr>
+            <a:lvl7pPr marL="2743200" indent="0">
+              <a:buNone/>
+              <a:defRPr sz="900"/>
+            </a:lvl7pPr>
+            <a:lvl8pPr marL="3200400" indent="0">
+              <a:buNone/>
+              <a:defRPr sz="900"/>
+            </a:lvl8pPr>
+            <a:lvl9pPr marL="3657600" indent="0">
+              <a:buNone/>
+              <a:defRPr sz="900"/>
+            </a:lvl9pPr>
+          </a:lstStyle>
+          <a:p>
+            <a:pPr lvl="0"/>
+            <a:r>
+              <a:rPr lang="en-US"/>
+              <a:t>Edit Master text styles</a:t>
+            </a:r>
+          </a:p>
+        </p:txBody>
+      </p:sp>
+      <p:sp>
+        <p:nvSpPr>
+          <p:cNvPr id="5" name="Text Placeholder 4"/>
+          <p:cNvSpPr>
+            <a:spLocks noGrp="1"/>
+          </p:cNvSpPr>
+          <p:nvPr>
+            <p:ph type="body" sz="quarter" idx="3"/>
+          </p:nvPr>
+        </p:nvSpPr>
+        <p:spPr>
+          <a:xfrm>
+            <a:off x="3883659" y="1981200"/>
+            <a:ext cx="2936241" cy="576262"/>
+          </a:xfrm>
+        </p:spPr>
+        <p:txBody>
+          <a:bodyPr anchor="b">
+            <a:noAutofit/>
+          </a:bodyPr>
+          <a:lstStyle>
+            <a:lvl1pPr marL="0" indent="0">
+              <a:buNone/>
+              <a:defRPr sz="2400" b="0">
+                <a:solidFill>
+                  <a:schemeClr val="bg2">
+                    <a:lumMod val="40000"/>
+                    <a:lumOff val="60000"/>
+                  </a:schemeClr>
+                </a:solidFill>
+              </a:defRPr>
+            </a:lvl1pPr>
+            <a:lvl2pPr marL="457200" indent="0">
+              <a:buNone/>
+              <a:defRPr sz="2000" b="1"/>
+            </a:lvl2pPr>
+            <a:lvl3pPr marL="914400" indent="0">
+              <a:buNone/>
+              <a:defRPr sz="1800" b="1"/>
+            </a:lvl3pPr>
+            <a:lvl4pPr marL="1371600" indent="0">
+              <a:buNone/>
+              <a:defRPr sz="1600" b="1"/>
+            </a:lvl4pPr>
+            <a:lvl5pPr marL="1828800" indent="0">
+              <a:buNone/>
+              <a:defRPr sz="1600" b="1"/>
+            </a:lvl5pPr>
+            <a:lvl6pPr marL="2286000" indent="0">
+              <a:buNone/>
+              <a:defRPr sz="1600" b="1"/>
+            </a:lvl6pPr>
+            <a:lvl7pPr marL="2743200" indent="0">
+              <a:buNone/>
+              <a:defRPr sz="1600" b="1"/>
+            </a:lvl7pPr>
+            <a:lvl8pPr marL="3200400" indent="0">
+              <a:buNone/>
+              <a:defRPr sz="1600" b="1"/>
+            </a:lvl8pPr>
+            <a:lvl9pPr marL="3657600" indent="0">
+              <a:buNone/>
+              <a:defRPr sz="1600" b="1"/>
+            </a:lvl9pPr>
+          </a:lstStyle>
+          <a:p>
+            <a:pPr lvl="0"/>
+            <a:r>
+              <a:rPr lang="en-US"/>
+              <a:t>Edit Master text styles</a:t>
+            </a:r>
+          </a:p>
+        </p:txBody>
+      </p:sp>
+      <p:sp>
+        <p:nvSpPr>
+          <p:cNvPr id="19" name="Text Placeholder 3"/>
+          <p:cNvSpPr>
+            <a:spLocks noGrp="1"/>
+          </p:cNvSpPr>
+          <p:nvPr>
+            <p:ph type="body" sz="half" idx="16"/>
+          </p:nvPr>
+        </p:nvSpPr>
+        <p:spPr>
+          <a:xfrm>
+            <a:off x="3873106" y="2667000"/>
+            <a:ext cx="2946794" cy="3589338"/>
+          </a:xfrm>
+        </p:spPr>
+        <p:txBody>
+          <a:bodyPr anchor="t">
+            <a:normAutofit/>
+          </a:bodyPr>
+          <a:lstStyle>
+            <a:lvl1pPr marL="0" indent="0">
+              <a:buNone/>
+              <a:defRPr sz="1400"/>
+            </a:lvl1pPr>
+            <a:lvl2pPr marL="457200" indent="0">
+              <a:buNone/>
+              <a:defRPr sz="1200"/>
+            </a:lvl2pPr>
+            <a:lvl3pPr marL="914400" indent="0">
+              <a:buNone/>
+              <a:defRPr sz="1000"/>
+            </a:lvl3pPr>
+            <a:lvl4pPr marL="1371600" indent="0">
+              <a:buNone/>
+              <a:defRPr sz="900"/>
+            </a:lvl4pPr>
+            <a:lvl5pPr marL="1828800" indent="0">
+              <a:buNone/>
+              <a:defRPr sz="900"/>
+            </a:lvl5pPr>
+            <a:lvl6pPr marL="2286000" indent="0">
+              <a:buNone/>
+              <a:defRPr sz="900"/>
+            </a:lvl6pPr>
+            <a:lvl7pPr marL="2743200" indent="0">
+              <a:buNone/>
+              <a:defRPr sz="900"/>
+            </a:lvl7pPr>
+            <a:lvl8pPr marL="3200400" indent="0">
+              <a:buNone/>
+              <a:defRPr sz="900"/>
+            </a:lvl8pPr>
+            <a:lvl9pPr marL="3657600" indent="0">
+              <a:buNone/>
+              <a:defRPr sz="900"/>
+            </a:lvl9pPr>
+          </a:lstStyle>
+          <a:p>
+            <a:pPr lvl="0"/>
+            <a:r>
+              <a:rPr lang="en-US"/>
+              <a:t>Edit Master text styles</a:t>
+            </a:r>
+          </a:p>
+        </p:txBody>
+      </p:sp>
+      <p:sp>
+        <p:nvSpPr>
+          <p:cNvPr id="14" name="Text Placeholder 4"/>
+          <p:cNvSpPr>
+            <a:spLocks noGrp="1"/>
+          </p:cNvSpPr>
+          <p:nvPr>
+            <p:ph type="body" sz="quarter" idx="13"/>
+          </p:nvPr>
+        </p:nvSpPr>
+        <p:spPr>
+          <a:xfrm>
+            <a:off x="7124700" y="1981200"/>
+            <a:ext cx="2932113" cy="576262"/>
+          </a:xfrm>
+        </p:spPr>
+        <p:txBody>
+          <a:bodyPr anchor="b">
+            <a:noAutofit/>
+          </a:bodyPr>
+          <a:lstStyle>
+            <a:lvl1pPr marL="0" indent="0">
+              <a:buNone/>
+              <a:defRPr sz="2400" b="0">
+                <a:solidFill>
+                  <a:schemeClr val="bg2">
+                    <a:lumMod val="40000"/>
+                    <a:lumOff val="60000"/>
+                  </a:schemeClr>
+                </a:solidFill>
+              </a:defRPr>
+            </a:lvl1pPr>
+            <a:lvl2pPr marL="457200" indent="0">
+              <a:buNone/>
+              <a:defRPr sz="2000" b="1"/>
+            </a:lvl2pPr>
+            <a:lvl3pPr marL="914400" indent="0">
+              <a:buNone/>
+              <a:defRPr sz="1800" b="1"/>
+            </a:lvl3pPr>
+            <a:lvl4pPr marL="1371600" indent="0">
+              <a:buNone/>
+              <a:defRPr sz="1600" b="1"/>
+            </a:lvl4pPr>
+            <a:lvl5pPr marL="1828800" indent="0">
+              <a:buNone/>
+              <a:defRPr sz="1600" b="1"/>
+            </a:lvl5pPr>
+            <a:lvl6pPr marL="2286000" indent="0">
+              <a:buNone/>
+              <a:defRPr sz="1600" b="1"/>
+            </a:lvl6pPr>
+            <a:lvl7pPr marL="2743200" indent="0">
+              <a:buNone/>
+              <a:defRPr sz="1600" b="1"/>
+            </a:lvl7pPr>
+            <a:lvl8pPr marL="3200400" indent="0">
+              <a:buNone/>
+              <a:defRPr sz="1600" b="1"/>
+            </a:lvl8pPr>
+            <a:lvl9pPr marL="3657600" indent="0">
+              <a:buNone/>
+              <a:defRPr sz="1600" b="1"/>
+            </a:lvl9pPr>
+          </a:lstStyle>
+          <a:p>
+            <a:pPr lvl="0"/>
+            <a:r>
+              <a:rPr lang="en-US"/>
+              <a:t>Edit Master text styles</a:t>
+            </a:r>
+          </a:p>
+        </p:txBody>
+      </p:sp>
+      <p:sp>
+        <p:nvSpPr>
+          <p:cNvPr id="20" name="Text Placeholder 3"/>
+          <p:cNvSpPr>
+            <a:spLocks noGrp="1"/>
+          </p:cNvSpPr>
+          <p:nvPr>
+            <p:ph type="body" sz="half" idx="17"/>
+          </p:nvPr>
+        </p:nvSpPr>
+        <p:spPr>
+          <a:xfrm>
+            <a:off x="7124700" y="2667000"/>
+            <a:ext cx="2932113" cy="3589338"/>
+          </a:xfrm>
+        </p:spPr>
+        <p:txBody>
+          <a:bodyPr anchor="t">
+            <a:normAutofit/>
+          </a:bodyPr>
+          <a:lstStyle>
+            <a:lvl1pPr marL="0" indent="0">
+              <a:buNone/>
+              <a:defRPr sz="1400"/>
+            </a:lvl1pPr>
+            <a:lvl2pPr marL="457200" indent="0">
+              <a:buNone/>
+              <a:defRPr sz="1200"/>
+            </a:lvl2pPr>
+            <a:lvl3pPr marL="914400" indent="0">
+              <a:buNone/>
+              <a:defRPr sz="1000"/>
+            </a:lvl3pPr>
+            <a:lvl4pPr marL="1371600" indent="0">
+              <a:buNone/>
+              <a:defRPr sz="900"/>
+            </a:lvl4pPr>
+            <a:lvl5pPr marL="1828800" indent="0">
+              <a:buNone/>
+              <a:defRPr sz="900"/>
+            </a:lvl5pPr>
+            <a:lvl6pPr marL="2286000" indent="0">
+              <a:buNone/>
+              <a:defRPr sz="900"/>
+            </a:lvl6pPr>
+            <a:lvl7pPr marL="2743200" indent="0">
+              <a:buNone/>
+              <a:defRPr sz="900"/>
+            </a:lvl7pPr>
+            <a:lvl8pPr marL="3200400" indent="0">
+              <a:buNone/>
+              <a:defRPr sz="900"/>
+            </a:lvl8pPr>
+            <a:lvl9pPr marL="3657600" indent="0">
+              <a:buNone/>
+              <a:defRPr sz="900"/>
+            </a:lvl9pPr>
+          </a:lstStyle>
+          <a:p>
+            <a:pPr lvl="0"/>
+            <a:r>
+              <a:rPr lang="en-US"/>
+              <a:t>Edit Master text styles</a:t>
+            </a:r>
+          </a:p>
+        </p:txBody>
+      </p:sp>
+      <p:cxnSp>
+        <p:nvCxnSpPr>
+          <p:cNvPr id="17" name="Straight Connector 16"/>
+          <p:cNvCxnSpPr/>
+          <p:nvPr/>
+        </p:nvCxnSpPr>
+        <p:spPr>
+          <a:xfrm>
+            <a:off x="3726142" y="2133600"/>
+            <a:ext cx="0" cy="3962400"/>
+          </a:xfrm>
+          <a:prstGeom prst="line">
+            <a:avLst/>
+          </a:prstGeom>
+          <a:ln w="12700" cmpd="sng">
+            <a:solidFill>
+              <a:schemeClr val="bg2">
+                <a:lumMod val="40000"/>
+                <a:lumOff val="60000"/>
+                <a:alpha val="40000"/>
+              </a:schemeClr>
+            </a:solidFill>
+          </a:ln>
+        </p:spPr>
+        <p:style>
+          <a:lnRef idx="2">
+            <a:schemeClr val="accent1"/>
+          </a:lnRef>
+          <a:fillRef idx="0">
+            <a:schemeClr val="accent1"/>
+          </a:fillRef>
+          <a:effectRef idx="1">
+            <a:schemeClr val="accent1"/>
+          </a:effectRef>
+          <a:fontRef idx="minor">
+            <a:schemeClr val="tx1"/>
+          </a:fontRef>
+        </p:style>
+      </p:cxnSp>
+      <p:cxnSp>
+        <p:nvCxnSpPr>
+          <p:cNvPr id="18" name="Straight Connector 17"/>
+          <p:cNvCxnSpPr/>
+          <p:nvPr/>
+        </p:nvCxnSpPr>
+        <p:spPr>
+          <a:xfrm>
+            <a:off x="6962227" y="2133600"/>
+            <a:ext cx="0" cy="3966882"/>
+          </a:xfrm>
+          <a:prstGeom prst="line">
+            <a:avLst/>
+          </a:prstGeom>
+          <a:ln w="12700" cmpd="sng">
+            <a:solidFill>
+              <a:schemeClr val="bg2">
+                <a:lumMod val="40000"/>
+                <a:lumOff val="60000"/>
+                <a:alpha val="40000"/>
+              </a:schemeClr>
+            </a:solidFill>
+          </a:ln>
+        </p:spPr>
+        <p:style>
+          <a:lnRef idx="2">
+            <a:schemeClr val="accent1"/>
+          </a:lnRef>
+          <a:fillRef idx="0">
+            <a:schemeClr val="accent1"/>
+          </a:fillRef>
+          <a:effectRef idx="1">
+            <a:schemeClr val="accent1"/>
+          </a:effectRef>
+          <a:fontRef idx="minor">
+            <a:schemeClr val="tx1"/>
+          </a:fontRef>
+        </p:style>
+      </p:cxnSp>
+      <p:sp>
+        <p:nvSpPr>
+          <p:cNvPr id="7" name="Date Placeholder 3"/>
+          <p:cNvSpPr>
+            <a:spLocks noGrp="1"/>
+          </p:cNvSpPr>
+          <p:nvPr>
+            <p:ph type="dt" sz="half" idx="10"/>
+          </p:nvPr>
+        </p:nvSpPr>
+        <p:spPr/>
+        <p:txBody>
+          <a:bodyPr/>
+          <a:lstStyle/>
+          <a:p>
+            <a:fld id="{87DE6118-2437-4B30-8E3C-4D2BE6020583}" type="datetimeFigureOut">
+              <a:rPr lang="en-US" smtClean="0"/>
+              <a:pPr/>
+              <a:t>4/24/2017</a:t>
+            </a:fld>
+            <a:endParaRPr lang="en-US" dirty="0"/>
+          </a:p>
+        </p:txBody>
+      </p:sp>
+      <p:sp>
+        <p:nvSpPr>
+          <p:cNvPr id="4" name="Footer Placeholder 4"/>
+          <p:cNvSpPr>
+            <a:spLocks noGrp="1"/>
+          </p:cNvSpPr>
+          <p:nvPr>
+            <p:ph type="ftr" sz="quarter" idx="11"/>
+          </p:nvPr>
+        </p:nvSpPr>
+        <p:spPr/>
+        <p:txBody>
+          <a:bodyPr/>
+          <a:lstStyle/>
+          <a:p>
+            <a:endParaRPr lang="en-US" dirty="0"/>
+          </a:p>
+        </p:txBody>
+      </p:sp>
+      <p:sp>
+        <p:nvSpPr>
+          <p:cNvPr id="6" name="Slide Number Placeholder 5"/>
+          <p:cNvSpPr>
+            <a:spLocks noGrp="1"/>
+          </p:cNvSpPr>
+          <p:nvPr>
+            <p:ph type="sldNum" sz="quarter" idx="12"/>
+          </p:nvPr>
+        </p:nvSpPr>
+        <p:spPr/>
+        <p:txBody>
+          <a:bodyPr/>
+          <a:lstStyle/>
+          <a:p>
+            <a:fld id="{69E57DC2-970A-4B3E-BB1C-7A09969E49DF}" type="slidenum">
+              <a:rPr lang="en-US" smtClean="0"/>
+              <a:pPr/>
+              <a:t>‹#›</a:t>
+            </a:fld>
+            <a:endParaRPr lang="en-US" dirty="0"/>
+          </a:p>
+        </p:txBody>
+      </p:sp>
+    </p:spTree>
+    <p:extLst>
+      <p:ext uri="{BB962C8B-B14F-4D97-AF65-F5344CB8AC3E}">
+        <p14:creationId xmlns:p14="http://schemas.microsoft.com/office/powerpoint/2010/main" val="2701238224"/>
+      </p:ext>
+    </p:extLst>
+  </p:cSld>
+  <p:clrMapOvr>
+    <a:masterClrMapping/>
+  </p:clrMapOvr>
+</p:sldLayout>
+</file>
+
+<file path=ppt/slideLayouts/slideLayout15.xml><?xml version="1.0" encoding="utf-8"?>
+<p:sldLayout xmlns:a="http://schemas.openxmlformats.org/drawingml/2006/main" xmlns:r="http://schemas.openxmlformats.org/officeDocument/2006/relationships" xmlns:p="http://schemas.openxmlformats.org/presentationml/2006/main" preserve="1">
+  <p:cSld name="3 Picture Column">
+    <p:spTree>
+      <p:nvGrpSpPr>
+        <p:cNvPr id="1" name=""/>
+        <p:cNvGrpSpPr/>
+        <p:nvPr/>
+      </p:nvGrpSpPr>
+      <p:grpSpPr>
+        <a:xfrm>
+          <a:off x="0" y="0"/>
+          <a:ext cx="0" cy="0"/>
+          <a:chOff x="0" y="0"/>
+          <a:chExt cx="0" cy="0"/>
+        </a:xfrm>
+      </p:grpSpPr>
+      <p:sp>
+        <p:nvSpPr>
+          <p:cNvPr id="2" name="Title 1"/>
+          <p:cNvSpPr>
+            <a:spLocks noGrp="1"/>
+          </p:cNvSpPr>
+          <p:nvPr>
+            <p:ph type="title"/>
+          </p:nvPr>
+        </p:nvSpPr>
+        <p:spPr/>
+        <p:txBody>
+          <a:bodyPr/>
+          <a:lstStyle>
+            <a:lvl1pPr>
+              <a:defRPr sz="4200"/>
+            </a:lvl1pPr>
+          </a:lstStyle>
+          <a:p>
+            <a:r>
+              <a:rPr lang="en-US"/>
+              <a:t>Click to edit Master title style</a:t>
+            </a:r>
+            <a:endParaRPr lang="en-US" dirty="0"/>
+          </a:p>
+        </p:txBody>
+      </p:sp>
+      <p:sp>
+        <p:nvSpPr>
+          <p:cNvPr id="3" name="Text Placeholder 2"/>
+          <p:cNvSpPr>
+            <a:spLocks noGrp="1"/>
+          </p:cNvSpPr>
+          <p:nvPr>
+            <p:ph type="body" idx="1"/>
+          </p:nvPr>
+        </p:nvSpPr>
+        <p:spPr>
+          <a:xfrm>
+            <a:off x="652463" y="4250949"/>
+            <a:ext cx="2940050" cy="576262"/>
+          </a:xfrm>
+        </p:spPr>
+        <p:txBody>
+          <a:bodyPr anchor="b">
+            <a:noAutofit/>
+          </a:bodyPr>
+          <a:lstStyle>
+            <a:lvl1pPr marL="0" indent="0">
+              <a:buNone/>
+              <a:defRPr sz="2400" b="0">
+                <a:solidFill>
+                  <a:schemeClr val="bg2">
+                    <a:lumMod val="40000"/>
+                    <a:lumOff val="60000"/>
+                  </a:schemeClr>
+                </a:solidFill>
+              </a:defRPr>
+            </a:lvl1pPr>
+            <a:lvl2pPr marL="457200" indent="0">
+              <a:buNone/>
+              <a:defRPr sz="2000" b="1"/>
+            </a:lvl2pPr>
+            <a:lvl3pPr marL="914400" indent="0">
+              <a:buNone/>
+              <a:defRPr sz="1800" b="1"/>
+            </a:lvl3pPr>
+            <a:lvl4pPr marL="1371600" indent="0">
+              <a:buNone/>
+              <a:defRPr sz="1600" b="1"/>
+            </a:lvl4pPr>
+            <a:lvl5pPr marL="1828800" indent="0">
+              <a:buNone/>
+              <a:defRPr sz="1600" b="1"/>
+            </a:lvl5pPr>
+            <a:lvl6pPr marL="2286000" indent="0">
+              <a:buNone/>
+              <a:defRPr sz="1600" b="1"/>
+            </a:lvl6pPr>
+            <a:lvl7pPr marL="2743200" indent="0">
+              <a:buNone/>
+              <a:defRPr sz="1600" b="1"/>
+            </a:lvl7pPr>
+            <a:lvl8pPr marL="3200400" indent="0">
+              <a:buNone/>
+              <a:defRPr sz="1600" b="1"/>
+            </a:lvl8pPr>
+            <a:lvl9pPr marL="3657600" indent="0">
+              <a:buNone/>
+              <a:defRPr sz="1600" b="1"/>
+            </a:lvl9pPr>
+          </a:lstStyle>
+          <a:p>
+            <a:pPr lvl="0"/>
+            <a:r>
+              <a:rPr lang="en-US"/>
+              <a:t>Edit Master text styles</a:t>
+            </a:r>
+          </a:p>
+        </p:txBody>
+      </p:sp>
+      <p:sp>
+        <p:nvSpPr>
+          <p:cNvPr id="29" name="Picture Placeholder 2"/>
+          <p:cNvSpPr>
+            <a:spLocks noGrp="1" noChangeAspect="1"/>
+          </p:cNvSpPr>
+          <p:nvPr>
+            <p:ph type="pic" idx="15"/>
+          </p:nvPr>
+        </p:nvSpPr>
+        <p:spPr>
+          <a:xfrm>
+            <a:off x="652463" y="2209800"/>
+            <a:ext cx="2940050" cy="1524000"/>
+          </a:xfrm>
+          <a:prstGeom prst="roundRect">
+            <a:avLst>
+              <a:gd name="adj" fmla="val 1858"/>
+            </a:avLst>
+          </a:prstGeom>
+          <a:effectLst>
+            <a:outerShdw blurRad="50800" dist="50800" dir="5400000" algn="tl" rotWithShape="0">
+              <a:srgbClr val="000000">
+                <a:alpha val="43000"/>
+              </a:srgbClr>
+            </a:outerShdw>
+          </a:effectLst>
+        </p:spPr>
+        <p:txBody>
+          <a:bodyPr anchor="t">
+            <a:normAutofit/>
+          </a:bodyPr>
+          <a:lstStyle>
+            <a:lvl1pPr marL="0" indent="0" algn="ctr">
+              <a:buNone/>
+              <a:defRPr sz="1600"/>
+            </a:lvl1pPr>
+            <a:lvl2pPr marL="457200" indent="0">
+              <a:buNone/>
+              <a:defRPr sz="1600"/>
+            </a:lvl2pPr>
+            <a:lvl3pPr marL="914400" indent="0">
+              <a:buNone/>
+              <a:defRPr sz="1600"/>
+            </a:lvl3pPr>
+            <a:lvl4pPr marL="1371600" indent="0">
+              <a:buNone/>
+              <a:defRPr sz="1600"/>
+            </a:lvl4pPr>
+            <a:lvl5pPr marL="1828800" indent="0">
+              <a:buNone/>
+              <a:defRPr sz="1600"/>
+            </a:lvl5pPr>
+            <a:lvl6pPr marL="2286000" indent="0">
+              <a:buNone/>
+              <a:defRPr sz="1600"/>
+            </a:lvl6pPr>
+            <a:lvl7pPr marL="2743200" indent="0">
+              <a:buNone/>
+              <a:defRPr sz="1600"/>
+            </a:lvl7pPr>
+            <a:lvl8pPr marL="3200400" indent="0">
+              <a:buNone/>
+              <a:defRPr sz="1600"/>
+            </a:lvl8pPr>
+            <a:lvl9pPr marL="3657600" indent="0">
+              <a:buNone/>
+              <a:defRPr sz="1600"/>
+            </a:lvl9pPr>
+          </a:lstStyle>
+          <a:p>
+            <a:r>
+              <a:rPr lang="en-US"/>
+              <a:t>Click icon to add picture</a:t>
+            </a:r>
+            <a:endParaRPr lang="en-US" dirty="0"/>
+          </a:p>
+        </p:txBody>
+      </p:sp>
+      <p:sp>
+        <p:nvSpPr>
+          <p:cNvPr id="22" name="Text Placeholder 3"/>
+          <p:cNvSpPr>
+            <a:spLocks noGrp="1"/>
+          </p:cNvSpPr>
+          <p:nvPr>
+            <p:ph type="body" sz="half" idx="18"/>
+          </p:nvPr>
+        </p:nvSpPr>
+        <p:spPr>
+          <a:xfrm>
+            <a:off x="652463" y="4827211"/>
+            <a:ext cx="2940050" cy="659189"/>
+          </a:xfrm>
+        </p:spPr>
+        <p:txBody>
+          <a:bodyPr anchor="t">
+            <a:normAutofit/>
+          </a:bodyPr>
+          <a:lstStyle>
+            <a:lvl1pPr marL="0" indent="0">
+              <a:buNone/>
+              <a:defRPr sz="1400"/>
+            </a:lvl1pPr>
+            <a:lvl2pPr marL="457200" indent="0">
+              <a:buNone/>
+              <a:defRPr sz="1200"/>
+            </a:lvl2pPr>
+            <a:lvl3pPr marL="914400" indent="0">
+              <a:buNone/>
+              <a:defRPr sz="1000"/>
+            </a:lvl3pPr>
+            <a:lvl4pPr marL="1371600" indent="0">
+              <a:buNone/>
+              <a:defRPr sz="900"/>
+            </a:lvl4pPr>
+            <a:lvl5pPr marL="1828800" indent="0">
+              <a:buNone/>
+              <a:defRPr sz="900"/>
+            </a:lvl5pPr>
+            <a:lvl6pPr marL="2286000" indent="0">
+              <a:buNone/>
+              <a:defRPr sz="900"/>
+            </a:lvl6pPr>
+            <a:lvl7pPr marL="2743200" indent="0">
+              <a:buNone/>
+              <a:defRPr sz="900"/>
+            </a:lvl7pPr>
+            <a:lvl8pPr marL="3200400" indent="0">
+              <a:buNone/>
+              <a:defRPr sz="900"/>
+            </a:lvl8pPr>
+            <a:lvl9pPr marL="3657600" indent="0">
+              <a:buNone/>
+              <a:defRPr sz="900"/>
+            </a:lvl9pPr>
+          </a:lstStyle>
+          <a:p>
+            <a:pPr lvl="0"/>
+            <a:r>
+              <a:rPr lang="en-US"/>
+              <a:t>Edit Master text styles</a:t>
+            </a:r>
+          </a:p>
+        </p:txBody>
+      </p:sp>
+      <p:sp>
+        <p:nvSpPr>
+          <p:cNvPr id="5" name="Text Placeholder 4"/>
+          <p:cNvSpPr>
+            <a:spLocks noGrp="1"/>
+          </p:cNvSpPr>
+          <p:nvPr>
+            <p:ph type="body" sz="quarter" idx="3"/>
+          </p:nvPr>
+        </p:nvSpPr>
+        <p:spPr>
+          <a:xfrm>
+            <a:off x="3889375" y="4250949"/>
+            <a:ext cx="2930525" cy="576262"/>
+          </a:xfrm>
+        </p:spPr>
+        <p:txBody>
+          <a:bodyPr anchor="b">
+            <a:noAutofit/>
+          </a:bodyPr>
+          <a:lstStyle>
+            <a:lvl1pPr marL="0" indent="0">
+              <a:buNone/>
+              <a:defRPr sz="2400" b="0">
+                <a:solidFill>
+                  <a:schemeClr val="bg2">
+                    <a:lumMod val="40000"/>
+                    <a:lumOff val="60000"/>
+                  </a:schemeClr>
+                </a:solidFill>
+              </a:defRPr>
+            </a:lvl1pPr>
+            <a:lvl2pPr marL="457200" indent="0">
+              <a:buNone/>
+              <a:defRPr sz="2000" b="1"/>
+            </a:lvl2pPr>
+            <a:lvl3pPr marL="914400" indent="0">
+              <a:buNone/>
+              <a:defRPr sz="1800" b="1"/>
+            </a:lvl3pPr>
+            <a:lvl4pPr marL="1371600" indent="0">
+              <a:buNone/>
+              <a:defRPr sz="1600" b="1"/>
+            </a:lvl4pPr>
+            <a:lvl5pPr marL="1828800" indent="0">
+              <a:buNone/>
+              <a:defRPr sz="1600" b="1"/>
+            </a:lvl5pPr>
+            <a:lvl6pPr marL="2286000" indent="0">
+              <a:buNone/>
+              <a:defRPr sz="1600" b="1"/>
+            </a:lvl6pPr>
+            <a:lvl7pPr marL="2743200" indent="0">
+              <a:buNone/>
+              <a:defRPr sz="1600" b="1"/>
+            </a:lvl7pPr>
+            <a:lvl8pPr marL="3200400" indent="0">
+              <a:buNone/>
+              <a:defRPr sz="1600" b="1"/>
+            </a:lvl8pPr>
+            <a:lvl9pPr marL="3657600" indent="0">
+              <a:buNone/>
+              <a:defRPr sz="1600" b="1"/>
+            </a:lvl9pPr>
+          </a:lstStyle>
+          <a:p>
+            <a:pPr lvl="0"/>
+            <a:r>
+              <a:rPr lang="en-US"/>
+              <a:t>Edit Master text styles</a:t>
+            </a:r>
+          </a:p>
+        </p:txBody>
+      </p:sp>
+      <p:sp>
+        <p:nvSpPr>
+          <p:cNvPr id="30" name="Picture Placeholder 2"/>
+          <p:cNvSpPr>
+            <a:spLocks noGrp="1" noChangeAspect="1"/>
+          </p:cNvSpPr>
+          <p:nvPr>
+            <p:ph type="pic" idx="21"/>
+          </p:nvPr>
+        </p:nvSpPr>
+        <p:spPr>
+          <a:xfrm>
+            <a:off x="3889374" y="2209800"/>
+            <a:ext cx="2930525" cy="1524000"/>
+          </a:xfrm>
+          <a:prstGeom prst="roundRect">
+            <a:avLst>
+              <a:gd name="adj" fmla="val 1858"/>
+            </a:avLst>
+          </a:prstGeom>
+          <a:effectLst>
+            <a:outerShdw blurRad="50800" dist="50800" dir="5400000" algn="tl" rotWithShape="0">
+              <a:srgbClr val="000000">
+                <a:alpha val="43000"/>
+              </a:srgbClr>
+            </a:outerShdw>
+          </a:effectLst>
+        </p:spPr>
+        <p:txBody>
+          <a:bodyPr anchor="t">
+            <a:normAutofit/>
+          </a:bodyPr>
+          <a:lstStyle>
+            <a:lvl1pPr marL="0" indent="0" algn="ctr">
+              <a:buNone/>
+              <a:defRPr sz="1600"/>
+            </a:lvl1pPr>
+            <a:lvl2pPr marL="457200" indent="0">
+              <a:buNone/>
+              <a:defRPr sz="1600"/>
+            </a:lvl2pPr>
+            <a:lvl3pPr marL="914400" indent="0">
+              <a:buNone/>
+              <a:defRPr sz="1600"/>
+            </a:lvl3pPr>
+            <a:lvl4pPr marL="1371600" indent="0">
+              <a:buNone/>
+              <a:defRPr sz="1600"/>
+            </a:lvl4pPr>
+            <a:lvl5pPr marL="1828800" indent="0">
+              <a:buNone/>
+              <a:defRPr sz="1600"/>
+            </a:lvl5pPr>
+            <a:lvl6pPr marL="2286000" indent="0">
+              <a:buNone/>
+              <a:defRPr sz="1600"/>
+            </a:lvl6pPr>
+            <a:lvl7pPr marL="2743200" indent="0">
+              <a:buNone/>
+              <a:defRPr sz="1600"/>
+            </a:lvl7pPr>
+            <a:lvl8pPr marL="3200400" indent="0">
+              <a:buNone/>
+              <a:defRPr sz="1600"/>
+            </a:lvl8pPr>
+            <a:lvl9pPr marL="3657600" indent="0">
+              <a:buNone/>
+              <a:defRPr sz="1600"/>
+            </a:lvl9pPr>
+          </a:lstStyle>
+          <a:p>
+            <a:r>
+              <a:rPr lang="en-US"/>
+              <a:t>Click icon to add picture</a:t>
+            </a:r>
+            <a:endParaRPr lang="en-US" dirty="0"/>
+          </a:p>
+        </p:txBody>
+      </p:sp>
+      <p:sp>
+        <p:nvSpPr>
+          <p:cNvPr id="23" name="Text Placeholder 3"/>
+          <p:cNvSpPr>
+            <a:spLocks noGrp="1"/>
+          </p:cNvSpPr>
+          <p:nvPr>
+            <p:ph type="body" sz="half" idx="19"/>
+          </p:nvPr>
+        </p:nvSpPr>
+        <p:spPr>
+          <a:xfrm>
+            <a:off x="3888022" y="4827210"/>
+            <a:ext cx="2934406" cy="659189"/>
+          </a:xfrm>
+        </p:spPr>
+        <p:txBody>
+          <a:bodyPr anchor="t">
+            <a:normAutofit/>
+          </a:bodyPr>
+          <a:lstStyle>
+            <a:lvl1pPr marL="0" indent="0">
+              <a:buNone/>
+              <a:defRPr sz="1400"/>
+            </a:lvl1pPr>
+            <a:lvl2pPr marL="457200" indent="0">
+              <a:buNone/>
+              <a:defRPr sz="1200"/>
+            </a:lvl2pPr>
+            <a:lvl3pPr marL="914400" indent="0">
+              <a:buNone/>
+              <a:defRPr sz="1000"/>
+            </a:lvl3pPr>
+            <a:lvl4pPr marL="1371600" indent="0">
+              <a:buNone/>
+              <a:defRPr sz="900"/>
+            </a:lvl4pPr>
+            <a:lvl5pPr marL="1828800" indent="0">
+              <a:buNone/>
+              <a:defRPr sz="900"/>
+            </a:lvl5pPr>
+            <a:lvl6pPr marL="2286000" indent="0">
+              <a:buNone/>
+              <a:defRPr sz="900"/>
+            </a:lvl6pPr>
+            <a:lvl7pPr marL="2743200" indent="0">
+              <a:buNone/>
+              <a:defRPr sz="900"/>
+            </a:lvl7pPr>
+            <a:lvl8pPr marL="3200400" indent="0">
+              <a:buNone/>
+              <a:defRPr sz="900"/>
+            </a:lvl8pPr>
+            <a:lvl9pPr marL="3657600" indent="0">
+              <a:buNone/>
+              <a:defRPr sz="900"/>
+            </a:lvl9pPr>
+          </a:lstStyle>
+          <a:p>
+            <a:pPr lvl="0"/>
+            <a:r>
+              <a:rPr lang="en-US"/>
+              <a:t>Edit Master text styles</a:t>
+            </a:r>
+          </a:p>
+        </p:txBody>
+      </p:sp>
+      <p:sp>
+        <p:nvSpPr>
+          <p:cNvPr id="14" name="Text Placeholder 4"/>
+          <p:cNvSpPr>
+            <a:spLocks noGrp="1"/>
+          </p:cNvSpPr>
+          <p:nvPr>
+            <p:ph type="body" sz="quarter" idx="13"/>
+          </p:nvPr>
+        </p:nvSpPr>
+        <p:spPr>
+          <a:xfrm>
+            <a:off x="7124700" y="4250949"/>
+            <a:ext cx="2932113" cy="576262"/>
+          </a:xfrm>
+        </p:spPr>
+        <p:txBody>
+          <a:bodyPr anchor="b">
+            <a:noAutofit/>
+          </a:bodyPr>
+          <a:lstStyle>
+            <a:lvl1pPr marL="0" indent="0">
+              <a:buNone/>
+              <a:defRPr sz="2400" b="0">
+                <a:solidFill>
+                  <a:schemeClr val="bg2">
+                    <a:lumMod val="40000"/>
+                    <a:lumOff val="60000"/>
+                  </a:schemeClr>
+                </a:solidFill>
+              </a:defRPr>
+            </a:lvl1pPr>
+            <a:lvl2pPr marL="457200" indent="0">
+              <a:buNone/>
+              <a:defRPr sz="2000" b="1"/>
+            </a:lvl2pPr>
+            <a:lvl3pPr marL="914400" indent="0">
+              <a:buNone/>
+              <a:defRPr sz="1800" b="1"/>
+            </a:lvl3pPr>
+            <a:lvl4pPr marL="1371600" indent="0">
+              <a:buNone/>
+              <a:defRPr sz="1600" b="1"/>
+            </a:lvl4pPr>
+            <a:lvl5pPr marL="1828800" indent="0">
+              <a:buNone/>
+              <a:defRPr sz="1600" b="1"/>
+            </a:lvl5pPr>
+            <a:lvl6pPr marL="2286000" indent="0">
+              <a:buNone/>
+              <a:defRPr sz="1600" b="1"/>
+            </a:lvl6pPr>
+            <a:lvl7pPr marL="2743200" indent="0">
+              <a:buNone/>
+              <a:defRPr sz="1600" b="1"/>
+            </a:lvl7pPr>
+            <a:lvl8pPr marL="3200400" indent="0">
+              <a:buNone/>
+              <a:defRPr sz="1600" b="1"/>
+            </a:lvl8pPr>
+            <a:lvl9pPr marL="3657600" indent="0">
+              <a:buNone/>
+              <a:defRPr sz="1600" b="1"/>
+            </a:lvl9pPr>
+          </a:lstStyle>
+          <a:p>
+            <a:pPr lvl="0"/>
+            <a:r>
+              <a:rPr lang="en-US"/>
+              <a:t>Edit Master text styles</a:t>
+            </a:r>
+          </a:p>
+        </p:txBody>
+      </p:sp>
+      <p:sp>
+        <p:nvSpPr>
+          <p:cNvPr id="31" name="Picture Placeholder 2"/>
+          <p:cNvSpPr>
+            <a:spLocks noGrp="1" noChangeAspect="1"/>
+          </p:cNvSpPr>
+          <p:nvPr>
+            <p:ph type="pic" idx="22"/>
+          </p:nvPr>
+        </p:nvSpPr>
+        <p:spPr>
+          <a:xfrm>
+            <a:off x="7124699" y="2209800"/>
+            <a:ext cx="2932113" cy="1524000"/>
+          </a:xfrm>
+          <a:prstGeom prst="roundRect">
+            <a:avLst>
+              <a:gd name="adj" fmla="val 1858"/>
+            </a:avLst>
+          </a:prstGeom>
+          <a:effectLst>
+            <a:outerShdw blurRad="50800" dist="50800" dir="5400000" algn="tl" rotWithShape="0">
+              <a:srgbClr val="000000">
+                <a:alpha val="43000"/>
+              </a:srgbClr>
+            </a:outerShdw>
+          </a:effectLst>
+        </p:spPr>
+        <p:txBody>
+          <a:bodyPr anchor="t">
+            <a:normAutofit/>
+          </a:bodyPr>
+          <a:lstStyle>
+            <a:lvl1pPr marL="0" indent="0" algn="ctr">
+              <a:buNone/>
+              <a:defRPr sz="1600"/>
+            </a:lvl1pPr>
+            <a:lvl2pPr marL="457200" indent="0">
+              <a:buNone/>
+              <a:defRPr sz="1600"/>
+            </a:lvl2pPr>
+            <a:lvl3pPr marL="914400" indent="0">
+              <a:buNone/>
+              <a:defRPr sz="1600"/>
+            </a:lvl3pPr>
+            <a:lvl4pPr marL="1371600" indent="0">
+              <a:buNone/>
+              <a:defRPr sz="1600"/>
+            </a:lvl4pPr>
+            <a:lvl5pPr marL="1828800" indent="0">
+              <a:buNone/>
+              <a:defRPr sz="1600"/>
+            </a:lvl5pPr>
+            <a:lvl6pPr marL="2286000" indent="0">
+              <a:buNone/>
+              <a:defRPr sz="1600"/>
+            </a:lvl6pPr>
+            <a:lvl7pPr marL="2743200" indent="0">
+              <a:buNone/>
+              <a:defRPr sz="1600"/>
+            </a:lvl7pPr>
+            <a:lvl8pPr marL="3200400" indent="0">
+              <a:buNone/>
+              <a:defRPr sz="1600"/>
+            </a:lvl8pPr>
+            <a:lvl9pPr marL="3657600" indent="0">
+              <a:buNone/>
+              <a:defRPr sz="1600"/>
+            </a:lvl9pPr>
+          </a:lstStyle>
+          <a:p>
+            <a:r>
+              <a:rPr lang="en-US"/>
+              <a:t>Click icon to add picture</a:t>
+            </a:r>
+            <a:endParaRPr lang="en-US" dirty="0"/>
+          </a:p>
+        </p:txBody>
+      </p:sp>
+      <p:sp>
+        <p:nvSpPr>
+          <p:cNvPr id="24" name="Text Placeholder 3"/>
+          <p:cNvSpPr>
+            <a:spLocks noGrp="1"/>
+          </p:cNvSpPr>
+          <p:nvPr>
+            <p:ph type="body" sz="half" idx="20"/>
+          </p:nvPr>
+        </p:nvSpPr>
+        <p:spPr>
+          <a:xfrm>
+            <a:off x="7124575" y="4827208"/>
+            <a:ext cx="2935997" cy="659189"/>
+          </a:xfrm>
+        </p:spPr>
+        <p:txBody>
+          <a:bodyPr anchor="t">
+            <a:normAutofit/>
+          </a:bodyPr>
+          <a:lstStyle>
+            <a:lvl1pPr marL="0" indent="0">
+              <a:buNone/>
+              <a:defRPr sz="1400"/>
+            </a:lvl1pPr>
+            <a:lvl2pPr marL="457200" indent="0">
+              <a:buNone/>
+              <a:defRPr sz="1200"/>
+            </a:lvl2pPr>
+            <a:lvl3pPr marL="914400" indent="0">
+              <a:buNone/>
+              <a:defRPr sz="1000"/>
+            </a:lvl3pPr>
+            <a:lvl4pPr marL="1371600" indent="0">
+              <a:buNone/>
+              <a:defRPr sz="900"/>
+            </a:lvl4pPr>
+            <a:lvl5pPr marL="1828800" indent="0">
+              <a:buNone/>
+              <a:defRPr sz="900"/>
+            </a:lvl5pPr>
+            <a:lvl6pPr marL="2286000" indent="0">
+              <a:buNone/>
+              <a:defRPr sz="900"/>
+            </a:lvl6pPr>
+            <a:lvl7pPr marL="2743200" indent="0">
+              <a:buNone/>
+              <a:defRPr sz="900"/>
+            </a:lvl7pPr>
+            <a:lvl8pPr marL="3200400" indent="0">
+              <a:buNone/>
+              <a:defRPr sz="900"/>
+            </a:lvl8pPr>
+            <a:lvl9pPr marL="3657600" indent="0">
+              <a:buNone/>
+              <a:defRPr sz="900"/>
+            </a:lvl9pPr>
+          </a:lstStyle>
+          <a:p>
+            <a:pPr lvl="0"/>
+            <a:r>
+              <a:rPr lang="en-US"/>
+              <a:t>Edit Master text styles</a:t>
+            </a:r>
+          </a:p>
+        </p:txBody>
+      </p:sp>
+      <p:cxnSp>
+        <p:nvCxnSpPr>
+          <p:cNvPr id="19" name="Straight Connector 18"/>
+          <p:cNvCxnSpPr/>
+          <p:nvPr/>
+        </p:nvCxnSpPr>
+        <p:spPr>
+          <a:xfrm>
+            <a:off x="3726142" y="2133600"/>
+            <a:ext cx="0" cy="3962400"/>
+          </a:xfrm>
+          <a:prstGeom prst="line">
+            <a:avLst/>
+          </a:prstGeom>
+          <a:ln w="12700" cmpd="sng">
+            <a:solidFill>
+              <a:schemeClr val="bg2">
+                <a:lumMod val="40000"/>
+                <a:lumOff val="60000"/>
+                <a:alpha val="40000"/>
+              </a:schemeClr>
+            </a:solidFill>
+          </a:ln>
+        </p:spPr>
+        <p:style>
+          <a:lnRef idx="2">
+            <a:schemeClr val="accent1"/>
+          </a:lnRef>
+          <a:fillRef idx="0">
+            <a:schemeClr val="accent1"/>
+          </a:fillRef>
+          <a:effectRef idx="1">
+            <a:schemeClr val="accent1"/>
+          </a:effectRef>
+          <a:fontRef idx="minor">
+            <a:schemeClr val="tx1"/>
+          </a:fontRef>
+        </p:style>
+      </p:cxnSp>
+      <p:cxnSp>
+        <p:nvCxnSpPr>
+          <p:cNvPr id="20" name="Straight Connector 19"/>
+          <p:cNvCxnSpPr/>
+          <p:nvPr/>
+        </p:nvCxnSpPr>
+        <p:spPr>
+          <a:xfrm>
+            <a:off x="6962227" y="2133600"/>
+            <a:ext cx="0" cy="3966882"/>
+          </a:xfrm>
+          <a:prstGeom prst="line">
+            <a:avLst/>
+          </a:prstGeom>
+          <a:ln w="12700" cmpd="sng">
+            <a:solidFill>
+              <a:schemeClr val="bg2">
+                <a:lumMod val="40000"/>
+                <a:lumOff val="60000"/>
+                <a:alpha val="40000"/>
+              </a:schemeClr>
+            </a:solidFill>
+          </a:ln>
+        </p:spPr>
+        <p:style>
+          <a:lnRef idx="2">
+            <a:schemeClr val="accent1"/>
+          </a:lnRef>
+          <a:fillRef idx="0">
+            <a:schemeClr val="accent1"/>
+          </a:fillRef>
+          <a:effectRef idx="1">
+            <a:schemeClr val="accent1"/>
+          </a:effectRef>
+          <a:fontRef idx="minor">
+            <a:schemeClr val="tx1"/>
+          </a:fontRef>
+        </p:style>
+      </p:cxnSp>
+      <p:sp>
+        <p:nvSpPr>
+          <p:cNvPr id="7" name="Date Placeholder 3"/>
+          <p:cNvSpPr>
+            <a:spLocks noGrp="1"/>
+          </p:cNvSpPr>
+          <p:nvPr>
+            <p:ph type="dt" sz="half" idx="10"/>
+          </p:nvPr>
+        </p:nvSpPr>
+        <p:spPr/>
+        <p:txBody>
+          <a:bodyPr/>
+          <a:lstStyle/>
+          <a:p>
+            <a:fld id="{87DE6118-2437-4B30-8E3C-4D2BE6020583}" type="datetimeFigureOut">
+              <a:rPr lang="en-US" smtClean="0"/>
+              <a:pPr/>
+              <a:t>4/24/2017</a:t>
+            </a:fld>
+            <a:endParaRPr lang="en-US" dirty="0"/>
+          </a:p>
+        </p:txBody>
+      </p:sp>
+      <p:sp>
+        <p:nvSpPr>
+          <p:cNvPr id="4" name="Footer Placeholder 4"/>
+          <p:cNvSpPr>
+            <a:spLocks noGrp="1"/>
+          </p:cNvSpPr>
+          <p:nvPr>
+            <p:ph type="ftr" sz="quarter" idx="11"/>
+          </p:nvPr>
+        </p:nvSpPr>
+        <p:spPr/>
+        <p:txBody>
+          <a:bodyPr/>
+          <a:lstStyle/>
+          <a:p>
+            <a:endParaRPr lang="en-US" dirty="0"/>
+          </a:p>
+        </p:txBody>
+      </p:sp>
+      <p:sp>
+        <p:nvSpPr>
+          <p:cNvPr id="6" name="Slide Number Placeholder 5"/>
+          <p:cNvSpPr>
+            <a:spLocks noGrp="1"/>
+          </p:cNvSpPr>
+          <p:nvPr>
+            <p:ph type="sldNum" sz="quarter" idx="12"/>
+          </p:nvPr>
+        </p:nvSpPr>
+        <p:spPr/>
+        <p:txBody>
+          <a:bodyPr/>
+          <a:lstStyle/>
+          <a:p>
+            <a:fld id="{69E57DC2-970A-4B3E-BB1C-7A09969E49DF}" type="slidenum">
+              <a:rPr lang="en-US" smtClean="0"/>
+              <a:pPr/>
+              <a:t>‹#›</a:t>
+            </a:fld>
+            <a:endParaRPr lang="en-US" dirty="0"/>
+          </a:p>
+        </p:txBody>
+      </p:sp>
+    </p:spTree>
+    <p:extLst>
+      <p:ext uri="{BB962C8B-B14F-4D97-AF65-F5344CB8AC3E}">
+        <p14:creationId xmlns:p14="http://schemas.microsoft.com/office/powerpoint/2010/main" val="2146761564"/>
+      </p:ext>
+    </p:extLst>
+  </p:cSld>
+  <p:clrMapOvr>
+    <a:masterClrMapping/>
+  </p:clrMapOvr>
+</p:sldLayout>
+</file>
+
+<file path=ppt/slideLayouts/slideLayout16.xml><?xml version="1.0" encoding="utf-8"?>
 <p:sldLayout xmlns:a="http://schemas.openxmlformats.org/drawingml/2006/main" xmlns:r="http://schemas.openxmlformats.org/officeDocument/2006/relationships" xmlns:p="http://schemas.openxmlformats.org/presentationml/2006/main" type="vertTx" preserve="1">
   <p:cSld name="Title and Vertical Text">
     <p:spTree>
@@ -6236,7 +8737,7 @@
         </p:nvSpPr>
         <p:spPr/>
         <p:txBody>
-          <a:bodyPr vert="eaVert" lIns="45720" tIns="0" rIns="45720" bIns="0"/>
+          <a:bodyPr vert="eaVert" anchor="t" anchorCtr="0"/>
           <a:lstStyle/>
           <a:p>
             <a:pPr lvl="0"/>
@@ -6344,7 +8845,7 @@
     </p:spTree>
     <p:extLst>
       <p:ext uri="{BB962C8B-B14F-4D97-AF65-F5344CB8AC3E}">
-        <p14:creationId xmlns:p14="http://schemas.microsoft.com/office/powerpoint/2010/main" val="1921970488"/>
+        <p14:creationId xmlns:p14="http://schemas.microsoft.com/office/powerpoint/2010/main" val="442077737"/>
       </p:ext>
     </p:extLst>
   </p:cSld>
@@ -6354,8 +8855,8 @@
 </p:sldLayout>
 </file>
 
-<file path=ppt/slideLayouts/slideLayout11.xml><?xml version="1.0" encoding="utf-8"?>
-<p:sldLayout xmlns:a="http://schemas.openxmlformats.org/drawingml/2006/main" xmlns:r="http://schemas.openxmlformats.org/officeDocument/2006/relationships" xmlns:p="http://schemas.openxmlformats.org/presentationml/2006/main" showMasterSp="0" type="vertTitleAndTx" preserve="1">
+<file path=ppt/slideLayouts/slideLayout17.xml><?xml version="1.0" encoding="utf-8"?>
+<p:sldLayout xmlns:a="http://schemas.openxmlformats.org/drawingml/2006/main" xmlns:r="http://schemas.openxmlformats.org/officeDocument/2006/relationships" xmlns:p="http://schemas.openxmlformats.org/presentationml/2006/main" type="vertTitleAndTx" preserve="1">
   <p:cSld name="Vertical Title and Text">
     <p:spTree>
       <p:nvGrpSpPr>
@@ -6373,82 +8874,6 @@
       </p:grpSpPr>
       <p:sp>
         <p:nvSpPr>
-          <p:cNvPr id="7" name="Rectangle 6"/>
-          <p:cNvSpPr/>
-          <p:nvPr/>
-        </p:nvSpPr>
-        <p:spPr>
-          <a:xfrm>
-            <a:off x="3175" y="6400800"/>
-            <a:ext cx="12188825" cy="457200"/>
-          </a:xfrm>
-          <a:prstGeom prst="rect">
-            <a:avLst/>
-          </a:prstGeom>
-          <a:solidFill>
-            <a:schemeClr val="accent2"/>
-          </a:solidFill>
-          <a:ln>
-            <a:noFill/>
-          </a:ln>
-        </p:spPr>
-        <p:style>
-          <a:lnRef idx="2">
-            <a:schemeClr val="accent1">
-              <a:shade val="50000"/>
-            </a:schemeClr>
-          </a:lnRef>
-          <a:fillRef idx="1">
-            <a:schemeClr val="accent1"/>
-          </a:fillRef>
-          <a:effectRef idx="0">
-            <a:schemeClr val="accent1"/>
-          </a:effectRef>
-          <a:fontRef idx="minor">
-            <a:schemeClr val="lt1"/>
-          </a:fontRef>
-        </p:style>
-      </p:sp>
-      <p:sp>
-        <p:nvSpPr>
-          <p:cNvPr id="8" name="Rectangle 7"/>
-          <p:cNvSpPr/>
-          <p:nvPr/>
-        </p:nvSpPr>
-        <p:spPr>
-          <a:xfrm>
-            <a:off x="15" y="6334316"/>
-            <a:ext cx="12188825" cy="64008"/>
-          </a:xfrm>
-          <a:prstGeom prst="rect">
-            <a:avLst/>
-          </a:prstGeom>
-          <a:solidFill>
-            <a:schemeClr val="accent1"/>
-          </a:solidFill>
-          <a:ln>
-            <a:noFill/>
-          </a:ln>
-        </p:spPr>
-        <p:style>
-          <a:lnRef idx="2">
-            <a:schemeClr val="accent1">
-              <a:shade val="50000"/>
-            </a:schemeClr>
-          </a:lnRef>
-          <a:fillRef idx="1">
-            <a:schemeClr val="accent1"/>
-          </a:fillRef>
-          <a:effectRef idx="0">
-            <a:schemeClr val="accent1"/>
-          </a:effectRef>
-          <a:fontRef idx="minor">
-            <a:schemeClr val="lt1"/>
-          </a:fontRef>
-        </p:style>
-      </p:sp>
-      <p:sp>
-        <p:nvSpPr>
           <p:cNvPr id="2" name="Vertical Title 1"/>
           <p:cNvSpPr>
             <a:spLocks noGrp="1"/>
@@ -6459,12 +8884,12 @@
         </p:nvSpPr>
         <p:spPr>
           <a:xfrm>
-            <a:off x="8724900" y="414778"/>
-            <a:ext cx="2628900" cy="5757421"/>
+            <a:off x="8304212" y="430213"/>
+            <a:ext cx="1752601" cy="5826125"/>
           </a:xfrm>
         </p:spPr>
         <p:txBody>
-          <a:bodyPr vert="eaVert"/>
+          <a:bodyPr vert="eaVert" anchor="b" anchorCtr="0"/>
           <a:lstStyle/>
           <a:p>
             <a:r>
@@ -6487,12 +8912,12 @@
         </p:nvSpPr>
         <p:spPr>
           <a:xfrm>
-            <a:off x="838200" y="414778"/>
-            <a:ext cx="7734300" cy="5757422"/>
+            <a:off x="652463" y="887414"/>
+            <a:ext cx="7423149" cy="5368924"/>
           </a:xfrm>
         </p:spPr>
         <p:txBody>
-          <a:bodyPr vert="eaVert" lIns="45720" tIns="0" rIns="45720" bIns="0"/>
+          <a:bodyPr vert="eaVert"/>
           <a:lstStyle/>
           <a:p>
             <a:pPr lvl="0"/>
@@ -6600,7 +9025,7 @@
     </p:spTree>
     <p:extLst>
       <p:ext uri="{BB962C8B-B14F-4D97-AF65-F5344CB8AC3E}">
-        <p14:creationId xmlns:p14="http://schemas.microsoft.com/office/powerpoint/2010/main" val="1923927391"/>
+        <p14:creationId xmlns:p14="http://schemas.microsoft.com/office/powerpoint/2010/main" val="4201271912"/>
       </p:ext>
     </p:extLst>
   </p:cSld>
@@ -6640,11 +9065,7 @@
         <p:spPr/>
         <p:txBody>
           <a:bodyPr/>
-          <a:lstStyle>
-            <a:lvl1pPr marL="0">
-              <a:defRPr/>
-            </a:lvl1pPr>
-          </a:lstStyle>
+          <a:lstStyle/>
           <a:p>
             <a:r>
               <a:rPr lang="en-US"/>
@@ -6708,7 +9129,7 @@
       </p:sp>
       <p:sp>
         <p:nvSpPr>
-          <p:cNvPr id="4" name="Date Placeholder 3"/>
+          <p:cNvPr id="7" name="Date Placeholder 3"/>
           <p:cNvSpPr>
             <a:spLocks noGrp="1"/>
           </p:cNvSpPr>
@@ -6774,7 +9195,7 @@
     </p:spTree>
     <p:extLst>
       <p:ext uri="{BB962C8B-B14F-4D97-AF65-F5344CB8AC3E}">
-        <p14:creationId xmlns:p14="http://schemas.microsoft.com/office/powerpoint/2010/main" val="1670264848"/>
+        <p14:creationId xmlns:p14="http://schemas.microsoft.com/office/powerpoint/2010/main" val="973371753"/>
       </p:ext>
     </p:extLst>
   </p:cSld>
@@ -6785,16 +9206,8 @@
 </file>
 
 <file path=ppt/slideLayouts/slideLayout3.xml><?xml version="1.0" encoding="utf-8"?>
-<p:sldLayout xmlns:a="http://schemas.openxmlformats.org/drawingml/2006/main" xmlns:r="http://schemas.openxmlformats.org/officeDocument/2006/relationships" xmlns:p="http://schemas.openxmlformats.org/presentationml/2006/main" showMasterSp="0" type="secHead" preserve="1">
+<p:sldLayout xmlns:a="http://schemas.openxmlformats.org/drawingml/2006/main" xmlns:r="http://schemas.openxmlformats.org/officeDocument/2006/relationships" xmlns:p="http://schemas.openxmlformats.org/presentationml/2006/main" type="secHead" preserve="1">
   <p:cSld name="Section Header">
-    <p:bg>
-      <p:bgPr>
-        <a:solidFill>
-          <a:schemeClr val="bg1"/>
-        </a:solidFill>
-        <a:effectLst/>
-      </p:bgPr>
-    </p:bg>
     <p:spTree>
       <p:nvGrpSpPr>
         <p:cNvPr id="1" name=""/>
@@ -6811,82 +9224,6 @@
       </p:grpSpPr>
       <p:sp>
         <p:nvSpPr>
-          <p:cNvPr id="7" name="Rectangle 6"/>
-          <p:cNvSpPr/>
-          <p:nvPr/>
-        </p:nvSpPr>
-        <p:spPr>
-          <a:xfrm>
-            <a:off x="3175" y="6400800"/>
-            <a:ext cx="12188825" cy="457200"/>
-          </a:xfrm>
-          <a:prstGeom prst="rect">
-            <a:avLst/>
-          </a:prstGeom>
-          <a:solidFill>
-            <a:schemeClr val="accent2"/>
-          </a:solidFill>
-          <a:ln>
-            <a:noFill/>
-          </a:ln>
-        </p:spPr>
-        <p:style>
-          <a:lnRef idx="2">
-            <a:schemeClr val="accent1">
-              <a:shade val="50000"/>
-            </a:schemeClr>
-          </a:lnRef>
-          <a:fillRef idx="1">
-            <a:schemeClr val="accent1"/>
-          </a:fillRef>
-          <a:effectRef idx="0">
-            <a:schemeClr val="accent1"/>
-          </a:effectRef>
-          <a:fontRef idx="minor">
-            <a:schemeClr val="lt1"/>
-          </a:fontRef>
-        </p:style>
-      </p:sp>
-      <p:sp>
-        <p:nvSpPr>
-          <p:cNvPr id="8" name="Rectangle 7"/>
-          <p:cNvSpPr/>
-          <p:nvPr/>
-        </p:nvSpPr>
-        <p:spPr>
-          <a:xfrm>
-            <a:off x="15" y="6334316"/>
-            <a:ext cx="12188825" cy="64008"/>
-          </a:xfrm>
-          <a:prstGeom prst="rect">
-            <a:avLst/>
-          </a:prstGeom>
-          <a:solidFill>
-            <a:schemeClr val="accent1"/>
-          </a:solidFill>
-          <a:ln>
-            <a:noFill/>
-          </a:ln>
-        </p:spPr>
-        <p:style>
-          <a:lnRef idx="2">
-            <a:schemeClr val="accent1">
-              <a:shade val="50000"/>
-            </a:schemeClr>
-          </a:lnRef>
-          <a:fillRef idx="1">
-            <a:schemeClr val="accent1"/>
-          </a:fillRef>
-          <a:effectRef idx="0">
-            <a:schemeClr val="accent1"/>
-          </a:effectRef>
-          <a:fontRef idx="minor">
-            <a:schemeClr val="lt1"/>
-          </a:fontRef>
-        </p:style>
-      </p:sp>
-      <p:sp>
-        <p:nvSpPr>
           <p:cNvPr id="2" name="Title 1"/>
           <p:cNvSpPr>
             <a:spLocks noGrp="1"/>
@@ -6897,27 +9234,15 @@
         </p:nvSpPr>
         <p:spPr>
           <a:xfrm>
-            <a:off x="1097280" y="758952"/>
-            <a:ext cx="10058400" cy="3566160"/>
+            <a:off x="1154956" y="2861733"/>
+            <a:ext cx="8825657" cy="1915647"/>
           </a:xfrm>
         </p:spPr>
         <p:txBody>
-          <a:bodyPr anchor="b" anchorCtr="0">
-            <a:normAutofit/>
-          </a:bodyPr>
+          <a:bodyPr anchor="b"/>
           <a:lstStyle>
-            <a:lvl1pPr>
-              <a:lnSpc>
-                <a:spcPct val="85000"/>
-              </a:lnSpc>
-              <a:defRPr sz="8000" b="0">
-                <a:solidFill>
-                  <a:schemeClr val="tx1">
-                    <a:lumMod val="85000"/>
-                    <a:lumOff val="15000"/>
-                  </a:schemeClr>
-                </a:solidFill>
-              </a:defRPr>
+            <a:lvl1pPr algn="l">
+              <a:defRPr sz="4000" b="0" cap="none"/>
             </a:lvl1pPr>
           </a:lstStyle>
           <a:p>
@@ -6941,22 +9266,22 @@
         </p:nvSpPr>
         <p:spPr>
           <a:xfrm>
-            <a:off x="1097280" y="4453128"/>
-            <a:ext cx="10058400" cy="1143000"/>
+            <a:off x="1154955" y="4777381"/>
+            <a:ext cx="8825658" cy="860400"/>
           </a:xfrm>
         </p:spPr>
         <p:txBody>
-          <a:bodyPr lIns="91440" rIns="91440" anchor="t" anchorCtr="0">
-            <a:normAutofit/>
-          </a:bodyPr>
+          <a:bodyPr anchor="t"/>
           <a:lstStyle>
-            <a:lvl1pPr marL="0" indent="0">
-              <a:buNone/>
-              <a:defRPr sz="2400" cap="all" spc="200" baseline="0">
+            <a:lvl1pPr marL="0" indent="0" algn="l">
+              <a:buNone/>
+              <a:defRPr sz="2000" cap="all">
                 <a:solidFill>
-                  <a:schemeClr val="tx2"/>
+                  <a:schemeClr val="bg2">
+                    <a:lumMod val="40000"/>
+                    <a:lumOff val="60000"/>
+                  </a:schemeClr>
                 </a:solidFill>
-                <a:latin typeface="+mj-lt"/>
               </a:defRPr>
             </a:lvl1pPr>
             <a:lvl2pPr marL="457200" indent="0">
@@ -7116,48 +9441,10 @@
           </a:p>
         </p:txBody>
       </p:sp>
-      <p:cxnSp>
-        <p:nvCxnSpPr>
-          <p:cNvPr id="9" name="Straight Connector 8"/>
-          <p:cNvCxnSpPr/>
-          <p:nvPr/>
-        </p:nvCxnSpPr>
-        <p:spPr>
-          <a:xfrm>
-            <a:off x="1207658" y="4343400"/>
-            <a:ext cx="9875520" cy="0"/>
-          </a:xfrm>
-          <a:prstGeom prst="line">
-            <a:avLst/>
-          </a:prstGeom>
-          <a:ln w="6350">
-            <a:solidFill>
-              <a:schemeClr val="tx1">
-                <a:lumMod val="50000"/>
-                <a:lumOff val="50000"/>
-              </a:schemeClr>
-            </a:solidFill>
-          </a:ln>
-        </p:spPr>
-        <p:style>
-          <a:lnRef idx="1">
-            <a:schemeClr val="accent1"/>
-          </a:lnRef>
-          <a:fillRef idx="0">
-            <a:schemeClr val="accent1"/>
-          </a:fillRef>
-          <a:effectRef idx="0">
-            <a:schemeClr val="accent1"/>
-          </a:effectRef>
-          <a:fontRef idx="minor">
-            <a:schemeClr val="tx1"/>
-          </a:fontRef>
-        </p:style>
-      </p:cxnSp>
     </p:spTree>
     <p:extLst>
       <p:ext uri="{BB962C8B-B14F-4D97-AF65-F5344CB8AC3E}">
-        <p14:creationId xmlns:p14="http://schemas.microsoft.com/office/powerpoint/2010/main" val="1145728009"/>
+        <p14:creationId xmlns:p14="http://schemas.microsoft.com/office/powerpoint/2010/main" val="2680521400"/>
       </p:ext>
     </p:extLst>
   </p:cSld>
@@ -7186,7 +9473,7 @@
       </p:grpSpPr>
       <p:sp>
         <p:nvSpPr>
-          <p:cNvPr id="8" name="Title 7"/>
+          <p:cNvPr id="2" name="Title 1"/>
           <p:cNvSpPr>
             <a:spLocks noGrp="1"/>
           </p:cNvSpPr>
@@ -7194,12 +9481,7 @@
             <p:ph type="title"/>
           </p:nvPr>
         </p:nvSpPr>
-        <p:spPr>
-          <a:xfrm>
-            <a:off x="1097280" y="286603"/>
-            <a:ext cx="10058400" cy="1450757"/>
-          </a:xfrm>
-        </p:spPr>
+        <p:spPr/>
         <p:txBody>
           <a:bodyPr/>
           <a:lstStyle/>
@@ -7224,13 +9506,43 @@
         </p:nvSpPr>
         <p:spPr>
           <a:xfrm>
-            <a:off x="1097279" y="1845734"/>
-            <a:ext cx="4937760" cy="4023360"/>
+            <a:off x="1103312" y="2060575"/>
+            <a:ext cx="4396339" cy="4195763"/>
           </a:xfrm>
         </p:spPr>
         <p:txBody>
-          <a:bodyPr/>
-          <a:lstStyle/>
+          <a:bodyPr>
+            <a:normAutofit/>
+          </a:bodyPr>
+          <a:lstStyle>
+            <a:lvl1pPr>
+              <a:defRPr sz="1800"/>
+            </a:lvl1pPr>
+            <a:lvl2pPr>
+              <a:defRPr sz="1600"/>
+            </a:lvl2pPr>
+            <a:lvl3pPr>
+              <a:defRPr sz="1400"/>
+            </a:lvl3pPr>
+            <a:lvl4pPr>
+              <a:defRPr sz="1200"/>
+            </a:lvl4pPr>
+            <a:lvl5pPr>
+              <a:defRPr sz="1200"/>
+            </a:lvl5pPr>
+            <a:lvl6pPr>
+              <a:defRPr sz="1200"/>
+            </a:lvl6pPr>
+            <a:lvl7pPr>
+              <a:defRPr sz="1200"/>
+            </a:lvl7pPr>
+            <a:lvl8pPr>
+              <a:defRPr sz="1200"/>
+            </a:lvl8pPr>
+            <a:lvl9pPr>
+              <a:defRPr sz="1200"/>
+            </a:lvl9pPr>
+          </a:lstStyle>
           <a:p>
             <a:pPr lvl="0"/>
             <a:r>
@@ -7281,13 +9593,43 @@
         </p:nvSpPr>
         <p:spPr>
           <a:xfrm>
-            <a:off x="6217920" y="1845735"/>
-            <a:ext cx="4937760" cy="4023360"/>
+            <a:off x="5654493" y="2056092"/>
+            <a:ext cx="4396341" cy="4200245"/>
           </a:xfrm>
         </p:spPr>
         <p:txBody>
-          <a:bodyPr/>
-          <a:lstStyle/>
+          <a:bodyPr>
+            <a:normAutofit/>
+          </a:bodyPr>
+          <a:lstStyle>
+            <a:lvl1pPr>
+              <a:defRPr sz="1800"/>
+            </a:lvl1pPr>
+            <a:lvl2pPr>
+              <a:defRPr sz="1600"/>
+            </a:lvl2pPr>
+            <a:lvl3pPr>
+              <a:defRPr sz="1400"/>
+            </a:lvl3pPr>
+            <a:lvl4pPr>
+              <a:defRPr sz="1200"/>
+            </a:lvl4pPr>
+            <a:lvl5pPr>
+              <a:defRPr sz="1200"/>
+            </a:lvl5pPr>
+            <a:lvl6pPr>
+              <a:defRPr sz="1200"/>
+            </a:lvl6pPr>
+            <a:lvl7pPr>
+              <a:defRPr sz="1200"/>
+            </a:lvl7pPr>
+            <a:lvl8pPr>
+              <a:defRPr sz="1200"/>
+            </a:lvl8pPr>
+            <a:lvl9pPr>
+              <a:defRPr sz="1200"/>
+            </a:lvl9pPr>
+          </a:lstStyle>
           <a:p>
             <a:pPr lvl="0"/>
             <a:r>
@@ -7394,7 +9736,7 @@
     </p:spTree>
     <p:extLst>
       <p:ext uri="{BB962C8B-B14F-4D97-AF65-F5344CB8AC3E}">
-        <p14:creationId xmlns:p14="http://schemas.microsoft.com/office/powerpoint/2010/main" val="3567253611"/>
+        <p14:creationId xmlns:p14="http://schemas.microsoft.com/office/powerpoint/2010/main" val="936615289"/>
       </p:ext>
     </p:extLst>
   </p:cSld>
@@ -7423,7 +9765,7 @@
       </p:grpSpPr>
       <p:sp>
         <p:nvSpPr>
-          <p:cNvPr id="10" name="Title 9"/>
+          <p:cNvPr id="2" name="Title 1"/>
           <p:cNvSpPr>
             <a:spLocks noGrp="1"/>
           </p:cNvSpPr>
@@ -7431,15 +9773,14 @@
             <p:ph type="title"/>
           </p:nvPr>
         </p:nvSpPr>
-        <p:spPr>
-          <a:xfrm>
-            <a:off x="1097280" y="286603"/>
-            <a:ext cx="10058400" cy="1450757"/>
-          </a:xfrm>
-        </p:spPr>
+        <p:spPr/>
         <p:txBody>
           <a:bodyPr/>
-          <a:lstStyle/>
+          <a:lstStyle>
+            <a:lvl1pPr>
+              <a:defRPr/>
+            </a:lvl1pPr>
+          </a:lstStyle>
           <a:p>
             <a:r>
               <a:rPr lang="en-US"/>
@@ -7461,20 +9802,23 @@
         </p:nvSpPr>
         <p:spPr>
           <a:xfrm>
-            <a:off x="1097280" y="1846052"/>
-            <a:ext cx="4937760" cy="736282"/>
+            <a:off x="1103313" y="1905000"/>
+            <a:ext cx="4396338" cy="576262"/>
           </a:xfrm>
         </p:spPr>
         <p:txBody>
-          <a:bodyPr lIns="91440" rIns="91440" anchor="ctr">
-            <a:normAutofit/>
+          <a:bodyPr anchor="b">
+            <a:noAutofit/>
           </a:bodyPr>
           <a:lstStyle>
             <a:lvl1pPr marL="0" indent="0">
               <a:buNone/>
-              <a:defRPr sz="2000" b="0" cap="all" baseline="0">
+              <a:defRPr sz="2400" b="0">
                 <a:solidFill>
-                  <a:schemeClr val="tx2"/>
+                  <a:schemeClr val="bg2">
+                    <a:lumMod val="40000"/>
+                    <a:lumOff val="60000"/>
+                  </a:schemeClr>
                 </a:solidFill>
               </a:defRPr>
             </a:lvl1pPr>
@@ -7532,13 +9876,43 @@
         </p:nvSpPr>
         <p:spPr>
           <a:xfrm>
-            <a:off x="1097280" y="2582334"/>
-            <a:ext cx="4937760" cy="3378200"/>
+            <a:off x="1103312" y="2514600"/>
+            <a:ext cx="4396339" cy="3741738"/>
           </a:xfrm>
         </p:spPr>
         <p:txBody>
-          <a:bodyPr/>
-          <a:lstStyle/>
+          <a:bodyPr>
+            <a:normAutofit/>
+          </a:bodyPr>
+          <a:lstStyle>
+            <a:lvl1pPr>
+              <a:defRPr sz="1800"/>
+            </a:lvl1pPr>
+            <a:lvl2pPr>
+              <a:defRPr sz="1600"/>
+            </a:lvl2pPr>
+            <a:lvl3pPr>
+              <a:defRPr sz="1400"/>
+            </a:lvl3pPr>
+            <a:lvl4pPr>
+              <a:defRPr sz="1200"/>
+            </a:lvl4pPr>
+            <a:lvl5pPr>
+              <a:defRPr sz="1200"/>
+            </a:lvl5pPr>
+            <a:lvl6pPr>
+              <a:defRPr sz="1200"/>
+            </a:lvl6pPr>
+            <a:lvl7pPr>
+              <a:defRPr sz="1200"/>
+            </a:lvl7pPr>
+            <a:lvl8pPr>
+              <a:defRPr sz="1200"/>
+            </a:lvl8pPr>
+            <a:lvl9pPr>
+              <a:defRPr sz="1200"/>
+            </a:lvl9pPr>
+          </a:lstStyle>
           <a:p>
             <a:pPr lvl="0"/>
             <a:r>
@@ -7589,20 +9963,23 @@
         </p:nvSpPr>
         <p:spPr>
           <a:xfrm>
-            <a:off x="6217920" y="1846052"/>
-            <a:ext cx="4937760" cy="736282"/>
+            <a:off x="5654495" y="1905000"/>
+            <a:ext cx="4396339" cy="576262"/>
           </a:xfrm>
         </p:spPr>
         <p:txBody>
-          <a:bodyPr lIns="91440" rIns="91440" anchor="ctr">
-            <a:normAutofit/>
+          <a:bodyPr anchor="b">
+            <a:noAutofit/>
           </a:bodyPr>
           <a:lstStyle>
             <a:lvl1pPr marL="0" indent="0">
               <a:buNone/>
-              <a:defRPr sz="2000" b="0" cap="all" baseline="0">
+              <a:defRPr sz="2400" b="0">
                 <a:solidFill>
-                  <a:schemeClr val="tx2"/>
+                  <a:schemeClr val="bg2">
+                    <a:lumMod val="40000"/>
+                    <a:lumOff val="60000"/>
+                  </a:schemeClr>
                 </a:solidFill>
               </a:defRPr>
             </a:lvl1pPr>
@@ -7660,13 +10037,43 @@
         </p:nvSpPr>
         <p:spPr>
           <a:xfrm>
-            <a:off x="6217920" y="2582334"/>
-            <a:ext cx="4937760" cy="3378200"/>
+            <a:off x="5654495" y="2514600"/>
+            <a:ext cx="4396339" cy="3741738"/>
           </a:xfrm>
         </p:spPr>
         <p:txBody>
-          <a:bodyPr/>
-          <a:lstStyle/>
+          <a:bodyPr>
+            <a:normAutofit/>
+          </a:bodyPr>
+          <a:lstStyle>
+            <a:lvl1pPr>
+              <a:defRPr sz="1800"/>
+            </a:lvl1pPr>
+            <a:lvl2pPr>
+              <a:defRPr sz="1600"/>
+            </a:lvl2pPr>
+            <a:lvl3pPr>
+              <a:defRPr sz="1400"/>
+            </a:lvl3pPr>
+            <a:lvl4pPr>
+              <a:defRPr sz="1200"/>
+            </a:lvl4pPr>
+            <a:lvl5pPr>
+              <a:defRPr sz="1200"/>
+            </a:lvl5pPr>
+            <a:lvl6pPr>
+              <a:defRPr sz="1200"/>
+            </a:lvl6pPr>
+            <a:lvl7pPr>
+              <a:defRPr sz="1200"/>
+            </a:lvl7pPr>
+            <a:lvl8pPr>
+              <a:defRPr sz="1200"/>
+            </a:lvl8pPr>
+            <a:lvl9pPr>
+              <a:defRPr sz="1200"/>
+            </a:lvl9pPr>
+          </a:lstStyle>
           <a:p>
             <a:pPr lvl="0"/>
             <a:r>
@@ -7773,7 +10180,7 @@
     </p:spTree>
     <p:extLst>
       <p:ext uri="{BB962C8B-B14F-4D97-AF65-F5344CB8AC3E}">
-        <p14:creationId xmlns:p14="http://schemas.microsoft.com/office/powerpoint/2010/main" val="1019325836"/>
+        <p14:creationId xmlns:p14="http://schemas.microsoft.com/office/powerpoint/2010/main" val="3412633015"/>
       </p:ext>
     </p:extLst>
   </p:cSld>
@@ -7825,7 +10232,7 @@
       </p:sp>
       <p:sp>
         <p:nvSpPr>
-          <p:cNvPr id="3" name="Date Placeholder 2"/>
+          <p:cNvPr id="7" name="Date Placeholder 2"/>
           <p:cNvSpPr>
             <a:spLocks noGrp="1"/>
           </p:cNvSpPr>
@@ -7848,7 +10255,7 @@
       </p:sp>
       <p:sp>
         <p:nvSpPr>
-          <p:cNvPr id="4" name="Footer Placeholder 3"/>
+          <p:cNvPr id="5" name="Footer Placeholder 3"/>
           <p:cNvSpPr>
             <a:spLocks noGrp="1"/>
           </p:cNvSpPr>
@@ -7867,7 +10274,7 @@
       </p:sp>
       <p:sp>
         <p:nvSpPr>
-          <p:cNvPr id="5" name="Slide Number Placeholder 4"/>
+          <p:cNvPr id="6" name="Slide Number Placeholder 4"/>
           <p:cNvSpPr>
             <a:spLocks noGrp="1"/>
           </p:cNvSpPr>
@@ -7891,7 +10298,7 @@
     </p:spTree>
     <p:extLst>
       <p:ext uri="{BB962C8B-B14F-4D97-AF65-F5344CB8AC3E}">
-        <p14:creationId xmlns:p14="http://schemas.microsoft.com/office/powerpoint/2010/main" val="1832286111"/>
+        <p14:creationId xmlns:p14="http://schemas.microsoft.com/office/powerpoint/2010/main" val="1485207069"/>
       </p:ext>
     </p:extLst>
   </p:cSld>
@@ -7902,7 +10309,7 @@
 </file>
 
 <file path=ppt/slideLayouts/slideLayout7.xml><?xml version="1.0" encoding="utf-8"?>
-<p:sldLayout xmlns:a="http://schemas.openxmlformats.org/drawingml/2006/main" xmlns:r="http://schemas.openxmlformats.org/officeDocument/2006/relationships" xmlns:p="http://schemas.openxmlformats.org/presentationml/2006/main" showMasterSp="0" type="blank" preserve="1">
+<p:sldLayout xmlns:a="http://schemas.openxmlformats.org/drawingml/2006/main" xmlns:r="http://schemas.openxmlformats.org/officeDocument/2006/relationships" xmlns:p="http://schemas.openxmlformats.org/presentationml/2006/main" type="blank" preserve="1">
   <p:cSld name="Blank">
     <p:spTree>
       <p:nvGrpSpPr>
@@ -7920,83 +10327,7 @@
       </p:grpSpPr>
       <p:sp>
         <p:nvSpPr>
-          <p:cNvPr id="5" name="Rectangle 4"/>
-          <p:cNvSpPr/>
-          <p:nvPr/>
-        </p:nvSpPr>
-        <p:spPr>
-          <a:xfrm>
-            <a:off x="3175" y="6400800"/>
-            <a:ext cx="12188825" cy="457200"/>
-          </a:xfrm>
-          <a:prstGeom prst="rect">
-            <a:avLst/>
-          </a:prstGeom>
-          <a:solidFill>
-            <a:schemeClr val="accent2"/>
-          </a:solidFill>
-          <a:ln>
-            <a:noFill/>
-          </a:ln>
-        </p:spPr>
-        <p:style>
-          <a:lnRef idx="2">
-            <a:schemeClr val="accent1">
-              <a:shade val="50000"/>
-            </a:schemeClr>
-          </a:lnRef>
-          <a:fillRef idx="1">
-            <a:schemeClr val="accent1"/>
-          </a:fillRef>
-          <a:effectRef idx="0">
-            <a:schemeClr val="accent1"/>
-          </a:effectRef>
-          <a:fontRef idx="minor">
-            <a:schemeClr val="lt1"/>
-          </a:fontRef>
-        </p:style>
-      </p:sp>
-      <p:sp>
-        <p:nvSpPr>
-          <p:cNvPr id="6" name="Rectangle 5"/>
-          <p:cNvSpPr/>
-          <p:nvPr/>
-        </p:nvSpPr>
-        <p:spPr>
-          <a:xfrm>
-            <a:off x="15" y="6334316"/>
-            <a:ext cx="12188825" cy="64008"/>
-          </a:xfrm>
-          <a:prstGeom prst="rect">
-            <a:avLst/>
-          </a:prstGeom>
-          <a:solidFill>
-            <a:schemeClr val="accent1"/>
-          </a:solidFill>
-          <a:ln>
-            <a:noFill/>
-          </a:ln>
-        </p:spPr>
-        <p:style>
-          <a:lnRef idx="2">
-            <a:schemeClr val="accent1">
-              <a:shade val="50000"/>
-            </a:schemeClr>
-          </a:lnRef>
-          <a:fillRef idx="1">
-            <a:schemeClr val="accent1"/>
-          </a:fillRef>
-          <a:effectRef idx="0">
-            <a:schemeClr val="accent1"/>
-          </a:effectRef>
-          <a:fontRef idx="minor">
-            <a:schemeClr val="lt1"/>
-          </a:fontRef>
-        </p:style>
-      </p:sp>
-      <p:sp>
-        <p:nvSpPr>
-          <p:cNvPr id="7" name="Date Placeholder 6"/>
+          <p:cNvPr id="7" name="Date Placeholder 1"/>
           <p:cNvSpPr>
             <a:spLocks noGrp="1"/>
           </p:cNvSpPr>
@@ -8019,7 +10350,7 @@
       </p:sp>
       <p:sp>
         <p:nvSpPr>
-          <p:cNvPr id="8" name="Footer Placeholder 7"/>
+          <p:cNvPr id="5" name="Footer Placeholder 2"/>
           <p:cNvSpPr>
             <a:spLocks noGrp="1"/>
           </p:cNvSpPr>
@@ -8030,15 +10361,7 @@
         <p:spPr/>
         <p:txBody>
           <a:bodyPr/>
-          <a:lstStyle>
-            <a:lvl1pPr>
-              <a:defRPr>
-                <a:solidFill>
-                  <a:srgbClr val="FFFFFF"/>
-                </a:solidFill>
-              </a:defRPr>
-            </a:lvl1pPr>
-          </a:lstStyle>
+          <a:lstStyle/>
           <a:p>
             <a:endParaRPr lang="en-US" dirty="0"/>
           </a:p>
@@ -8046,7 +10369,7 @@
       </p:sp>
       <p:sp>
         <p:nvSpPr>
-          <p:cNvPr id="9" name="Slide Number Placeholder 8"/>
+          <p:cNvPr id="6" name="Slide Number Placeholder 3"/>
           <p:cNvSpPr>
             <a:spLocks noGrp="1"/>
           </p:cNvSpPr>
@@ -8070,7 +10393,7 @@
     </p:spTree>
     <p:extLst>
       <p:ext uri="{BB962C8B-B14F-4D97-AF65-F5344CB8AC3E}">
-        <p14:creationId xmlns:p14="http://schemas.microsoft.com/office/powerpoint/2010/main" val="1493572534"/>
+        <p14:creationId xmlns:p14="http://schemas.microsoft.com/office/powerpoint/2010/main" val="3459497790"/>
       </p:ext>
     </p:extLst>
   </p:cSld>
@@ -8081,7 +10404,7 @@
 </file>
 
 <file path=ppt/slideLayouts/slideLayout8.xml><?xml version="1.0" encoding="utf-8"?>
-<p:sldLayout xmlns:a="http://schemas.openxmlformats.org/drawingml/2006/main" xmlns:r="http://schemas.openxmlformats.org/officeDocument/2006/relationships" xmlns:p="http://schemas.openxmlformats.org/presentationml/2006/main" showMasterSp="0" type="objTx" preserve="1">
+<p:sldLayout xmlns:a="http://schemas.openxmlformats.org/drawingml/2006/main" xmlns:r="http://schemas.openxmlformats.org/officeDocument/2006/relationships" xmlns:p="http://schemas.openxmlformats.org/presentationml/2006/main" type="objTx" preserve="1">
   <p:cSld name="Content with Caption">
     <p:spTree>
       <p:nvGrpSpPr>
@@ -8099,82 +10422,6 @@
       </p:grpSpPr>
       <p:sp>
         <p:nvSpPr>
-          <p:cNvPr id="8" name="Rectangle 7"/>
-          <p:cNvSpPr/>
-          <p:nvPr/>
-        </p:nvSpPr>
-        <p:spPr>
-          <a:xfrm>
-            <a:off x="16" y="0"/>
-            <a:ext cx="4050791" cy="6858000"/>
-          </a:xfrm>
-          <a:prstGeom prst="rect">
-            <a:avLst/>
-          </a:prstGeom>
-          <a:solidFill>
-            <a:schemeClr val="accent2"/>
-          </a:solidFill>
-          <a:ln>
-            <a:noFill/>
-          </a:ln>
-        </p:spPr>
-        <p:style>
-          <a:lnRef idx="2">
-            <a:schemeClr val="accent1">
-              <a:shade val="50000"/>
-            </a:schemeClr>
-          </a:lnRef>
-          <a:fillRef idx="1">
-            <a:schemeClr val="accent1"/>
-          </a:fillRef>
-          <a:effectRef idx="0">
-            <a:schemeClr val="accent1"/>
-          </a:effectRef>
-          <a:fontRef idx="minor">
-            <a:schemeClr val="lt1"/>
-          </a:fontRef>
-        </p:style>
-      </p:sp>
-      <p:sp>
-        <p:nvSpPr>
-          <p:cNvPr id="9" name="Rectangle 8"/>
-          <p:cNvSpPr/>
-          <p:nvPr/>
-        </p:nvSpPr>
-        <p:spPr>
-          <a:xfrm>
-            <a:off x="4040071" y="0"/>
-            <a:ext cx="64008" cy="6858000"/>
-          </a:xfrm>
-          <a:prstGeom prst="rect">
-            <a:avLst/>
-          </a:prstGeom>
-          <a:solidFill>
-            <a:schemeClr val="accent1"/>
-          </a:solidFill>
-          <a:ln>
-            <a:noFill/>
-          </a:ln>
-        </p:spPr>
-        <p:style>
-          <a:lnRef idx="2">
-            <a:schemeClr val="accent1">
-              <a:shade val="50000"/>
-            </a:schemeClr>
-          </a:lnRef>
-          <a:fillRef idx="1">
-            <a:schemeClr val="accent1"/>
-          </a:fillRef>
-          <a:effectRef idx="0">
-            <a:schemeClr val="accent1"/>
-          </a:effectRef>
-          <a:fontRef idx="minor">
-            <a:schemeClr val="lt1"/>
-          </a:fontRef>
-        </p:style>
-      </p:sp>
-      <p:sp>
-        <p:nvSpPr>
           <p:cNvPr id="2" name="Title 1"/>
           <p:cNvSpPr>
             <a:spLocks noGrp="1"/>
@@ -8185,21 +10432,15 @@
         </p:nvSpPr>
         <p:spPr>
           <a:xfrm>
-            <a:off x="457200" y="594359"/>
-            <a:ext cx="3200400" cy="2286000"/>
+            <a:off x="1154953" y="1447800"/>
+            <a:ext cx="3401064" cy="1447800"/>
           </a:xfrm>
         </p:spPr>
         <p:txBody>
-          <a:bodyPr anchor="b">
-            <a:normAutofit/>
-          </a:bodyPr>
+          <a:bodyPr anchor="b"/>
           <a:lstStyle>
-            <a:lvl1pPr>
-              <a:defRPr sz="3600" b="0">
-                <a:solidFill>
-                  <a:srgbClr val="FFFFFF"/>
-                </a:solidFill>
-              </a:defRPr>
+            <a:lvl1pPr algn="l">
+              <a:defRPr sz="2400" b="0"/>
             </a:lvl1pPr>
           </a:lstStyle>
           <a:p>
@@ -8223,13 +10464,43 @@
         </p:nvSpPr>
         <p:spPr>
           <a:xfrm>
-            <a:off x="4800600" y="731520"/>
-            <a:ext cx="6492240" cy="5257800"/>
+            <a:off x="4784616" y="1447800"/>
+            <a:ext cx="5195997" cy="4572000"/>
           </a:xfrm>
         </p:spPr>
         <p:txBody>
-          <a:bodyPr/>
-          <a:lstStyle/>
+          <a:bodyPr anchor="ctr">
+            <a:normAutofit/>
+          </a:bodyPr>
+          <a:lstStyle>
+            <a:lvl1pPr>
+              <a:defRPr sz="2000"/>
+            </a:lvl1pPr>
+            <a:lvl2pPr>
+              <a:defRPr sz="1800"/>
+            </a:lvl2pPr>
+            <a:lvl3pPr>
+              <a:defRPr sz="1600"/>
+            </a:lvl3pPr>
+            <a:lvl4pPr>
+              <a:defRPr sz="1400"/>
+            </a:lvl4pPr>
+            <a:lvl5pPr>
+              <a:defRPr sz="1400"/>
+            </a:lvl5pPr>
+            <a:lvl6pPr>
+              <a:defRPr sz="1400"/>
+            </a:lvl6pPr>
+            <a:lvl7pPr>
+              <a:defRPr sz="1400"/>
+            </a:lvl7pPr>
+            <a:lvl8pPr>
+              <a:defRPr sz="1400"/>
+            </a:lvl8pPr>
+            <a:lvl9pPr>
+              <a:defRPr sz="1400"/>
+            </a:lvl9pPr>
+          </a:lstStyle>
           <a:p>
             <a:pPr lvl="0"/>
             <a:r>
@@ -8280,22 +10551,16 @@
         </p:nvSpPr>
         <p:spPr>
           <a:xfrm>
-            <a:off x="457200" y="2926080"/>
-            <a:ext cx="3200400" cy="3379124"/>
+            <a:off x="1154953" y="3129280"/>
+            <a:ext cx="3401063" cy="2895599"/>
           </a:xfrm>
         </p:spPr>
         <p:txBody>
-          <a:bodyPr lIns="91440" rIns="91440">
-            <a:normAutofit/>
-          </a:bodyPr>
+          <a:bodyPr/>
           <a:lstStyle>
             <a:lvl1pPr marL="0" indent="0">
               <a:buNone/>
-              <a:defRPr sz="1500">
-                <a:solidFill>
-                  <a:srgbClr val="FFFFFF"/>
-                </a:solidFill>
-              </a:defRPr>
+              <a:defRPr sz="1400"/>
             </a:lvl1pPr>
             <a:lvl2pPr marL="457200" indent="0">
               <a:buNone/>
@@ -8341,7 +10606,7 @@
       </p:sp>
       <p:sp>
         <p:nvSpPr>
-          <p:cNvPr id="5" name="Date Placeholder 4"/>
+          <p:cNvPr id="7" name="Date Placeholder 4"/>
           <p:cNvSpPr>
             <a:spLocks noGrp="1"/>
           </p:cNvSpPr>
@@ -8349,19 +10614,10 @@
             <p:ph type="dt" sz="half" idx="10"/>
           </p:nvPr>
         </p:nvSpPr>
-        <p:spPr>
-          <a:xfrm>
-            <a:off x="465512" y="6459785"/>
-            <a:ext cx="2618510" cy="365125"/>
-          </a:xfrm>
-        </p:spPr>
+        <p:spPr/>
         <p:txBody>
           <a:bodyPr/>
-          <a:lstStyle>
-            <a:lvl1pPr algn="l">
-              <a:defRPr/>
-            </a:lvl1pPr>
-          </a:lstStyle>
+          <a:lstStyle/>
           <a:p>
             <a:fld id="{87DE6118-2437-4B30-8E3C-4D2BE6020583}" type="datetimeFigureOut">
               <a:rPr lang="en-US" smtClean="0"/>
@@ -8374,7 +10630,7 @@
       </p:sp>
       <p:sp>
         <p:nvSpPr>
-          <p:cNvPr id="6" name="Footer Placeholder 5"/>
+          <p:cNvPr id="5" name="Footer Placeholder 5"/>
           <p:cNvSpPr>
             <a:spLocks noGrp="1"/>
           </p:cNvSpPr>
@@ -8382,23 +10638,10 @@
             <p:ph type="ftr" sz="quarter" idx="11"/>
           </p:nvPr>
         </p:nvSpPr>
-        <p:spPr>
-          <a:xfrm>
-            <a:off x="4800600" y="6459785"/>
-            <a:ext cx="4648200" cy="365125"/>
-          </a:xfrm>
-        </p:spPr>
+        <p:spPr/>
         <p:txBody>
           <a:bodyPr/>
-          <a:lstStyle>
-            <a:lvl1pPr algn="l">
-              <a:defRPr>
-                <a:solidFill>
-                  <a:schemeClr val="tx2"/>
-                </a:solidFill>
-              </a:defRPr>
-            </a:lvl1pPr>
-          </a:lstStyle>
+          <a:lstStyle/>
           <a:p>
             <a:endParaRPr lang="en-US" dirty="0"/>
           </a:p>
@@ -8406,7 +10649,7 @@
       </p:sp>
       <p:sp>
         <p:nvSpPr>
-          <p:cNvPr id="7" name="Slide Number Placeholder 6"/>
+          <p:cNvPr id="6" name="Slide Number Placeholder 6"/>
           <p:cNvSpPr>
             <a:spLocks noGrp="1"/>
           </p:cNvSpPr>
@@ -8417,15 +10660,7 @@
         <p:spPr/>
         <p:txBody>
           <a:bodyPr/>
-          <a:lstStyle>
-            <a:lvl1pPr>
-              <a:defRPr>
-                <a:solidFill>
-                  <a:schemeClr val="tx2"/>
-                </a:solidFill>
-              </a:defRPr>
-            </a:lvl1pPr>
-          </a:lstStyle>
+          <a:lstStyle/>
           <a:p>
             <a:fld id="{69E57DC2-970A-4B3E-BB1C-7A09969E49DF}" type="slidenum">
               <a:rPr lang="en-US" smtClean="0"/>
@@ -8439,7 +10674,7 @@
     </p:spTree>
     <p:extLst>
       <p:ext uri="{BB962C8B-B14F-4D97-AF65-F5344CB8AC3E}">
-        <p14:creationId xmlns:p14="http://schemas.microsoft.com/office/powerpoint/2010/main" val="1536734030"/>
+        <p14:creationId xmlns:p14="http://schemas.microsoft.com/office/powerpoint/2010/main" val="1923446323"/>
       </p:ext>
     </p:extLst>
   </p:cSld>
@@ -8450,7 +10685,7 @@
 </file>
 
 <file path=ppt/slideLayouts/slideLayout9.xml><?xml version="1.0" encoding="utf-8"?>
-<p:sldLayout xmlns:a="http://schemas.openxmlformats.org/drawingml/2006/main" xmlns:r="http://schemas.openxmlformats.org/officeDocument/2006/relationships" xmlns:p="http://schemas.openxmlformats.org/presentationml/2006/main" showMasterSp="0" type="picTx" preserve="1">
+<p:sldLayout xmlns:a="http://schemas.openxmlformats.org/drawingml/2006/main" xmlns:r="http://schemas.openxmlformats.org/officeDocument/2006/relationships" xmlns:p="http://schemas.openxmlformats.org/presentationml/2006/main" type="picTx" preserve="1">
   <p:cSld name="Picture with Caption">
     <p:spTree>
       <p:nvGrpSpPr>
@@ -8468,82 +10703,6 @@
       </p:grpSpPr>
       <p:sp>
         <p:nvSpPr>
-          <p:cNvPr id="8" name="Rectangle 7"/>
-          <p:cNvSpPr/>
-          <p:nvPr/>
-        </p:nvSpPr>
-        <p:spPr>
-          <a:xfrm>
-            <a:off x="0" y="4953000"/>
-            <a:ext cx="12188825" cy="1905000"/>
-          </a:xfrm>
-          <a:prstGeom prst="rect">
-            <a:avLst/>
-          </a:prstGeom>
-          <a:solidFill>
-            <a:schemeClr val="accent2"/>
-          </a:solidFill>
-          <a:ln>
-            <a:noFill/>
-          </a:ln>
-        </p:spPr>
-        <p:style>
-          <a:lnRef idx="2">
-            <a:schemeClr val="accent1">
-              <a:shade val="50000"/>
-            </a:schemeClr>
-          </a:lnRef>
-          <a:fillRef idx="1">
-            <a:schemeClr val="accent1"/>
-          </a:fillRef>
-          <a:effectRef idx="0">
-            <a:schemeClr val="accent1"/>
-          </a:effectRef>
-          <a:fontRef idx="minor">
-            <a:schemeClr val="lt1"/>
-          </a:fontRef>
-        </p:style>
-      </p:sp>
-      <p:sp>
-        <p:nvSpPr>
-          <p:cNvPr id="9" name="Rectangle 8"/>
-          <p:cNvSpPr/>
-          <p:nvPr/>
-        </p:nvSpPr>
-        <p:spPr>
-          <a:xfrm>
-            <a:off x="15" y="4915076"/>
-            <a:ext cx="12188825" cy="64008"/>
-          </a:xfrm>
-          <a:prstGeom prst="rect">
-            <a:avLst/>
-          </a:prstGeom>
-          <a:solidFill>
-            <a:schemeClr val="accent1"/>
-          </a:solidFill>
-          <a:ln>
-            <a:noFill/>
-          </a:ln>
-        </p:spPr>
-        <p:style>
-          <a:lnRef idx="2">
-            <a:schemeClr val="accent1">
-              <a:shade val="50000"/>
-            </a:schemeClr>
-          </a:lnRef>
-          <a:fillRef idx="1">
-            <a:schemeClr val="accent1"/>
-          </a:fillRef>
-          <a:effectRef idx="0">
-            <a:schemeClr val="accent1"/>
-          </a:effectRef>
-          <a:fontRef idx="minor">
-            <a:schemeClr val="lt1"/>
-          </a:fontRef>
-        </p:style>
-      </p:sp>
-      <p:sp>
-        <p:nvSpPr>
           <p:cNvPr id="2" name="Title 1"/>
           <p:cNvSpPr>
             <a:spLocks noGrp="1"/>
@@ -8554,21 +10713,17 @@
         </p:nvSpPr>
         <p:spPr>
           <a:xfrm>
-            <a:off x="1097280" y="5074920"/>
-            <a:ext cx="10113264" cy="822960"/>
+            <a:off x="1153907" y="1854192"/>
+            <a:ext cx="5092906" cy="1574808"/>
           </a:xfrm>
         </p:spPr>
         <p:txBody>
-          <a:bodyPr lIns="91440" tIns="0" rIns="91440" bIns="0" anchor="b">
-            <a:noAutofit/>
+          <a:bodyPr anchor="b">
+            <a:normAutofit/>
           </a:bodyPr>
           <a:lstStyle>
-            <a:lvl1pPr>
-              <a:defRPr sz="3600" b="0">
-                <a:solidFill>
-                  <a:srgbClr val="FFFFFF"/>
-                </a:solidFill>
-              </a:defRPr>
+            <a:lvl1pPr algn="l">
+              <a:defRPr sz="3600" b="0"/>
             </a:lvl1pPr>
           </a:lstStyle>
           <a:p>
@@ -8592,58 +10747,62 @@
         </p:nvSpPr>
         <p:spPr>
           <a:xfrm>
-            <a:off x="15" y="0"/>
-            <a:ext cx="12191985" cy="4915076"/>
+            <a:off x="6949546" y="1143000"/>
+            <a:ext cx="3200400" cy="4572000"/>
           </a:xfrm>
-          <a:blipFill>
-            <a:blip r:embed="rId2"/>
-            <a:stretch>
-              <a:fillRect/>
-            </a:stretch>
-          </a:blipFill>
+          <a:prstGeom prst="roundRect">
+            <a:avLst>
+              <a:gd name="adj" fmla="val 1858"/>
+            </a:avLst>
+          </a:prstGeom>
+          <a:effectLst>
+            <a:outerShdw blurRad="50800" dist="50800" dir="5400000" algn="tl" rotWithShape="0">
+              <a:srgbClr val="000000">
+                <a:alpha val="43000"/>
+              </a:srgbClr>
+            </a:outerShdw>
+          </a:effectLst>
         </p:spPr>
         <p:txBody>
-          <a:bodyPr lIns="457200" tIns="457200" anchor="t"/>
+          <a:bodyPr anchor="t">
+            <a:normAutofit/>
+          </a:bodyPr>
           <a:lstStyle>
-            <a:lvl1pPr marL="0" indent="0">
-              <a:buNone/>
-              <a:defRPr sz="3200">
-                <a:solidFill>
-                  <a:schemeClr val="bg1"/>
-                </a:solidFill>
-              </a:defRPr>
+            <a:lvl1pPr marL="0" indent="0" algn="ctr">
+              <a:buNone/>
+              <a:defRPr sz="1600"/>
             </a:lvl1pPr>
             <a:lvl2pPr marL="457200" indent="0">
               <a:buNone/>
-              <a:defRPr sz="2800"/>
+              <a:defRPr sz="1600"/>
             </a:lvl2pPr>
             <a:lvl3pPr marL="914400" indent="0">
               <a:buNone/>
-              <a:defRPr sz="2400"/>
+              <a:defRPr sz="1600"/>
             </a:lvl3pPr>
             <a:lvl4pPr marL="1371600" indent="0">
               <a:buNone/>
-              <a:defRPr sz="2000"/>
+              <a:defRPr sz="1600"/>
             </a:lvl4pPr>
             <a:lvl5pPr marL="1828800" indent="0">
               <a:buNone/>
-              <a:defRPr sz="2000"/>
+              <a:defRPr sz="1600"/>
             </a:lvl5pPr>
             <a:lvl6pPr marL="2286000" indent="0">
               <a:buNone/>
-              <a:defRPr sz="2000"/>
+              <a:defRPr sz="1600"/>
             </a:lvl6pPr>
             <a:lvl7pPr marL="2743200" indent="0">
               <a:buNone/>
-              <a:defRPr sz="2000"/>
+              <a:defRPr sz="1600"/>
             </a:lvl7pPr>
             <a:lvl8pPr marL="3200400" indent="0">
               <a:buNone/>
-              <a:defRPr sz="2000"/>
+              <a:defRPr sz="1600"/>
             </a:lvl8pPr>
             <a:lvl9pPr marL="3657600" indent="0">
               <a:buNone/>
-              <a:defRPr sz="2000"/>
+              <a:defRPr sz="1600"/>
             </a:lvl9pPr>
           </a:lstStyle>
           <a:p>
@@ -8667,28 +10826,18 @@
         </p:nvSpPr>
         <p:spPr>
           <a:xfrm>
-            <a:off x="1097280" y="5907023"/>
-            <a:ext cx="10113264" cy="594360"/>
+            <a:off x="1154954" y="3657600"/>
+            <a:ext cx="5084979" cy="1371600"/>
           </a:xfrm>
         </p:spPr>
         <p:txBody>
-          <a:bodyPr lIns="91440" tIns="0" rIns="91440" bIns="0">
+          <a:bodyPr>
             <a:normAutofit/>
           </a:bodyPr>
           <a:lstStyle>
             <a:lvl1pPr marL="0" indent="0">
-              <a:spcBef>
-                <a:spcPts val="0"/>
-              </a:spcBef>
-              <a:spcAft>
-                <a:spcPts val="600"/>
-              </a:spcAft>
-              <a:buNone/>
-              <a:defRPr sz="1500">
-                <a:solidFill>
-                  <a:srgbClr val="FFFFFF"/>
-                </a:solidFill>
-              </a:defRPr>
+              <a:buNone/>
+              <a:defRPr sz="1400"/>
             </a:lvl1pPr>
             <a:lvl2pPr marL="457200" indent="0">
               <a:buNone/>
@@ -8802,7 +10951,7 @@
     </p:spTree>
     <p:extLst>
       <p:ext uri="{BB962C8B-B14F-4D97-AF65-F5344CB8AC3E}">
-        <p14:creationId xmlns:p14="http://schemas.microsoft.com/office/powerpoint/2010/main" val="849659089"/>
+        <p14:creationId xmlns:p14="http://schemas.microsoft.com/office/powerpoint/2010/main" val="368891002"/>
       </p:ext>
     </p:extLst>
   </p:cSld>
@@ -8816,8 +10965,8 @@
 <p:sldMaster xmlns:a="http://schemas.openxmlformats.org/drawingml/2006/main" xmlns:r="http://schemas.openxmlformats.org/officeDocument/2006/relationships" xmlns:p="http://schemas.openxmlformats.org/presentationml/2006/main">
   <p:cSld>
     <p:bg>
-      <p:bgRef idx="1001">
-        <a:schemeClr val="bg1"/>
+      <p:bgRef idx="1003">
+        <a:schemeClr val="bg2"/>
       </p:bgRef>
     </p:bg>
     <p:spTree>
@@ -8834,37 +10983,120 @@
           <a:chExt cx="0" cy="0"/>
         </a:xfrm>
       </p:grpSpPr>
+      <p:pic>
+        <p:nvPicPr>
+          <p:cNvPr id="8" name="Picture 7"/>
+          <p:cNvPicPr>
+            <a:picLocks noChangeAspect="1"/>
+          </p:cNvPicPr>
+          <p:nvPr/>
+        </p:nvPicPr>
+        <p:blipFill rotWithShape="1">
+          <a:blip r:embed="rId19">
+            <a:extLst>
+              <a:ext uri="{28A0092B-C50C-407E-A947-70E740481C1C}">
+                <a14:useLocalDpi xmlns:a14="http://schemas.microsoft.com/office/drawing/2010/main" val="0"/>
+              </a:ext>
+            </a:extLst>
+          </a:blip>
+          <a:srcRect l="3613"/>
+          <a:stretch/>
+        </p:blipFill>
+        <p:spPr>
+          <a:xfrm>
+            <a:off x="0" y="2669685"/>
+            <a:ext cx="4037012" cy="4188315"/>
+          </a:xfrm>
+          <a:prstGeom prst="rect">
+            <a:avLst/>
+          </a:prstGeom>
+        </p:spPr>
+      </p:pic>
+      <p:pic>
+        <p:nvPicPr>
+          <p:cNvPr id="7" name="Picture 6"/>
+          <p:cNvPicPr>
+            <a:picLocks noChangeAspect="1"/>
+          </p:cNvPicPr>
+          <p:nvPr/>
+        </p:nvPicPr>
+        <p:blipFill rotWithShape="1">
+          <a:blip r:embed="rId20">
+            <a:extLst>
+              <a:ext uri="{28A0092B-C50C-407E-A947-70E740481C1C}">
+                <a14:useLocalDpi xmlns:a14="http://schemas.microsoft.com/office/drawing/2010/main" val="0"/>
+              </a:ext>
+            </a:extLst>
+          </a:blip>
+          <a:srcRect l="35640"/>
+          <a:stretch/>
+        </p:blipFill>
+        <p:spPr>
+          <a:xfrm>
+            <a:off x="0" y="2892347"/>
+            <a:ext cx="1522412" cy="2365453"/>
+          </a:xfrm>
+          <a:prstGeom prst="rect">
+            <a:avLst/>
+          </a:prstGeom>
+        </p:spPr>
+      </p:pic>
       <p:sp>
         <p:nvSpPr>
-          <p:cNvPr id="7" name="Rectangle 6"/>
+          <p:cNvPr id="16" name="Oval 15"/>
           <p:cNvSpPr/>
           <p:nvPr/>
         </p:nvSpPr>
         <p:spPr>
           <a:xfrm>
-            <a:off x="1" y="6400800"/>
-            <a:ext cx="12192000" cy="457200"/>
+            <a:off x="8609012" y="1676400"/>
+            <a:ext cx="2819400" cy="2819400"/>
           </a:xfrm>
-          <a:prstGeom prst="rect">
+          <a:prstGeom prst="ellipse">
             <a:avLst/>
           </a:prstGeom>
-          <a:solidFill>
-            <a:schemeClr val="accent2"/>
-          </a:solidFill>
+          <a:gradFill flip="none" rotWithShape="1">
+            <a:gsLst>
+              <a:gs pos="0">
+                <a:schemeClr val="bg2">
+                  <a:lumMod val="60000"/>
+                  <a:lumOff val="40000"/>
+                  <a:alpha val="7000"/>
+                </a:schemeClr>
+              </a:gs>
+              <a:gs pos="69000">
+                <a:schemeClr val="bg2">
+                  <a:lumMod val="60000"/>
+                  <a:lumOff val="40000"/>
+                  <a:alpha val="0"/>
+                </a:schemeClr>
+              </a:gs>
+              <a:gs pos="36000">
+                <a:schemeClr val="bg2">
+                  <a:lumMod val="60000"/>
+                  <a:lumOff val="40000"/>
+                  <a:alpha val="6000"/>
+                </a:schemeClr>
+              </a:gs>
+            </a:gsLst>
+            <a:path path="circle">
+              <a:fillToRect l="50000" t="50000" r="50000" b="50000"/>
+            </a:path>
+            <a:tileRect/>
+          </a:gradFill>
           <a:ln>
             <a:noFill/>
           </a:ln>
+          <a:effectLst/>
         </p:spPr>
         <p:style>
-          <a:lnRef idx="2">
-            <a:schemeClr val="accent1">
-              <a:shade val="50000"/>
-            </a:schemeClr>
+          <a:lnRef idx="1">
+            <a:schemeClr val="accent1"/>
           </a:lnRef>
-          <a:fillRef idx="1">
+          <a:fillRef idx="3">
             <a:schemeClr val="accent1"/>
           </a:fillRef>
-          <a:effectRef idx="0">
+          <a:effectRef idx="2">
             <a:schemeClr val="accent1"/>
           </a:effectRef>
           <a:fontRef idx="minor">
@@ -8872,16 +11104,74 @@
           </a:fontRef>
         </p:style>
       </p:sp>
+      <p:pic>
+        <p:nvPicPr>
+          <p:cNvPr id="9" name="Picture 8"/>
+          <p:cNvPicPr>
+            <a:picLocks noChangeAspect="1"/>
+          </p:cNvPicPr>
+          <p:nvPr/>
+        </p:nvPicPr>
+        <p:blipFill rotWithShape="1">
+          <a:blip r:embed="rId21">
+            <a:extLst>
+              <a:ext uri="{28A0092B-C50C-407E-A947-70E740481C1C}">
+                <a14:useLocalDpi xmlns:a14="http://schemas.microsoft.com/office/drawing/2010/main" val="0"/>
+              </a:ext>
+            </a:extLst>
+          </a:blip>
+          <a:srcRect t="28813"/>
+          <a:stretch/>
+        </p:blipFill>
+        <p:spPr>
+          <a:xfrm>
+            <a:off x="7999412" y="0"/>
+            <a:ext cx="1603387" cy="1141407"/>
+          </a:xfrm>
+          <a:prstGeom prst="rect">
+            <a:avLst/>
+          </a:prstGeom>
+        </p:spPr>
+      </p:pic>
+      <p:pic>
+        <p:nvPicPr>
+          <p:cNvPr id="10" name="Picture 9"/>
+          <p:cNvPicPr>
+            <a:picLocks noChangeAspect="1"/>
+          </p:cNvPicPr>
+          <p:nvPr/>
+        </p:nvPicPr>
+        <p:blipFill rotWithShape="1">
+          <a:blip r:embed="rId22">
+            <a:extLst>
+              <a:ext uri="{28A0092B-C50C-407E-A947-70E740481C1C}">
+                <a14:useLocalDpi xmlns:a14="http://schemas.microsoft.com/office/drawing/2010/main" val="0"/>
+              </a:ext>
+            </a:extLst>
+          </a:blip>
+          <a:srcRect b="23320"/>
+          <a:stretch/>
+        </p:blipFill>
+        <p:spPr>
+          <a:xfrm>
+            <a:off x="8605878" y="6096000"/>
+            <a:ext cx="993734" cy="762000"/>
+          </a:xfrm>
+          <a:prstGeom prst="rect">
+            <a:avLst/>
+          </a:prstGeom>
+        </p:spPr>
+      </p:pic>
       <p:sp>
         <p:nvSpPr>
-          <p:cNvPr id="9" name="Rectangle 8"/>
+          <p:cNvPr id="14" name="Rectangle 13"/>
           <p:cNvSpPr/>
           <p:nvPr/>
         </p:nvSpPr>
         <p:spPr>
           <a:xfrm>
-            <a:off x="0" y="6334316"/>
-            <a:ext cx="12192001" cy="65998"/>
+            <a:off x="10437812" y="0"/>
+            <a:ext cx="685800" cy="1143000"/>
           </a:xfrm>
           <a:prstGeom prst="rect">
             <a:avLst/>
@@ -8894,15 +11184,13 @@
           </a:ln>
         </p:spPr>
         <p:style>
-          <a:lnRef idx="2">
-            <a:schemeClr val="accent1">
-              <a:shade val="50000"/>
-            </a:schemeClr>
+          <a:lnRef idx="1">
+            <a:schemeClr val="accent1"/>
           </a:lnRef>
-          <a:fillRef idx="1">
+          <a:fillRef idx="3">
             <a:schemeClr val="accent1"/>
           </a:fillRef>
-          <a:effectRef idx="0">
+          <a:effectRef idx="2">
             <a:schemeClr val="accent1"/>
           </a:effectRef>
           <a:fontRef idx="minor">
@@ -8922,16 +11210,16 @@
         </p:nvSpPr>
         <p:spPr>
           <a:xfrm>
-            <a:off x="1097280" y="286603"/>
-            <a:ext cx="10058400" cy="1450757"/>
+            <a:off x="646111" y="452718"/>
+            <a:ext cx="9404723" cy="1400530"/>
           </a:xfrm>
           <a:prstGeom prst="rect">
             <a:avLst/>
           </a:prstGeom>
         </p:spPr>
         <p:txBody>
-          <a:bodyPr vert="horz" lIns="91440" tIns="45720" rIns="91440" bIns="45720" rtlCol="0" anchor="b">
-            <a:normAutofit/>
+          <a:bodyPr vert="horz" lIns="91440" tIns="45720" rIns="91440" bIns="45720" rtlCol="0" anchor="t">
+            <a:noAutofit/>
           </a:bodyPr>
           <a:lstStyle/>
           <a:p>
@@ -8955,15 +11243,15 @@
         </p:nvSpPr>
         <p:spPr>
           <a:xfrm>
-            <a:off x="1097280" y="1845734"/>
-            <a:ext cx="10058400" cy="4023360"/>
+            <a:off x="1103312" y="2052918"/>
+            <a:ext cx="8946541" cy="4195481"/>
           </a:xfrm>
           <a:prstGeom prst="rect">
             <a:avLst/>
           </a:prstGeom>
         </p:spPr>
         <p:txBody>
-          <a:bodyPr vert="horz" lIns="0" tIns="45720" rIns="0" bIns="45720" rtlCol="0">
+          <a:bodyPr vert="horz" lIns="91440" tIns="45720" rIns="91440" bIns="45720" rtlCol="0">
             <a:normAutofit/>
           </a:bodyPr>
           <a:lstStyle/>
@@ -9016,21 +11304,24 @@
           </p:nvPr>
         </p:nvSpPr>
         <p:spPr>
-          <a:xfrm>
-            <a:off x="1097280" y="6459785"/>
-            <a:ext cx="2472271" cy="365125"/>
+          <a:xfrm rot="5400000">
+            <a:off x="10155639" y="1790701"/>
+            <a:ext cx="990599" cy="304799"/>
           </a:xfrm>
           <a:prstGeom prst="rect">
             <a:avLst/>
           </a:prstGeom>
         </p:spPr>
         <p:txBody>
-          <a:bodyPr vert="horz" lIns="91440" tIns="45720" rIns="91440" bIns="45720" rtlCol="0" anchor="ctr"/>
+          <a:bodyPr vert="horz" lIns="91440" tIns="45720" rIns="91440" bIns="45720" rtlCol="0" anchor="t"/>
           <a:lstStyle>
             <a:lvl1pPr algn="l">
-              <a:defRPr sz="900">
+              <a:defRPr sz="1100" b="0" i="0">
                 <a:solidFill>
-                  <a:srgbClr val="FFFFFF"/>
+                  <a:schemeClr val="tx1">
+                    <a:tint val="75000"/>
+                    <a:alpha val="60000"/>
+                  </a:schemeClr>
                 </a:solidFill>
               </a:defRPr>
             </a:lvl1pPr>
@@ -9056,21 +11347,24 @@
           </p:nvPr>
         </p:nvSpPr>
         <p:spPr>
-          <a:xfrm>
-            <a:off x="3686185" y="6459785"/>
-            <a:ext cx="4822804" cy="365125"/>
+          <a:xfrm rot="5400000">
+            <a:off x="8951573" y="3225297"/>
+            <a:ext cx="3859795" cy="304801"/>
           </a:xfrm>
           <a:prstGeom prst="rect">
             <a:avLst/>
           </a:prstGeom>
         </p:spPr>
         <p:txBody>
-          <a:bodyPr vert="horz" lIns="91440" tIns="45720" rIns="91440" bIns="45720" rtlCol="0" anchor="ctr"/>
+          <a:bodyPr vert="horz" lIns="91440" tIns="45720" rIns="91440" bIns="45720" rtlCol="0" anchor="b"/>
           <a:lstStyle>
-            <a:lvl1pPr algn="ctr">
-              <a:defRPr sz="900" cap="all" baseline="0">
+            <a:lvl1pPr algn="l">
+              <a:defRPr sz="1100" b="0" i="0">
                 <a:solidFill>
-                  <a:srgbClr val="FFFFFF"/>
+                  <a:schemeClr val="tx1">
+                    <a:tint val="75000"/>
+                    <a:alpha val="60000"/>
+                  </a:schemeClr>
                 </a:solidFill>
               </a:defRPr>
             </a:lvl1pPr>
@@ -9090,22 +11384,24 @@
             <p:ph type="sldNum" sz="quarter" idx="4"/>
           </p:nvPr>
         </p:nvSpPr>
-        <p:spPr>
+        <p:spPr bwMode="gray">
           <a:xfrm>
-            <a:off x="9900458" y="6459785"/>
-            <a:ext cx="1312025" cy="365125"/>
+            <a:off x="10352540" y="295729"/>
+            <a:ext cx="838199" cy="767687"/>
           </a:xfrm>
           <a:prstGeom prst="rect">
             <a:avLst/>
           </a:prstGeom>
         </p:spPr>
         <p:txBody>
-          <a:bodyPr vert="horz" lIns="91440" tIns="45720" rIns="91440" bIns="45720" rtlCol="0" anchor="ctr"/>
+          <a:bodyPr vert="horz" lIns="91440" tIns="45720" rIns="91440" bIns="45720" rtlCol="0" anchor="b"/>
           <a:lstStyle>
-            <a:lvl1pPr algn="r">
-              <a:defRPr sz="1050">
+            <a:lvl1pPr algn="ctr">
+              <a:defRPr sz="2800" b="0" i="0">
                 <a:solidFill>
-                  <a:srgbClr val="FFFFFF"/>
+                  <a:schemeClr val="tx1">
+                    <a:tint val="75000"/>
+                  </a:schemeClr>
                 </a:solidFill>
               </a:defRPr>
             </a:lvl1pPr>
@@ -9120,331 +11416,330 @@
           </a:p>
         </p:txBody>
       </p:sp>
-      <p:cxnSp>
-        <p:nvCxnSpPr>
-          <p:cNvPr id="10" name="Straight Connector 9"/>
-          <p:cNvCxnSpPr/>
-          <p:nvPr/>
-        </p:nvCxnSpPr>
-        <p:spPr>
-          <a:xfrm>
-            <a:off x="1193532" y="1737845"/>
-            <a:ext cx="9966960" cy="0"/>
-          </a:xfrm>
-          <a:prstGeom prst="line">
-            <a:avLst/>
-          </a:prstGeom>
-          <a:ln w="6350">
-            <a:solidFill>
-              <a:schemeClr val="tx1">
-                <a:lumMod val="50000"/>
-                <a:lumOff val="50000"/>
-              </a:schemeClr>
-            </a:solidFill>
-          </a:ln>
-        </p:spPr>
-        <p:style>
-          <a:lnRef idx="1">
-            <a:schemeClr val="accent1"/>
-          </a:lnRef>
-          <a:fillRef idx="0">
-            <a:schemeClr val="accent1"/>
-          </a:fillRef>
-          <a:effectRef idx="0">
-            <a:schemeClr val="accent1"/>
-          </a:effectRef>
-          <a:fontRef idx="minor">
-            <a:schemeClr val="tx1"/>
-          </a:fontRef>
-        </p:style>
-      </p:cxnSp>
     </p:spTree>
     <p:extLst>
       <p:ext uri="{BB962C8B-B14F-4D97-AF65-F5344CB8AC3E}">
-        <p14:creationId xmlns:p14="http://schemas.microsoft.com/office/powerpoint/2010/main" val="1373894832"/>
+        <p14:creationId xmlns:p14="http://schemas.microsoft.com/office/powerpoint/2010/main" val="3924949616"/>
       </p:ext>
     </p:extLst>
   </p:cSld>
-  <p:clrMap bg1="lt1" tx1="dk1" bg2="lt2" tx2="dk2" accent1="accent1" accent2="accent2" accent3="accent3" accent4="accent4" accent5="accent5" accent6="accent6" hlink="hlink" folHlink="folHlink"/>
+  <p:clrMap bg1="dk1" tx1="lt1" bg2="dk2" tx2="lt2" accent1="accent1" accent2="accent2" accent3="accent3" accent4="accent4" accent5="accent5" accent6="accent6" hlink="hlink" folHlink="folHlink"/>
   <p:sldLayoutIdLst>
-    <p:sldLayoutId id="2147483697" r:id="rId1"/>
-    <p:sldLayoutId id="2147483698" r:id="rId2"/>
-    <p:sldLayoutId id="2147483699" r:id="rId3"/>
-    <p:sldLayoutId id="2147483700" r:id="rId4"/>
-    <p:sldLayoutId id="2147483701" r:id="rId5"/>
-    <p:sldLayoutId id="2147483702" r:id="rId6"/>
-    <p:sldLayoutId id="2147483703" r:id="rId7"/>
-    <p:sldLayoutId id="2147483704" r:id="rId8"/>
-    <p:sldLayoutId id="2147483705" r:id="rId9"/>
-    <p:sldLayoutId id="2147483706" r:id="rId10"/>
-    <p:sldLayoutId id="2147483707" r:id="rId11"/>
+    <p:sldLayoutId id="2147483709" r:id="rId1"/>
+    <p:sldLayoutId id="2147483710" r:id="rId2"/>
+    <p:sldLayoutId id="2147483711" r:id="rId3"/>
+    <p:sldLayoutId id="2147483712" r:id="rId4"/>
+    <p:sldLayoutId id="2147483713" r:id="rId5"/>
+    <p:sldLayoutId id="2147483714" r:id="rId6"/>
+    <p:sldLayoutId id="2147483715" r:id="rId7"/>
+    <p:sldLayoutId id="2147483716" r:id="rId8"/>
+    <p:sldLayoutId id="2147483717" r:id="rId9"/>
+    <p:sldLayoutId id="2147483718" r:id="rId10"/>
+    <p:sldLayoutId id="2147483719" r:id="rId11"/>
+    <p:sldLayoutId id="2147483720" r:id="rId12"/>
+    <p:sldLayoutId id="2147483721" r:id="rId13"/>
+    <p:sldLayoutId id="2147483722" r:id="rId14"/>
+    <p:sldLayoutId id="2147483723" r:id="rId15"/>
+    <p:sldLayoutId id="2147483724" r:id="rId16"/>
+    <p:sldLayoutId id="2147483725" r:id="rId17"/>
   </p:sldLayoutIdLst>
   <p:txStyles>
     <p:titleStyle>
-      <a:lvl1pPr algn="l" defTabSz="914400" rtl="0" eaLnBrk="1" latinLnBrk="0" hangingPunct="1">
-        <a:lnSpc>
-          <a:spcPct val="85000"/>
-        </a:lnSpc>
+      <a:lvl1pPr algn="l" defTabSz="457200" rtl="0" eaLnBrk="1" latinLnBrk="0" hangingPunct="1">
         <a:spcBef>
           <a:spcPct val="0"/>
         </a:spcBef>
         <a:buNone/>
-        <a:defRPr sz="4800" kern="1200" spc="-50" baseline="0">
+        <a:defRPr sz="4200" b="0" i="0" kern="1200">
           <a:solidFill>
-            <a:schemeClr val="tx1">
-              <a:lumMod val="75000"/>
-              <a:lumOff val="25000"/>
-            </a:schemeClr>
+            <a:schemeClr val="tx2"/>
           </a:solidFill>
           <a:latin typeface="+mj-lt"/>
           <a:ea typeface="+mj-ea"/>
           <a:cs typeface="+mj-cs"/>
         </a:defRPr>
       </a:lvl1pPr>
+      <a:lvl2pPr eaLnBrk="1" hangingPunct="1">
+        <a:defRPr>
+          <a:solidFill>
+            <a:schemeClr val="tx2"/>
+          </a:solidFill>
+        </a:defRPr>
+      </a:lvl2pPr>
+      <a:lvl3pPr eaLnBrk="1" hangingPunct="1">
+        <a:defRPr>
+          <a:solidFill>
+            <a:schemeClr val="tx2"/>
+          </a:solidFill>
+        </a:defRPr>
+      </a:lvl3pPr>
+      <a:lvl4pPr eaLnBrk="1" hangingPunct="1">
+        <a:defRPr>
+          <a:solidFill>
+            <a:schemeClr val="tx2"/>
+          </a:solidFill>
+        </a:defRPr>
+      </a:lvl4pPr>
+      <a:lvl5pPr eaLnBrk="1" hangingPunct="1">
+        <a:defRPr>
+          <a:solidFill>
+            <a:schemeClr val="tx2"/>
+          </a:solidFill>
+        </a:defRPr>
+      </a:lvl5pPr>
+      <a:lvl6pPr eaLnBrk="1" hangingPunct="1">
+        <a:defRPr>
+          <a:solidFill>
+            <a:schemeClr val="tx2"/>
+          </a:solidFill>
+        </a:defRPr>
+      </a:lvl6pPr>
+      <a:lvl7pPr eaLnBrk="1" hangingPunct="1">
+        <a:defRPr>
+          <a:solidFill>
+            <a:schemeClr val="tx2"/>
+          </a:solidFill>
+        </a:defRPr>
+      </a:lvl7pPr>
+      <a:lvl8pPr eaLnBrk="1" hangingPunct="1">
+        <a:defRPr>
+          <a:solidFill>
+            <a:schemeClr val="tx2"/>
+          </a:solidFill>
+        </a:defRPr>
+      </a:lvl8pPr>
+      <a:lvl9pPr eaLnBrk="1" hangingPunct="1">
+        <a:defRPr>
+          <a:solidFill>
+            <a:schemeClr val="tx2"/>
+          </a:solidFill>
+        </a:defRPr>
+      </a:lvl9pPr>
     </p:titleStyle>
     <p:bodyStyle>
-      <a:lvl1pPr marL="91440" indent="-91440" algn="l" defTabSz="914400" rtl="0" eaLnBrk="1" latinLnBrk="0" hangingPunct="1">
-        <a:lnSpc>
-          <a:spcPct val="90000"/>
-        </a:lnSpc>
+      <a:lvl1pPr marL="342900" indent="-342900" algn="l" defTabSz="457200" rtl="0" eaLnBrk="1" latinLnBrk="0" hangingPunct="1">
         <a:spcBef>
-          <a:spcPts val="1200"/>
+          <a:spcPts val="1000"/>
         </a:spcBef>
         <a:spcAft>
-          <a:spcPts val="200"/>
+          <a:spcPts val="0"/>
         </a:spcAft>
         <a:buClr>
-          <a:schemeClr val="accent1"/>
+          <a:schemeClr val="bg2">
+            <a:lumMod val="40000"/>
+            <a:lumOff val="60000"/>
+          </a:schemeClr>
         </a:buClr>
-        <a:buSzPct val="100000"/>
-        <a:buFont typeface="Calibri" panose="020F0502020204030204" pitchFamily="34" charset="0"/>
-        <a:buChar char=" "/>
-        <a:defRPr sz="2000" kern="1200">
+        <a:buSzPct val="80000"/>
+        <a:buFont typeface="Wingdings 3" charset="2"/>
+        <a:buChar char=""/>
+        <a:defRPr sz="2000" b="0" i="0" kern="1200">
           <a:solidFill>
-            <a:schemeClr val="tx1">
-              <a:lumMod val="75000"/>
-              <a:lumOff val="25000"/>
-            </a:schemeClr>
+            <a:schemeClr val="tx1"/>
           </a:solidFill>
-          <a:latin typeface="+mn-lt"/>
-          <a:ea typeface="+mn-ea"/>
-          <a:cs typeface="+mn-cs"/>
+          <a:latin typeface="+mj-lt"/>
+          <a:ea typeface="+mj-ea"/>
+          <a:cs typeface="+mj-cs"/>
         </a:defRPr>
       </a:lvl1pPr>
-      <a:lvl2pPr marL="384048" indent="-182880" algn="l" defTabSz="914400" rtl="0" eaLnBrk="1" latinLnBrk="0" hangingPunct="1">
-        <a:lnSpc>
-          <a:spcPct val="90000"/>
-        </a:lnSpc>
+      <a:lvl2pPr marL="742950" indent="-285750" algn="l" defTabSz="457200" rtl="0" eaLnBrk="1" latinLnBrk="0" hangingPunct="1">
         <a:spcBef>
-          <a:spcPts val="200"/>
+          <a:spcPts val="1000"/>
         </a:spcBef>
         <a:spcAft>
-          <a:spcPts val="400"/>
+          <a:spcPts val="0"/>
         </a:spcAft>
         <a:buClr>
-          <a:schemeClr val="accent1"/>
+          <a:schemeClr val="bg2">
+            <a:lumMod val="40000"/>
+            <a:lumOff val="60000"/>
+          </a:schemeClr>
         </a:buClr>
-        <a:buFont typeface="Calibri" pitchFamily="34" charset="0"/>
-        <a:buChar char="◦"/>
-        <a:defRPr sz="1800" kern="1200">
+        <a:buSzPct val="80000"/>
+        <a:buFont typeface="Wingdings 3" charset="2"/>
+        <a:buChar char=""/>
+        <a:defRPr sz="1800" b="0" i="0" kern="1200">
           <a:solidFill>
-            <a:schemeClr val="tx1">
-              <a:lumMod val="75000"/>
-              <a:lumOff val="25000"/>
-            </a:schemeClr>
+            <a:schemeClr val="tx1"/>
           </a:solidFill>
-          <a:latin typeface="+mn-lt"/>
-          <a:ea typeface="+mn-ea"/>
-          <a:cs typeface="+mn-cs"/>
+          <a:latin typeface="+mj-lt"/>
+          <a:ea typeface="+mj-ea"/>
+          <a:cs typeface="+mj-cs"/>
         </a:defRPr>
       </a:lvl2pPr>
-      <a:lvl3pPr marL="566928" indent="-182880" algn="l" defTabSz="914400" rtl="0" eaLnBrk="1" latinLnBrk="0" hangingPunct="1">
-        <a:lnSpc>
-          <a:spcPct val="90000"/>
-        </a:lnSpc>
+      <a:lvl3pPr marL="1143000" indent="-228600" algn="l" defTabSz="457200" rtl="0" eaLnBrk="1" latinLnBrk="0" hangingPunct="1">
         <a:spcBef>
-          <a:spcPts val="200"/>
+          <a:spcPts val="1000"/>
         </a:spcBef>
         <a:spcAft>
-          <a:spcPts val="400"/>
+          <a:spcPts val="0"/>
         </a:spcAft>
         <a:buClr>
-          <a:schemeClr val="accent1"/>
+          <a:schemeClr val="bg2">
+            <a:lumMod val="40000"/>
+            <a:lumOff val="60000"/>
+          </a:schemeClr>
         </a:buClr>
-        <a:buFont typeface="Calibri" pitchFamily="34" charset="0"/>
-        <a:buChar char="◦"/>
-        <a:defRPr sz="1400" kern="1200">
+        <a:buSzPct val="80000"/>
+        <a:buFont typeface="Wingdings 3" charset="2"/>
+        <a:buChar char=""/>
+        <a:defRPr sz="1600" b="0" i="0" kern="1200">
           <a:solidFill>
-            <a:schemeClr val="tx1">
-              <a:lumMod val="75000"/>
-              <a:lumOff val="25000"/>
-            </a:schemeClr>
+            <a:schemeClr val="tx1"/>
           </a:solidFill>
-          <a:latin typeface="+mn-lt"/>
-          <a:ea typeface="+mn-ea"/>
-          <a:cs typeface="+mn-cs"/>
+          <a:latin typeface="+mj-lt"/>
+          <a:ea typeface="+mj-ea"/>
+          <a:cs typeface="+mj-cs"/>
         </a:defRPr>
       </a:lvl3pPr>
-      <a:lvl4pPr marL="749808" indent="-182880" algn="l" defTabSz="914400" rtl="0" eaLnBrk="1" latinLnBrk="0" hangingPunct="1">
-        <a:lnSpc>
-          <a:spcPct val="90000"/>
-        </a:lnSpc>
+      <a:lvl4pPr marL="1600200" indent="-228600" algn="l" defTabSz="457200" rtl="0" eaLnBrk="1" latinLnBrk="0" hangingPunct="1">
         <a:spcBef>
-          <a:spcPts val="200"/>
+          <a:spcPts val="1000"/>
         </a:spcBef>
         <a:spcAft>
-          <a:spcPts val="400"/>
+          <a:spcPts val="0"/>
         </a:spcAft>
         <a:buClr>
-          <a:schemeClr val="accent1"/>
+          <a:schemeClr val="bg2">
+            <a:lumMod val="40000"/>
+            <a:lumOff val="60000"/>
+          </a:schemeClr>
         </a:buClr>
-        <a:buFont typeface="Calibri" pitchFamily="34" charset="0"/>
-        <a:buChar char="◦"/>
-        <a:defRPr sz="1400" kern="1200">
+        <a:buSzPct val="80000"/>
+        <a:buFont typeface="Wingdings 3" charset="2"/>
+        <a:buChar char=""/>
+        <a:defRPr sz="1400" b="0" i="0" kern="1200">
           <a:solidFill>
-            <a:schemeClr val="tx1">
-              <a:lumMod val="75000"/>
-              <a:lumOff val="25000"/>
-            </a:schemeClr>
+            <a:schemeClr val="tx1"/>
           </a:solidFill>
-          <a:latin typeface="+mn-lt"/>
-          <a:ea typeface="+mn-ea"/>
-          <a:cs typeface="+mn-cs"/>
+          <a:latin typeface="+mj-lt"/>
+          <a:ea typeface="+mj-ea"/>
+          <a:cs typeface="+mj-cs"/>
         </a:defRPr>
       </a:lvl4pPr>
-      <a:lvl5pPr marL="932688" indent="-182880" algn="l" defTabSz="914400" rtl="0" eaLnBrk="1" latinLnBrk="0" hangingPunct="1">
-        <a:lnSpc>
-          <a:spcPct val="90000"/>
-        </a:lnSpc>
+      <a:lvl5pPr marL="2057400" indent="-228600" algn="l" defTabSz="457200" rtl="0" eaLnBrk="1" latinLnBrk="0" hangingPunct="1">
         <a:spcBef>
-          <a:spcPts val="200"/>
+          <a:spcPts val="1000"/>
         </a:spcBef>
         <a:spcAft>
-          <a:spcPts val="400"/>
+          <a:spcPts val="0"/>
         </a:spcAft>
         <a:buClr>
-          <a:schemeClr val="accent1"/>
+          <a:schemeClr val="bg2">
+            <a:lumMod val="40000"/>
+            <a:lumOff val="60000"/>
+          </a:schemeClr>
         </a:buClr>
-        <a:buFont typeface="Calibri" pitchFamily="34" charset="0"/>
-        <a:buChar char="◦"/>
-        <a:defRPr sz="1400" kern="1200">
+        <a:buSzPct val="80000"/>
+        <a:buFont typeface="Wingdings 3" charset="2"/>
+        <a:buChar char=""/>
+        <a:defRPr sz="1400" b="0" i="0" kern="1200">
           <a:solidFill>
-            <a:schemeClr val="tx1">
-              <a:lumMod val="75000"/>
-              <a:lumOff val="25000"/>
-            </a:schemeClr>
+            <a:schemeClr val="tx1"/>
           </a:solidFill>
-          <a:latin typeface="+mn-lt"/>
-          <a:ea typeface="+mn-ea"/>
-          <a:cs typeface="+mn-cs"/>
+          <a:latin typeface="+mj-lt"/>
+          <a:ea typeface="+mj-ea"/>
+          <a:cs typeface="+mj-cs"/>
         </a:defRPr>
       </a:lvl5pPr>
-      <a:lvl6pPr marL="1100000" indent="-228600" algn="l" defTabSz="914400" rtl="0" eaLnBrk="1" latinLnBrk="0" hangingPunct="1">
-        <a:lnSpc>
-          <a:spcPct val="90000"/>
-        </a:lnSpc>
+      <a:lvl6pPr marL="2506000" indent="-228600" algn="l" defTabSz="457200" rtl="0" eaLnBrk="1" latinLnBrk="0" hangingPunct="1">
         <a:spcBef>
-          <a:spcPts val="200"/>
+          <a:spcPts val="1000"/>
         </a:spcBef>
         <a:spcAft>
-          <a:spcPts val="400"/>
+          <a:spcPts val="0"/>
         </a:spcAft>
         <a:buClr>
-          <a:schemeClr val="accent1"/>
+          <a:schemeClr val="bg2">
+            <a:lumMod val="40000"/>
+            <a:lumOff val="60000"/>
+          </a:schemeClr>
         </a:buClr>
-        <a:buFont typeface="Calibri" pitchFamily="34" charset="0"/>
-        <a:buChar char="◦"/>
-        <a:defRPr sz="1400" kern="1200">
+        <a:buSzPct val="80000"/>
+        <a:buFont typeface="Wingdings 3" charset="2"/>
+        <a:buChar char=""/>
+        <a:defRPr sz="1400" b="0" i="0" kern="1200">
           <a:solidFill>
-            <a:schemeClr val="tx1">
-              <a:lumMod val="75000"/>
-              <a:lumOff val="25000"/>
-            </a:schemeClr>
+            <a:schemeClr val="tx1"/>
           </a:solidFill>
-          <a:latin typeface="+mn-lt"/>
-          <a:ea typeface="+mn-ea"/>
-          <a:cs typeface="+mn-cs"/>
+          <a:latin typeface="+mj-lt"/>
+          <a:ea typeface="+mj-ea"/>
+          <a:cs typeface="+mj-cs"/>
         </a:defRPr>
       </a:lvl6pPr>
-      <a:lvl7pPr marL="1300000" indent="-228600" algn="l" defTabSz="914400" rtl="0" eaLnBrk="1" latinLnBrk="0" hangingPunct="1">
-        <a:lnSpc>
-          <a:spcPct val="90000"/>
-        </a:lnSpc>
+      <a:lvl7pPr marL="2971800" indent="-228600" algn="l" defTabSz="457200" rtl="0" eaLnBrk="1" latinLnBrk="0" hangingPunct="1">
         <a:spcBef>
-          <a:spcPts val="200"/>
+          <a:spcPts val="1000"/>
         </a:spcBef>
         <a:spcAft>
-          <a:spcPts val="400"/>
+          <a:spcPts val="0"/>
         </a:spcAft>
         <a:buClr>
-          <a:schemeClr val="accent1"/>
+          <a:schemeClr val="bg2">
+            <a:lumMod val="40000"/>
+            <a:lumOff val="60000"/>
+          </a:schemeClr>
         </a:buClr>
-        <a:buFont typeface="Calibri" pitchFamily="34" charset="0"/>
-        <a:buChar char="◦"/>
-        <a:defRPr sz="1400" kern="1200">
+        <a:buSzPct val="80000"/>
+        <a:buFont typeface="Wingdings 3" charset="2"/>
+        <a:buChar char=""/>
+        <a:defRPr sz="1400" b="0" i="0" kern="1200">
           <a:solidFill>
-            <a:schemeClr val="tx1">
-              <a:lumMod val="75000"/>
-              <a:lumOff val="25000"/>
-            </a:schemeClr>
+            <a:schemeClr val="tx1"/>
           </a:solidFill>
-          <a:latin typeface="+mn-lt"/>
-          <a:ea typeface="+mn-ea"/>
-          <a:cs typeface="+mn-cs"/>
+          <a:latin typeface="+mj-lt"/>
+          <a:ea typeface="+mj-ea"/>
+          <a:cs typeface="+mj-cs"/>
         </a:defRPr>
       </a:lvl7pPr>
-      <a:lvl8pPr marL="1500000" indent="-228600" algn="l" defTabSz="914400" rtl="0" eaLnBrk="1" latinLnBrk="0" hangingPunct="1">
-        <a:lnSpc>
-          <a:spcPct val="90000"/>
-        </a:lnSpc>
+      <a:lvl8pPr marL="3429000" indent="-228600" algn="l" defTabSz="457200" rtl="0" eaLnBrk="1" latinLnBrk="0" hangingPunct="1">
         <a:spcBef>
-          <a:spcPts val="200"/>
+          <a:spcPts val="1000"/>
         </a:spcBef>
         <a:spcAft>
-          <a:spcPts val="400"/>
+          <a:spcPts val="0"/>
         </a:spcAft>
         <a:buClr>
-          <a:schemeClr val="accent1"/>
+          <a:schemeClr val="bg2">
+            <a:lumMod val="40000"/>
+            <a:lumOff val="60000"/>
+          </a:schemeClr>
         </a:buClr>
-        <a:buFont typeface="Calibri" pitchFamily="34" charset="0"/>
-        <a:buChar char="◦"/>
-        <a:defRPr sz="1400" kern="1200">
+        <a:buSzPct val="80000"/>
+        <a:buFont typeface="Wingdings 3" charset="2"/>
+        <a:buChar char=""/>
+        <a:defRPr sz="1400" b="0" i="0" kern="1200">
           <a:solidFill>
-            <a:schemeClr val="tx1">
-              <a:lumMod val="75000"/>
-              <a:lumOff val="25000"/>
-            </a:schemeClr>
+            <a:schemeClr val="tx1"/>
           </a:solidFill>
-          <a:latin typeface="+mn-lt"/>
-          <a:ea typeface="+mn-ea"/>
-          <a:cs typeface="+mn-cs"/>
+          <a:latin typeface="+mj-lt"/>
+          <a:ea typeface="+mj-ea"/>
+          <a:cs typeface="+mj-cs"/>
         </a:defRPr>
       </a:lvl8pPr>
-      <a:lvl9pPr marL="1700000" indent="-228600" algn="l" defTabSz="914400" rtl="0" eaLnBrk="1" latinLnBrk="0" hangingPunct="1">
-        <a:lnSpc>
-          <a:spcPct val="90000"/>
-        </a:lnSpc>
+      <a:lvl9pPr marL="3886200" indent="-228600" algn="l" defTabSz="457200" rtl="0" eaLnBrk="1" latinLnBrk="0" hangingPunct="1">
         <a:spcBef>
-          <a:spcPts val="200"/>
+          <a:spcPts val="1000"/>
         </a:spcBef>
         <a:spcAft>
-          <a:spcPts val="400"/>
+          <a:spcPts val="0"/>
         </a:spcAft>
         <a:buClr>
-          <a:schemeClr val="accent1"/>
+          <a:schemeClr val="bg2">
+            <a:lumMod val="40000"/>
+            <a:lumOff val="60000"/>
+          </a:schemeClr>
         </a:buClr>
-        <a:buFont typeface="Calibri" pitchFamily="34" charset="0"/>
-        <a:buChar char="◦"/>
-        <a:defRPr sz="1400" kern="1200">
+        <a:buSzPct val="80000"/>
+        <a:buFont typeface="Wingdings 3" charset="2"/>
+        <a:buChar char=""/>
+        <a:defRPr sz="1400" b="0" i="0" kern="1200">
           <a:solidFill>
-            <a:schemeClr val="tx1">
-              <a:lumMod val="75000"/>
-              <a:lumOff val="25000"/>
-            </a:schemeClr>
+            <a:schemeClr val="tx1"/>
           </a:solidFill>
-          <a:latin typeface="+mn-lt"/>
-          <a:ea typeface="+mn-ea"/>
-          <a:cs typeface="+mn-cs"/>
+          <a:latin typeface="+mj-lt"/>
+          <a:ea typeface="+mj-ea"/>
+          <a:cs typeface="+mj-cs"/>
         </a:defRPr>
       </a:lvl9pPr>
     </p:bodyStyle>
@@ -9452,7 +11747,7 @@
       <a:defPPr>
         <a:defRPr lang="en-US"/>
       </a:defPPr>
-      <a:lvl1pPr marL="0" algn="l" defTabSz="914400" rtl="0" eaLnBrk="1" latinLnBrk="0" hangingPunct="1">
+      <a:lvl1pPr marL="0" algn="l" defTabSz="457200" rtl="0" eaLnBrk="1" latinLnBrk="0" hangingPunct="1">
         <a:defRPr sz="1800" kern="1200">
           <a:solidFill>
             <a:schemeClr val="tx1"/>
@@ -9462,7 +11757,7 @@
           <a:cs typeface="+mn-cs"/>
         </a:defRPr>
       </a:lvl1pPr>
-      <a:lvl2pPr marL="457200" algn="l" defTabSz="914400" rtl="0" eaLnBrk="1" latinLnBrk="0" hangingPunct="1">
+      <a:lvl2pPr marL="457200" algn="l" defTabSz="457200" rtl="0" eaLnBrk="1" latinLnBrk="0" hangingPunct="1">
         <a:defRPr sz="1800" kern="1200">
           <a:solidFill>
             <a:schemeClr val="tx1"/>
@@ -9472,7 +11767,7 @@
           <a:cs typeface="+mn-cs"/>
         </a:defRPr>
       </a:lvl2pPr>
-      <a:lvl3pPr marL="914400" algn="l" defTabSz="914400" rtl="0" eaLnBrk="1" latinLnBrk="0" hangingPunct="1">
+      <a:lvl3pPr marL="914400" algn="l" defTabSz="457200" rtl="0" eaLnBrk="1" latinLnBrk="0" hangingPunct="1">
         <a:defRPr sz="1800" kern="1200">
           <a:solidFill>
             <a:schemeClr val="tx1"/>
@@ -9482,7 +11777,7 @@
           <a:cs typeface="+mn-cs"/>
         </a:defRPr>
       </a:lvl3pPr>
-      <a:lvl4pPr marL="1371600" algn="l" defTabSz="914400" rtl="0" eaLnBrk="1" latinLnBrk="0" hangingPunct="1">
+      <a:lvl4pPr marL="1371600" algn="l" defTabSz="457200" rtl="0" eaLnBrk="1" latinLnBrk="0" hangingPunct="1">
         <a:defRPr sz="1800" kern="1200">
           <a:solidFill>
             <a:schemeClr val="tx1"/>
@@ -9492,7 +11787,7 @@
           <a:cs typeface="+mn-cs"/>
         </a:defRPr>
       </a:lvl4pPr>
-      <a:lvl5pPr marL="1828800" algn="l" defTabSz="914400" rtl="0" eaLnBrk="1" latinLnBrk="0" hangingPunct="1">
+      <a:lvl5pPr marL="1828800" algn="l" defTabSz="457200" rtl="0" eaLnBrk="1" latinLnBrk="0" hangingPunct="1">
         <a:defRPr sz="1800" kern="1200">
           <a:solidFill>
             <a:schemeClr val="tx1"/>
@@ -9502,7 +11797,7 @@
           <a:cs typeface="+mn-cs"/>
         </a:defRPr>
       </a:lvl5pPr>
-      <a:lvl6pPr marL="2286000" algn="l" defTabSz="914400" rtl="0" eaLnBrk="1" latinLnBrk="0" hangingPunct="1">
+      <a:lvl6pPr marL="2286000" algn="l" defTabSz="457200" rtl="0" eaLnBrk="1" latinLnBrk="0" hangingPunct="1">
         <a:defRPr sz="1800" kern="1200">
           <a:solidFill>
             <a:schemeClr val="tx1"/>
@@ -9512,7 +11807,7 @@
           <a:cs typeface="+mn-cs"/>
         </a:defRPr>
       </a:lvl6pPr>
-      <a:lvl7pPr marL="2743200" algn="l" defTabSz="914400" rtl="0" eaLnBrk="1" latinLnBrk="0" hangingPunct="1">
+      <a:lvl7pPr marL="2743200" algn="l" defTabSz="457200" rtl="0" eaLnBrk="1" latinLnBrk="0" hangingPunct="1">
         <a:defRPr sz="1800" kern="1200">
           <a:solidFill>
             <a:schemeClr val="tx1"/>
@@ -9522,7 +11817,7 @@
           <a:cs typeface="+mn-cs"/>
         </a:defRPr>
       </a:lvl7pPr>
-      <a:lvl8pPr marL="3200400" algn="l" defTabSz="914400" rtl="0" eaLnBrk="1" latinLnBrk="0" hangingPunct="1">
+      <a:lvl8pPr marL="3200400" algn="l" defTabSz="457200" rtl="0" eaLnBrk="1" latinLnBrk="0" hangingPunct="1">
         <a:defRPr sz="1800" kern="1200">
           <a:solidFill>
             <a:schemeClr val="tx1"/>
@@ -9532,7 +11827,7 @@
           <a:cs typeface="+mn-cs"/>
         </a:defRPr>
       </a:lvl8pPr>
-      <a:lvl9pPr marL="3657600" algn="l" defTabSz="914400" rtl="0" eaLnBrk="1" latinLnBrk="0" hangingPunct="1">
+      <a:lvl9pPr marL="3657600" algn="l" defTabSz="457200" rtl="0" eaLnBrk="1" latinLnBrk="0" hangingPunct="1">
         <a:defRPr sz="1800" kern="1200">
           <a:solidFill>
             <a:schemeClr val="tx1"/>
@@ -9670,6 +11965,179 @@
           <p:cNvPr id="2" name="Title 1">
             <a:extLst>
               <a:ext uri="{FF2B5EF4-FFF2-40B4-BE49-F238E27FC236}">
+                <a16:creationId xmlns:a16="http://schemas.microsoft.com/office/drawing/2014/main" id="{097B0030-D16B-4513-9143-8991BF90C02F}"/>
+              </a:ext>
+            </a:extLst>
+          </p:cNvPr>
+          <p:cNvSpPr>
+            <a:spLocks noGrp="1"/>
+          </p:cNvSpPr>
+          <p:nvPr>
+            <p:ph type="title"/>
+          </p:nvPr>
+        </p:nvSpPr>
+        <p:spPr/>
+        <p:txBody>
+          <a:bodyPr/>
+          <a:lstStyle/>
+          <a:p>
+            <a:r>
+              <a:rPr lang="en-US" dirty="0"/>
+              <a:t>Model Evaluation</a:t>
+            </a:r>
+          </a:p>
+        </p:txBody>
+      </p:sp>
+      <p:sp>
+        <p:nvSpPr>
+          <p:cNvPr id="3" name="Content Placeholder 2">
+            <a:extLst>
+              <a:ext uri="{FF2B5EF4-FFF2-40B4-BE49-F238E27FC236}">
+                <a16:creationId xmlns:a16="http://schemas.microsoft.com/office/drawing/2014/main" id="{F8C5BA6D-765A-462D-AAB6-6E457DA3A506}"/>
+              </a:ext>
+            </a:extLst>
+          </p:cNvPr>
+          <p:cNvSpPr>
+            <a:spLocks noGrp="1"/>
+          </p:cNvSpPr>
+          <p:nvPr>
+            <p:ph idx="1"/>
+          </p:nvPr>
+        </p:nvSpPr>
+        <p:spPr/>
+        <p:txBody>
+          <a:bodyPr>
+            <a:normAutofit/>
+          </a:bodyPr>
+          <a:lstStyle/>
+          <a:p>
+            <a:pPr>
+              <a:buFont typeface="Wingdings" panose="05000000000000000000" pitchFamily="2" charset="2"/>
+              <a:buChar char="§"/>
+            </a:pPr>
+            <a:r>
+              <a:rPr lang="en-US" dirty="0"/>
+              <a:t>6 fold cross validation on training data</a:t>
+            </a:r>
+          </a:p>
+          <a:p>
+            <a:pPr>
+              <a:buFont typeface="Wingdings" panose="05000000000000000000" pitchFamily="2" charset="2"/>
+              <a:buChar char="§"/>
+            </a:pPr>
+            <a:r>
+              <a:rPr lang="en-US" dirty="0"/>
+              <a:t>Making sure model works on training data</a:t>
+            </a:r>
+          </a:p>
+          <a:p>
+            <a:pPr>
+              <a:buFont typeface="Wingdings" panose="05000000000000000000" pitchFamily="2" charset="2"/>
+              <a:buChar char="§"/>
+            </a:pPr>
+            <a:r>
+              <a:rPr lang="en-US" dirty="0"/>
+              <a:t>Moving on to 159 Facebook articles that are labeled as</a:t>
+            </a:r>
+          </a:p>
+          <a:p>
+            <a:pPr lvl="1"/>
+            <a:r>
+              <a:rPr lang="en-US" dirty="0"/>
+              <a:t> mostly true (5)</a:t>
+            </a:r>
+          </a:p>
+          <a:p>
+            <a:pPr lvl="1"/>
+            <a:r>
+              <a:rPr lang="en-US" dirty="0"/>
+              <a:t> mixture of true and false (3)</a:t>
+            </a:r>
+          </a:p>
+          <a:p>
+            <a:pPr lvl="1"/>
+            <a:r>
+              <a:rPr lang="en-US" dirty="0"/>
+              <a:t> no factual content (2)</a:t>
+            </a:r>
+          </a:p>
+          <a:p>
+            <a:pPr lvl="1"/>
+            <a:r>
+              <a:rPr lang="en-US" dirty="0"/>
+              <a:t> mostly false (1)</a:t>
+            </a:r>
+          </a:p>
+          <a:p>
+            <a:endParaRPr lang="en-US" dirty="0"/>
+          </a:p>
+        </p:txBody>
+      </p:sp>
+      <p:pic>
+        <p:nvPicPr>
+          <p:cNvPr id="6" name="Picture 5">
+            <a:extLst>
+              <a:ext uri="{FF2B5EF4-FFF2-40B4-BE49-F238E27FC236}">
+                <a16:creationId xmlns:a16="http://schemas.microsoft.com/office/drawing/2014/main" id="{C689E30D-B0AF-47C4-9981-44C8A0154AAF}"/>
+              </a:ext>
+            </a:extLst>
+          </p:cNvPr>
+          <p:cNvPicPr>
+            <a:picLocks noChangeAspect="1"/>
+          </p:cNvPicPr>
+          <p:nvPr/>
+        </p:nvPicPr>
+        <p:blipFill>
+          <a:blip r:embed="rId2"/>
+          <a:stretch>
+            <a:fillRect/>
+          </a:stretch>
+        </p:blipFill>
+        <p:spPr>
+          <a:xfrm>
+            <a:off x="8858250" y="3629025"/>
+            <a:ext cx="1847850" cy="1200150"/>
+          </a:xfrm>
+          <a:prstGeom prst="rect">
+            <a:avLst/>
+          </a:prstGeom>
+        </p:spPr>
+      </p:pic>
+    </p:spTree>
+    <p:extLst>
+      <p:ext uri="{BB962C8B-B14F-4D97-AF65-F5344CB8AC3E}">
+        <p14:creationId xmlns:p14="http://schemas.microsoft.com/office/powerpoint/2010/main" val="3709942091"/>
+      </p:ext>
+    </p:extLst>
+  </p:cSld>
+  <p:clrMapOvr>
+    <a:masterClrMapping/>
+  </p:clrMapOvr>
+</p:sld>
+</file>
+
+<file path=ppt/slides/slide11.xml><?xml version="1.0" encoding="utf-8"?>
+<p:sld xmlns:a="http://schemas.openxmlformats.org/drawingml/2006/main" xmlns:r="http://schemas.openxmlformats.org/officeDocument/2006/relationships" xmlns:p="http://schemas.openxmlformats.org/presentationml/2006/main">
+  <p:cSld>
+    <p:spTree>
+      <p:nvGrpSpPr>
+        <p:cNvPr id="1" name=""/>
+        <p:cNvGrpSpPr/>
+        <p:nvPr/>
+      </p:nvGrpSpPr>
+      <p:grpSpPr>
+        <a:xfrm>
+          <a:off x="0" y="0"/>
+          <a:ext cx="0" cy="0"/>
+          <a:chOff x="0" y="0"/>
+          <a:chExt cx="0" cy="0"/>
+        </a:xfrm>
+      </p:grpSpPr>
+      <p:sp>
+        <p:nvSpPr>
+          <p:cNvPr id="2" name="Title 1">
+            <a:extLst>
+              <a:ext uri="{FF2B5EF4-FFF2-40B4-BE49-F238E27FC236}">
                 <a16:creationId xmlns:a16="http://schemas.microsoft.com/office/drawing/2014/main" id="{E6305D94-99A4-4B82-BED2-5637EFC7DA81}"/>
               </a:ext>
             </a:extLst>
@@ -9708,14 +12176,14 @@
           <p:nvPr>
             <p:extLst>
               <p:ext uri="{D42A27DB-BD31-4B8C-83A1-F6EECF244321}">
-                <p14:modId xmlns:p14="http://schemas.microsoft.com/office/powerpoint/2010/main" val="1635087816"/>
+                <p14:modId xmlns:p14="http://schemas.microsoft.com/office/powerpoint/2010/main" val="2582741507"/>
               </p:ext>
             </p:extLst>
           </p:nvPr>
         </p:nvGraphicFramePr>
         <p:xfrm>
-          <a:off x="1181100" y="2377440"/>
-          <a:ext cx="4572000" cy="2743200"/>
+          <a:off x="495300" y="1853248"/>
+          <a:ext cx="5257800" cy="3267392"/>
         </p:xfrm>
         <a:graphic>
           <a:graphicData uri="http://schemas.openxmlformats.org/drawingml/2006/chart">
@@ -9738,14 +12206,14 @@
           <p:nvPr>
             <p:extLst>
               <p:ext uri="{D42A27DB-BD31-4B8C-83A1-F6EECF244321}">
-                <p14:modId xmlns:p14="http://schemas.microsoft.com/office/powerpoint/2010/main" val="4285980209"/>
+                <p14:modId xmlns:p14="http://schemas.microsoft.com/office/powerpoint/2010/main" val="1313693405"/>
               </p:ext>
             </p:extLst>
           </p:nvPr>
         </p:nvGraphicFramePr>
         <p:xfrm>
-          <a:off x="6773228" y="2377440"/>
-          <a:ext cx="4572000" cy="2743200"/>
+          <a:off x="5903912" y="1853248"/>
+          <a:ext cx="5621338" cy="3267392"/>
         </p:xfrm>
         <a:graphic>
           <a:graphicData uri="http://schemas.openxmlformats.org/drawingml/2006/chart">
@@ -9788,6 +12256,220 @@
           <p:cNvPr id="2" name="Title 1">
             <a:extLst>
               <a:ext uri="{FF2B5EF4-FFF2-40B4-BE49-F238E27FC236}">
+                <a16:creationId xmlns:a16="http://schemas.microsoft.com/office/drawing/2014/main" id="{7950A266-2118-4743-AA68-FF152F323EB9}"/>
+              </a:ext>
+            </a:extLst>
+          </p:cNvPr>
+          <p:cNvSpPr>
+            <a:spLocks noGrp="1"/>
+          </p:cNvSpPr>
+          <p:nvPr>
+            <p:ph type="title"/>
+          </p:nvPr>
+        </p:nvSpPr>
+        <p:spPr/>
+        <p:txBody>
+          <a:bodyPr/>
+          <a:lstStyle/>
+          <a:p>
+            <a:r>
+              <a:rPr lang="en-US" dirty="0"/>
+              <a:t>Data Sources</a:t>
+            </a:r>
+          </a:p>
+        </p:txBody>
+      </p:sp>
+      <p:sp>
+        <p:nvSpPr>
+          <p:cNvPr id="3" name="Content Placeholder 2">
+            <a:extLst>
+              <a:ext uri="{FF2B5EF4-FFF2-40B4-BE49-F238E27FC236}">
+                <a16:creationId xmlns:a16="http://schemas.microsoft.com/office/drawing/2014/main" id="{AE148660-D43F-4C60-B3A5-B6985F6735C6}"/>
+              </a:ext>
+            </a:extLst>
+          </p:cNvPr>
+          <p:cNvSpPr>
+            <a:spLocks noGrp="1"/>
+          </p:cNvSpPr>
+          <p:nvPr>
+            <p:ph idx="1"/>
+          </p:nvPr>
+        </p:nvSpPr>
+        <p:spPr/>
+        <p:txBody>
+          <a:bodyPr/>
+          <a:lstStyle/>
+          <a:p>
+            <a:r>
+              <a:rPr lang="en-US" dirty="0"/>
+              <a:t>Yahoo News Dataset</a:t>
+            </a:r>
+          </a:p>
+          <a:p>
+            <a:r>
+              <a:rPr lang="en-US" dirty="0"/>
+              <a:t>Amazon reviews data</a:t>
+            </a:r>
+          </a:p>
+          <a:p>
+            <a:r>
+              <a:rPr lang="en-US" dirty="0"/>
+              <a:t>B.S. Detector </a:t>
+            </a:r>
+          </a:p>
+          <a:p>
+            <a:r>
+              <a:rPr lang="en-US" dirty="0" err="1"/>
+              <a:t>Kaggle</a:t>
+            </a:r>
+            <a:r>
+              <a:rPr lang="en-US" dirty="0"/>
+              <a:t> (getting real about fake news)</a:t>
+            </a:r>
+          </a:p>
+        </p:txBody>
+      </p:sp>
+      <p:pic>
+        <p:nvPicPr>
+          <p:cNvPr id="4" name="Picture 3">
+            <a:extLst>
+              <a:ext uri="{FF2B5EF4-FFF2-40B4-BE49-F238E27FC236}">
+                <a16:creationId xmlns:a16="http://schemas.microsoft.com/office/drawing/2014/main" id="{015C6201-70DE-49BB-B18C-2BC7704EB2C5}"/>
+              </a:ext>
+            </a:extLst>
+          </p:cNvPr>
+          <p:cNvPicPr>
+            <a:picLocks noChangeAspect="1"/>
+          </p:cNvPicPr>
+          <p:nvPr/>
+        </p:nvPicPr>
+        <p:blipFill>
+          <a:blip r:embed="rId2"/>
+          <a:stretch>
+            <a:fillRect/>
+          </a:stretch>
+        </p:blipFill>
+        <p:spPr>
+          <a:xfrm>
+            <a:off x="8091487" y="2052918"/>
+            <a:ext cx="2543175" cy="1352550"/>
+          </a:xfrm>
+          <a:prstGeom prst="rect">
+            <a:avLst/>
+          </a:prstGeom>
+        </p:spPr>
+      </p:pic>
+      <p:pic>
+        <p:nvPicPr>
+          <p:cNvPr id="5" name="Picture 4">
+            <a:extLst>
+              <a:ext uri="{FF2B5EF4-FFF2-40B4-BE49-F238E27FC236}">
+                <a16:creationId xmlns:a16="http://schemas.microsoft.com/office/drawing/2014/main" id="{70CF57A8-C92C-4EE9-A1FE-BD1F53B2EC92}"/>
+              </a:ext>
+            </a:extLst>
+          </p:cNvPr>
+          <p:cNvPicPr>
+            <a:picLocks noChangeAspect="1"/>
+          </p:cNvPicPr>
+          <p:nvPr/>
+        </p:nvPicPr>
+        <p:blipFill>
+          <a:blip r:embed="rId3"/>
+          <a:stretch>
+            <a:fillRect/>
+          </a:stretch>
+        </p:blipFill>
+        <p:spPr>
+          <a:xfrm>
+            <a:off x="8415336" y="4481512"/>
+            <a:ext cx="1895475" cy="1666875"/>
+          </a:xfrm>
+          <a:prstGeom prst="rect">
+            <a:avLst/>
+          </a:prstGeom>
+        </p:spPr>
+      </p:pic>
+      <p:sp>
+        <p:nvSpPr>
+          <p:cNvPr id="6" name="Arrow: Down 5">
+            <a:extLst>
+              <a:ext uri="{FF2B5EF4-FFF2-40B4-BE49-F238E27FC236}">
+                <a16:creationId xmlns:a16="http://schemas.microsoft.com/office/drawing/2014/main" id="{E29AF004-79D8-4BC5-89B6-2A210CFC77AC}"/>
+              </a:ext>
+            </a:extLst>
+          </p:cNvPr>
+          <p:cNvSpPr/>
+          <p:nvPr/>
+        </p:nvSpPr>
+        <p:spPr>
+          <a:xfrm>
+            <a:off x="9020175" y="3714750"/>
+            <a:ext cx="600075" cy="552450"/>
+          </a:xfrm>
+          <a:prstGeom prst="downArrow">
+            <a:avLst/>
+          </a:prstGeom>
+        </p:spPr>
+        <p:style>
+          <a:lnRef idx="2">
+            <a:schemeClr val="accent1">
+              <a:shade val="50000"/>
+            </a:schemeClr>
+          </a:lnRef>
+          <a:fillRef idx="1">
+            <a:schemeClr val="accent1"/>
+          </a:fillRef>
+          <a:effectRef idx="0">
+            <a:schemeClr val="accent1"/>
+          </a:effectRef>
+          <a:fontRef idx="minor">
+            <a:schemeClr val="lt1"/>
+          </a:fontRef>
+        </p:style>
+        <p:txBody>
+          <a:bodyPr rtlCol="0" anchor="ctr"/>
+          <a:lstStyle/>
+          <a:p>
+            <a:pPr algn="ctr"/>
+            <a:endParaRPr lang="en-US"/>
+          </a:p>
+        </p:txBody>
+      </p:sp>
+    </p:spTree>
+    <p:extLst>
+      <p:ext uri="{BB962C8B-B14F-4D97-AF65-F5344CB8AC3E}">
+        <p14:creationId xmlns:p14="http://schemas.microsoft.com/office/powerpoint/2010/main" val="21502444"/>
+      </p:ext>
+    </p:extLst>
+  </p:cSld>
+  <p:clrMapOvr>
+    <a:masterClrMapping/>
+  </p:clrMapOvr>
+</p:sld>
+</file>
+
+<file path=ppt/slides/slide3.xml><?xml version="1.0" encoding="utf-8"?>
+<p:sld xmlns:a="http://schemas.openxmlformats.org/drawingml/2006/main" xmlns:r="http://schemas.openxmlformats.org/officeDocument/2006/relationships" xmlns:p="http://schemas.openxmlformats.org/presentationml/2006/main">
+  <p:cSld>
+    <p:spTree>
+      <p:nvGrpSpPr>
+        <p:cNvPr id="1" name=""/>
+        <p:cNvGrpSpPr/>
+        <p:nvPr/>
+      </p:nvGrpSpPr>
+      <p:grpSpPr>
+        <a:xfrm>
+          <a:off x="0" y="0"/>
+          <a:ext cx="0" cy="0"/>
+          <a:chOff x="0" y="0"/>
+          <a:chExt cx="0" cy="0"/>
+        </a:xfrm>
+      </p:grpSpPr>
+      <p:sp>
+        <p:nvSpPr>
+          <p:cNvPr id="2" name="Title 1">
+            <a:extLst>
+              <a:ext uri="{FF2B5EF4-FFF2-40B4-BE49-F238E27FC236}">
                 <a16:creationId xmlns:a16="http://schemas.microsoft.com/office/drawing/2014/main" id="{1EBB1FFB-1AB6-46C4-A07D-33BDD0C572CD}"/>
               </a:ext>
             </a:extLst>
@@ -9873,6 +12555,36 @@
           </a:p>
         </p:txBody>
       </p:sp>
+      <p:pic>
+        <p:nvPicPr>
+          <p:cNvPr id="4" name="Picture 3">
+            <a:extLst>
+              <a:ext uri="{FF2B5EF4-FFF2-40B4-BE49-F238E27FC236}">
+                <a16:creationId xmlns:a16="http://schemas.microsoft.com/office/drawing/2014/main" id="{03EAB6FF-93FC-412B-A82C-78B0F75D8DA6}"/>
+              </a:ext>
+            </a:extLst>
+          </p:cNvPr>
+          <p:cNvPicPr>
+            <a:picLocks noChangeAspect="1"/>
+          </p:cNvPicPr>
+          <p:nvPr/>
+        </p:nvPicPr>
+        <p:blipFill>
+          <a:blip r:embed="rId2"/>
+          <a:stretch>
+            <a:fillRect/>
+          </a:stretch>
+        </p:blipFill>
+        <p:spPr>
+          <a:xfrm>
+            <a:off x="4386447" y="4962524"/>
+            <a:ext cx="1924050" cy="1285875"/>
+          </a:xfrm>
+          <a:prstGeom prst="rect">
+            <a:avLst/>
+          </a:prstGeom>
+        </p:spPr>
+      </p:pic>
     </p:spTree>
     <p:extLst>
       <p:ext uri="{BB962C8B-B14F-4D97-AF65-F5344CB8AC3E}">
@@ -9886,7 +12598,7 @@
 </p:sld>
 </file>
 
-<file path=ppt/slides/slide3.xml><?xml version="1.0" encoding="utf-8"?>
+<file path=ppt/slides/slide4.xml><?xml version="1.0" encoding="utf-8"?>
 <p:sld xmlns:a="http://schemas.openxmlformats.org/drawingml/2006/main" xmlns:r="http://schemas.openxmlformats.org/officeDocument/2006/relationships" xmlns:p="http://schemas.openxmlformats.org/presentationml/2006/main">
   <p:cSld>
     <p:spTree>
@@ -9925,7 +12637,7 @@
         </p:blipFill>
         <p:spPr>
           <a:xfrm>
-            <a:off x="1191064" y="441324"/>
+            <a:off x="867214" y="631824"/>
             <a:ext cx="10414782" cy="5536712"/>
           </a:xfrm>
           <a:prstGeom prst="rect">
@@ -9946,7 +12658,7 @@
 </p:sld>
 </file>
 
-<file path=ppt/slides/slide4.xml><?xml version="1.0" encoding="utf-8"?>
+<file path=ppt/slides/slide5.xml><?xml version="1.0" encoding="utf-8"?>
 <p:sld xmlns:a="http://schemas.openxmlformats.org/drawingml/2006/main" xmlns:r="http://schemas.openxmlformats.org/officeDocument/2006/relationships" xmlns:p="http://schemas.openxmlformats.org/presentationml/2006/main">
   <p:cSld>
     <p:spTree>
@@ -9984,8 +12696,8 @@
         </p:blipFill>
         <p:spPr>
           <a:xfrm>
-            <a:off x="5958893" y="2151117"/>
-            <a:ext cx="5883831" cy="3325758"/>
+            <a:off x="6073193" y="2322138"/>
+            <a:ext cx="5594324" cy="3162118"/>
           </a:xfrm>
           <a:prstGeom prst="rect">
             <a:avLst/>
@@ -10013,7 +12725,7 @@
         </p:blipFill>
         <p:spPr>
           <a:xfrm>
-            <a:off x="340703" y="2322138"/>
+            <a:off x="455003" y="2322138"/>
             <a:ext cx="5618190" cy="3154737"/>
           </a:xfrm>
           <a:prstGeom prst="rect">
@@ -10037,12 +12749,7 @@
             <p:ph type="title"/>
           </p:nvPr>
         </p:nvSpPr>
-        <p:spPr>
-          <a:xfrm>
-            <a:off x="1097280" y="286603"/>
-            <a:ext cx="10058400" cy="1450757"/>
-          </a:xfrm>
-        </p:spPr>
+        <p:spPr/>
         <p:txBody>
           <a:bodyPr/>
           <a:lstStyle/>
@@ -10050,6 +12757,65 @@
             <a:r>
               <a:rPr lang="en-US" dirty="0"/>
               <a:t>Correlation between attributes</a:t>
+            </a:r>
+          </a:p>
+        </p:txBody>
+      </p:sp>
+      <p:sp>
+        <p:nvSpPr>
+          <p:cNvPr id="8" name="Speech Bubble: Oval 7">
+            <a:extLst>
+              <a:ext uri="{FF2B5EF4-FFF2-40B4-BE49-F238E27FC236}">
+                <a16:creationId xmlns:a16="http://schemas.microsoft.com/office/drawing/2014/main" id="{40D43327-F220-4957-A1C6-7DF103C1CD6B}"/>
+              </a:ext>
+            </a:extLst>
+          </p:cNvPr>
+          <p:cNvSpPr/>
+          <p:nvPr/>
+        </p:nvSpPr>
+        <p:spPr>
+          <a:xfrm>
+            <a:off x="4272969" y="5684281"/>
+            <a:ext cx="2318332" cy="952499"/>
+          </a:xfrm>
+          <a:prstGeom prst="wedgeEllipseCallout">
+            <a:avLst>
+              <a:gd name="adj1" fmla="val -24743"/>
+              <a:gd name="adj2" fmla="val -111022"/>
+            </a:avLst>
+          </a:prstGeom>
+        </p:spPr>
+        <p:style>
+          <a:lnRef idx="2">
+            <a:schemeClr val="accent1">
+              <a:shade val="50000"/>
+            </a:schemeClr>
+          </a:lnRef>
+          <a:fillRef idx="1">
+            <a:schemeClr val="accent1"/>
+          </a:fillRef>
+          <a:effectRef idx="0">
+            <a:schemeClr val="accent1"/>
+          </a:effectRef>
+          <a:fontRef idx="minor">
+            <a:schemeClr val="lt1"/>
+          </a:fontRef>
+        </p:style>
+        <p:txBody>
+          <a:bodyPr rtlCol="0" anchor="ctr"/>
+          <a:lstStyle/>
+          <a:p>
+            <a:pPr algn="ctr"/>
+            <a:r>
+              <a:rPr lang="en-US" dirty="0"/>
+              <a:t>Richness</a:t>
+            </a:r>
+          </a:p>
+          <a:p>
+            <a:pPr algn="ctr"/>
+            <a:r>
+              <a:rPr lang="en-US" dirty="0"/>
+              <a:t>Conciseness </a:t>
             </a:r>
           </a:p>
         </p:txBody>
@@ -10067,7 +12833,7 @@
 </p:sld>
 </file>
 
-<file path=ppt/slides/slide5.xml><?xml version="1.0" encoding="utf-8"?>
+<file path=ppt/slides/slide6.xml><?xml version="1.0" encoding="utf-8"?>
 <p:sld xmlns:a="http://schemas.openxmlformats.org/drawingml/2006/main" xmlns:r="http://schemas.openxmlformats.org/officeDocument/2006/relationships" xmlns:p="http://schemas.openxmlformats.org/presentationml/2006/main">
   <p:cSld>
     <p:spTree>
@@ -10100,7 +12866,12 @@
             <p:ph type="title"/>
           </p:nvPr>
         </p:nvSpPr>
-        <p:spPr/>
+        <p:spPr>
+          <a:xfrm>
+            <a:off x="646111" y="452718"/>
+            <a:ext cx="10145714" cy="1400530"/>
+          </a:xfrm>
+        </p:spPr>
         <p:txBody>
           <a:bodyPr/>
           <a:lstStyle/>
@@ -10125,7 +12896,7 @@
           <p:nvPr>
             <p:extLst>
               <p:ext uri="{D42A27DB-BD31-4B8C-83A1-F6EECF244321}">
-                <p14:modId xmlns:p14="http://schemas.microsoft.com/office/powerpoint/2010/main" val="713900762"/>
+                <p14:modId xmlns:p14="http://schemas.microsoft.com/office/powerpoint/2010/main" val="2740520834"/>
               </p:ext>
             </p:extLst>
           </p:nvPr>
@@ -10153,7 +12924,7 @@
 </p:sld>
 </file>
 
-<file path=ppt/slides/slide6.xml><?xml version="1.0" encoding="utf-8"?>
+<file path=ppt/slides/slide7.xml><?xml version="1.0" encoding="utf-8"?>
 <p:sld xmlns:a="http://schemas.openxmlformats.org/drawingml/2006/main" xmlns:r="http://schemas.openxmlformats.org/officeDocument/2006/relationships" xmlns:p="http://schemas.openxmlformats.org/presentationml/2006/main">
   <p:cSld>
     <p:spTree>
@@ -10213,7 +12984,7 @@
 </p:sld>
 </file>
 
-<file path=ppt/slides/slide7.xml><?xml version="1.0" encoding="utf-8"?>
+<file path=ppt/slides/slide8.xml><?xml version="1.0" encoding="utf-8"?>
 <p:sld xmlns:a="http://schemas.openxmlformats.org/drawingml/2006/main" xmlns:r="http://schemas.openxmlformats.org/officeDocument/2006/relationships" xmlns:p="http://schemas.openxmlformats.org/presentationml/2006/main">
   <p:cSld>
     <p:spTree>
@@ -10253,7 +13024,7 @@
           <a:p>
             <a:r>
               <a:rPr lang="en-US" dirty="0"/>
-              <a:t>Training result phase 1</a:t>
+              <a:t>Training result phase one</a:t>
             </a:r>
           </a:p>
         </p:txBody>
@@ -10280,8 +13051,8 @@
         </p:blipFill>
         <p:spPr>
           <a:xfrm>
-            <a:off x="4181475" y="2414587"/>
-            <a:ext cx="3467100" cy="3114675"/>
+            <a:off x="4009239" y="2143125"/>
+            <a:ext cx="3896511" cy="3500437"/>
           </a:xfrm>
           <a:prstGeom prst="rect">
             <a:avLst/>
@@ -10301,7 +13072,7 @@
 </p:sld>
 </file>
 
-<file path=ppt/slides/slide8.xml><?xml version="1.0" encoding="utf-8"?>
+<file path=ppt/slides/slide9.xml><?xml version="1.0" encoding="utf-8"?>
 <p:sld xmlns:a="http://schemas.openxmlformats.org/drawingml/2006/main" xmlns:r="http://schemas.openxmlformats.org/officeDocument/2006/relationships" xmlns:p="http://schemas.openxmlformats.org/presentationml/2006/main">
   <p:cSld>
     <p:spTree>
@@ -10341,7 +13112,7 @@
           <a:p>
             <a:r>
               <a:rPr lang="en-US" dirty="0"/>
-              <a:t>Training result phase 2</a:t>
+              <a:t>Training result phase two</a:t>
             </a:r>
           </a:p>
         </p:txBody>
@@ -10361,14 +13132,14 @@
           <p:nvPr>
             <p:extLst>
               <p:ext uri="{D42A27DB-BD31-4B8C-83A1-F6EECF244321}">
-                <p14:modId xmlns:p14="http://schemas.microsoft.com/office/powerpoint/2010/main" val="2937966460"/>
+                <p14:modId xmlns:p14="http://schemas.microsoft.com/office/powerpoint/2010/main" val="1256795579"/>
               </p:ext>
             </p:extLst>
           </p:nvPr>
         </p:nvGraphicFramePr>
         <p:xfrm>
-          <a:off x="4029075" y="2586990"/>
-          <a:ext cx="4572000" cy="2743200"/>
+          <a:off x="2581275" y="1853248"/>
+          <a:ext cx="6705600" cy="3909377"/>
         </p:xfrm>
         <a:graphic>
           <a:graphicData uri="http://schemas.openxmlformats.org/drawingml/2006/chart">
@@ -10389,196 +13160,53 @@
 </p:sld>
 </file>
 
-<file path=ppt/slides/slide9.xml><?xml version="1.0" encoding="utf-8"?>
-<p:sld xmlns:a="http://schemas.openxmlformats.org/drawingml/2006/main" xmlns:r="http://schemas.openxmlformats.org/officeDocument/2006/relationships" xmlns:p="http://schemas.openxmlformats.org/presentationml/2006/main">
-  <p:cSld>
-    <p:spTree>
-      <p:nvGrpSpPr>
-        <p:cNvPr id="1" name=""/>
-        <p:cNvGrpSpPr/>
-        <p:nvPr/>
-      </p:nvGrpSpPr>
-      <p:grpSpPr>
-        <a:xfrm>
-          <a:off x="0" y="0"/>
-          <a:ext cx="0" cy="0"/>
-          <a:chOff x="0" y="0"/>
-          <a:chExt cx="0" cy="0"/>
-        </a:xfrm>
-      </p:grpSpPr>
-      <p:sp>
-        <p:nvSpPr>
-          <p:cNvPr id="2" name="Title 1">
-            <a:extLst>
-              <a:ext uri="{FF2B5EF4-FFF2-40B4-BE49-F238E27FC236}">
-                <a16:creationId xmlns:a16="http://schemas.microsoft.com/office/drawing/2014/main" id="{097B0030-D16B-4513-9143-8991BF90C02F}"/>
-              </a:ext>
-            </a:extLst>
-          </p:cNvPr>
-          <p:cNvSpPr>
-            <a:spLocks noGrp="1"/>
-          </p:cNvSpPr>
-          <p:nvPr>
-            <p:ph type="title"/>
-          </p:nvPr>
-        </p:nvSpPr>
-        <p:spPr/>
-        <p:txBody>
-          <a:bodyPr/>
-          <a:lstStyle/>
-          <a:p>
-            <a:r>
-              <a:rPr lang="en-US" dirty="0"/>
-              <a:t>Model Evaluation</a:t>
-            </a:r>
-          </a:p>
-        </p:txBody>
-      </p:sp>
-      <p:sp>
-        <p:nvSpPr>
-          <p:cNvPr id="3" name="Content Placeholder 2">
-            <a:extLst>
-              <a:ext uri="{FF2B5EF4-FFF2-40B4-BE49-F238E27FC236}">
-                <a16:creationId xmlns:a16="http://schemas.microsoft.com/office/drawing/2014/main" id="{F8C5BA6D-765A-462D-AAB6-6E457DA3A506}"/>
-              </a:ext>
-            </a:extLst>
-          </p:cNvPr>
-          <p:cNvSpPr>
-            <a:spLocks noGrp="1"/>
-          </p:cNvSpPr>
-          <p:nvPr>
-            <p:ph idx="1"/>
-          </p:nvPr>
-        </p:nvSpPr>
-        <p:spPr/>
-        <p:txBody>
-          <a:bodyPr>
-            <a:normAutofit/>
-          </a:bodyPr>
-          <a:lstStyle/>
-          <a:p>
-            <a:pPr>
-              <a:buFont typeface="Wingdings" panose="05000000000000000000" pitchFamily="2" charset="2"/>
-              <a:buChar char="§"/>
-            </a:pPr>
-            <a:r>
-              <a:rPr lang="en-US" dirty="0"/>
-              <a:t>6 fold cross validation on training data</a:t>
-            </a:r>
-          </a:p>
-          <a:p>
-            <a:pPr>
-              <a:buFont typeface="Wingdings" panose="05000000000000000000" pitchFamily="2" charset="2"/>
-              <a:buChar char="§"/>
-            </a:pPr>
-            <a:r>
-              <a:rPr lang="en-US" dirty="0"/>
-              <a:t>Making sure model works on training data</a:t>
-            </a:r>
-          </a:p>
-          <a:p>
-            <a:pPr>
-              <a:buFont typeface="Wingdings" panose="05000000000000000000" pitchFamily="2" charset="2"/>
-              <a:buChar char="§"/>
-            </a:pPr>
-            <a:r>
-              <a:rPr lang="en-US" dirty="0"/>
-              <a:t>Moving on to 159 Facebook articles that are labeled as</a:t>
-            </a:r>
-          </a:p>
-          <a:p>
-            <a:pPr lvl="1"/>
-            <a:r>
-              <a:rPr lang="en-US" dirty="0"/>
-              <a:t> mostly true (5)</a:t>
-            </a:r>
-          </a:p>
-          <a:p>
-            <a:pPr lvl="1"/>
-            <a:r>
-              <a:rPr lang="en-US" dirty="0"/>
-              <a:t> mixture of true and false (3)</a:t>
-            </a:r>
-          </a:p>
-          <a:p>
-            <a:pPr lvl="1"/>
-            <a:r>
-              <a:rPr lang="en-US" dirty="0"/>
-              <a:t> no factual content (2)</a:t>
-            </a:r>
-          </a:p>
-          <a:p>
-            <a:pPr lvl="1"/>
-            <a:r>
-              <a:rPr lang="en-US" dirty="0"/>
-              <a:t> mostly false (1)</a:t>
-            </a:r>
-          </a:p>
-          <a:p>
-            <a:endParaRPr lang="en-US" dirty="0"/>
-          </a:p>
-        </p:txBody>
-      </p:sp>
-    </p:spTree>
-    <p:extLst>
-      <p:ext uri="{BB962C8B-B14F-4D97-AF65-F5344CB8AC3E}">
-        <p14:creationId xmlns:p14="http://schemas.microsoft.com/office/powerpoint/2010/main" val="3709942091"/>
-      </p:ext>
-    </p:extLst>
-  </p:cSld>
-  <p:clrMapOvr>
-    <a:masterClrMapping/>
-  </p:clrMapOvr>
-</p:sld>
-</file>
-
 <file path=ppt/theme/theme1.xml><?xml version="1.0" encoding="utf-8"?>
-<a:theme xmlns:a="http://schemas.openxmlformats.org/drawingml/2006/main" name="Retrospect">
+<a:theme xmlns:a="http://schemas.openxmlformats.org/drawingml/2006/main" name="Ion">
   <a:themeElements>
-    <a:clrScheme name="Retrospect">
+    <a:clrScheme name="Ion">
       <a:dk1>
-        <a:srgbClr val="000000"/>
+        <a:sysClr val="windowText" lastClr="000000"/>
       </a:dk1>
       <a:lt1>
         <a:sysClr val="window" lastClr="FFFFFF"/>
       </a:lt1>
       <a:dk2>
-        <a:srgbClr val="637052"/>
+        <a:srgbClr val="1E5155"/>
       </a:dk2>
       <a:lt2>
-        <a:srgbClr val="CCDDEA"/>
+        <a:srgbClr val="EBEBEB"/>
       </a:lt2>
       <a:accent1>
-        <a:srgbClr val="E48312"/>
+        <a:srgbClr val="B01513"/>
       </a:accent1>
       <a:accent2>
-        <a:srgbClr val="BD582C"/>
+        <a:srgbClr val="EA6312"/>
       </a:accent2>
       <a:accent3>
-        <a:srgbClr val="865640"/>
+        <a:srgbClr val="E6B729"/>
       </a:accent3>
       <a:accent4>
-        <a:srgbClr val="9B8357"/>
+        <a:srgbClr val="6AAC90"/>
       </a:accent4>
       <a:accent5>
-        <a:srgbClr val="C2BC80"/>
+        <a:srgbClr val="54849A"/>
       </a:accent5>
       <a:accent6>
-        <a:srgbClr val="94A088"/>
+        <a:srgbClr val="9E5E9B"/>
       </a:accent6>
       <a:hlink>
-        <a:srgbClr val="2998E3"/>
+        <a:srgbClr val="58C1BA"/>
       </a:hlink>
       <a:folHlink>
-        <a:srgbClr val="8C8C8C"/>
+        <a:srgbClr val="9DFFCB"/>
       </a:folHlink>
     </a:clrScheme>
-    <a:fontScheme name="Retrospect">
+    <a:fontScheme name="Ion">
       <a:majorFont>
-        <a:latin typeface="Calibri Light" panose="020F0302020204030204"/>
+        <a:latin typeface="Century Gothic" panose="020B0502020202020204"/>
         <a:ea typeface=""/>
         <a:cs typeface=""/>
-        <a:font script="Jpan" typeface="ＭＳ Ｐゴシック"/>
+        <a:font script="Jpan" typeface="メイリオ"/>
         <a:font script="Hang" typeface="맑은 고딕"/>
         <a:font script="Hans" typeface="宋体"/>
         <a:font script="Hant" typeface="新細明體"/>
@@ -10610,10 +13238,10 @@
         <a:font script="Geor" typeface="Sylfaen"/>
       </a:majorFont>
       <a:minorFont>
-        <a:latin typeface="Calibri" panose="020F0502020204030204"/>
+        <a:latin typeface="Century Gothic" panose="020B0502020202020204"/>
         <a:ea typeface=""/>
         <a:cs typeface=""/>
-        <a:font script="Jpan" typeface="ＭＳ Ｐゴシック"/>
+        <a:font script="Jpan" typeface="メイリオ"/>
         <a:font script="Hang" typeface="맑은 고딕"/>
         <a:font script="Hans" typeface="宋体"/>
         <a:font script="Hant" typeface="新細明體"/>
@@ -10645,7 +13273,7 @@
         <a:font script="Geor" typeface="Sylfaen"/>
       </a:minorFont>
     </a:fontScheme>
-    <a:fmtScheme name="Retrospect">
+    <a:fmtScheme name="Ion">
       <a:fillStyleLst>
         <a:solidFill>
           <a:schemeClr val="phClr"/>
@@ -10654,77 +13282,52 @@
           <a:gsLst>
             <a:gs pos="0">
               <a:schemeClr val="phClr">
-                <a:tint val="65000"/>
-                <a:shade val="92000"/>
-                <a:satMod val="130000"/>
-              </a:schemeClr>
-            </a:gs>
-            <a:gs pos="45000">
-              <a:schemeClr val="phClr">
-                <a:tint val="60000"/>
-                <a:shade val="99000"/>
-                <a:satMod val="120000"/>
+                <a:tint val="64000"/>
+                <a:lumMod val="118000"/>
               </a:schemeClr>
             </a:gs>
             <a:gs pos="100000">
               <a:schemeClr val="phClr">
-                <a:tint val="55000"/>
-                <a:satMod val="140000"/>
+                <a:tint val="92000"/>
+                <a:alpha val="100000"/>
+                <a:lumMod val="110000"/>
               </a:schemeClr>
             </a:gs>
           </a:gsLst>
-          <a:path path="circle">
-            <a:fillToRect l="100000" t="100000" r="100000" b="100000"/>
-          </a:path>
+          <a:lin ang="5400000" scaled="0"/>
         </a:gradFill>
         <a:gradFill rotWithShape="1">
           <a:gsLst>
             <a:gs pos="0">
               <a:schemeClr val="phClr">
-                <a:shade val="85000"/>
-                <a:satMod val="130000"/>
-              </a:schemeClr>
-            </a:gs>
-            <a:gs pos="34000">
-              <a:schemeClr val="phClr">
-                <a:shade val="87000"/>
-                <a:satMod val="125000"/>
-              </a:schemeClr>
-            </a:gs>
-            <a:gs pos="70000">
-              <a:schemeClr val="phClr">
-                <a:tint val="100000"/>
-                <a:shade val="90000"/>
-                <a:satMod val="130000"/>
+                <a:tint val="98000"/>
+                <a:lumMod val="114000"/>
               </a:schemeClr>
             </a:gs>
             <a:gs pos="100000">
               <a:schemeClr val="phClr">
-                <a:tint val="100000"/>
-                <a:shade val="100000"/>
-                <a:satMod val="110000"/>
+                <a:shade val="90000"/>
+                <a:lumMod val="84000"/>
               </a:schemeClr>
             </a:gs>
           </a:gsLst>
-          <a:path path="circle">
-            <a:fillToRect l="100000" t="100000" r="100000" b="100000"/>
-          </a:path>
+          <a:lin ang="5400000" scaled="0"/>
         </a:gradFill>
       </a:fillStyleLst>
       <a:lnStyleLst>
-        <a:ln w="12700" cap="flat" cmpd="sng" algn="ctr">
+        <a:ln w="9525" cap="rnd" cmpd="sng" algn="ctr">
           <a:solidFill>
             <a:schemeClr val="phClr"/>
           </a:solidFill>
           <a:prstDash val="solid"/>
         </a:ln>
-        <a:ln w="15875" cap="flat" cmpd="sng" algn="ctr">
+        <a:ln w="19050" cap="rnd" cmpd="sng" algn="ctr">
           <a:solidFill>
             <a:schemeClr val="phClr"/>
           </a:solidFill>
           <a:prstDash val="solid"/>
         </a:ln>
-        <a:ln w="25400" cap="flat" cmpd="sng" algn="ctr">
+        <a:ln w="28575" cap="rnd" cmpd="sng" algn="ctr">
           <a:solidFill>
             <a:schemeClr val="phClr"/>
           </a:solidFill>
@@ -10737,16 +13340,16 @@
         </a:effectStyle>
         <a:effectStyle>
           <a:effectLst>
-            <a:outerShdw blurRad="38100" dist="25400" dir="2700000" algn="br" rotWithShape="0">
+            <a:outerShdw blurRad="38100" dist="25400" dir="5400000" rotWithShape="0">
               <a:srgbClr val="000000">
-                <a:alpha val="60000"/>
+                <a:alpha val="45000"/>
               </a:srgbClr>
             </a:outerShdw>
           </a:effectLst>
         </a:effectStyle>
         <a:effectStyle>
           <a:effectLst>
-            <a:outerShdw blurRad="44450" dist="25400" dir="2700000" algn="br" rotWithShape="0">
+            <a:outerShdw blurRad="63500" dist="38100" dir="5400000" rotWithShape="0">
               <a:srgbClr val="000000">
                 <a:alpha val="60000"/>
               </a:srgbClr>
@@ -10756,12 +13359,10 @@
             <a:camera prst="orthographicFront">
               <a:rot lat="0" lon="0" rev="0"/>
             </a:camera>
-            <a:lightRig rig="threePt" dir="t">
-              <a:rot lat="0" lon="0" rev="19800000"/>
-            </a:lightRig>
+            <a:lightRig rig="threePt" dir="tl"/>
           </a:scene3d>
-          <a:sp3d prstMaterial="flat">
-            <a:bevelT w="25400" h="31750"/>
+          <a:sp3d prstMaterial="plastic">
+            <a:bevelT w="0" h="0"/>
           </a:sp3d>
         </a:effectStyle>
       </a:effectStyleLst>
@@ -10769,39 +13370,49 @@
         <a:solidFill>
           <a:schemeClr val="phClr"/>
         </a:solidFill>
-        <a:solidFill>
-          <a:schemeClr val="phClr">
-            <a:tint val="90000"/>
-            <a:shade val="97000"/>
-            <a:satMod val="130000"/>
-          </a:schemeClr>
-        </a:solidFill>
         <a:gradFill rotWithShape="1">
           <a:gsLst>
             <a:gs pos="0">
               <a:schemeClr val="phClr">
-                <a:tint val="96000"/>
-                <a:shade val="99000"/>
-                <a:satMod val="140000"/>
-              </a:schemeClr>
-            </a:gs>
-            <a:gs pos="65000">
-              <a:schemeClr val="phClr">
-                <a:tint val="100000"/>
-                <a:shade val="80000"/>
+                <a:tint val="97000"/>
+                <a:hueMod val="88000"/>
                 <a:satMod val="130000"/>
+                <a:lumMod val="124000"/>
               </a:schemeClr>
             </a:gs>
             <a:gs pos="100000">
               <a:schemeClr val="phClr">
-                <a:tint val="100000"/>
-                <a:shade val="48000"/>
-                <a:satMod val="120000"/>
+                <a:tint val="96000"/>
+                <a:shade val="88000"/>
+                <a:hueMod val="108000"/>
+                <a:satMod val="164000"/>
+                <a:lumMod val="76000"/>
               </a:schemeClr>
             </a:gs>
           </a:gsLst>
-          <a:lin ang="16200000" scaled="0"/>
+          <a:path path="circle">
+            <a:fillToRect l="45000" t="65000" r="125000" b="100000"/>
+          </a:path>
         </a:gradFill>
+        <a:blipFill rotWithShape="1">
+          <a:blip xmlns:r="http://schemas.openxmlformats.org/officeDocument/2006/relationships" r:embed="rId1">
+            <a:duotone>
+              <a:schemeClr val="phClr">
+                <a:shade val="69000"/>
+                <a:hueMod val="108000"/>
+                <a:satMod val="164000"/>
+                <a:lumMod val="74000"/>
+              </a:schemeClr>
+              <a:schemeClr val="phClr">
+                <a:tint val="96000"/>
+                <a:hueMod val="88000"/>
+                <a:satMod val="140000"/>
+                <a:lumMod val="132000"/>
+              </a:schemeClr>
+            </a:duotone>
+          </a:blip>
+          <a:stretch/>
+        </a:blipFill>
       </a:bgFillStyleLst>
     </a:fmtScheme>
   </a:themeElements>
@@ -10809,7 +13420,7 @@
   <a:extraClrSchemeLst/>
   <a:extLst>
     <a:ext uri="{05A4C25C-085E-4340-85A3-A5531E510DB2}">
-      <thm15:themeFamily xmlns:thm15="http://schemas.microsoft.com/office/thememl/2012/main" name="Retrospect" id="{5F128B03-DCCA-4EEB-AB3B-CF2899314A46}" vid="{3F1AAB62-24C6-49D2-8E01-B56FAC9A3DCD}"/>
+      <thm15:themeFamily xmlns:thm15="http://schemas.microsoft.com/office/thememl/2012/main" name="Ion" id="{B8441ADB-2E43-4AF7-B97A-BD870242C6A8}" vid="{292E63A9-BB86-4E3D-B92A-7223C6510D2E}"/>
     </a:ext>
   </a:extLst>
 </a:theme>

--- a/Low Quality News Identification.pptx
+++ b/Low Quality News Identification.pptx
@@ -12044,32 +12044,36 @@
             <a:pPr lvl="1"/>
             <a:r>
               <a:rPr lang="en-US" dirty="0"/>
-              <a:t> mostly true (5)</a:t>
+              <a:t> Mostly true (5)</a:t>
             </a:r>
           </a:p>
           <a:p>
             <a:pPr lvl="1"/>
             <a:r>
               <a:rPr lang="en-US" dirty="0"/>
-              <a:t> mixture of true and false (3)</a:t>
+              <a:t> Mixture of true and false (3)</a:t>
             </a:r>
           </a:p>
           <a:p>
             <a:pPr lvl="1"/>
             <a:r>
               <a:rPr lang="en-US" dirty="0"/>
-              <a:t> no factual content (2)</a:t>
+              <a:t> No factual content (2)</a:t>
             </a:r>
           </a:p>
           <a:p>
             <a:pPr lvl="1"/>
             <a:r>
               <a:rPr lang="en-US" dirty="0"/>
-              <a:t> mostly false (1)</a:t>
+              <a:t> Mostly false (1)</a:t>
             </a:r>
           </a:p>
           <a:p>
-            <a:endParaRPr lang="en-US" dirty="0"/>
+            <a:pPr lvl="1"/>
+            <a:r>
+              <a:rPr lang="en-US" dirty="0"/>
+              <a:t>1-3 = Bad; 4-5 = Good</a:t>
+            </a:r>
           </a:p>
         </p:txBody>
       </p:sp>
@@ -12221,6 +12225,158 @@
           </a:graphicData>
         </a:graphic>
       </p:graphicFrame>
+      <p:cxnSp>
+        <p:nvCxnSpPr>
+          <p:cNvPr id="8" name="Straight Connector 7">
+            <a:extLst>
+              <a:ext uri="{FF2B5EF4-FFF2-40B4-BE49-F238E27FC236}">
+                <a16:creationId xmlns:a16="http://schemas.microsoft.com/office/drawing/2014/main" id="{732BB3FC-BF98-406C-847F-AECADA89555B}"/>
+              </a:ext>
+            </a:extLst>
+          </p:cNvPr>
+          <p:cNvCxnSpPr>
+            <a:cxnSpLocks/>
+          </p:cNvCxnSpPr>
+          <p:nvPr/>
+        </p:nvCxnSpPr>
+        <p:spPr>
+          <a:xfrm>
+            <a:off x="6867525" y="2305050"/>
+            <a:ext cx="0" cy="1876425"/>
+          </a:xfrm>
+          <a:prstGeom prst="line">
+            <a:avLst/>
+          </a:prstGeom>
+        </p:spPr>
+        <p:style>
+          <a:lnRef idx="1">
+            <a:schemeClr val="accent1"/>
+          </a:lnRef>
+          <a:fillRef idx="0">
+            <a:schemeClr val="accent1"/>
+          </a:fillRef>
+          <a:effectRef idx="0">
+            <a:schemeClr val="accent1"/>
+          </a:effectRef>
+          <a:fontRef idx="minor">
+            <a:schemeClr val="tx1"/>
+          </a:fontRef>
+        </p:style>
+      </p:cxnSp>
+      <p:cxnSp>
+        <p:nvCxnSpPr>
+          <p:cNvPr id="10" name="Straight Connector 9">
+            <a:extLst>
+              <a:ext uri="{FF2B5EF4-FFF2-40B4-BE49-F238E27FC236}">
+                <a16:creationId xmlns:a16="http://schemas.microsoft.com/office/drawing/2014/main" id="{DB9DF441-B9B2-43EA-83A9-1CBF4ED8B3E2}"/>
+              </a:ext>
+            </a:extLst>
+          </p:cNvPr>
+          <p:cNvCxnSpPr>
+            <a:cxnSpLocks/>
+          </p:cNvCxnSpPr>
+          <p:nvPr/>
+        </p:nvCxnSpPr>
+        <p:spPr>
+          <a:xfrm>
+            <a:off x="8877300" y="2305050"/>
+            <a:ext cx="0" cy="1876425"/>
+          </a:xfrm>
+          <a:prstGeom prst="line">
+            <a:avLst/>
+          </a:prstGeom>
+        </p:spPr>
+        <p:style>
+          <a:lnRef idx="1">
+            <a:schemeClr val="accent1"/>
+          </a:lnRef>
+          <a:fillRef idx="0">
+            <a:schemeClr val="accent1"/>
+          </a:fillRef>
+          <a:effectRef idx="0">
+            <a:schemeClr val="accent1"/>
+          </a:effectRef>
+          <a:fontRef idx="minor">
+            <a:schemeClr val="tx1"/>
+          </a:fontRef>
+        </p:style>
+      </p:cxnSp>
+      <p:cxnSp>
+        <p:nvCxnSpPr>
+          <p:cNvPr id="11" name="Straight Connector 10">
+            <a:extLst>
+              <a:ext uri="{FF2B5EF4-FFF2-40B4-BE49-F238E27FC236}">
+                <a16:creationId xmlns:a16="http://schemas.microsoft.com/office/drawing/2014/main" id="{4C6C6733-F704-455A-BF13-C826B75B014F}"/>
+              </a:ext>
+            </a:extLst>
+          </p:cNvPr>
+          <p:cNvCxnSpPr>
+            <a:cxnSpLocks/>
+          </p:cNvCxnSpPr>
+          <p:nvPr/>
+        </p:nvCxnSpPr>
+        <p:spPr>
+          <a:xfrm>
+            <a:off x="1352550" y="2305050"/>
+            <a:ext cx="0" cy="1876425"/>
+          </a:xfrm>
+          <a:prstGeom prst="line">
+            <a:avLst/>
+          </a:prstGeom>
+        </p:spPr>
+        <p:style>
+          <a:lnRef idx="1">
+            <a:schemeClr val="accent1"/>
+          </a:lnRef>
+          <a:fillRef idx="0">
+            <a:schemeClr val="accent1"/>
+          </a:fillRef>
+          <a:effectRef idx="0">
+            <a:schemeClr val="accent1"/>
+          </a:effectRef>
+          <a:fontRef idx="minor">
+            <a:schemeClr val="tx1"/>
+          </a:fontRef>
+        </p:style>
+      </p:cxnSp>
+      <p:cxnSp>
+        <p:nvCxnSpPr>
+          <p:cNvPr id="12" name="Straight Connector 11">
+            <a:extLst>
+              <a:ext uri="{FF2B5EF4-FFF2-40B4-BE49-F238E27FC236}">
+                <a16:creationId xmlns:a16="http://schemas.microsoft.com/office/drawing/2014/main" id="{2812619B-A5CE-4B8F-B3B1-21BB53ECE8A4}"/>
+              </a:ext>
+            </a:extLst>
+          </p:cNvPr>
+          <p:cNvCxnSpPr>
+            <a:cxnSpLocks/>
+          </p:cNvCxnSpPr>
+          <p:nvPr/>
+        </p:nvCxnSpPr>
+        <p:spPr>
+          <a:xfrm>
+            <a:off x="3200400" y="2305050"/>
+            <a:ext cx="0" cy="1876425"/>
+          </a:xfrm>
+          <a:prstGeom prst="line">
+            <a:avLst/>
+          </a:prstGeom>
+        </p:spPr>
+        <p:style>
+          <a:lnRef idx="1">
+            <a:schemeClr val="accent1"/>
+          </a:lnRef>
+          <a:fillRef idx="0">
+            <a:schemeClr val="accent1"/>
+          </a:fillRef>
+          <a:effectRef idx="0">
+            <a:schemeClr val="accent1"/>
+          </a:effectRef>
+          <a:fontRef idx="minor">
+            <a:schemeClr val="tx1"/>
+          </a:fontRef>
+        </p:style>
+      </p:cxnSp>
     </p:spTree>
     <p:extLst>
       <p:ext uri="{BB962C8B-B14F-4D97-AF65-F5344CB8AC3E}">
@@ -12541,6 +12697,26 @@
             <a:r>
               <a:rPr lang="en-US" dirty="0"/>
               <a:t>Label is 1-5 score, labeled by professionals manually </a:t>
+            </a:r>
+          </a:p>
+          <a:p>
+            <a:pPr lvl="1">
+              <a:buFont typeface="Wingdings" panose="05000000000000000000" pitchFamily="2" charset="2"/>
+              <a:buChar char="§"/>
+            </a:pPr>
+            <a:r>
+              <a:rPr lang="en-US" dirty="0"/>
+              <a:t>1-3 = bad </a:t>
+            </a:r>
+          </a:p>
+          <a:p>
+            <a:pPr lvl="1">
+              <a:buFont typeface="Wingdings" panose="05000000000000000000" pitchFamily="2" charset="2"/>
+              <a:buChar char="§"/>
+            </a:pPr>
+            <a:r>
+              <a:rPr lang="en-US" dirty="0"/>
+              <a:t>4-5 = good</a:t>
             </a:r>
           </a:p>
           <a:p>

--- a/Low Quality News Identification.pptx
+++ b/Low Quality News Identification.pptx
@@ -16,6 +16,7 @@
     <p:sldId id="268" r:id="rId10"/>
     <p:sldId id="262" r:id="rId11"/>
     <p:sldId id="260" r:id="rId12"/>
+    <p:sldId id="270" r:id="rId13"/>
   </p:sldIdLst>
   <p:sldSz cx="12192000" cy="6858000"/>
   <p:notesSz cx="6858000" cy="9144000"/>
@@ -11911,14 +11912,21 @@
         <p:spPr/>
         <p:txBody>
           <a:bodyPr>
-            <a:normAutofit/>
+            <a:normAutofit fontScale="70000" lnSpcReduction="20000"/>
           </a:bodyPr>
           <a:lstStyle/>
           <a:p>
             <a:pPr algn="r"/>
             <a:r>
               <a:rPr lang="en-US" dirty="0"/>
-              <a:t>Ricardo Frank Barrera, Linfang Yang </a:t>
+              <a:t>Linfang Yang</a:t>
+            </a:r>
+          </a:p>
+          <a:p>
+            <a:pPr algn="r"/>
+            <a:r>
+              <a:rPr lang="en-US" dirty="0"/>
+              <a:t>Ricardo Frank Barrera </a:t>
             </a:r>
           </a:p>
           <a:p>
@@ -12390,6 +12398,140 @@
 </p:sld>
 </file>
 
+<file path=ppt/slides/slide12.xml><?xml version="1.0" encoding="utf-8"?>
+<p:sld xmlns:a="http://schemas.openxmlformats.org/drawingml/2006/main" xmlns:r="http://schemas.openxmlformats.org/officeDocument/2006/relationships" xmlns:p="http://schemas.openxmlformats.org/presentationml/2006/main">
+  <p:cSld>
+    <p:spTree>
+      <p:nvGrpSpPr>
+        <p:cNvPr id="1" name=""/>
+        <p:cNvGrpSpPr/>
+        <p:nvPr/>
+      </p:nvGrpSpPr>
+      <p:grpSpPr>
+        <a:xfrm>
+          <a:off x="0" y="0"/>
+          <a:ext cx="0" cy="0"/>
+          <a:chOff x="0" y="0"/>
+          <a:chExt cx="0" cy="0"/>
+        </a:xfrm>
+      </p:grpSpPr>
+      <p:sp>
+        <p:nvSpPr>
+          <p:cNvPr id="2" name="Title 1">
+            <a:extLst>
+              <a:ext uri="{FF2B5EF4-FFF2-40B4-BE49-F238E27FC236}">
+                <a16:creationId xmlns:a16="http://schemas.microsoft.com/office/drawing/2014/main" id="{8AD85AA4-0D1B-45CE-8DD9-EE19F3E8B652}"/>
+              </a:ext>
+            </a:extLst>
+          </p:cNvPr>
+          <p:cNvSpPr>
+            <a:spLocks noGrp="1"/>
+          </p:cNvSpPr>
+          <p:nvPr>
+            <p:ph type="title"/>
+          </p:nvPr>
+        </p:nvSpPr>
+        <p:spPr/>
+        <p:txBody>
+          <a:bodyPr/>
+          <a:lstStyle/>
+          <a:p>
+            <a:r>
+              <a:rPr lang="en-US" dirty="0"/>
+              <a:t>Future work	</a:t>
+            </a:r>
+          </a:p>
+        </p:txBody>
+      </p:sp>
+      <p:sp>
+        <p:nvSpPr>
+          <p:cNvPr id="3" name="Content Placeholder 2">
+            <a:extLst>
+              <a:ext uri="{FF2B5EF4-FFF2-40B4-BE49-F238E27FC236}">
+                <a16:creationId xmlns:a16="http://schemas.microsoft.com/office/drawing/2014/main" id="{EB12566E-2449-48BE-A080-C260163D444F}"/>
+              </a:ext>
+            </a:extLst>
+          </p:cNvPr>
+          <p:cNvSpPr>
+            <a:spLocks noGrp="1"/>
+          </p:cNvSpPr>
+          <p:nvPr>
+            <p:ph idx="1"/>
+          </p:nvPr>
+        </p:nvSpPr>
+        <p:spPr/>
+        <p:txBody>
+          <a:bodyPr/>
+          <a:lstStyle/>
+          <a:p>
+            <a:r>
+              <a:rPr lang="en-US" dirty="0"/>
+              <a:t>Increase training / evaluation dataset size</a:t>
+            </a:r>
+          </a:p>
+          <a:p>
+            <a:r>
+              <a:rPr lang="en-US" dirty="0"/>
+              <a:t>Include more article attributes in additional to text </a:t>
+            </a:r>
+          </a:p>
+          <a:p>
+            <a:pPr lvl="1"/>
+            <a:r>
+              <a:rPr lang="en-US" dirty="0"/>
+              <a:t>Title/Domain Analysis</a:t>
+            </a:r>
+          </a:p>
+          <a:p>
+            <a:pPr lvl="1"/>
+            <a:r>
+              <a:rPr lang="en-US" dirty="0"/>
+              <a:t>About the news source site analysis</a:t>
+            </a:r>
+          </a:p>
+          <a:p>
+            <a:pPr lvl="1"/>
+            <a:r>
+              <a:rPr lang="en-US" dirty="0"/>
+              <a:t>Source Analysis</a:t>
+            </a:r>
+          </a:p>
+          <a:p>
+            <a:pPr lvl="1"/>
+            <a:r>
+              <a:rPr lang="en-US" dirty="0"/>
+              <a:t>Writing Style Analysis</a:t>
+            </a:r>
+          </a:p>
+          <a:p>
+            <a:pPr lvl="1"/>
+            <a:r>
+              <a:rPr lang="en-US" dirty="0"/>
+              <a:t>Aesthetic Analysis</a:t>
+            </a:r>
+          </a:p>
+          <a:p>
+            <a:pPr lvl="1"/>
+            <a:r>
+              <a:rPr lang="en-US" dirty="0"/>
+              <a:t>Social Media Analysis</a:t>
+            </a:r>
+          </a:p>
+        </p:txBody>
+      </p:sp>
+    </p:spTree>
+    <p:extLst>
+      <p:ext uri="{BB962C8B-B14F-4D97-AF65-F5344CB8AC3E}">
+        <p14:creationId xmlns:p14="http://schemas.microsoft.com/office/powerpoint/2010/main" val="3280788941"/>
+      </p:ext>
+    </p:extLst>
+  </p:cSld>
+  <p:clrMapOvr>
+    <a:masterClrMapping/>
+  </p:clrMapOvr>
+</p:sld>
+</file>
+
 <file path=ppt/slides/slide2.xml><?xml version="1.0" encoding="utf-8"?>
 <p:sld xmlns:a="http://schemas.openxmlformats.org/drawingml/2006/main" xmlns:r="http://schemas.openxmlformats.org/officeDocument/2006/relationships" xmlns:p="http://schemas.openxmlformats.org/presentationml/2006/main">
   <p:cSld>
@@ -12753,8 +12895,38 @@
         </p:blipFill>
         <p:spPr>
           <a:xfrm>
-            <a:off x="4386447" y="4962524"/>
+            <a:off x="9641668" y="1515111"/>
             <a:ext cx="1924050" cy="1285875"/>
+          </a:xfrm>
+          <a:prstGeom prst="rect">
+            <a:avLst/>
+          </a:prstGeom>
+        </p:spPr>
+      </p:pic>
+      <p:pic>
+        <p:nvPicPr>
+          <p:cNvPr id="5" name="Picture 4">
+            <a:extLst>
+              <a:ext uri="{FF2B5EF4-FFF2-40B4-BE49-F238E27FC236}">
+                <a16:creationId xmlns:a16="http://schemas.microsoft.com/office/drawing/2014/main" id="{B3210816-637A-4C42-9C7A-54980DCC9B40}"/>
+              </a:ext>
+            </a:extLst>
+          </p:cNvPr>
+          <p:cNvPicPr>
+            <a:picLocks noChangeAspect="1"/>
+          </p:cNvPicPr>
+          <p:nvPr/>
+        </p:nvPicPr>
+        <p:blipFill>
+          <a:blip r:embed="rId3"/>
+          <a:stretch>
+            <a:fillRect/>
+          </a:stretch>
+        </p:blipFill>
+        <p:spPr>
+          <a:xfrm>
+            <a:off x="3971925" y="4610101"/>
+            <a:ext cx="3353574" cy="2247900"/>
           </a:xfrm>
           <a:prstGeom prst="rect">
             <a:avLst/>

--- a/Low Quality News Identification.pptx
+++ b/Low Quality News Identification.pptx
@@ -12519,6 +12519,36 @@
           </a:p>
         </p:txBody>
       </p:sp>
+      <p:pic>
+        <p:nvPicPr>
+          <p:cNvPr id="4" name="Picture 3">
+            <a:extLst>
+              <a:ext uri="{FF2B5EF4-FFF2-40B4-BE49-F238E27FC236}">
+                <a16:creationId xmlns:a16="http://schemas.microsoft.com/office/drawing/2014/main" id="{735757A2-2DF8-4C24-9A18-13C34E37B050}"/>
+              </a:ext>
+            </a:extLst>
+          </p:cNvPr>
+          <p:cNvPicPr>
+            <a:picLocks noChangeAspect="1"/>
+          </p:cNvPicPr>
+          <p:nvPr/>
+        </p:nvPicPr>
+        <p:blipFill>
+          <a:blip r:embed="rId2"/>
+          <a:stretch>
+            <a:fillRect/>
+          </a:stretch>
+        </p:blipFill>
+        <p:spPr>
+          <a:xfrm>
+            <a:off x="6129337" y="3748087"/>
+            <a:ext cx="5172075" cy="2352675"/>
+          </a:xfrm>
+          <a:prstGeom prst="rect">
+            <a:avLst/>
+          </a:prstGeom>
+        </p:spPr>
+      </p:pic>
     </p:spTree>
     <p:extLst>
       <p:ext uri="{BB962C8B-B14F-4D97-AF65-F5344CB8AC3E}">
@@ -12627,66 +12657,6 @@
           </a:p>
         </p:txBody>
       </p:sp>
-      <p:pic>
-        <p:nvPicPr>
-          <p:cNvPr id="4" name="Picture 3">
-            <a:extLst>
-              <a:ext uri="{FF2B5EF4-FFF2-40B4-BE49-F238E27FC236}">
-                <a16:creationId xmlns:a16="http://schemas.microsoft.com/office/drawing/2014/main" id="{015C6201-70DE-49BB-B18C-2BC7704EB2C5}"/>
-              </a:ext>
-            </a:extLst>
-          </p:cNvPr>
-          <p:cNvPicPr>
-            <a:picLocks noChangeAspect="1"/>
-          </p:cNvPicPr>
-          <p:nvPr/>
-        </p:nvPicPr>
-        <p:blipFill>
-          <a:blip r:embed="rId2"/>
-          <a:stretch>
-            <a:fillRect/>
-          </a:stretch>
-        </p:blipFill>
-        <p:spPr>
-          <a:xfrm>
-            <a:off x="8091487" y="2052918"/>
-            <a:ext cx="2543175" cy="1352550"/>
-          </a:xfrm>
-          <a:prstGeom prst="rect">
-            <a:avLst/>
-          </a:prstGeom>
-        </p:spPr>
-      </p:pic>
-      <p:pic>
-        <p:nvPicPr>
-          <p:cNvPr id="5" name="Picture 4">
-            <a:extLst>
-              <a:ext uri="{FF2B5EF4-FFF2-40B4-BE49-F238E27FC236}">
-                <a16:creationId xmlns:a16="http://schemas.microsoft.com/office/drawing/2014/main" id="{70CF57A8-C92C-4EE9-A1FE-BD1F53B2EC92}"/>
-              </a:ext>
-            </a:extLst>
-          </p:cNvPr>
-          <p:cNvPicPr>
-            <a:picLocks noChangeAspect="1"/>
-          </p:cNvPicPr>
-          <p:nvPr/>
-        </p:nvPicPr>
-        <p:blipFill>
-          <a:blip r:embed="rId3"/>
-          <a:stretch>
-            <a:fillRect/>
-          </a:stretch>
-        </p:blipFill>
-        <p:spPr>
-          <a:xfrm>
-            <a:off x="8415336" y="4481512"/>
-            <a:ext cx="1895475" cy="1666875"/>
-          </a:xfrm>
-          <a:prstGeom prst="rect">
-            <a:avLst/>
-          </a:prstGeom>
-        </p:spPr>
-      </p:pic>
       <p:sp>
         <p:nvSpPr>
           <p:cNvPr id="6" name="Arrow: Down 5">
@@ -12733,6 +12703,66 @@
           </a:p>
         </p:txBody>
       </p:sp>
+      <p:pic>
+        <p:nvPicPr>
+          <p:cNvPr id="7" name="Picture 6">
+            <a:extLst>
+              <a:ext uri="{FF2B5EF4-FFF2-40B4-BE49-F238E27FC236}">
+                <a16:creationId xmlns:a16="http://schemas.microsoft.com/office/drawing/2014/main" id="{D10690A1-33DC-4E11-978C-891DC5E4948E}"/>
+              </a:ext>
+            </a:extLst>
+          </p:cNvPr>
+          <p:cNvPicPr>
+            <a:picLocks noChangeAspect="1"/>
+          </p:cNvPicPr>
+          <p:nvPr/>
+        </p:nvPicPr>
+        <p:blipFill>
+          <a:blip r:embed="rId2"/>
+          <a:stretch>
+            <a:fillRect/>
+          </a:stretch>
+        </p:blipFill>
+        <p:spPr>
+          <a:xfrm>
+            <a:off x="8167685" y="2174222"/>
+            <a:ext cx="2390775" cy="1419225"/>
+          </a:xfrm>
+          <a:prstGeom prst="rect">
+            <a:avLst/>
+          </a:prstGeom>
+        </p:spPr>
+      </p:pic>
+      <p:pic>
+        <p:nvPicPr>
+          <p:cNvPr id="8" name="Picture 7">
+            <a:extLst>
+              <a:ext uri="{FF2B5EF4-FFF2-40B4-BE49-F238E27FC236}">
+                <a16:creationId xmlns:a16="http://schemas.microsoft.com/office/drawing/2014/main" id="{853F3770-28D0-4D68-9EB1-97A7F69BEB12}"/>
+              </a:ext>
+            </a:extLst>
+          </p:cNvPr>
+          <p:cNvPicPr>
+            <a:picLocks noChangeAspect="1"/>
+          </p:cNvPicPr>
+          <p:nvPr/>
+        </p:nvPicPr>
+        <p:blipFill>
+          <a:blip r:embed="rId3"/>
+          <a:stretch>
+            <a:fillRect/>
+          </a:stretch>
+        </p:blipFill>
+        <p:spPr>
+          <a:xfrm>
+            <a:off x="8401047" y="4388503"/>
+            <a:ext cx="1924050" cy="1285875"/>
+          </a:xfrm>
+          <a:prstGeom prst="rect">
+            <a:avLst/>
+          </a:prstGeom>
+        </p:spPr>
+      </p:pic>
     </p:spTree>
     <p:extLst>
       <p:ext uri="{BB962C8B-B14F-4D97-AF65-F5344CB8AC3E}">
@@ -12875,10 +12905,10 @@
       </p:sp>
       <p:pic>
         <p:nvPicPr>
-          <p:cNvPr id="4" name="Picture 3">
+          <p:cNvPr id="5" name="Picture 4">
             <a:extLst>
               <a:ext uri="{FF2B5EF4-FFF2-40B4-BE49-F238E27FC236}">
-                <a16:creationId xmlns:a16="http://schemas.microsoft.com/office/drawing/2014/main" id="{03EAB6FF-93FC-412B-A82C-78B0F75D8DA6}"/>
+                <a16:creationId xmlns:a16="http://schemas.microsoft.com/office/drawing/2014/main" id="{B3210816-637A-4C42-9C7A-54980DCC9B40}"/>
               </a:ext>
             </a:extLst>
           </p:cNvPr>
@@ -12895,8 +12925,8 @@
         </p:blipFill>
         <p:spPr>
           <a:xfrm>
-            <a:off x="9641668" y="1515111"/>
-            <a:ext cx="1924050" cy="1285875"/>
+            <a:off x="3971925" y="4610101"/>
+            <a:ext cx="3353574" cy="2247900"/>
           </a:xfrm>
           <a:prstGeom prst="rect">
             <a:avLst/>
@@ -12905,10 +12935,10 @@
       </p:pic>
       <p:pic>
         <p:nvPicPr>
-          <p:cNvPr id="5" name="Picture 4">
+          <p:cNvPr id="6" name="Picture 5">
             <a:extLst>
               <a:ext uri="{FF2B5EF4-FFF2-40B4-BE49-F238E27FC236}">
-                <a16:creationId xmlns:a16="http://schemas.microsoft.com/office/drawing/2014/main" id="{B3210816-637A-4C42-9C7A-54980DCC9B40}"/>
+                <a16:creationId xmlns:a16="http://schemas.microsoft.com/office/drawing/2014/main" id="{4FED55E8-98C9-438E-9CC6-99D2FC6F7C17}"/>
               </a:ext>
             </a:extLst>
           </p:cNvPr>
@@ -12925,8 +12955,8 @@
         </p:blipFill>
         <p:spPr>
           <a:xfrm>
-            <a:off x="3971925" y="4610101"/>
-            <a:ext cx="3353574" cy="2247900"/>
+            <a:off x="9904106" y="1324612"/>
+            <a:ext cx="1895475" cy="1666875"/>
           </a:xfrm>
           <a:prstGeom prst="rect">
             <a:avLst/>
